--- a/Lecture_08.pptx
+++ b/Lecture_08.pptx
@@ -8,6 +8,17 @@
     <p:sldId id="256" r:id="rId2"/>
     <p:sldId id="257" r:id="rId3"/>
     <p:sldId id="258" r:id="rId4"/>
+    <p:sldId id="259" r:id="rId5"/>
+    <p:sldId id="267" r:id="rId6"/>
+    <p:sldId id="260" r:id="rId7"/>
+    <p:sldId id="266" r:id="rId8"/>
+    <p:sldId id="270" r:id="rId9"/>
+    <p:sldId id="262" r:id="rId10"/>
+    <p:sldId id="268" r:id="rId11"/>
+    <p:sldId id="265" r:id="rId12"/>
+    <p:sldId id="264" r:id="rId13"/>
+    <p:sldId id="263" r:id="rId14"/>
+    <p:sldId id="269" r:id="rId15"/>
   </p:sldIdLst>
   <p:sldSz cx="12192000" cy="6858000"/>
   <p:notesSz cx="6858000" cy="9144000"/>
@@ -245,7 +256,7 @@
           <a:p>
             <a:fld id="{B7545E61-968A-408A-8F46-894281D3BC8F}" type="datetimeFigureOut">
               <a:rPr lang="en-CA" smtClean="0"/>
-              <a:t>2019-09-18</a:t>
+              <a:t>2019-09-19</a:t>
             </a:fld>
             <a:endParaRPr lang="en-CA"/>
           </a:p>
@@ -415,7 +426,7 @@
           <a:p>
             <a:fld id="{B7545E61-968A-408A-8F46-894281D3BC8F}" type="datetimeFigureOut">
               <a:rPr lang="en-CA" smtClean="0"/>
-              <a:t>2019-09-18</a:t>
+              <a:t>2019-09-19</a:t>
             </a:fld>
             <a:endParaRPr lang="en-CA"/>
           </a:p>
@@ -595,7 +606,7 @@
           <a:p>
             <a:fld id="{B7545E61-968A-408A-8F46-894281D3BC8F}" type="datetimeFigureOut">
               <a:rPr lang="en-CA" smtClean="0"/>
-              <a:t>2019-09-18</a:t>
+              <a:t>2019-09-19</a:t>
             </a:fld>
             <a:endParaRPr lang="en-CA"/>
           </a:p>
@@ -765,7 +776,7 @@
           <a:p>
             <a:fld id="{B7545E61-968A-408A-8F46-894281D3BC8F}" type="datetimeFigureOut">
               <a:rPr lang="en-CA" smtClean="0"/>
-              <a:t>2019-09-18</a:t>
+              <a:t>2019-09-19</a:t>
             </a:fld>
             <a:endParaRPr lang="en-CA"/>
           </a:p>
@@ -1011,7 +1022,7 @@
           <a:p>
             <a:fld id="{B7545E61-968A-408A-8F46-894281D3BC8F}" type="datetimeFigureOut">
               <a:rPr lang="en-CA" smtClean="0"/>
-              <a:t>2019-09-18</a:t>
+              <a:t>2019-09-19</a:t>
             </a:fld>
             <a:endParaRPr lang="en-CA"/>
           </a:p>
@@ -1243,7 +1254,7 @@
           <a:p>
             <a:fld id="{B7545E61-968A-408A-8F46-894281D3BC8F}" type="datetimeFigureOut">
               <a:rPr lang="en-CA" smtClean="0"/>
-              <a:t>2019-09-18</a:t>
+              <a:t>2019-09-19</a:t>
             </a:fld>
             <a:endParaRPr lang="en-CA"/>
           </a:p>
@@ -1610,7 +1621,7 @@
           <a:p>
             <a:fld id="{B7545E61-968A-408A-8F46-894281D3BC8F}" type="datetimeFigureOut">
               <a:rPr lang="en-CA" smtClean="0"/>
-              <a:t>2019-09-18</a:t>
+              <a:t>2019-09-19</a:t>
             </a:fld>
             <a:endParaRPr lang="en-CA"/>
           </a:p>
@@ -1728,7 +1739,7 @@
           <a:p>
             <a:fld id="{B7545E61-968A-408A-8F46-894281D3BC8F}" type="datetimeFigureOut">
               <a:rPr lang="en-CA" smtClean="0"/>
-              <a:t>2019-09-18</a:t>
+              <a:t>2019-09-19</a:t>
             </a:fld>
             <a:endParaRPr lang="en-CA"/>
           </a:p>
@@ -1823,7 +1834,7 @@
           <a:p>
             <a:fld id="{B7545E61-968A-408A-8F46-894281D3BC8F}" type="datetimeFigureOut">
               <a:rPr lang="en-CA" smtClean="0"/>
-              <a:t>2019-09-18</a:t>
+              <a:t>2019-09-19</a:t>
             </a:fld>
             <a:endParaRPr lang="en-CA"/>
           </a:p>
@@ -2100,7 +2111,7 @@
           <a:p>
             <a:fld id="{B7545E61-968A-408A-8F46-894281D3BC8F}" type="datetimeFigureOut">
               <a:rPr lang="en-CA" smtClean="0"/>
-              <a:t>2019-09-18</a:t>
+              <a:t>2019-09-19</a:t>
             </a:fld>
             <a:endParaRPr lang="en-CA"/>
           </a:p>
@@ -2353,7 +2364,7 @@
           <a:p>
             <a:fld id="{B7545E61-968A-408A-8F46-894281D3BC8F}" type="datetimeFigureOut">
               <a:rPr lang="en-CA" smtClean="0"/>
-              <a:t>2019-09-18</a:t>
+              <a:t>2019-09-19</a:t>
             </a:fld>
             <a:endParaRPr lang="en-CA"/>
           </a:p>
@@ -2566,7 +2577,7 @@
           <a:p>
             <a:fld id="{B7545E61-968A-408A-8F46-894281D3BC8F}" type="datetimeFigureOut">
               <a:rPr lang="en-CA" smtClean="0"/>
-              <a:t>2019-09-18</a:t>
+              <a:t>2019-09-19</a:t>
             </a:fld>
             <a:endParaRPr lang="en-CA"/>
           </a:p>
@@ -3044,6 +3055,1660 @@
 </p:sld>
 </file>
 
+<file path=ppt/slides/slide10.xml><?xml version="1.0" encoding="utf-8"?>
+<p:sld xmlns:a="http://schemas.openxmlformats.org/drawingml/2006/main" xmlns:r="http://schemas.openxmlformats.org/officeDocument/2006/relationships" xmlns:p="http://schemas.openxmlformats.org/presentationml/2006/main">
+  <p:cSld>
+    <p:spTree>
+      <p:nvGrpSpPr>
+        <p:cNvPr id="1" name=""/>
+        <p:cNvGrpSpPr/>
+        <p:nvPr/>
+      </p:nvGrpSpPr>
+      <p:grpSpPr>
+        <a:xfrm>
+          <a:off x="0" y="0"/>
+          <a:ext cx="0" cy="0"/>
+          <a:chOff x="0" y="0"/>
+          <a:chExt cx="0" cy="0"/>
+        </a:xfrm>
+      </p:grpSpPr>
+      <p:sp>
+        <p:nvSpPr>
+          <p:cNvPr id="2" name="Title 1"/>
+          <p:cNvSpPr>
+            <a:spLocks noGrp="1"/>
+          </p:cNvSpPr>
+          <p:nvPr>
+            <p:ph type="title"/>
+          </p:nvPr>
+        </p:nvSpPr>
+        <p:spPr/>
+        <p:txBody>
+          <a:bodyPr/>
+          <a:lstStyle/>
+          <a:p>
+            <a:r>
+              <a:rPr lang="en-CA" dirty="0" smtClean="0"/>
+              <a:t>Logistic regression function</a:t>
+            </a:r>
+            <a:endParaRPr lang="en-CA" dirty="0"/>
+          </a:p>
+        </p:txBody>
+      </p:sp>
+      <p:pic>
+        <p:nvPicPr>
+          <p:cNvPr id="4" name="Picture 3"/>
+          <p:cNvPicPr>
+            <a:picLocks noChangeAspect="1"/>
+          </p:cNvPicPr>
+          <p:nvPr/>
+        </p:nvPicPr>
+        <p:blipFill>
+          <a:blip r:embed="rId2"/>
+          <a:stretch>
+            <a:fillRect/>
+          </a:stretch>
+        </p:blipFill>
+        <p:spPr>
+          <a:xfrm>
+            <a:off x="5151292" y="1690688"/>
+            <a:ext cx="6861973" cy="3975821"/>
+          </a:xfrm>
+          <a:prstGeom prst="rect">
+            <a:avLst/>
+          </a:prstGeom>
+        </p:spPr>
+      </p:pic>
+      <mc:AlternateContent xmlns:mc="http://schemas.openxmlformats.org/markup-compatibility/2006" xmlns:a14="http://schemas.microsoft.com/office/drawing/2010/main">
+        <mc:Choice Requires="a14">
+          <p:sp>
+            <p:nvSpPr>
+              <p:cNvPr id="5" name="Content Placeholder 2"/>
+              <p:cNvSpPr>
+                <a:spLocks noGrp="1"/>
+              </p:cNvSpPr>
+              <p:nvPr>
+                <p:ph idx="1"/>
+              </p:nvPr>
+            </p:nvSpPr>
+            <p:spPr>
+              <a:xfrm>
+                <a:off x="316056" y="2244437"/>
+                <a:ext cx="4655127" cy="3643616"/>
+              </a:xfrm>
+            </p:spPr>
+            <p:txBody>
+              <a:bodyPr/>
+              <a:lstStyle/>
+              <a:p>
+                <a:r>
+                  <a:rPr lang="en-CA" dirty="0" smtClean="0"/>
+                  <a:t>1-dimensional logistic regression function</a:t>
+                </a:r>
+              </a:p>
+              <a:p>
+                <a14:m>
+                  <m:oMath xmlns:m="http://schemas.openxmlformats.org/officeDocument/2006/math">
+                    <m:r>
+                      <m:rPr>
+                        <m:sty m:val="p"/>
+                      </m:rPr>
+                      <a:rPr lang="en-CA" b="0" i="0" smtClean="0">
+                        <a:latin typeface="Cambria Math" panose="02040503050406030204" pitchFamily="18" charset="0"/>
+                      </a:rPr>
+                      <m:t>p</m:t>
+                    </m:r>
+                    <m:d>
+                      <m:dPr>
+                        <m:ctrlPr>
+                          <a:rPr lang="en-CA" b="0" i="1" smtClean="0">
+                            <a:latin typeface="Cambria Math" panose="02040503050406030204" pitchFamily="18" charset="0"/>
+                          </a:rPr>
+                        </m:ctrlPr>
+                      </m:dPr>
+                      <m:e>
+                        <m:r>
+                          <a:rPr lang="en-CA" b="0" i="0" smtClean="0">
+                            <a:latin typeface="Cambria Math" panose="02040503050406030204" pitchFamily="18" charset="0"/>
+                          </a:rPr>
+                          <m:t>1</m:t>
+                        </m:r>
+                      </m:e>
+                      <m:e>
+                        <m:r>
+                          <m:rPr>
+                            <m:sty m:val="p"/>
+                          </m:rPr>
+                          <a:rPr lang="en-CA" b="0" i="0" smtClean="0">
+                            <a:latin typeface="Cambria Math" panose="02040503050406030204" pitchFamily="18" charset="0"/>
+                          </a:rPr>
+                          <m:t>a</m:t>
+                        </m:r>
+                        <m:r>
+                          <a:rPr lang="en-CA" b="0" i="0" baseline="-25000" smtClean="0">
+                            <a:latin typeface="Cambria Math" panose="02040503050406030204" pitchFamily="18" charset="0"/>
+                          </a:rPr>
+                          <m:t>1</m:t>
+                        </m:r>
+                      </m:e>
+                    </m:d>
+                    <m:r>
+                      <a:rPr lang="en-CA" b="0" i="0" smtClean="0">
+                        <a:latin typeface="Cambria Math" panose="02040503050406030204" pitchFamily="18" charset="0"/>
+                      </a:rPr>
+                      <m:t>= </m:t>
+                    </m:r>
+                    <m:f>
+                      <m:fPr>
+                        <m:ctrlPr>
+                          <a:rPr lang="en-CA" b="0" i="1" smtClean="0">
+                            <a:latin typeface="Cambria Math" panose="02040503050406030204" pitchFamily="18" charset="0"/>
+                          </a:rPr>
+                        </m:ctrlPr>
+                      </m:fPr>
+                      <m:num>
+                        <m:r>
+                          <a:rPr lang="en-CA" b="0" i="0" smtClean="0">
+                            <a:latin typeface="Cambria Math" panose="02040503050406030204" pitchFamily="18" charset="0"/>
+                          </a:rPr>
+                          <m:t>1</m:t>
+                        </m:r>
+                      </m:num>
+                      <m:den>
+                        <m:r>
+                          <a:rPr lang="en-CA" b="0" i="0" smtClean="0">
+                            <a:latin typeface="Cambria Math" panose="02040503050406030204" pitchFamily="18" charset="0"/>
+                          </a:rPr>
+                          <m:t>1+</m:t>
+                        </m:r>
+                        <m:r>
+                          <m:rPr>
+                            <m:sty m:val="p"/>
+                          </m:rPr>
+                          <a:rPr lang="en-CA" b="0" i="0" smtClean="0">
+                            <a:latin typeface="Cambria Math" panose="02040503050406030204" pitchFamily="18" charset="0"/>
+                          </a:rPr>
+                          <m:t>exp</m:t>
+                        </m:r>
+                        <m:r>
+                          <a:rPr lang="en-CA" b="0" i="0" smtClean="0">
+                            <a:latin typeface="Cambria Math" panose="02040503050406030204" pitchFamily="18" charset="0"/>
+                          </a:rPr>
+                          <m:t>⁡(−</m:t>
+                        </m:r>
+                        <m:r>
+                          <m:rPr>
+                            <m:sty m:val="p"/>
+                          </m:rPr>
+                          <a:rPr lang="en-CA" b="0" i="0" smtClean="0">
+                            <a:latin typeface="Cambria Math" panose="02040503050406030204" pitchFamily="18" charset="0"/>
+                          </a:rPr>
+                          <m:t>w</m:t>
+                        </m:r>
+                        <m:r>
+                          <a:rPr lang="en-CA" b="0" i="0" baseline="-25000" smtClean="0">
+                            <a:latin typeface="Cambria Math" panose="02040503050406030204" pitchFamily="18" charset="0"/>
+                          </a:rPr>
+                          <m:t>0</m:t>
+                        </m:r>
+                        <m:r>
+                          <a:rPr lang="en-CA" b="0" i="0" smtClean="0">
+                            <a:latin typeface="Cambria Math" panose="02040503050406030204" pitchFamily="18" charset="0"/>
+                          </a:rPr>
+                          <m:t>−</m:t>
+                        </m:r>
+                        <m:r>
+                          <m:rPr>
+                            <m:sty m:val="p"/>
+                          </m:rPr>
+                          <a:rPr lang="en-CA" b="0" i="0" smtClean="0">
+                            <a:latin typeface="Cambria Math" panose="02040503050406030204" pitchFamily="18" charset="0"/>
+                          </a:rPr>
+                          <m:t>w</m:t>
+                        </m:r>
+                        <m:r>
+                          <a:rPr lang="en-CA" b="0" i="0" baseline="-25000" smtClean="0">
+                            <a:latin typeface="Cambria Math" panose="02040503050406030204" pitchFamily="18" charset="0"/>
+                          </a:rPr>
+                          <m:t>1</m:t>
+                        </m:r>
+                        <m:r>
+                          <m:rPr>
+                            <m:sty m:val="p"/>
+                          </m:rPr>
+                          <a:rPr lang="en-CA" b="0" i="0" smtClean="0">
+                            <a:latin typeface="Cambria Math" panose="02040503050406030204" pitchFamily="18" charset="0"/>
+                          </a:rPr>
+                          <m:t>a</m:t>
+                        </m:r>
+                        <m:r>
+                          <a:rPr lang="en-CA" b="0" i="0" baseline="-25000" smtClean="0">
+                            <a:latin typeface="Cambria Math" panose="02040503050406030204" pitchFamily="18" charset="0"/>
+                          </a:rPr>
+                          <m:t>1</m:t>
+                        </m:r>
+                        <m:r>
+                          <a:rPr lang="en-CA" b="0" i="0" smtClean="0">
+                            <a:latin typeface="Cambria Math" panose="02040503050406030204" pitchFamily="18" charset="0"/>
+                          </a:rPr>
+                          <m:t>)</m:t>
+                        </m:r>
+                      </m:den>
+                    </m:f>
+                  </m:oMath>
+                </a14:m>
+                <a:endParaRPr lang="en-CA" dirty="0" smtClean="0"/>
+              </a:p>
+              <a:p>
+                <a:r>
+                  <a:rPr lang="en-CA" dirty="0" smtClean="0"/>
+                  <a:t>Maps predictions to probabilities </a:t>
+                </a:r>
+              </a:p>
+            </p:txBody>
+          </p:sp>
+        </mc:Choice>
+        <mc:Fallback xmlns="">
+          <p:sp>
+            <p:nvSpPr>
+              <p:cNvPr id="5" name="Content Placeholder 2"/>
+              <p:cNvSpPr>
+                <a:spLocks noGrp="1" noRot="1" noChangeAspect="1" noMove="1" noResize="1" noEditPoints="1" noAdjustHandles="1" noChangeArrowheads="1" noChangeShapeType="1" noTextEdit="1"/>
+              </p:cNvSpPr>
+              <p:nvPr>
+                <p:ph idx="1"/>
+              </p:nvPr>
+            </p:nvSpPr>
+            <p:spPr>
+              <a:xfrm>
+                <a:off x="316056" y="2244437"/>
+                <a:ext cx="4655127" cy="3643616"/>
+              </a:xfrm>
+              <a:blipFill>
+                <a:blip r:embed="rId3"/>
+                <a:stretch>
+                  <a:fillRect l="-2359" t="-2676"/>
+                </a:stretch>
+              </a:blipFill>
+            </p:spPr>
+            <p:txBody>
+              <a:bodyPr/>
+              <a:lstStyle/>
+              <a:p>
+                <a:r>
+                  <a:rPr lang="en-CA">
+                    <a:noFill/>
+                  </a:rPr>
+                  <a:t> </a:t>
+                </a:r>
+              </a:p>
+            </p:txBody>
+          </p:sp>
+        </mc:Fallback>
+      </mc:AlternateContent>
+    </p:spTree>
+    <p:extLst>
+      <p:ext uri="{BB962C8B-B14F-4D97-AF65-F5344CB8AC3E}">
+        <p14:creationId xmlns:p14="http://schemas.microsoft.com/office/powerpoint/2010/main" val="3824525623"/>
+      </p:ext>
+    </p:extLst>
+  </p:cSld>
+  <p:clrMapOvr>
+    <a:masterClrMapping/>
+  </p:clrMapOvr>
+  <p:timing>
+    <p:tnLst>
+      <p:par>
+        <p:cTn id="1" dur="indefinite" restart="never" nodeType="tmRoot"/>
+      </p:par>
+    </p:tnLst>
+  </p:timing>
+</p:sld>
+</file>
+
+<file path=ppt/slides/slide11.xml><?xml version="1.0" encoding="utf-8"?>
+<p:sld xmlns:a="http://schemas.openxmlformats.org/drawingml/2006/main" xmlns:r="http://schemas.openxmlformats.org/officeDocument/2006/relationships" xmlns:p="http://schemas.openxmlformats.org/presentationml/2006/main">
+  <p:cSld>
+    <p:spTree>
+      <p:nvGrpSpPr>
+        <p:cNvPr id="1" name=""/>
+        <p:cNvGrpSpPr/>
+        <p:nvPr/>
+      </p:nvGrpSpPr>
+      <p:grpSpPr>
+        <a:xfrm>
+          <a:off x="0" y="0"/>
+          <a:ext cx="0" cy="0"/>
+          <a:chOff x="0" y="0"/>
+          <a:chExt cx="0" cy="0"/>
+        </a:xfrm>
+      </p:grpSpPr>
+      <p:sp>
+        <p:nvSpPr>
+          <p:cNvPr id="2" name="Title 1"/>
+          <p:cNvSpPr>
+            <a:spLocks noGrp="1"/>
+          </p:cNvSpPr>
+          <p:nvPr>
+            <p:ph type="title"/>
+          </p:nvPr>
+        </p:nvSpPr>
+        <p:spPr>
+          <a:xfrm>
+            <a:off x="0" y="0"/>
+            <a:ext cx="10515600" cy="882217"/>
+          </a:xfrm>
+        </p:spPr>
+        <p:txBody>
+          <a:bodyPr/>
+          <a:lstStyle/>
+          <a:p>
+            <a:r>
+              <a:rPr lang="en-CA" dirty="0" smtClean="0"/>
+              <a:t>More logistic regression functions </a:t>
+            </a:r>
+            <a:endParaRPr lang="en-CA" dirty="0"/>
+          </a:p>
+        </p:txBody>
+      </p:sp>
+      <mc:AlternateContent xmlns:mc="http://schemas.openxmlformats.org/markup-compatibility/2006" xmlns:a14="http://schemas.microsoft.com/office/drawing/2010/main">
+        <mc:Choice Requires="a14">
+          <p:sp>
+            <p:nvSpPr>
+              <p:cNvPr id="3" name="Content Placeholder 2"/>
+              <p:cNvSpPr>
+                <a:spLocks noGrp="1"/>
+              </p:cNvSpPr>
+              <p:nvPr>
+                <p:ph idx="1"/>
+              </p:nvPr>
+            </p:nvSpPr>
+            <p:spPr>
+              <a:xfrm>
+                <a:off x="-1" y="1799951"/>
+                <a:ext cx="4655127" cy="4351338"/>
+              </a:xfrm>
+            </p:spPr>
+            <p:txBody>
+              <a:bodyPr/>
+              <a:lstStyle/>
+              <a:p>
+                <a14:m>
+                  <m:oMath xmlns:m="http://schemas.openxmlformats.org/officeDocument/2006/math">
+                    <m:r>
+                      <m:rPr>
+                        <m:sty m:val="p"/>
+                      </m:rPr>
+                      <a:rPr lang="en-CA" b="0" i="0" smtClean="0">
+                        <a:latin typeface="Cambria Math" panose="02040503050406030204" pitchFamily="18" charset="0"/>
+                      </a:rPr>
+                      <m:t>p</m:t>
+                    </m:r>
+                    <m:d>
+                      <m:dPr>
+                        <m:ctrlPr>
+                          <a:rPr lang="en-CA" b="0" i="1" smtClean="0">
+                            <a:latin typeface="Cambria Math" panose="02040503050406030204" pitchFamily="18" charset="0"/>
+                          </a:rPr>
+                        </m:ctrlPr>
+                      </m:dPr>
+                      <m:e>
+                        <m:r>
+                          <a:rPr lang="en-CA" b="0" i="0" smtClean="0">
+                            <a:latin typeface="Cambria Math" panose="02040503050406030204" pitchFamily="18" charset="0"/>
+                          </a:rPr>
+                          <m:t>1</m:t>
+                        </m:r>
+                      </m:e>
+                      <m:e>
+                        <m:r>
+                          <m:rPr>
+                            <m:sty m:val="p"/>
+                          </m:rPr>
+                          <a:rPr lang="en-CA" b="0" i="0" smtClean="0">
+                            <a:latin typeface="Cambria Math" panose="02040503050406030204" pitchFamily="18" charset="0"/>
+                          </a:rPr>
+                          <m:t>a</m:t>
+                        </m:r>
+                        <m:r>
+                          <a:rPr lang="en-CA" b="0" i="0" baseline="-25000" smtClean="0">
+                            <a:latin typeface="Cambria Math" panose="02040503050406030204" pitchFamily="18" charset="0"/>
+                          </a:rPr>
+                          <m:t>1</m:t>
+                        </m:r>
+                      </m:e>
+                    </m:d>
+                    <m:r>
+                      <a:rPr lang="en-CA" b="0" i="0" smtClean="0">
+                        <a:latin typeface="Cambria Math" panose="02040503050406030204" pitchFamily="18" charset="0"/>
+                      </a:rPr>
+                      <m:t>= </m:t>
+                    </m:r>
+                    <m:f>
+                      <m:fPr>
+                        <m:ctrlPr>
+                          <a:rPr lang="en-CA" b="0" i="1" smtClean="0">
+                            <a:latin typeface="Cambria Math" panose="02040503050406030204" pitchFamily="18" charset="0"/>
+                          </a:rPr>
+                        </m:ctrlPr>
+                      </m:fPr>
+                      <m:num>
+                        <m:r>
+                          <a:rPr lang="en-CA" b="0" i="0" smtClean="0">
+                            <a:latin typeface="Cambria Math" panose="02040503050406030204" pitchFamily="18" charset="0"/>
+                          </a:rPr>
+                          <m:t>1</m:t>
+                        </m:r>
+                      </m:num>
+                      <m:den>
+                        <m:r>
+                          <a:rPr lang="en-CA" b="0" i="0" smtClean="0">
+                            <a:latin typeface="Cambria Math" panose="02040503050406030204" pitchFamily="18" charset="0"/>
+                          </a:rPr>
+                          <m:t>1+</m:t>
+                        </m:r>
+                        <m:r>
+                          <m:rPr>
+                            <m:sty m:val="p"/>
+                          </m:rPr>
+                          <a:rPr lang="en-CA" b="0" i="0" smtClean="0">
+                            <a:latin typeface="Cambria Math" panose="02040503050406030204" pitchFamily="18" charset="0"/>
+                          </a:rPr>
+                          <m:t>exp</m:t>
+                        </m:r>
+                        <m:r>
+                          <a:rPr lang="en-CA" b="0" i="0" smtClean="0">
+                            <a:latin typeface="Cambria Math" panose="02040503050406030204" pitchFamily="18" charset="0"/>
+                          </a:rPr>
+                          <m:t>⁡(−</m:t>
+                        </m:r>
+                        <m:r>
+                          <m:rPr>
+                            <m:sty m:val="p"/>
+                          </m:rPr>
+                          <a:rPr lang="en-CA" b="0" i="0" smtClean="0">
+                            <a:latin typeface="Cambria Math" panose="02040503050406030204" pitchFamily="18" charset="0"/>
+                          </a:rPr>
+                          <m:t>w</m:t>
+                        </m:r>
+                        <m:r>
+                          <a:rPr lang="en-CA" b="0" i="0" baseline="-25000" smtClean="0">
+                            <a:latin typeface="Cambria Math" panose="02040503050406030204" pitchFamily="18" charset="0"/>
+                          </a:rPr>
+                          <m:t>0</m:t>
+                        </m:r>
+                        <m:r>
+                          <a:rPr lang="en-CA" b="0" i="0" smtClean="0">
+                            <a:latin typeface="Cambria Math" panose="02040503050406030204" pitchFamily="18" charset="0"/>
+                          </a:rPr>
+                          <m:t>−</m:t>
+                        </m:r>
+                        <m:r>
+                          <m:rPr>
+                            <m:sty m:val="p"/>
+                          </m:rPr>
+                          <a:rPr lang="en-CA" b="0" i="0" smtClean="0">
+                            <a:latin typeface="Cambria Math" panose="02040503050406030204" pitchFamily="18" charset="0"/>
+                          </a:rPr>
+                          <m:t>w</m:t>
+                        </m:r>
+                        <m:r>
+                          <a:rPr lang="en-CA" b="0" i="0" baseline="-25000" smtClean="0">
+                            <a:latin typeface="Cambria Math" panose="02040503050406030204" pitchFamily="18" charset="0"/>
+                          </a:rPr>
+                          <m:t>1</m:t>
+                        </m:r>
+                        <m:r>
+                          <m:rPr>
+                            <m:sty m:val="p"/>
+                          </m:rPr>
+                          <a:rPr lang="en-CA" b="0" i="0" smtClean="0">
+                            <a:latin typeface="Cambria Math" panose="02040503050406030204" pitchFamily="18" charset="0"/>
+                          </a:rPr>
+                          <m:t>a</m:t>
+                        </m:r>
+                        <m:r>
+                          <a:rPr lang="en-CA" b="0" i="0" baseline="-25000" smtClean="0">
+                            <a:latin typeface="Cambria Math" panose="02040503050406030204" pitchFamily="18" charset="0"/>
+                          </a:rPr>
+                          <m:t>1</m:t>
+                        </m:r>
+                        <m:r>
+                          <a:rPr lang="en-CA" b="0" i="0" smtClean="0">
+                            <a:latin typeface="Cambria Math" panose="02040503050406030204" pitchFamily="18" charset="0"/>
+                          </a:rPr>
+                          <m:t>)</m:t>
+                        </m:r>
+                      </m:den>
+                    </m:f>
+                  </m:oMath>
+                </a14:m>
+                <a:endParaRPr lang="en-CA" dirty="0" smtClean="0"/>
+              </a:p>
+              <a:p>
+                <a:r>
+                  <a:rPr lang="en-CA" dirty="0" smtClean="0">
+                    <a:latin typeface="Cambria Math" panose="02040503050406030204" pitchFamily="18" charset="0"/>
+                    <a:ea typeface="Cambria Math" panose="02040503050406030204" pitchFamily="18" charset="0"/>
+                  </a:rPr>
+                  <a:t>w</a:t>
+                </a:r>
+                <a:r>
+                  <a:rPr lang="en-CA" baseline="-25000" dirty="0" smtClean="0">
+                    <a:latin typeface="Cambria Math" panose="02040503050406030204" pitchFamily="18" charset="0"/>
+                    <a:ea typeface="Cambria Math" panose="02040503050406030204" pitchFamily="18" charset="0"/>
+                  </a:rPr>
+                  <a:t>0</a:t>
+                </a:r>
+                <a:r>
+                  <a:rPr lang="en-CA" dirty="0" smtClean="0"/>
+                  <a:t> is the ‘intercept’</a:t>
+                </a:r>
+              </a:p>
+              <a:p>
+                <a:r>
+                  <a:rPr lang="en-CA" dirty="0" smtClean="0">
+                    <a:latin typeface="Cambria Math" panose="02040503050406030204" pitchFamily="18" charset="0"/>
+                    <a:ea typeface="Cambria Math" panose="02040503050406030204" pitchFamily="18" charset="0"/>
+                  </a:rPr>
+                  <a:t>w</a:t>
+                </a:r>
+                <a:r>
+                  <a:rPr lang="en-CA" baseline="-25000" dirty="0" smtClean="0">
+                    <a:latin typeface="Cambria Math" panose="02040503050406030204" pitchFamily="18" charset="0"/>
+                    <a:ea typeface="Cambria Math" panose="02040503050406030204" pitchFamily="18" charset="0"/>
+                  </a:rPr>
+                  <a:t>1</a:t>
+                </a:r>
+                <a:r>
+                  <a:rPr lang="en-CA" dirty="0" smtClean="0"/>
+                  <a:t> is the ‘slope’</a:t>
+                </a:r>
+                <a:endParaRPr lang="en-CA" dirty="0"/>
+              </a:p>
+            </p:txBody>
+          </p:sp>
+        </mc:Choice>
+        <mc:Fallback xmlns="">
+          <p:sp>
+            <p:nvSpPr>
+              <p:cNvPr id="3" name="Content Placeholder 2"/>
+              <p:cNvSpPr>
+                <a:spLocks noGrp="1" noRot="1" noChangeAspect="1" noMove="1" noResize="1" noEditPoints="1" noAdjustHandles="1" noChangeArrowheads="1" noChangeShapeType="1" noTextEdit="1"/>
+              </p:cNvSpPr>
+              <p:nvPr>
+                <p:ph idx="1"/>
+              </p:nvPr>
+            </p:nvSpPr>
+            <p:spPr>
+              <a:xfrm>
+                <a:off x="-1" y="1799951"/>
+                <a:ext cx="4655127" cy="4351338"/>
+              </a:xfrm>
+              <a:blipFill>
+                <a:blip r:embed="rId2"/>
+                <a:stretch>
+                  <a:fillRect l="-2356"/>
+                </a:stretch>
+              </a:blipFill>
+            </p:spPr>
+            <p:txBody>
+              <a:bodyPr/>
+              <a:lstStyle/>
+              <a:p>
+                <a:r>
+                  <a:rPr lang="en-CA">
+                    <a:noFill/>
+                  </a:rPr>
+                  <a:t> </a:t>
+                </a:r>
+              </a:p>
+            </p:txBody>
+          </p:sp>
+        </mc:Fallback>
+      </mc:AlternateContent>
+      <p:pic>
+        <p:nvPicPr>
+          <p:cNvPr id="4" name="Picture 3"/>
+          <p:cNvPicPr>
+            <a:picLocks noChangeAspect="1"/>
+          </p:cNvPicPr>
+          <p:nvPr/>
+        </p:nvPicPr>
+        <p:blipFill>
+          <a:blip r:embed="rId3"/>
+          <a:stretch>
+            <a:fillRect/>
+          </a:stretch>
+        </p:blipFill>
+        <p:spPr>
+          <a:xfrm>
+            <a:off x="4835239" y="655948"/>
+            <a:ext cx="7190509" cy="6047950"/>
+          </a:xfrm>
+          <a:prstGeom prst="rect">
+            <a:avLst/>
+          </a:prstGeom>
+        </p:spPr>
+      </p:pic>
+    </p:spTree>
+    <p:extLst>
+      <p:ext uri="{BB962C8B-B14F-4D97-AF65-F5344CB8AC3E}">
+        <p14:creationId xmlns:p14="http://schemas.microsoft.com/office/powerpoint/2010/main" val="2717601406"/>
+      </p:ext>
+    </p:extLst>
+  </p:cSld>
+  <p:clrMapOvr>
+    <a:masterClrMapping/>
+  </p:clrMapOvr>
+  <p:timing>
+    <p:tnLst>
+      <p:par>
+        <p:cTn id="1" dur="indefinite" restart="never" nodeType="tmRoot"/>
+      </p:par>
+    </p:tnLst>
+  </p:timing>
+</p:sld>
+</file>
+
+<file path=ppt/slides/slide12.xml><?xml version="1.0" encoding="utf-8"?>
+<p:sld xmlns:a="http://schemas.openxmlformats.org/drawingml/2006/main" xmlns:r="http://schemas.openxmlformats.org/officeDocument/2006/relationships" xmlns:p="http://schemas.openxmlformats.org/presentationml/2006/main">
+  <p:cSld>
+    <p:spTree>
+      <p:nvGrpSpPr>
+        <p:cNvPr id="1" name=""/>
+        <p:cNvGrpSpPr/>
+        <p:nvPr/>
+      </p:nvGrpSpPr>
+      <p:grpSpPr>
+        <a:xfrm>
+          <a:off x="0" y="0"/>
+          <a:ext cx="0" cy="0"/>
+          <a:chOff x="0" y="0"/>
+          <a:chExt cx="0" cy="0"/>
+        </a:xfrm>
+      </p:grpSpPr>
+      <p:sp>
+        <p:nvSpPr>
+          <p:cNvPr id="2" name="Title 1"/>
+          <p:cNvSpPr>
+            <a:spLocks noGrp="1"/>
+          </p:cNvSpPr>
+          <p:nvPr>
+            <p:ph type="title"/>
+          </p:nvPr>
+        </p:nvSpPr>
+        <p:spPr/>
+        <p:txBody>
+          <a:bodyPr/>
+          <a:lstStyle/>
+          <a:p>
+            <a:r>
+              <a:rPr lang="en-CA" dirty="0" smtClean="0"/>
+              <a:t>Finding the weights in logistic regression</a:t>
+            </a:r>
+            <a:endParaRPr lang="en-CA" dirty="0"/>
+          </a:p>
+        </p:txBody>
+      </p:sp>
+      <mc:AlternateContent xmlns:mc="http://schemas.openxmlformats.org/markup-compatibility/2006" xmlns:a14="http://schemas.microsoft.com/office/drawing/2010/main">
+        <mc:Choice Requires="a14">
+          <p:sp>
+            <p:nvSpPr>
+              <p:cNvPr id="3" name="Content Placeholder 2"/>
+              <p:cNvSpPr>
+                <a:spLocks noGrp="1"/>
+              </p:cNvSpPr>
+              <p:nvPr>
+                <p:ph idx="1"/>
+              </p:nvPr>
+            </p:nvSpPr>
+            <p:spPr>
+              <a:xfrm>
+                <a:off x="0" y="1825625"/>
+                <a:ext cx="12192000" cy="4351338"/>
+              </a:xfrm>
+            </p:spPr>
+            <p:txBody>
+              <a:bodyPr/>
+              <a:lstStyle/>
+              <a:p>
+                <a:r>
+                  <a:rPr lang="en-CA" dirty="0" smtClean="0"/>
+                  <a:t>Linear regression measures goodness of fit using squared error</a:t>
+                </a:r>
+              </a:p>
+              <a:p>
+                <a:r>
+                  <a:rPr lang="en-CA" dirty="0" smtClean="0"/>
+                  <a:t>Logistic regression uses log-likelihood instead:</a:t>
+                </a:r>
+              </a:p>
+              <a:p>
+                <a14:m>
+                  <m:oMath xmlns:m="http://schemas.openxmlformats.org/officeDocument/2006/math">
+                    <m:nary>
+                      <m:naryPr>
+                        <m:chr m:val="∑"/>
+                        <m:ctrlPr>
+                          <a:rPr lang="en-CA" i="1" smtClean="0">
+                            <a:latin typeface="Cambria Math" panose="02040503050406030204" pitchFamily="18" charset="0"/>
+                          </a:rPr>
+                        </m:ctrlPr>
+                      </m:naryPr>
+                      <m:sub>
+                        <m:r>
+                          <m:rPr>
+                            <m:sty m:val="p"/>
+                            <m:brk m:alnAt="23"/>
+                          </m:rPr>
+                          <a:rPr lang="en-CA" b="0" i="0" smtClean="0">
+                            <a:latin typeface="Cambria Math" panose="02040503050406030204" pitchFamily="18" charset="0"/>
+                          </a:rPr>
+                          <m:t>i</m:t>
+                        </m:r>
+                        <m:r>
+                          <a:rPr lang="en-CA" b="0" i="0" smtClean="0">
+                            <a:latin typeface="Cambria Math" panose="02040503050406030204" pitchFamily="18" charset="0"/>
+                          </a:rPr>
+                          <m:t>=1</m:t>
+                        </m:r>
+                      </m:sub>
+                      <m:sup>
+                        <m:r>
+                          <m:rPr>
+                            <m:sty m:val="p"/>
+                          </m:rPr>
+                          <a:rPr lang="en-CA" b="0" i="0" smtClean="0">
+                            <a:latin typeface="Cambria Math" panose="02040503050406030204" pitchFamily="18" charset="0"/>
+                          </a:rPr>
+                          <m:t>n</m:t>
+                        </m:r>
+                      </m:sup>
+                      <m:e>
+                        <m:d>
+                          <m:dPr>
+                            <m:ctrlPr>
+                              <a:rPr lang="en-CA" b="0" i="1" smtClean="0">
+                                <a:latin typeface="Cambria Math" panose="02040503050406030204" pitchFamily="18" charset="0"/>
+                              </a:rPr>
+                            </m:ctrlPr>
+                          </m:dPr>
+                          <m:e>
+                            <m:r>
+                              <a:rPr lang="en-CA" b="0" i="0" smtClean="0">
+                                <a:latin typeface="Cambria Math" panose="02040503050406030204" pitchFamily="18" charset="0"/>
+                              </a:rPr>
+                              <m:t>1−</m:t>
+                            </m:r>
+                            <m:sSup>
+                              <m:sSupPr>
+                                <m:ctrlPr>
+                                  <a:rPr lang="en-CA" b="0" i="1" smtClean="0">
+                                    <a:latin typeface="Cambria Math" panose="02040503050406030204" pitchFamily="18" charset="0"/>
+                                  </a:rPr>
+                                </m:ctrlPr>
+                              </m:sSupPr>
+                              <m:e>
+                                <m:r>
+                                  <m:rPr>
+                                    <m:sty m:val="p"/>
+                                  </m:rPr>
+                                  <a:rPr lang="en-CA" b="0" i="0" smtClean="0">
+                                    <a:latin typeface="Cambria Math" panose="02040503050406030204" pitchFamily="18" charset="0"/>
+                                  </a:rPr>
+                                  <m:t>x</m:t>
+                                </m:r>
+                              </m:e>
+                              <m:sup>
+                                <m:d>
+                                  <m:dPr>
+                                    <m:ctrlPr>
+                                      <a:rPr lang="en-CA" b="0" i="1" smtClean="0">
+                                        <a:latin typeface="Cambria Math" panose="02040503050406030204" pitchFamily="18" charset="0"/>
+                                      </a:rPr>
+                                    </m:ctrlPr>
+                                  </m:dPr>
+                                  <m:e>
+                                    <m:r>
+                                      <m:rPr>
+                                        <m:sty m:val="p"/>
+                                      </m:rPr>
+                                      <a:rPr lang="en-CA" b="0" i="0" smtClean="0">
+                                        <a:latin typeface="Cambria Math" panose="02040503050406030204" pitchFamily="18" charset="0"/>
+                                      </a:rPr>
+                                      <m:t>i</m:t>
+                                    </m:r>
+                                  </m:e>
+                                </m:d>
+                              </m:sup>
+                            </m:sSup>
+                          </m:e>
+                        </m:d>
+                        <m:r>
+                          <m:rPr>
+                            <m:sty m:val="p"/>
+                          </m:rPr>
+                          <a:rPr lang="en-CA" b="0" i="0" smtClean="0">
+                            <a:latin typeface="Cambria Math" panose="02040503050406030204" pitchFamily="18" charset="0"/>
+                          </a:rPr>
+                          <m:t>log</m:t>
+                        </m:r>
+                        <m:r>
+                          <a:rPr lang="en-CA" b="0" i="0" smtClean="0">
+                            <a:latin typeface="Cambria Math" panose="02040503050406030204" pitchFamily="18" charset="0"/>
+                          </a:rPr>
+                          <m:t>⁡(1−</m:t>
+                        </m:r>
+                        <m:r>
+                          <m:rPr>
+                            <m:sty m:val="p"/>
+                          </m:rPr>
+                          <a:rPr lang="en-CA" b="0" i="0" smtClean="0">
+                            <a:latin typeface="Cambria Math" panose="02040503050406030204" pitchFamily="18" charset="0"/>
+                          </a:rPr>
+                          <m:t>p</m:t>
+                        </m:r>
+                        <m:d>
+                          <m:dPr>
+                            <m:ctrlPr>
+                              <a:rPr lang="en-CA" b="0" i="1" smtClean="0">
+                                <a:latin typeface="Cambria Math" panose="02040503050406030204" pitchFamily="18" charset="0"/>
+                              </a:rPr>
+                            </m:ctrlPr>
+                          </m:dPr>
+                          <m:e>
+                            <m:r>
+                              <a:rPr lang="en-CA" b="0" i="0" smtClean="0">
+                                <a:latin typeface="Cambria Math" panose="02040503050406030204" pitchFamily="18" charset="0"/>
+                              </a:rPr>
+                              <m:t>1</m:t>
+                            </m:r>
+                          </m:e>
+                          <m:e>
+                            <m:sSubSup>
+                              <m:sSubSupPr>
+                                <m:ctrlPr>
+                                  <a:rPr lang="en-CA" b="0" i="1" smtClean="0">
+                                    <a:latin typeface="Cambria Math" panose="02040503050406030204" pitchFamily="18" charset="0"/>
+                                  </a:rPr>
+                                </m:ctrlPr>
+                              </m:sSubSupPr>
+                              <m:e>
+                                <m:r>
+                                  <m:rPr>
+                                    <m:sty m:val="p"/>
+                                  </m:rPr>
+                                  <a:rPr lang="en-CA" b="0" i="0" smtClean="0">
+                                    <a:latin typeface="Cambria Math" panose="02040503050406030204" pitchFamily="18" charset="0"/>
+                                  </a:rPr>
+                                  <m:t>a</m:t>
+                                </m:r>
+                              </m:e>
+                              <m:sub>
+                                <m:r>
+                                  <a:rPr lang="en-CA" b="0" i="0" smtClean="0">
+                                    <a:latin typeface="Cambria Math" panose="02040503050406030204" pitchFamily="18" charset="0"/>
+                                  </a:rPr>
+                                  <m:t>1</m:t>
+                                </m:r>
+                              </m:sub>
+                              <m:sup>
+                                <m:d>
+                                  <m:dPr>
+                                    <m:ctrlPr>
+                                      <a:rPr lang="en-CA" b="0" i="1" smtClean="0">
+                                        <a:latin typeface="Cambria Math" panose="02040503050406030204" pitchFamily="18" charset="0"/>
+                                      </a:rPr>
+                                    </m:ctrlPr>
+                                  </m:dPr>
+                                  <m:e>
+                                    <m:r>
+                                      <m:rPr>
+                                        <m:sty m:val="p"/>
+                                      </m:rPr>
+                                      <a:rPr lang="en-CA" b="0" i="0" smtClean="0">
+                                        <a:latin typeface="Cambria Math" panose="02040503050406030204" pitchFamily="18" charset="0"/>
+                                      </a:rPr>
+                                      <m:t>i</m:t>
+                                    </m:r>
+                                  </m:e>
+                                </m:d>
+                              </m:sup>
+                            </m:sSubSup>
+                            <m:r>
+                              <a:rPr lang="en-CA" b="0" i="0" smtClean="0">
+                                <a:latin typeface="Cambria Math" panose="02040503050406030204" pitchFamily="18" charset="0"/>
+                              </a:rPr>
+                              <m:t>,</m:t>
+                            </m:r>
+                            <m:sSubSup>
+                              <m:sSubSupPr>
+                                <m:ctrlPr>
+                                  <a:rPr lang="en-CA" i="1">
+                                    <a:latin typeface="Cambria Math" panose="02040503050406030204" pitchFamily="18" charset="0"/>
+                                  </a:rPr>
+                                </m:ctrlPr>
+                              </m:sSubSupPr>
+                              <m:e>
+                                <m:r>
+                                  <m:rPr>
+                                    <m:sty m:val="p"/>
+                                  </m:rPr>
+                                  <a:rPr lang="en-CA" i="0">
+                                    <a:latin typeface="Cambria Math" panose="02040503050406030204" pitchFamily="18" charset="0"/>
+                                  </a:rPr>
+                                  <m:t>a</m:t>
+                                </m:r>
+                              </m:e>
+                              <m:sub>
+                                <m:r>
+                                  <a:rPr lang="en-CA" b="0" i="0" smtClean="0">
+                                    <a:latin typeface="Cambria Math" panose="02040503050406030204" pitchFamily="18" charset="0"/>
+                                  </a:rPr>
+                                  <m:t>2</m:t>
+                                </m:r>
+                              </m:sub>
+                              <m:sup>
+                                <m:d>
+                                  <m:dPr>
+                                    <m:ctrlPr>
+                                      <a:rPr lang="en-CA" i="1">
+                                        <a:latin typeface="Cambria Math" panose="02040503050406030204" pitchFamily="18" charset="0"/>
+                                      </a:rPr>
+                                    </m:ctrlPr>
+                                  </m:dPr>
+                                  <m:e>
+                                    <m:r>
+                                      <m:rPr>
+                                        <m:sty m:val="p"/>
+                                      </m:rPr>
+                                      <a:rPr lang="en-CA" i="0">
+                                        <a:latin typeface="Cambria Math" panose="02040503050406030204" pitchFamily="18" charset="0"/>
+                                      </a:rPr>
+                                      <m:t>i</m:t>
+                                    </m:r>
+                                  </m:e>
+                                </m:d>
+                              </m:sup>
+                            </m:sSubSup>
+                            <m:r>
+                              <a:rPr lang="en-CA" b="0" i="0" smtClean="0">
+                                <a:latin typeface="Cambria Math" panose="02040503050406030204" pitchFamily="18" charset="0"/>
+                              </a:rPr>
+                              <m:t>,…</m:t>
+                            </m:r>
+                            <m:sSubSup>
+                              <m:sSubSupPr>
+                                <m:ctrlPr>
+                                  <a:rPr lang="en-CA" i="1">
+                                    <a:latin typeface="Cambria Math" panose="02040503050406030204" pitchFamily="18" charset="0"/>
+                                  </a:rPr>
+                                </m:ctrlPr>
+                              </m:sSubSupPr>
+                              <m:e>
+                                <m:r>
+                                  <m:rPr>
+                                    <m:sty m:val="p"/>
+                                  </m:rPr>
+                                  <a:rPr lang="en-CA" i="0">
+                                    <a:latin typeface="Cambria Math" panose="02040503050406030204" pitchFamily="18" charset="0"/>
+                                  </a:rPr>
+                                  <m:t>a</m:t>
+                                </m:r>
+                              </m:e>
+                              <m:sub>
+                                <m:r>
+                                  <m:rPr>
+                                    <m:sty m:val="p"/>
+                                  </m:rPr>
+                                  <a:rPr lang="en-CA" b="0" i="0" smtClean="0">
+                                    <a:latin typeface="Cambria Math" panose="02040503050406030204" pitchFamily="18" charset="0"/>
+                                  </a:rPr>
+                                  <m:t>k</m:t>
+                                </m:r>
+                              </m:sub>
+                              <m:sup>
+                                <m:d>
+                                  <m:dPr>
+                                    <m:ctrlPr>
+                                      <a:rPr lang="en-CA" i="1">
+                                        <a:latin typeface="Cambria Math" panose="02040503050406030204" pitchFamily="18" charset="0"/>
+                                      </a:rPr>
+                                    </m:ctrlPr>
+                                  </m:dPr>
+                                  <m:e>
+                                    <m:r>
+                                      <m:rPr>
+                                        <m:sty m:val="p"/>
+                                      </m:rPr>
+                                      <a:rPr lang="en-CA" i="0">
+                                        <a:latin typeface="Cambria Math" panose="02040503050406030204" pitchFamily="18" charset="0"/>
+                                      </a:rPr>
+                                      <m:t>i</m:t>
+                                    </m:r>
+                                  </m:e>
+                                </m:d>
+                              </m:sup>
+                            </m:sSubSup>
+                          </m:e>
+                        </m:d>
+                        <m:r>
+                          <a:rPr lang="en-CA" b="0" i="0" smtClean="0">
+                            <a:latin typeface="Cambria Math" panose="02040503050406030204" pitchFamily="18" charset="0"/>
+                          </a:rPr>
+                          <m:t>+ </m:t>
+                        </m:r>
+                        <m:sSup>
+                          <m:sSupPr>
+                            <m:ctrlPr>
+                              <a:rPr lang="en-CA" b="0" i="1" smtClean="0">
+                                <a:latin typeface="Cambria Math" panose="02040503050406030204" pitchFamily="18" charset="0"/>
+                              </a:rPr>
+                            </m:ctrlPr>
+                          </m:sSupPr>
+                          <m:e>
+                            <m:r>
+                              <m:rPr>
+                                <m:sty m:val="p"/>
+                              </m:rPr>
+                              <a:rPr lang="en-CA" b="0" i="0" smtClean="0">
+                                <a:latin typeface="Cambria Math" panose="02040503050406030204" pitchFamily="18" charset="0"/>
+                              </a:rPr>
+                              <m:t>x</m:t>
+                            </m:r>
+                          </m:e>
+                          <m:sup>
+                            <m:d>
+                              <m:dPr>
+                                <m:ctrlPr>
+                                  <a:rPr lang="en-CA" b="0" i="1" smtClean="0">
+                                    <a:latin typeface="Cambria Math" panose="02040503050406030204" pitchFamily="18" charset="0"/>
+                                  </a:rPr>
+                                </m:ctrlPr>
+                              </m:dPr>
+                              <m:e>
+                                <m:r>
+                                  <m:rPr>
+                                    <m:sty m:val="p"/>
+                                  </m:rPr>
+                                  <a:rPr lang="en-CA" b="0" i="0" smtClean="0">
+                                    <a:latin typeface="Cambria Math" panose="02040503050406030204" pitchFamily="18" charset="0"/>
+                                  </a:rPr>
+                                  <m:t>i</m:t>
+                                </m:r>
+                              </m:e>
+                            </m:d>
+                          </m:sup>
+                        </m:sSup>
+                        <m:r>
+                          <m:rPr>
+                            <m:sty m:val="p"/>
+                          </m:rPr>
+                          <a:rPr lang="en-CA" b="0" i="0" smtClean="0">
+                            <a:latin typeface="Cambria Math" panose="02040503050406030204" pitchFamily="18" charset="0"/>
+                          </a:rPr>
+                          <m:t>log</m:t>
+                        </m:r>
+                        <m:r>
+                          <a:rPr lang="en-CA" b="0" i="0" smtClean="0">
+                            <a:latin typeface="Cambria Math" panose="02040503050406030204" pitchFamily="18" charset="0"/>
+                          </a:rPr>
+                          <m:t>⁡(</m:t>
+                        </m:r>
+                        <m:r>
+                          <m:rPr>
+                            <m:sty m:val="p"/>
+                          </m:rPr>
+                          <a:rPr lang="en-CA" b="0" i="0" smtClean="0">
+                            <a:latin typeface="Cambria Math" panose="02040503050406030204" pitchFamily="18" charset="0"/>
+                          </a:rPr>
+                          <m:t>p</m:t>
+                        </m:r>
+                        <m:d>
+                          <m:dPr>
+                            <m:ctrlPr>
+                              <a:rPr lang="en-CA" b="0" i="1" smtClean="0">
+                                <a:latin typeface="Cambria Math" panose="02040503050406030204" pitchFamily="18" charset="0"/>
+                              </a:rPr>
+                            </m:ctrlPr>
+                          </m:dPr>
+                          <m:e>
+                            <m:r>
+                              <a:rPr lang="en-CA" b="0" i="0" smtClean="0">
+                                <a:latin typeface="Cambria Math" panose="02040503050406030204" pitchFamily="18" charset="0"/>
+                              </a:rPr>
+                              <m:t>1</m:t>
+                            </m:r>
+                          </m:e>
+                          <m:e>
+                            <m:sSubSup>
+                              <m:sSubSupPr>
+                                <m:ctrlPr>
+                                  <a:rPr lang="en-CA" i="1">
+                                    <a:latin typeface="Cambria Math" panose="02040503050406030204" pitchFamily="18" charset="0"/>
+                                  </a:rPr>
+                                </m:ctrlPr>
+                              </m:sSubSupPr>
+                              <m:e>
+                                <m:r>
+                                  <m:rPr>
+                                    <m:sty m:val="p"/>
+                                  </m:rPr>
+                                  <a:rPr lang="en-CA" i="0">
+                                    <a:latin typeface="Cambria Math" panose="02040503050406030204" pitchFamily="18" charset="0"/>
+                                  </a:rPr>
+                                  <m:t>a</m:t>
+                                </m:r>
+                              </m:e>
+                              <m:sub>
+                                <m:r>
+                                  <a:rPr lang="en-CA" i="0">
+                                    <a:latin typeface="Cambria Math" panose="02040503050406030204" pitchFamily="18" charset="0"/>
+                                  </a:rPr>
+                                  <m:t>1</m:t>
+                                </m:r>
+                              </m:sub>
+                              <m:sup>
+                                <m:d>
+                                  <m:dPr>
+                                    <m:ctrlPr>
+                                      <a:rPr lang="en-CA" i="1">
+                                        <a:latin typeface="Cambria Math" panose="02040503050406030204" pitchFamily="18" charset="0"/>
+                                      </a:rPr>
+                                    </m:ctrlPr>
+                                  </m:dPr>
+                                  <m:e>
+                                    <m:r>
+                                      <m:rPr>
+                                        <m:sty m:val="p"/>
+                                      </m:rPr>
+                                      <a:rPr lang="en-CA" i="0">
+                                        <a:latin typeface="Cambria Math" panose="02040503050406030204" pitchFamily="18" charset="0"/>
+                                      </a:rPr>
+                                      <m:t>i</m:t>
+                                    </m:r>
+                                  </m:e>
+                                </m:d>
+                              </m:sup>
+                            </m:sSubSup>
+                            <m:r>
+                              <a:rPr lang="en-CA" b="0" i="0" smtClean="0">
+                                <a:latin typeface="Cambria Math" panose="02040503050406030204" pitchFamily="18" charset="0"/>
+                              </a:rPr>
+                              <m:t>,</m:t>
+                            </m:r>
+                            <m:sSubSup>
+                              <m:sSubSupPr>
+                                <m:ctrlPr>
+                                  <a:rPr lang="en-CA" i="1">
+                                    <a:latin typeface="Cambria Math" panose="02040503050406030204" pitchFamily="18" charset="0"/>
+                                  </a:rPr>
+                                </m:ctrlPr>
+                              </m:sSubSupPr>
+                              <m:e>
+                                <m:r>
+                                  <m:rPr>
+                                    <m:sty m:val="p"/>
+                                  </m:rPr>
+                                  <a:rPr lang="en-CA" i="0">
+                                    <a:latin typeface="Cambria Math" panose="02040503050406030204" pitchFamily="18" charset="0"/>
+                                  </a:rPr>
+                                  <m:t>a</m:t>
+                                </m:r>
+                              </m:e>
+                              <m:sub>
+                                <m:r>
+                                  <a:rPr lang="en-CA" b="0" i="0" smtClean="0">
+                                    <a:latin typeface="Cambria Math" panose="02040503050406030204" pitchFamily="18" charset="0"/>
+                                  </a:rPr>
+                                  <m:t>2</m:t>
+                                </m:r>
+                              </m:sub>
+                              <m:sup>
+                                <m:d>
+                                  <m:dPr>
+                                    <m:ctrlPr>
+                                      <a:rPr lang="en-CA" i="1">
+                                        <a:latin typeface="Cambria Math" panose="02040503050406030204" pitchFamily="18" charset="0"/>
+                                      </a:rPr>
+                                    </m:ctrlPr>
+                                  </m:dPr>
+                                  <m:e>
+                                    <m:r>
+                                      <m:rPr>
+                                        <m:sty m:val="p"/>
+                                      </m:rPr>
+                                      <a:rPr lang="en-CA" i="0">
+                                        <a:latin typeface="Cambria Math" panose="02040503050406030204" pitchFamily="18" charset="0"/>
+                                      </a:rPr>
+                                      <m:t>i</m:t>
+                                    </m:r>
+                                  </m:e>
+                                </m:d>
+                              </m:sup>
+                            </m:sSubSup>
+                            <m:r>
+                              <a:rPr lang="en-CA" b="0" i="0" smtClean="0">
+                                <a:latin typeface="Cambria Math" panose="02040503050406030204" pitchFamily="18" charset="0"/>
+                              </a:rPr>
+                              <m:t>,…</m:t>
+                            </m:r>
+                            <m:sSubSup>
+                              <m:sSubSupPr>
+                                <m:ctrlPr>
+                                  <a:rPr lang="en-CA" i="1">
+                                    <a:latin typeface="Cambria Math" panose="02040503050406030204" pitchFamily="18" charset="0"/>
+                                  </a:rPr>
+                                </m:ctrlPr>
+                              </m:sSubSupPr>
+                              <m:e>
+                                <m:r>
+                                  <m:rPr>
+                                    <m:sty m:val="p"/>
+                                  </m:rPr>
+                                  <a:rPr lang="en-CA" i="0">
+                                    <a:latin typeface="Cambria Math" panose="02040503050406030204" pitchFamily="18" charset="0"/>
+                                  </a:rPr>
+                                  <m:t>a</m:t>
+                                </m:r>
+                              </m:e>
+                              <m:sub>
+                                <m:r>
+                                  <m:rPr>
+                                    <m:sty m:val="p"/>
+                                  </m:rPr>
+                                  <a:rPr lang="en-CA" b="0" i="0" smtClean="0">
+                                    <a:latin typeface="Cambria Math" panose="02040503050406030204" pitchFamily="18" charset="0"/>
+                                  </a:rPr>
+                                  <m:t>k</m:t>
+                                </m:r>
+                              </m:sub>
+                              <m:sup>
+                                <m:d>
+                                  <m:dPr>
+                                    <m:ctrlPr>
+                                      <a:rPr lang="en-CA" i="1">
+                                        <a:latin typeface="Cambria Math" panose="02040503050406030204" pitchFamily="18" charset="0"/>
+                                      </a:rPr>
+                                    </m:ctrlPr>
+                                  </m:dPr>
+                                  <m:e>
+                                    <m:r>
+                                      <m:rPr>
+                                        <m:sty m:val="p"/>
+                                      </m:rPr>
+                                      <a:rPr lang="en-CA" i="0">
+                                        <a:latin typeface="Cambria Math" panose="02040503050406030204" pitchFamily="18" charset="0"/>
+                                      </a:rPr>
+                                      <m:t>i</m:t>
+                                    </m:r>
+                                  </m:e>
+                                </m:d>
+                              </m:sup>
+                            </m:sSubSup>
+                          </m:e>
+                        </m:d>
+                        <m:r>
+                          <a:rPr lang="en-CA" b="0" i="0" smtClean="0">
+                            <a:latin typeface="Cambria Math" panose="02040503050406030204" pitchFamily="18" charset="0"/>
+                          </a:rPr>
+                          <m:t>)</m:t>
+                        </m:r>
+                      </m:e>
+                    </m:nary>
+                  </m:oMath>
+                </a14:m>
+                <a:endParaRPr lang="en-CA" dirty="0" smtClean="0"/>
+              </a:p>
+              <a:p>
+                <a:r>
+                  <a:rPr lang="en-CA" dirty="0" smtClean="0"/>
+                  <a:t>Weights </a:t>
+                </a:r>
+                <a:r>
+                  <a:rPr lang="en-CA" dirty="0" err="1" smtClean="0">
+                    <a:latin typeface="Cambria Math" panose="02040503050406030204" pitchFamily="18" charset="0"/>
+                    <a:ea typeface="Cambria Math" panose="02040503050406030204" pitchFamily="18" charset="0"/>
+                  </a:rPr>
+                  <a:t>w</a:t>
+                </a:r>
+                <a:r>
+                  <a:rPr lang="en-CA" baseline="-25000" dirty="0" err="1" smtClean="0">
+                    <a:latin typeface="Cambria Math" panose="02040503050406030204" pitchFamily="18" charset="0"/>
+                    <a:ea typeface="Cambria Math" panose="02040503050406030204" pitchFamily="18" charset="0"/>
+                  </a:rPr>
+                  <a:t>i</a:t>
+                </a:r>
+                <a:r>
+                  <a:rPr lang="en-CA" dirty="0" smtClean="0">
+                    <a:latin typeface="Cambria Math" panose="02040503050406030204" pitchFamily="18" charset="0"/>
+                    <a:ea typeface="Cambria Math" panose="02040503050406030204" pitchFamily="18" charset="0"/>
+                  </a:rPr>
+                  <a:t> </a:t>
+                </a:r>
+                <a:r>
+                  <a:rPr lang="en-CA" dirty="0" smtClean="0">
+                    <a:ea typeface="Cambria Math" panose="02040503050406030204" pitchFamily="18" charset="0"/>
+                  </a:rPr>
+                  <a:t>need to be chosen to maximize log-likelihood</a:t>
+                </a:r>
+              </a:p>
+              <a:p>
+                <a:endParaRPr lang="en-CA" dirty="0" smtClean="0">
+                  <a:ea typeface="Cambria Math" panose="02040503050406030204" pitchFamily="18" charset="0"/>
+                </a:endParaRPr>
+              </a:p>
+              <a:p>
+                <a:endParaRPr lang="en-CA" dirty="0"/>
+              </a:p>
+            </p:txBody>
+          </p:sp>
+        </mc:Choice>
+        <mc:Fallback xmlns="">
+          <p:sp>
+            <p:nvSpPr>
+              <p:cNvPr id="3" name="Content Placeholder 2"/>
+              <p:cNvSpPr>
+                <a:spLocks noGrp="1" noRot="1" noChangeAspect="1" noMove="1" noResize="1" noEditPoints="1" noAdjustHandles="1" noChangeArrowheads="1" noChangeShapeType="1" noTextEdit="1"/>
+              </p:cNvSpPr>
+              <p:nvPr>
+                <p:ph idx="1"/>
+              </p:nvPr>
+            </p:nvSpPr>
+            <p:spPr>
+              <a:xfrm>
+                <a:off x="0" y="1825625"/>
+                <a:ext cx="12192000" cy="4351338"/>
+              </a:xfrm>
+              <a:blipFill>
+                <a:blip r:embed="rId2"/>
+                <a:stretch>
+                  <a:fillRect l="-900" t="-2241"/>
+                </a:stretch>
+              </a:blipFill>
+            </p:spPr>
+            <p:txBody>
+              <a:bodyPr/>
+              <a:lstStyle/>
+              <a:p>
+                <a:r>
+                  <a:rPr lang="en-CA">
+                    <a:noFill/>
+                  </a:rPr>
+                  <a:t> </a:t>
+                </a:r>
+              </a:p>
+            </p:txBody>
+          </p:sp>
+        </mc:Fallback>
+      </mc:AlternateContent>
+    </p:spTree>
+    <p:extLst>
+      <p:ext uri="{BB962C8B-B14F-4D97-AF65-F5344CB8AC3E}">
+        <p14:creationId xmlns:p14="http://schemas.microsoft.com/office/powerpoint/2010/main" val="1111340657"/>
+      </p:ext>
+    </p:extLst>
+  </p:cSld>
+  <p:clrMapOvr>
+    <a:masterClrMapping/>
+  </p:clrMapOvr>
+  <p:timing>
+    <p:tnLst>
+      <p:par>
+        <p:cTn id="1" dur="indefinite" restart="never" nodeType="tmRoot"/>
+      </p:par>
+    </p:tnLst>
+  </p:timing>
+</p:sld>
+</file>
+
+<file path=ppt/slides/slide13.xml><?xml version="1.0" encoding="utf-8"?>
+<p:sld xmlns:a="http://schemas.openxmlformats.org/drawingml/2006/main" xmlns:r="http://schemas.openxmlformats.org/officeDocument/2006/relationships" xmlns:p="http://schemas.openxmlformats.org/presentationml/2006/main">
+  <p:cSld>
+    <p:spTree>
+      <p:nvGrpSpPr>
+        <p:cNvPr id="1" name=""/>
+        <p:cNvGrpSpPr/>
+        <p:nvPr/>
+      </p:nvGrpSpPr>
+      <p:grpSpPr>
+        <a:xfrm>
+          <a:off x="0" y="0"/>
+          <a:ext cx="0" cy="0"/>
+          <a:chOff x="0" y="0"/>
+          <a:chExt cx="0" cy="0"/>
+        </a:xfrm>
+      </p:grpSpPr>
+      <p:sp>
+        <p:nvSpPr>
+          <p:cNvPr id="2" name="Title 1"/>
+          <p:cNvSpPr>
+            <a:spLocks noGrp="1"/>
+          </p:cNvSpPr>
+          <p:nvPr>
+            <p:ph type="title"/>
+          </p:nvPr>
+        </p:nvSpPr>
+        <p:spPr>
+          <a:xfrm>
+            <a:off x="0" y="0"/>
+            <a:ext cx="10515600" cy="923348"/>
+          </a:xfrm>
+        </p:spPr>
+        <p:txBody>
+          <a:bodyPr/>
+          <a:lstStyle/>
+          <a:p>
+            <a:r>
+              <a:rPr lang="en-CA" dirty="0" smtClean="0"/>
+              <a:t>Example: probability of passing an exam</a:t>
+            </a:r>
+            <a:endParaRPr lang="en-CA" dirty="0"/>
+          </a:p>
+        </p:txBody>
+      </p:sp>
+      <p:sp>
+        <p:nvSpPr>
+          <p:cNvPr id="3" name="Content Placeholder 2"/>
+          <p:cNvSpPr>
+            <a:spLocks noGrp="1"/>
+          </p:cNvSpPr>
+          <p:nvPr>
+            <p:ph idx="1"/>
+          </p:nvPr>
+        </p:nvSpPr>
+        <p:spPr>
+          <a:xfrm>
+            <a:off x="124691" y="1066800"/>
+            <a:ext cx="7287491" cy="5110163"/>
+          </a:xfrm>
+        </p:spPr>
+        <p:txBody>
+          <a:bodyPr/>
+          <a:lstStyle/>
+          <a:p>
+            <a:r>
+              <a:rPr lang="en-CA" dirty="0" smtClean="0"/>
+              <a:t>A group of 20 students spends between 0 and 6 hours studying for an exam. How does the number of hours studying affect the probability of the student passing the exam?</a:t>
+            </a:r>
+          </a:p>
+          <a:p>
+            <a:r>
+              <a:rPr lang="en-CA" dirty="0" smtClean="0"/>
+              <a:t>Least squares linear regression gives intercept=-0.154, slope=0.235</a:t>
+            </a:r>
+          </a:p>
+          <a:p>
+            <a:pPr lvl="1"/>
+            <a:r>
+              <a:rPr lang="en-CA" dirty="0" smtClean="0"/>
+              <a:t>3 hours studied = -0.154 + (0.235)*3 = 0.55, ok, but what does this mean</a:t>
+            </a:r>
+            <a:r>
+              <a:rPr lang="en-CA" dirty="0" smtClean="0"/>
+              <a:t>? (its not a probability)</a:t>
+            </a:r>
+          </a:p>
+          <a:p>
+            <a:r>
+              <a:rPr lang="en-CA" dirty="0" smtClean="0"/>
+              <a:t>Turn to python for the solution </a:t>
+            </a:r>
+            <a:endParaRPr lang="en-CA" dirty="0" smtClean="0"/>
+          </a:p>
+          <a:p>
+            <a:endParaRPr lang="en-CA" dirty="0"/>
+          </a:p>
+        </p:txBody>
+      </p:sp>
+      <p:pic>
+        <p:nvPicPr>
+          <p:cNvPr id="4" name="Picture 3"/>
+          <p:cNvPicPr>
+            <a:picLocks noChangeAspect="1"/>
+          </p:cNvPicPr>
+          <p:nvPr/>
+        </p:nvPicPr>
+        <p:blipFill>
+          <a:blip r:embed="rId2"/>
+          <a:stretch>
+            <a:fillRect/>
+          </a:stretch>
+        </p:blipFill>
+        <p:spPr>
+          <a:xfrm>
+            <a:off x="9105900" y="315191"/>
+            <a:ext cx="3086100" cy="2819400"/>
+          </a:xfrm>
+          <a:prstGeom prst="rect">
+            <a:avLst/>
+          </a:prstGeom>
+        </p:spPr>
+      </p:pic>
+      <p:pic>
+        <p:nvPicPr>
+          <p:cNvPr id="5" name="Picture 4"/>
+          <p:cNvPicPr>
+            <a:picLocks noChangeAspect="1"/>
+          </p:cNvPicPr>
+          <p:nvPr/>
+        </p:nvPicPr>
+        <p:blipFill>
+          <a:blip r:embed="rId3"/>
+          <a:stretch>
+            <a:fillRect/>
+          </a:stretch>
+        </p:blipFill>
+        <p:spPr>
+          <a:xfrm>
+            <a:off x="9077325" y="3313400"/>
+            <a:ext cx="3114675" cy="2752725"/>
+          </a:xfrm>
+          <a:prstGeom prst="rect">
+            <a:avLst/>
+          </a:prstGeom>
+        </p:spPr>
+      </p:pic>
+    </p:spTree>
+    <p:extLst>
+      <p:ext uri="{BB962C8B-B14F-4D97-AF65-F5344CB8AC3E}">
+        <p14:creationId xmlns:p14="http://schemas.microsoft.com/office/powerpoint/2010/main" val="3705156012"/>
+      </p:ext>
+    </p:extLst>
+  </p:cSld>
+  <p:clrMapOvr>
+    <a:masterClrMapping/>
+  </p:clrMapOvr>
+  <p:timing>
+    <p:tnLst>
+      <p:par>
+        <p:cTn id="1" dur="indefinite" restart="never" nodeType="tmRoot"/>
+      </p:par>
+    </p:tnLst>
+  </p:timing>
+</p:sld>
+</file>
+
+<file path=ppt/slides/slide14.xml><?xml version="1.0" encoding="utf-8"?>
+<p:sld xmlns:a="http://schemas.openxmlformats.org/drawingml/2006/main" xmlns:r="http://schemas.openxmlformats.org/officeDocument/2006/relationships" xmlns:p="http://schemas.openxmlformats.org/presentationml/2006/main">
+  <p:cSld>
+    <p:spTree>
+      <p:nvGrpSpPr>
+        <p:cNvPr id="1" name=""/>
+        <p:cNvGrpSpPr/>
+        <p:nvPr/>
+      </p:nvGrpSpPr>
+      <p:grpSpPr>
+        <a:xfrm>
+          <a:off x="0" y="0"/>
+          <a:ext cx="0" cy="0"/>
+          <a:chOff x="0" y="0"/>
+          <a:chExt cx="0" cy="0"/>
+        </a:xfrm>
+      </p:grpSpPr>
+      <p:sp>
+        <p:nvSpPr>
+          <p:cNvPr id="2" name="Title 1"/>
+          <p:cNvSpPr>
+            <a:spLocks noGrp="1"/>
+          </p:cNvSpPr>
+          <p:nvPr>
+            <p:ph type="title"/>
+          </p:nvPr>
+        </p:nvSpPr>
+        <p:spPr/>
+        <p:txBody>
+          <a:bodyPr/>
+          <a:lstStyle/>
+          <a:p>
+            <a:r>
+              <a:rPr lang="en-CA" smtClean="0"/>
+              <a:t>Perceptron</a:t>
+            </a:r>
+            <a:endParaRPr lang="en-CA"/>
+          </a:p>
+        </p:txBody>
+      </p:sp>
+      <p:sp>
+        <p:nvSpPr>
+          <p:cNvPr id="3" name="Content Placeholder 2"/>
+          <p:cNvSpPr>
+            <a:spLocks noGrp="1"/>
+          </p:cNvSpPr>
+          <p:nvPr>
+            <p:ph idx="1"/>
+          </p:nvPr>
+        </p:nvSpPr>
+        <p:spPr/>
+        <p:txBody>
+          <a:bodyPr/>
+          <a:lstStyle/>
+          <a:p>
+            <a:endParaRPr lang="en-CA"/>
+          </a:p>
+        </p:txBody>
+      </p:sp>
+    </p:spTree>
+    <p:extLst>
+      <p:ext uri="{BB962C8B-B14F-4D97-AF65-F5344CB8AC3E}">
+        <p14:creationId xmlns:p14="http://schemas.microsoft.com/office/powerpoint/2010/main" val="3332345207"/>
+      </p:ext>
+    </p:extLst>
+  </p:cSld>
+  <p:clrMapOvr>
+    <a:masterClrMapping/>
+  </p:clrMapOvr>
+  <p:timing>
+    <p:tnLst>
+      <p:par>
+        <p:cTn id="1" dur="indefinite" restart="never" nodeType="tmRoot"/>
+      </p:par>
+    </p:tnLst>
+  </p:timing>
+</p:sld>
+</file>
+
 <file path=ppt/slides/slide2.xml><?xml version="1.0" encoding="utf-8"?>
 <p:sld xmlns:a="http://schemas.openxmlformats.org/drawingml/2006/main" xmlns:r="http://schemas.openxmlformats.org/officeDocument/2006/relationships" xmlns:p="http://schemas.openxmlformats.org/presentationml/2006/main">
   <p:cSld>
@@ -3101,11 +4766,7 @@
           <a:p>
             <a:r>
               <a:rPr lang="en-CA" dirty="0" smtClean="0"/>
-              <a:t>Building </a:t>
-            </a:r>
-            <a:r>
-              <a:rPr lang="en-CA" smtClean="0"/>
-              <a:t>decision tree</a:t>
+              <a:t>Building decision tree – children cannot split on same attribute as parent</a:t>
             </a:r>
             <a:endParaRPr lang="en-CA" dirty="0"/>
           </a:p>
@@ -3163,7 +4824,982 @@
           <a:bodyPr/>
           <a:lstStyle/>
           <a:p>
-            <a:endParaRPr lang="en-CA"/>
+            <a:r>
+              <a:rPr lang="en-CA" dirty="0" smtClean="0"/>
+              <a:t>Linear least squares</a:t>
+            </a:r>
+            <a:endParaRPr lang="en-CA" dirty="0"/>
+          </a:p>
+        </p:txBody>
+      </p:sp>
+      <mc:AlternateContent xmlns:mc="http://schemas.openxmlformats.org/markup-compatibility/2006" xmlns:a14="http://schemas.microsoft.com/office/drawing/2010/main">
+        <mc:Choice Requires="a14">
+          <p:sp>
+            <p:nvSpPr>
+              <p:cNvPr id="3" name="Content Placeholder 2"/>
+              <p:cNvSpPr>
+                <a:spLocks noGrp="1"/>
+              </p:cNvSpPr>
+              <p:nvPr>
+                <p:ph idx="1"/>
+              </p:nvPr>
+            </p:nvSpPr>
+            <p:spPr>
+              <a:xfrm>
+                <a:off x="249382" y="1482436"/>
+                <a:ext cx="11748654" cy="4904509"/>
+              </a:xfrm>
+            </p:spPr>
+            <p:txBody>
+              <a:bodyPr>
+                <a:normAutofit lnSpcReduction="10000"/>
+              </a:bodyPr>
+              <a:lstStyle/>
+              <a:p>
+                <a:r>
+                  <a:rPr lang="en-CA" dirty="0" smtClean="0"/>
+                  <a:t>Linear least squares (LLS) is the least squares approximation of linear functions to data</a:t>
+                </a:r>
+              </a:p>
+              <a:p>
+                <a:r>
+                  <a:rPr lang="en-CA" dirty="0"/>
+                  <a:t>We </a:t>
+                </a:r>
+                <a:r>
+                  <a:rPr lang="en-CA" dirty="0" smtClean="0"/>
+                  <a:t>wanted </a:t>
+                </a:r>
+                <a:r>
+                  <a:rPr lang="en-CA" dirty="0"/>
+                  <a:t>to find </a:t>
+                </a:r>
+                <a:r>
+                  <a:rPr lang="en-CA" dirty="0">
+                    <a:latin typeface="Cambria Math" panose="02040503050406030204" pitchFamily="18" charset="0"/>
+                    <a:ea typeface="Cambria Math" panose="02040503050406030204" pitchFamily="18" charset="0"/>
+                  </a:rPr>
+                  <a:t>W = [w</a:t>
+                </a:r>
+                <a:r>
+                  <a:rPr lang="en-CA" baseline="-25000" dirty="0">
+                    <a:latin typeface="Cambria Math" panose="02040503050406030204" pitchFamily="18" charset="0"/>
+                    <a:ea typeface="Cambria Math" panose="02040503050406030204" pitchFamily="18" charset="0"/>
+                  </a:rPr>
+                  <a:t>0</a:t>
+                </a:r>
+                <a:r>
+                  <a:rPr lang="en-CA" dirty="0">
+                    <a:latin typeface="Cambria Math" panose="02040503050406030204" pitchFamily="18" charset="0"/>
+                    <a:ea typeface="Cambria Math" panose="02040503050406030204" pitchFamily="18" charset="0"/>
+                  </a:rPr>
+                  <a:t>,w</a:t>
+                </a:r>
+                <a:r>
+                  <a:rPr lang="en-CA" baseline="-25000" dirty="0">
+                    <a:latin typeface="Cambria Math" panose="02040503050406030204" pitchFamily="18" charset="0"/>
+                    <a:ea typeface="Cambria Math" panose="02040503050406030204" pitchFamily="18" charset="0"/>
+                  </a:rPr>
+                  <a:t>1</a:t>
+                </a:r>
+                <a:r>
+                  <a:rPr lang="en-CA" dirty="0">
+                    <a:latin typeface="Cambria Math" panose="02040503050406030204" pitchFamily="18" charset="0"/>
+                    <a:ea typeface="Cambria Math" panose="02040503050406030204" pitchFamily="18" charset="0"/>
+                  </a:rPr>
+                  <a:t>,w</a:t>
+                </a:r>
+                <a:r>
+                  <a:rPr lang="en-CA" baseline="-25000" dirty="0">
+                    <a:latin typeface="Cambria Math" panose="02040503050406030204" pitchFamily="18" charset="0"/>
+                    <a:ea typeface="Cambria Math" panose="02040503050406030204" pitchFamily="18" charset="0"/>
+                  </a:rPr>
+                  <a:t>2</a:t>
+                </a:r>
+                <a:r>
+                  <a:rPr lang="en-CA" dirty="0">
+                    <a:latin typeface="Cambria Math" panose="02040503050406030204" pitchFamily="18" charset="0"/>
+                    <a:ea typeface="Cambria Math" panose="02040503050406030204" pitchFamily="18" charset="0"/>
+                  </a:rPr>
+                  <a:t>] </a:t>
+                </a:r>
+                <a:r>
+                  <a:rPr lang="en-CA" dirty="0"/>
+                  <a:t>such that :</a:t>
+                </a:r>
+                <a:br>
+                  <a:rPr lang="en-CA" dirty="0"/>
+                </a:br>
+                <a:r>
+                  <a:rPr lang="en-CA" dirty="0"/>
+                  <a:t>		</a:t>
+                </a:r>
+                <a14:m>
+                  <m:oMath xmlns:m="http://schemas.openxmlformats.org/officeDocument/2006/math">
+                    <m:nary>
+                      <m:naryPr>
+                        <m:chr m:val="∑"/>
+                        <m:ctrlPr>
+                          <a:rPr lang="en-CA" i="1">
+                            <a:latin typeface="Cambria Math" panose="02040503050406030204" pitchFamily="18" charset="0"/>
+                          </a:rPr>
+                        </m:ctrlPr>
+                      </m:naryPr>
+                      <m:sub>
+                        <m:r>
+                          <m:rPr>
+                            <m:sty m:val="p"/>
+                            <m:brk m:alnAt="23"/>
+                          </m:rPr>
+                          <a:rPr lang="en-CA">
+                            <a:latin typeface="Cambria Math" panose="02040503050406030204" pitchFamily="18" charset="0"/>
+                          </a:rPr>
+                          <m:t>i</m:t>
+                        </m:r>
+                        <m:r>
+                          <a:rPr lang="en-CA">
+                            <a:latin typeface="Cambria Math" panose="02040503050406030204" pitchFamily="18" charset="0"/>
+                          </a:rPr>
+                          <m:t>=1</m:t>
+                        </m:r>
+                      </m:sub>
+                      <m:sup>
+                        <m:r>
+                          <m:rPr>
+                            <m:sty m:val="p"/>
+                          </m:rPr>
+                          <a:rPr lang="en-CA">
+                            <a:latin typeface="Cambria Math" panose="02040503050406030204" pitchFamily="18" charset="0"/>
+                          </a:rPr>
+                          <m:t>n</m:t>
+                        </m:r>
+                      </m:sup>
+                      <m:e>
+                        <m:r>
+                          <a:rPr lang="en-CA">
+                            <a:latin typeface="Cambria Math" panose="02040503050406030204" pitchFamily="18" charset="0"/>
+                          </a:rPr>
+                          <m:t>(</m:t>
+                        </m:r>
+                        <m:sSup>
+                          <m:sSupPr>
+                            <m:ctrlPr>
+                              <a:rPr lang="en-CA" i="1">
+                                <a:latin typeface="Cambria Math" panose="02040503050406030204" pitchFamily="18" charset="0"/>
+                              </a:rPr>
+                            </m:ctrlPr>
+                          </m:sSupPr>
+                          <m:e>
+                            <m:r>
+                              <m:rPr>
+                                <m:sty m:val="p"/>
+                              </m:rPr>
+                              <a:rPr lang="en-CA">
+                                <a:latin typeface="Cambria Math" panose="02040503050406030204" pitchFamily="18" charset="0"/>
+                              </a:rPr>
+                              <m:t>y</m:t>
+                            </m:r>
+                          </m:e>
+                          <m:sup>
+                            <m:r>
+                              <a:rPr lang="en-CA">
+                                <a:latin typeface="Cambria Math" panose="02040503050406030204" pitchFamily="18" charset="0"/>
+                              </a:rPr>
+                              <m:t>(</m:t>
+                            </m:r>
+                            <m:r>
+                              <m:rPr>
+                                <m:sty m:val="p"/>
+                              </m:rPr>
+                              <a:rPr lang="en-CA">
+                                <a:latin typeface="Cambria Math" panose="02040503050406030204" pitchFamily="18" charset="0"/>
+                              </a:rPr>
+                              <m:t>i</m:t>
+                            </m:r>
+                            <m:r>
+                              <a:rPr lang="en-CA">
+                                <a:latin typeface="Cambria Math" panose="02040503050406030204" pitchFamily="18" charset="0"/>
+                              </a:rPr>
+                              <m:t>)</m:t>
+                            </m:r>
+                          </m:sup>
+                        </m:sSup>
+                        <m:r>
+                          <a:rPr lang="en-CA">
+                            <a:latin typeface="Cambria Math" panose="02040503050406030204" pitchFamily="18" charset="0"/>
+                          </a:rPr>
+                          <m:t>− </m:t>
+                        </m:r>
+                        <m:nary>
+                          <m:naryPr>
+                            <m:chr m:val="∑"/>
+                            <m:ctrlPr>
+                              <a:rPr lang="en-CA" i="1">
+                                <a:latin typeface="Cambria Math" panose="02040503050406030204" pitchFamily="18" charset="0"/>
+                              </a:rPr>
+                            </m:ctrlPr>
+                          </m:naryPr>
+                          <m:sub>
+                            <m:r>
+                              <m:rPr>
+                                <m:sty m:val="p"/>
+                                <m:brk m:alnAt="23"/>
+                              </m:rPr>
+                              <a:rPr lang="en-CA">
+                                <a:latin typeface="Cambria Math" panose="02040503050406030204" pitchFamily="18" charset="0"/>
+                              </a:rPr>
+                              <m:t>j</m:t>
+                            </m:r>
+                            <m:r>
+                              <a:rPr lang="en-CA">
+                                <a:latin typeface="Cambria Math" panose="02040503050406030204" pitchFamily="18" charset="0"/>
+                              </a:rPr>
+                              <m:t>=0</m:t>
+                            </m:r>
+                          </m:sub>
+                          <m:sup>
+                            <m:r>
+                              <m:rPr>
+                                <m:sty m:val="p"/>
+                              </m:rPr>
+                              <a:rPr lang="en-CA">
+                                <a:latin typeface="Cambria Math" panose="02040503050406030204" pitchFamily="18" charset="0"/>
+                              </a:rPr>
+                              <m:t>k</m:t>
+                            </m:r>
+                          </m:sup>
+                          <m:e>
+                            <m:r>
+                              <m:rPr>
+                                <m:sty m:val="p"/>
+                              </m:rPr>
+                              <a:rPr lang="en-CA">
+                                <a:latin typeface="Cambria Math" panose="02040503050406030204" pitchFamily="18" charset="0"/>
+                              </a:rPr>
+                              <m:t>w</m:t>
+                            </m:r>
+                            <m:r>
+                              <m:rPr>
+                                <m:sty m:val="p"/>
+                              </m:rPr>
+                              <a:rPr lang="en-CA" baseline="-25000">
+                                <a:latin typeface="Cambria Math" panose="02040503050406030204" pitchFamily="18" charset="0"/>
+                              </a:rPr>
+                              <m:t>j</m:t>
+                            </m:r>
+                            <m:sSubSup>
+                              <m:sSubSupPr>
+                                <m:ctrlPr>
+                                  <a:rPr lang="en-CA" i="1">
+                                    <a:latin typeface="Cambria Math" panose="02040503050406030204" pitchFamily="18" charset="0"/>
+                                  </a:rPr>
+                                </m:ctrlPr>
+                              </m:sSubSupPr>
+                              <m:e>
+                                <m:r>
+                                  <m:rPr>
+                                    <m:sty m:val="p"/>
+                                  </m:rPr>
+                                  <a:rPr lang="en-CA">
+                                    <a:latin typeface="Cambria Math" panose="02040503050406030204" pitchFamily="18" charset="0"/>
+                                  </a:rPr>
+                                  <m:t>a</m:t>
+                                </m:r>
+                              </m:e>
+                              <m:sub>
+                                <m:r>
+                                  <m:rPr>
+                                    <m:sty m:val="p"/>
+                                  </m:rPr>
+                                  <a:rPr lang="en-CA">
+                                    <a:latin typeface="Cambria Math" panose="02040503050406030204" pitchFamily="18" charset="0"/>
+                                  </a:rPr>
+                                  <m:t>j</m:t>
+                                </m:r>
+                              </m:sub>
+                              <m:sup>
+                                <m:r>
+                                  <a:rPr lang="en-CA">
+                                    <a:latin typeface="Cambria Math" panose="02040503050406030204" pitchFamily="18" charset="0"/>
+                                  </a:rPr>
+                                  <m:t>(</m:t>
+                                </m:r>
+                                <m:r>
+                                  <m:rPr>
+                                    <m:sty m:val="p"/>
+                                  </m:rPr>
+                                  <a:rPr lang="en-CA">
+                                    <a:latin typeface="Cambria Math" panose="02040503050406030204" pitchFamily="18" charset="0"/>
+                                  </a:rPr>
+                                  <m:t>i</m:t>
+                                </m:r>
+                                <m:r>
+                                  <a:rPr lang="en-CA">
+                                    <a:latin typeface="Cambria Math" panose="02040503050406030204" pitchFamily="18" charset="0"/>
+                                  </a:rPr>
+                                  <m:t>)</m:t>
+                                </m:r>
+                              </m:sup>
+                            </m:sSubSup>
+                            <m:r>
+                              <a:rPr lang="en-CA">
+                                <a:latin typeface="Cambria Math" panose="02040503050406030204" pitchFamily="18" charset="0"/>
+                              </a:rPr>
+                              <m:t>)</m:t>
+                            </m:r>
+                            <m:r>
+                              <a:rPr lang="en-CA" baseline="30000">
+                                <a:latin typeface="Cambria Math" panose="02040503050406030204" pitchFamily="18" charset="0"/>
+                              </a:rPr>
+                              <m:t>2</m:t>
+                            </m:r>
+                          </m:e>
+                        </m:nary>
+                      </m:e>
+                    </m:nary>
+                  </m:oMath>
+                </a14:m>
+                <a:r>
+                  <a:rPr lang="en-CA" dirty="0"/>
+                  <a:t>    is minimized</a:t>
+                </a:r>
+              </a:p>
+              <a:p>
+                <a:r>
+                  <a:rPr lang="en-CA" dirty="0" smtClean="0"/>
+                  <a:t>where </a:t>
+                </a:r>
+                <a14:m>
+                  <m:oMath xmlns:m="http://schemas.openxmlformats.org/officeDocument/2006/math">
+                    <m:sSubSup>
+                      <m:sSubSupPr>
+                        <m:ctrlPr>
+                          <a:rPr lang="en-CA" i="1">
+                            <a:latin typeface="Cambria Math" panose="02040503050406030204" pitchFamily="18" charset="0"/>
+                          </a:rPr>
+                        </m:ctrlPr>
+                      </m:sSubSupPr>
+                      <m:e>
+                        <m:r>
+                          <m:rPr>
+                            <m:sty m:val="p"/>
+                          </m:rPr>
+                          <a:rPr lang="en-CA">
+                            <a:latin typeface="Cambria Math" panose="02040503050406030204" pitchFamily="18" charset="0"/>
+                          </a:rPr>
+                          <m:t>a</m:t>
+                        </m:r>
+                      </m:e>
+                      <m:sub>
+                        <m:r>
+                          <m:rPr>
+                            <m:sty m:val="p"/>
+                          </m:rPr>
+                          <a:rPr lang="en-CA">
+                            <a:latin typeface="Cambria Math" panose="02040503050406030204" pitchFamily="18" charset="0"/>
+                          </a:rPr>
+                          <m:t>j</m:t>
+                        </m:r>
+                      </m:sub>
+                      <m:sup>
+                        <m:r>
+                          <a:rPr lang="en-CA">
+                            <a:latin typeface="Cambria Math" panose="02040503050406030204" pitchFamily="18" charset="0"/>
+                          </a:rPr>
+                          <m:t>(</m:t>
+                        </m:r>
+                        <m:r>
+                          <m:rPr>
+                            <m:sty m:val="p"/>
+                          </m:rPr>
+                          <a:rPr lang="en-CA">
+                            <a:latin typeface="Cambria Math" panose="02040503050406030204" pitchFamily="18" charset="0"/>
+                          </a:rPr>
+                          <m:t>i</m:t>
+                        </m:r>
+                        <m:r>
+                          <a:rPr lang="en-CA">
+                            <a:latin typeface="Cambria Math" panose="02040503050406030204" pitchFamily="18" charset="0"/>
+                          </a:rPr>
+                          <m:t>)</m:t>
+                        </m:r>
+                      </m:sup>
+                    </m:sSubSup>
+                  </m:oMath>
+                </a14:m>
+                <a:r>
+                  <a:rPr lang="en-CA" dirty="0" smtClean="0"/>
+                  <a:t> is attribute </a:t>
+                </a:r>
+                <a:r>
+                  <a:rPr lang="en-CA" dirty="0" smtClean="0">
+                    <a:latin typeface="Cambria Math" panose="02040503050406030204" pitchFamily="18" charset="0"/>
+                    <a:ea typeface="Cambria Math" panose="02040503050406030204" pitchFamily="18" charset="0"/>
+                  </a:rPr>
+                  <a:t>j</a:t>
+                </a:r>
+                <a:r>
+                  <a:rPr lang="en-CA" dirty="0" smtClean="0"/>
+                  <a:t> of</a:t>
+                </a:r>
+                <a:r>
+                  <a:rPr lang="en-CA" baseline="30000" dirty="0" smtClean="0"/>
+                  <a:t> </a:t>
+                </a:r>
+                <a:r>
+                  <a:rPr lang="en-CA" dirty="0" smtClean="0"/>
+                  <a:t>instance </a:t>
+                </a:r>
+                <a:r>
+                  <a:rPr lang="en-CA" dirty="0" err="1" smtClean="0">
+                    <a:latin typeface="Cambria Math" panose="02040503050406030204" pitchFamily="18" charset="0"/>
+                    <a:ea typeface="Cambria Math" panose="02040503050406030204" pitchFamily="18" charset="0"/>
+                  </a:rPr>
+                  <a:t>i</a:t>
+                </a:r>
+                <a:r>
+                  <a:rPr lang="en-CA" dirty="0" smtClean="0">
+                    <a:latin typeface="Cambria Math" panose="02040503050406030204" pitchFamily="18" charset="0"/>
+                    <a:ea typeface="Cambria Math" panose="02040503050406030204" pitchFamily="18" charset="0"/>
+                  </a:rPr>
+                  <a:t>, </a:t>
+                </a:r>
+                <a:r>
+                  <a:rPr lang="en-CA" dirty="0" smtClean="0">
+                    <a:ea typeface="Cambria Math" panose="02040503050406030204" pitchFamily="18" charset="0"/>
+                  </a:rPr>
+                  <a:t>and </a:t>
+                </a:r>
+                <a14:m>
+                  <m:oMath xmlns:m="http://schemas.openxmlformats.org/officeDocument/2006/math">
+                    <m:sSup>
+                      <m:sSupPr>
+                        <m:ctrlPr>
+                          <a:rPr lang="en-CA" i="1">
+                            <a:latin typeface="Cambria Math" panose="02040503050406030204" pitchFamily="18" charset="0"/>
+                          </a:rPr>
+                        </m:ctrlPr>
+                      </m:sSupPr>
+                      <m:e>
+                        <m:r>
+                          <m:rPr>
+                            <m:sty m:val="p"/>
+                          </m:rPr>
+                          <a:rPr lang="en-CA">
+                            <a:latin typeface="Cambria Math" panose="02040503050406030204" pitchFamily="18" charset="0"/>
+                          </a:rPr>
+                          <m:t>y</m:t>
+                        </m:r>
+                      </m:e>
+                      <m:sup>
+                        <m:r>
+                          <a:rPr lang="en-CA">
+                            <a:latin typeface="Cambria Math" panose="02040503050406030204" pitchFamily="18" charset="0"/>
+                          </a:rPr>
+                          <m:t>(</m:t>
+                        </m:r>
+                        <m:r>
+                          <m:rPr>
+                            <m:sty m:val="p"/>
+                          </m:rPr>
+                          <a:rPr lang="en-CA">
+                            <a:latin typeface="Cambria Math" panose="02040503050406030204" pitchFamily="18" charset="0"/>
+                          </a:rPr>
+                          <m:t>i</m:t>
+                        </m:r>
+                        <m:r>
+                          <a:rPr lang="en-CA">
+                            <a:latin typeface="Cambria Math" panose="02040503050406030204" pitchFamily="18" charset="0"/>
+                          </a:rPr>
+                          <m:t>)</m:t>
+                        </m:r>
+                      </m:sup>
+                    </m:sSup>
+                  </m:oMath>
+                </a14:m>
+                <a:r>
+                  <a:rPr lang="en-CA" dirty="0" smtClean="0">
+                    <a:latin typeface="Cambria Math" panose="02040503050406030204" pitchFamily="18" charset="0"/>
+                    <a:ea typeface="Cambria Math" panose="02040503050406030204" pitchFamily="18" charset="0"/>
+                  </a:rPr>
+                  <a:t> </a:t>
+                </a:r>
+                <a:r>
+                  <a:rPr lang="en-CA" dirty="0" smtClean="0">
+                    <a:ea typeface="Cambria Math" panose="02040503050406030204" pitchFamily="18" charset="0"/>
+                  </a:rPr>
+                  <a:t>is the known output of instance </a:t>
+                </a:r>
+                <a:r>
+                  <a:rPr lang="en-CA" dirty="0" err="1" smtClean="0">
+                    <a:latin typeface="Cambria Math" panose="02040503050406030204" pitchFamily="18" charset="0"/>
+                    <a:ea typeface="Cambria Math" panose="02040503050406030204" pitchFamily="18" charset="0"/>
+                  </a:rPr>
+                  <a:t>i</a:t>
+                </a:r>
+                <a:endParaRPr lang="en-CA" dirty="0"/>
+              </a:p>
+              <a:p>
+                <a:r>
+                  <a:rPr lang="en-CA" dirty="0" smtClean="0"/>
+                  <a:t>Solution</a:t>
+                </a:r>
+                <a:r>
+                  <a:rPr lang="en-CA" dirty="0"/>
+                  <a:t>: </a:t>
+                </a:r>
+                <a14:m>
+                  <m:oMath xmlns:m="http://schemas.openxmlformats.org/officeDocument/2006/math">
+                    <m:r>
+                      <m:rPr>
+                        <m:sty m:val="p"/>
+                      </m:rPr>
+                      <a:rPr lang="en-CA">
+                        <a:latin typeface="Cambria Math" panose="02040503050406030204" pitchFamily="18" charset="0"/>
+                      </a:rPr>
+                      <m:t>W</m:t>
+                    </m:r>
+                    <m:r>
+                      <a:rPr lang="en-CA">
+                        <a:latin typeface="Cambria Math" panose="02040503050406030204" pitchFamily="18" charset="0"/>
+                      </a:rPr>
+                      <m:t>= </m:t>
+                    </m:r>
+                    <m:sSup>
+                      <m:sSupPr>
+                        <m:ctrlPr>
+                          <a:rPr lang="en-CA" i="1">
+                            <a:latin typeface="Cambria Math" panose="02040503050406030204" pitchFamily="18" charset="0"/>
+                          </a:rPr>
+                        </m:ctrlPr>
+                      </m:sSupPr>
+                      <m:e>
+                        <m:r>
+                          <a:rPr lang="en-CA">
+                            <a:latin typeface="Cambria Math" panose="02040503050406030204" pitchFamily="18" charset="0"/>
+                          </a:rPr>
+                          <m:t>(</m:t>
+                        </m:r>
+                        <m:sSup>
+                          <m:sSupPr>
+                            <m:ctrlPr>
+                              <a:rPr lang="en-CA" i="1">
+                                <a:latin typeface="Cambria Math" panose="02040503050406030204" pitchFamily="18" charset="0"/>
+                              </a:rPr>
+                            </m:ctrlPr>
+                          </m:sSupPr>
+                          <m:e>
+                            <m:r>
+                              <m:rPr>
+                                <m:sty m:val="p"/>
+                              </m:rPr>
+                              <a:rPr lang="en-CA">
+                                <a:latin typeface="Cambria Math" panose="02040503050406030204" pitchFamily="18" charset="0"/>
+                              </a:rPr>
+                              <m:t>X</m:t>
+                            </m:r>
+                          </m:e>
+                          <m:sup>
+                            <m:r>
+                              <m:rPr>
+                                <m:sty m:val="p"/>
+                              </m:rPr>
+                              <a:rPr lang="en-CA">
+                                <a:latin typeface="Cambria Math" panose="02040503050406030204" pitchFamily="18" charset="0"/>
+                              </a:rPr>
+                              <m:t>T</m:t>
+                            </m:r>
+                          </m:sup>
+                        </m:sSup>
+                        <m:r>
+                          <m:rPr>
+                            <m:sty m:val="p"/>
+                          </m:rPr>
+                          <a:rPr lang="en-CA">
+                            <a:latin typeface="Cambria Math" panose="02040503050406030204" pitchFamily="18" charset="0"/>
+                          </a:rPr>
+                          <m:t>X</m:t>
+                        </m:r>
+                        <m:r>
+                          <a:rPr lang="en-CA">
+                            <a:latin typeface="Cambria Math" panose="02040503050406030204" pitchFamily="18" charset="0"/>
+                          </a:rPr>
+                          <m:t>)</m:t>
+                        </m:r>
+                      </m:e>
+                      <m:sup>
+                        <m:r>
+                          <a:rPr lang="en-CA">
+                            <a:latin typeface="Cambria Math" panose="02040503050406030204" pitchFamily="18" charset="0"/>
+                          </a:rPr>
+                          <m:t>−1</m:t>
+                        </m:r>
+                      </m:sup>
+                    </m:sSup>
+                    <m:sSup>
+                      <m:sSupPr>
+                        <m:ctrlPr>
+                          <a:rPr lang="en-CA" i="1">
+                            <a:latin typeface="Cambria Math" panose="02040503050406030204" pitchFamily="18" charset="0"/>
+                          </a:rPr>
+                        </m:ctrlPr>
+                      </m:sSupPr>
+                      <m:e>
+                        <m:r>
+                          <m:rPr>
+                            <m:sty m:val="p"/>
+                          </m:rPr>
+                          <a:rPr lang="en-CA">
+                            <a:latin typeface="Cambria Math" panose="02040503050406030204" pitchFamily="18" charset="0"/>
+                          </a:rPr>
+                          <m:t>X</m:t>
+                        </m:r>
+                      </m:e>
+                      <m:sup>
+                        <m:r>
+                          <m:rPr>
+                            <m:sty m:val="p"/>
+                          </m:rPr>
+                          <a:rPr lang="en-CA">
+                            <a:latin typeface="Cambria Math" panose="02040503050406030204" pitchFamily="18" charset="0"/>
+                          </a:rPr>
+                          <m:t>T</m:t>
+                        </m:r>
+                      </m:sup>
+                    </m:sSup>
+                    <m:r>
+                      <m:rPr>
+                        <m:sty m:val="p"/>
+                      </m:rPr>
+                      <a:rPr lang="en-CA">
+                        <a:latin typeface="Cambria Math" panose="02040503050406030204" pitchFamily="18" charset="0"/>
+                      </a:rPr>
+                      <m:t>Y</m:t>
+                    </m:r>
+                  </m:oMath>
+                </a14:m>
+                <a:r>
+                  <a:rPr lang="en-CA" baseline="30000" dirty="0"/>
+                  <a:t>  </a:t>
+                </a:r>
+                <a:endParaRPr lang="en-CA" baseline="30000" dirty="0" smtClean="0"/>
+              </a:p>
+              <a:p>
+                <a:endParaRPr lang="en-CA" baseline="30000" dirty="0"/>
+              </a:p>
+              <a:p>
+                <a:r>
+                  <a:rPr lang="en-CA" dirty="0" smtClean="0"/>
+                  <a:t>This yields a numerical prediction in the form of a real number:</a:t>
+                </a:r>
+              </a:p>
+              <a:p>
+                <a14:m>
+                  <m:oMath xmlns:m="http://schemas.openxmlformats.org/officeDocument/2006/math">
+                    <m:r>
+                      <m:rPr>
+                        <m:sty m:val="p"/>
+                      </m:rPr>
+                      <a:rPr lang="en-CA" b="0" i="0" smtClean="0">
+                        <a:latin typeface="Cambria Math" panose="02040503050406030204" pitchFamily="18" charset="0"/>
+                      </a:rPr>
+                      <m:t>y</m:t>
+                    </m:r>
+                    <m:r>
+                      <a:rPr lang="en-CA">
+                        <a:latin typeface="Cambria Math" panose="02040503050406030204" pitchFamily="18" charset="0"/>
+                      </a:rPr>
+                      <m:t>=</m:t>
+                    </m:r>
+                    <m:r>
+                      <m:rPr>
+                        <m:sty m:val="p"/>
+                      </m:rPr>
+                      <a:rPr lang="en-CA">
+                        <a:latin typeface="Cambria Math" panose="02040503050406030204" pitchFamily="18" charset="0"/>
+                      </a:rPr>
+                      <m:t>w</m:t>
+                    </m:r>
+                    <m:r>
+                      <a:rPr lang="en-CA" baseline="-25000">
+                        <a:latin typeface="Cambria Math" panose="02040503050406030204" pitchFamily="18" charset="0"/>
+                      </a:rPr>
+                      <m:t>0</m:t>
+                    </m:r>
+                    <m:r>
+                      <a:rPr lang="en-CA">
+                        <a:latin typeface="Cambria Math" panose="02040503050406030204" pitchFamily="18" charset="0"/>
+                      </a:rPr>
+                      <m:t>+</m:t>
+                    </m:r>
+                    <m:r>
+                      <m:rPr>
+                        <m:sty m:val="p"/>
+                      </m:rPr>
+                      <a:rPr lang="en-CA">
+                        <a:latin typeface="Cambria Math" panose="02040503050406030204" pitchFamily="18" charset="0"/>
+                      </a:rPr>
+                      <m:t>w</m:t>
+                    </m:r>
+                    <m:r>
+                      <a:rPr lang="en-CA" baseline="-25000">
+                        <a:latin typeface="Cambria Math" panose="02040503050406030204" pitchFamily="18" charset="0"/>
+                      </a:rPr>
+                      <m:t>1</m:t>
+                    </m:r>
+                    <m:r>
+                      <m:rPr>
+                        <m:sty m:val="p"/>
+                      </m:rPr>
+                      <a:rPr lang="en-CA">
+                        <a:latin typeface="Cambria Math" panose="02040503050406030204" pitchFamily="18" charset="0"/>
+                      </a:rPr>
+                      <m:t>a</m:t>
+                    </m:r>
+                    <m:r>
+                      <a:rPr lang="en-CA" baseline="-25000">
+                        <a:latin typeface="Cambria Math" panose="02040503050406030204" pitchFamily="18" charset="0"/>
+                      </a:rPr>
+                      <m:t>1</m:t>
+                    </m:r>
+                    <m:r>
+                      <a:rPr lang="en-CA">
+                        <a:latin typeface="Cambria Math" panose="02040503050406030204" pitchFamily="18" charset="0"/>
+                      </a:rPr>
+                      <m:t>+</m:t>
+                    </m:r>
+                    <m:r>
+                      <m:rPr>
+                        <m:sty m:val="p"/>
+                      </m:rPr>
+                      <a:rPr lang="en-CA">
+                        <a:latin typeface="Cambria Math" panose="02040503050406030204" pitchFamily="18" charset="0"/>
+                      </a:rPr>
+                      <m:t>w</m:t>
+                    </m:r>
+                    <m:r>
+                      <a:rPr lang="en-CA" baseline="-25000">
+                        <a:latin typeface="Cambria Math" panose="02040503050406030204" pitchFamily="18" charset="0"/>
+                      </a:rPr>
+                      <m:t>2</m:t>
+                    </m:r>
+                    <m:r>
+                      <m:rPr>
+                        <m:sty m:val="p"/>
+                      </m:rPr>
+                      <a:rPr lang="en-CA">
+                        <a:latin typeface="Cambria Math" panose="02040503050406030204" pitchFamily="18" charset="0"/>
+                      </a:rPr>
+                      <m:t>a</m:t>
+                    </m:r>
+                    <m:r>
+                      <a:rPr lang="en-CA" baseline="-25000">
+                        <a:latin typeface="Cambria Math" panose="02040503050406030204" pitchFamily="18" charset="0"/>
+                      </a:rPr>
+                      <m:t>2</m:t>
+                    </m:r>
+                    <m:r>
+                      <a:rPr lang="en-CA">
+                        <a:latin typeface="Cambria Math" panose="02040503050406030204" pitchFamily="18" charset="0"/>
+                      </a:rPr>
+                      <m:t>+…+</m:t>
+                    </m:r>
+                    <m:sSub>
+                      <m:sSubPr>
+                        <m:ctrlPr>
+                          <a:rPr lang="en-CA" i="1">
+                            <a:latin typeface="Cambria Math" panose="02040503050406030204" pitchFamily="18" charset="0"/>
+                          </a:rPr>
+                        </m:ctrlPr>
+                      </m:sSubPr>
+                      <m:e>
+                        <m:r>
+                          <m:rPr>
+                            <m:sty m:val="p"/>
+                          </m:rPr>
+                          <a:rPr lang="en-CA">
+                            <a:latin typeface="Cambria Math" panose="02040503050406030204" pitchFamily="18" charset="0"/>
+                          </a:rPr>
+                          <m:t>w</m:t>
+                        </m:r>
+                      </m:e>
+                      <m:sub>
+                        <m:r>
+                          <m:rPr>
+                            <m:sty m:val="p"/>
+                          </m:rPr>
+                          <a:rPr lang="en-CA">
+                            <a:latin typeface="Cambria Math" panose="02040503050406030204" pitchFamily="18" charset="0"/>
+                          </a:rPr>
+                          <m:t>k</m:t>
+                        </m:r>
+                      </m:sub>
+                    </m:sSub>
+                    <m:sSub>
+                      <m:sSubPr>
+                        <m:ctrlPr>
+                          <a:rPr lang="en-CA" i="1">
+                            <a:latin typeface="Cambria Math" panose="02040503050406030204" pitchFamily="18" charset="0"/>
+                          </a:rPr>
+                        </m:ctrlPr>
+                      </m:sSubPr>
+                      <m:e>
+                        <m:r>
+                          <m:rPr>
+                            <m:sty m:val="p"/>
+                          </m:rPr>
+                          <a:rPr lang="en-CA">
+                            <a:latin typeface="Cambria Math" panose="02040503050406030204" pitchFamily="18" charset="0"/>
+                          </a:rPr>
+                          <m:t>a</m:t>
+                        </m:r>
+                      </m:e>
+                      <m:sub>
+                        <m:r>
+                          <m:rPr>
+                            <m:sty m:val="p"/>
+                          </m:rPr>
+                          <a:rPr lang="en-CA">
+                            <a:latin typeface="Cambria Math" panose="02040503050406030204" pitchFamily="18" charset="0"/>
+                          </a:rPr>
+                          <m:t>k</m:t>
+                        </m:r>
+                      </m:sub>
+                    </m:sSub>
+                    <m:r>
+                      <a:rPr lang="en-CA">
+                        <a:latin typeface="Cambria Math" panose="02040503050406030204" pitchFamily="18" charset="0"/>
+                      </a:rPr>
+                      <m:t>. </m:t>
+                    </m:r>
+                    <m:r>
+                      <a:rPr lang="en-CA">
+                        <a:solidFill>
+                          <a:schemeClr val="bg1"/>
+                        </a:solidFill>
+                        <a:latin typeface="Cambria Math" panose="02040503050406030204" pitchFamily="18" charset="0"/>
+                      </a:rPr>
+                      <m:t>. </m:t>
+                    </m:r>
+                  </m:oMath>
+                </a14:m>
+                <a:endParaRPr lang="en-CA" dirty="0" smtClean="0">
+                  <a:solidFill>
+                    <a:schemeClr val="bg1"/>
+                  </a:solidFill>
+                </a:endParaRPr>
+              </a:p>
+              <a:p>
+                <a:pPr marL="0" indent="0">
+                  <a:buNone/>
+                </a:pPr>
+                <a:r>
+                  <a:rPr lang="en-CA" dirty="0" smtClean="0"/>
+                  <a:t>	What if we want to predict a class? (classification)</a:t>
+                </a:r>
+                <a:endParaRPr lang="en-CA" dirty="0"/>
+              </a:p>
+              <a:p>
+                <a:endParaRPr lang="en-CA" dirty="0"/>
+              </a:p>
+            </p:txBody>
+          </p:sp>
+        </mc:Choice>
+        <mc:Fallback xmlns="">
+          <p:sp>
+            <p:nvSpPr>
+              <p:cNvPr id="3" name="Content Placeholder 2"/>
+              <p:cNvSpPr>
+                <a:spLocks noGrp="1" noRot="1" noChangeAspect="1" noMove="1" noResize="1" noEditPoints="1" noAdjustHandles="1" noChangeArrowheads="1" noChangeShapeType="1" noTextEdit="1"/>
+              </p:cNvSpPr>
+              <p:nvPr>
+                <p:ph idx="1"/>
+              </p:nvPr>
+            </p:nvSpPr>
+            <p:spPr>
+              <a:xfrm>
+                <a:off x="249382" y="1482436"/>
+                <a:ext cx="11748654" cy="4904509"/>
+              </a:xfrm>
+              <a:blipFill>
+                <a:blip r:embed="rId2"/>
+                <a:stretch>
+                  <a:fillRect l="-934" t="-2733" r="-1661"/>
+                </a:stretch>
+              </a:blipFill>
+            </p:spPr>
+            <p:txBody>
+              <a:bodyPr/>
+              <a:lstStyle/>
+              <a:p>
+                <a:r>
+                  <a:rPr lang="en-CA">
+                    <a:noFill/>
+                  </a:rPr>
+                  <a:t> </a:t>
+                </a:r>
+              </a:p>
+            </p:txBody>
+          </p:sp>
+        </mc:Fallback>
+      </mc:AlternateContent>
+    </p:spTree>
+    <p:extLst>
+      <p:ext uri="{BB962C8B-B14F-4D97-AF65-F5344CB8AC3E}">
+        <p14:creationId xmlns:p14="http://schemas.microsoft.com/office/powerpoint/2010/main" val="932954128"/>
+      </p:ext>
+    </p:extLst>
+  </p:cSld>
+  <p:clrMapOvr>
+    <a:masterClrMapping/>
+  </p:clrMapOvr>
+  <p:timing>
+    <p:tnLst>
+      <p:par>
+        <p:cTn id="1" dur="indefinite" restart="never" nodeType="tmRoot"/>
+      </p:par>
+    </p:tnLst>
+  </p:timing>
+</p:sld>
+</file>
+
+<file path=ppt/slides/slide4.xml><?xml version="1.0" encoding="utf-8"?>
+<p:sld xmlns:a="http://schemas.openxmlformats.org/drawingml/2006/main" xmlns:r="http://schemas.openxmlformats.org/officeDocument/2006/relationships" xmlns:p="http://schemas.openxmlformats.org/presentationml/2006/main">
+  <p:cSld>
+    <p:spTree>
+      <p:nvGrpSpPr>
+        <p:cNvPr id="1" name=""/>
+        <p:cNvGrpSpPr/>
+        <p:nvPr/>
+      </p:nvGrpSpPr>
+      <p:grpSpPr>
+        <a:xfrm>
+          <a:off x="0" y="0"/>
+          <a:ext cx="0" cy="0"/>
+          <a:chOff x="0" y="0"/>
+          <a:chExt cx="0" cy="0"/>
+        </a:xfrm>
+      </p:grpSpPr>
+      <p:sp>
+        <p:nvSpPr>
+          <p:cNvPr id="2" name="Title 1"/>
+          <p:cNvSpPr>
+            <a:spLocks noGrp="1"/>
+          </p:cNvSpPr>
+          <p:nvPr>
+            <p:ph type="title"/>
+          </p:nvPr>
+        </p:nvSpPr>
+        <p:spPr/>
+        <p:txBody>
+          <a:bodyPr/>
+          <a:lstStyle/>
+          <a:p>
+            <a:r>
+              <a:rPr lang="en-CA" dirty="0" smtClean="0"/>
+              <a:t>Linear Classification:</a:t>
+            </a:r>
+            <a:endParaRPr lang="en-CA" dirty="0"/>
           </a:p>
         </p:txBody>
       </p:sp>
@@ -3177,19 +5813,2764 @@
             <p:ph idx="1"/>
           </p:nvPr>
         </p:nvSpPr>
-        <p:spPr/>
-        <p:txBody>
-          <a:bodyPr/>
+        <p:spPr>
+          <a:xfrm>
+            <a:off x="523009" y="1399310"/>
+            <a:ext cx="11017827" cy="5153890"/>
+          </a:xfrm>
+        </p:spPr>
+        <p:txBody>
+          <a:bodyPr>
+            <a:normAutofit lnSpcReduction="10000"/>
+          </a:bodyPr>
           <a:lstStyle/>
           <a:p>
-            <a:endParaRPr lang="en-CA"/>
+            <a:r>
+              <a:rPr lang="en-CA" dirty="0" smtClean="0"/>
+              <a:t>Linear regression can easily be used for classification in domains with numerical attributes</a:t>
+            </a:r>
+          </a:p>
+          <a:p>
+            <a:r>
+              <a:rPr lang="en-CA" dirty="0" smtClean="0"/>
+              <a:t>Perform a regression for each class, setting output=1 for instances that belong to the class, and output=0 for instances that do not.</a:t>
+            </a:r>
+          </a:p>
+          <a:p>
+            <a:r>
+              <a:rPr lang="en-CA" dirty="0" smtClean="0"/>
+              <a:t>This results in one linear expression for each class</a:t>
+            </a:r>
+          </a:p>
+          <a:p>
+            <a:r>
+              <a:rPr lang="en-CA" dirty="0" smtClean="0"/>
+              <a:t>Given a test instance, calculate value for each linear expression, and assign instance to class with whose linear expression yields highest value</a:t>
+            </a:r>
+          </a:p>
+          <a:p>
+            <a:r>
+              <a:rPr lang="en-CA" dirty="0" smtClean="0"/>
+              <a:t>This is known as multi-response linear regression</a:t>
+            </a:r>
+          </a:p>
+          <a:p>
+            <a:r>
+              <a:rPr lang="en-CA" dirty="0" smtClean="0"/>
+              <a:t>Drawbacks: </a:t>
+            </a:r>
+          </a:p>
+          <a:p>
+            <a:pPr lvl="1"/>
+            <a:r>
+              <a:rPr lang="en-CA" dirty="0"/>
+              <a:t>D</a:t>
+            </a:r>
+            <a:r>
+              <a:rPr lang="en-CA" dirty="0" smtClean="0"/>
+              <a:t>oes not yield probabilities (difficult to interpret/give confidence)</a:t>
+            </a:r>
+          </a:p>
+          <a:p>
+            <a:pPr lvl="1"/>
+            <a:r>
+              <a:rPr lang="en-CA" dirty="0" smtClean="0"/>
+              <a:t>Least-squares regression assumes errors are statistically independent and normally distributed, with the same standard deviation (not true when output is only 0 or 1)</a:t>
+            </a:r>
+            <a:endParaRPr lang="en-CA" dirty="0"/>
           </a:p>
         </p:txBody>
       </p:sp>
     </p:spTree>
     <p:extLst>
       <p:ext uri="{BB962C8B-B14F-4D97-AF65-F5344CB8AC3E}">
-        <p14:creationId xmlns:p14="http://schemas.microsoft.com/office/powerpoint/2010/main" val="932954128"/>
+        <p14:creationId xmlns:p14="http://schemas.microsoft.com/office/powerpoint/2010/main" val="1886567210"/>
+      </p:ext>
+    </p:extLst>
+  </p:cSld>
+  <p:clrMapOvr>
+    <a:masterClrMapping/>
+  </p:clrMapOvr>
+  <p:timing>
+    <p:tnLst>
+      <p:par>
+        <p:cTn id="1" dur="indefinite" restart="never" nodeType="tmRoot"/>
+      </p:par>
+    </p:tnLst>
+  </p:timing>
+</p:sld>
+</file>
+
+<file path=ppt/slides/slide5.xml><?xml version="1.0" encoding="utf-8"?>
+<p:sld xmlns:a="http://schemas.openxmlformats.org/drawingml/2006/main" xmlns:r="http://schemas.openxmlformats.org/officeDocument/2006/relationships" xmlns:p="http://schemas.openxmlformats.org/presentationml/2006/main">
+  <p:cSld>
+    <p:spTree>
+      <p:nvGrpSpPr>
+        <p:cNvPr id="1" name=""/>
+        <p:cNvGrpSpPr/>
+        <p:nvPr/>
+      </p:nvGrpSpPr>
+      <p:grpSpPr>
+        <a:xfrm>
+          <a:off x="0" y="0"/>
+          <a:ext cx="0" cy="0"/>
+          <a:chOff x="0" y="0"/>
+          <a:chExt cx="0" cy="0"/>
+        </a:xfrm>
+      </p:grpSpPr>
+      <p:sp>
+        <p:nvSpPr>
+          <p:cNvPr id="2" name="Title 1"/>
+          <p:cNvSpPr>
+            <a:spLocks noGrp="1"/>
+          </p:cNvSpPr>
+          <p:nvPr>
+            <p:ph type="title"/>
+          </p:nvPr>
+        </p:nvSpPr>
+        <p:spPr>
+          <a:xfrm>
+            <a:off x="0" y="0"/>
+            <a:ext cx="10515600" cy="1325563"/>
+          </a:xfrm>
+        </p:spPr>
+        <p:txBody>
+          <a:bodyPr/>
+          <a:lstStyle/>
+          <a:p>
+            <a:r>
+              <a:rPr lang="en-CA" dirty="0" smtClean="0"/>
+              <a:t>Example of Linear classification</a:t>
+            </a:r>
+            <a:endParaRPr lang="en-CA" dirty="0"/>
+          </a:p>
+        </p:txBody>
+      </p:sp>
+      <p:sp>
+        <p:nvSpPr>
+          <p:cNvPr id="3" name="Content Placeholder 2"/>
+          <p:cNvSpPr>
+            <a:spLocks noGrp="1"/>
+          </p:cNvSpPr>
+          <p:nvPr>
+            <p:ph idx="1"/>
+          </p:nvPr>
+        </p:nvSpPr>
+        <p:spPr>
+          <a:xfrm>
+            <a:off x="294409" y="950587"/>
+            <a:ext cx="6380018" cy="1821956"/>
+          </a:xfrm>
+        </p:spPr>
+        <p:txBody>
+          <a:bodyPr/>
+          <a:lstStyle/>
+          <a:p>
+            <a:r>
+              <a:rPr lang="en-CA" dirty="0" smtClean="0"/>
+              <a:t>Iris dataset. We want to use linear regression to classify a flower</a:t>
+            </a:r>
+          </a:p>
+          <a:p>
+            <a:r>
+              <a:rPr lang="en-CA" dirty="0" smtClean="0"/>
+              <a:t>For this example, use only </a:t>
+            </a:r>
+            <a:r>
+              <a:rPr lang="en-CA" dirty="0" err="1" smtClean="0"/>
+              <a:t>setosa</a:t>
+            </a:r>
+            <a:r>
+              <a:rPr lang="en-CA" dirty="0" smtClean="0"/>
+              <a:t> and versicolor (2 classes)</a:t>
+            </a:r>
+          </a:p>
+          <a:p>
+            <a:endParaRPr lang="en-CA" dirty="0"/>
+          </a:p>
+        </p:txBody>
+      </p:sp>
+      <p:pic>
+        <p:nvPicPr>
+          <p:cNvPr id="4" name="Picture 3"/>
+          <p:cNvPicPr>
+            <a:picLocks noChangeAspect="1"/>
+          </p:cNvPicPr>
+          <p:nvPr/>
+        </p:nvPicPr>
+        <p:blipFill>
+          <a:blip r:embed="rId2"/>
+          <a:stretch>
+            <a:fillRect/>
+          </a:stretch>
+        </p:blipFill>
+        <p:spPr>
+          <a:xfrm>
+            <a:off x="7575714" y="1082898"/>
+            <a:ext cx="4411806" cy="3071202"/>
+          </a:xfrm>
+          <a:prstGeom prst="rect">
+            <a:avLst/>
+          </a:prstGeom>
+        </p:spPr>
+      </p:pic>
+      <p:sp>
+        <p:nvSpPr>
+          <p:cNvPr id="5" name="TextBox 4"/>
+          <p:cNvSpPr txBox="1"/>
+          <p:nvPr/>
+        </p:nvSpPr>
+        <p:spPr>
+          <a:xfrm>
+            <a:off x="0" y="6503125"/>
+            <a:ext cx="4718340" cy="369332"/>
+          </a:xfrm>
+          <a:prstGeom prst="rect">
+            <a:avLst/>
+          </a:prstGeom>
+          <a:noFill/>
+        </p:spPr>
+        <p:txBody>
+          <a:bodyPr wrap="square" rtlCol="0">
+            <a:spAutoFit/>
+          </a:bodyPr>
+          <a:lstStyle/>
+          <a:p>
+            <a:r>
+              <a:rPr lang="en-CA" dirty="0" smtClean="0"/>
+              <a:t>multiresponse_iris.py</a:t>
+            </a:r>
+            <a:endParaRPr lang="en-CA" dirty="0"/>
+          </a:p>
+        </p:txBody>
+      </p:sp>
+      <p:sp>
+        <p:nvSpPr>
+          <p:cNvPr id="6" name="TextBox 5"/>
+          <p:cNvSpPr txBox="1"/>
+          <p:nvPr/>
+        </p:nvSpPr>
+        <p:spPr>
+          <a:xfrm rot="16200000">
+            <a:off x="6501419" y="2039321"/>
+            <a:ext cx="1728627" cy="369332"/>
+          </a:xfrm>
+          <a:prstGeom prst="rect">
+            <a:avLst/>
+          </a:prstGeom>
+          <a:noFill/>
+        </p:spPr>
+        <p:txBody>
+          <a:bodyPr wrap="square" rtlCol="0">
+            <a:spAutoFit/>
+          </a:bodyPr>
+          <a:lstStyle/>
+          <a:p>
+            <a:r>
+              <a:rPr lang="en-CA" dirty="0" smtClean="0"/>
+              <a:t>petal length</a:t>
+            </a:r>
+            <a:endParaRPr lang="en-CA" dirty="0"/>
+          </a:p>
+        </p:txBody>
+      </p:sp>
+      <p:pic>
+        <p:nvPicPr>
+          <p:cNvPr id="7" name="Picture 6"/>
+          <p:cNvPicPr>
+            <a:picLocks noChangeAspect="1"/>
+          </p:cNvPicPr>
+          <p:nvPr/>
+        </p:nvPicPr>
+        <p:blipFill>
+          <a:blip r:embed="rId3"/>
+          <a:stretch>
+            <a:fillRect/>
+          </a:stretch>
+        </p:blipFill>
+        <p:spPr>
+          <a:xfrm>
+            <a:off x="1590243" y="2807130"/>
+            <a:ext cx="4391891" cy="3045044"/>
+          </a:xfrm>
+          <a:prstGeom prst="rect">
+            <a:avLst/>
+          </a:prstGeom>
+        </p:spPr>
+      </p:pic>
+      <p:sp>
+        <p:nvSpPr>
+          <p:cNvPr id="12" name="TextBox 11"/>
+          <p:cNvSpPr txBox="1"/>
+          <p:nvPr/>
+        </p:nvSpPr>
+        <p:spPr>
+          <a:xfrm>
+            <a:off x="3420111" y="4766177"/>
+            <a:ext cx="875304" cy="369332"/>
+          </a:xfrm>
+          <a:prstGeom prst="rect">
+            <a:avLst/>
+          </a:prstGeom>
+          <a:noFill/>
+        </p:spPr>
+        <p:txBody>
+          <a:bodyPr wrap="none" rtlCol="0">
+            <a:spAutoFit/>
+          </a:bodyPr>
+          <a:lstStyle/>
+          <a:p>
+            <a:r>
+              <a:rPr lang="en-CA" dirty="0" err="1" smtClean="0"/>
+              <a:t>setosas</a:t>
+            </a:r>
+            <a:endParaRPr lang="en-CA" dirty="0"/>
+          </a:p>
+        </p:txBody>
+      </p:sp>
+      <p:sp>
+        <p:nvSpPr>
+          <p:cNvPr id="14" name="TextBox 13"/>
+          <p:cNvSpPr txBox="1"/>
+          <p:nvPr/>
+        </p:nvSpPr>
+        <p:spPr>
+          <a:xfrm>
+            <a:off x="2643722" y="2921992"/>
+            <a:ext cx="1179234" cy="369332"/>
+          </a:xfrm>
+          <a:prstGeom prst="rect">
+            <a:avLst/>
+          </a:prstGeom>
+          <a:noFill/>
+        </p:spPr>
+        <p:txBody>
+          <a:bodyPr wrap="none" rtlCol="0">
+            <a:spAutoFit/>
+          </a:bodyPr>
+          <a:lstStyle/>
+          <a:p>
+            <a:r>
+              <a:rPr lang="en-CA" dirty="0" err="1" smtClean="0"/>
+              <a:t>versicolors</a:t>
+            </a:r>
+            <a:endParaRPr lang="en-CA" dirty="0"/>
+          </a:p>
+        </p:txBody>
+      </p:sp>
+      <p:cxnSp>
+        <p:nvCxnSpPr>
+          <p:cNvPr id="17" name="Straight Arrow Connector 16"/>
+          <p:cNvCxnSpPr/>
+          <p:nvPr/>
+        </p:nvCxnSpPr>
+        <p:spPr>
+          <a:xfrm>
+            <a:off x="3743148" y="3186999"/>
+            <a:ext cx="346973" cy="95532"/>
+          </a:xfrm>
+          <a:prstGeom prst="straightConnector1">
+            <a:avLst/>
+          </a:prstGeom>
+          <a:ln>
+            <a:tailEnd type="triangle"/>
+          </a:ln>
+        </p:spPr>
+        <p:style>
+          <a:lnRef idx="1">
+            <a:schemeClr val="accent1"/>
+          </a:lnRef>
+          <a:fillRef idx="0">
+            <a:schemeClr val="accent1"/>
+          </a:fillRef>
+          <a:effectRef idx="0">
+            <a:schemeClr val="accent1"/>
+          </a:effectRef>
+          <a:fontRef idx="minor">
+            <a:schemeClr val="tx1"/>
+          </a:fontRef>
+        </p:style>
+      </p:cxnSp>
+      <p:cxnSp>
+        <p:nvCxnSpPr>
+          <p:cNvPr id="20" name="Straight Arrow Connector 19"/>
+          <p:cNvCxnSpPr/>
+          <p:nvPr/>
+        </p:nvCxnSpPr>
+        <p:spPr>
+          <a:xfrm flipH="1">
+            <a:off x="2934134" y="4994583"/>
+            <a:ext cx="495125" cy="140926"/>
+          </a:xfrm>
+          <a:prstGeom prst="straightConnector1">
+            <a:avLst/>
+          </a:prstGeom>
+          <a:ln>
+            <a:tailEnd type="triangle"/>
+          </a:ln>
+        </p:spPr>
+        <p:style>
+          <a:lnRef idx="1">
+            <a:schemeClr val="accent1"/>
+          </a:lnRef>
+          <a:fillRef idx="0">
+            <a:schemeClr val="accent1"/>
+          </a:fillRef>
+          <a:effectRef idx="0">
+            <a:schemeClr val="accent1"/>
+          </a:effectRef>
+          <a:fontRef idx="minor">
+            <a:schemeClr val="tx1"/>
+          </a:fontRef>
+        </p:style>
+      </p:cxnSp>
+      <p:sp>
+        <p:nvSpPr>
+          <p:cNvPr id="26" name="TextBox 25"/>
+          <p:cNvSpPr txBox="1"/>
+          <p:nvPr/>
+        </p:nvSpPr>
+        <p:spPr>
+          <a:xfrm>
+            <a:off x="8066683" y="2950575"/>
+            <a:ext cx="1066800" cy="369332"/>
+          </a:xfrm>
+          <a:prstGeom prst="rect">
+            <a:avLst/>
+          </a:prstGeom>
+          <a:noFill/>
+        </p:spPr>
+        <p:txBody>
+          <a:bodyPr wrap="square" rtlCol="0">
+            <a:spAutoFit/>
+          </a:bodyPr>
+          <a:lstStyle/>
+          <a:p>
+            <a:r>
+              <a:rPr lang="en-CA" dirty="0" err="1" smtClean="0"/>
+              <a:t>setosas</a:t>
+            </a:r>
+            <a:endParaRPr lang="en-CA" dirty="0"/>
+          </a:p>
+        </p:txBody>
+      </p:sp>
+      <p:sp>
+        <p:nvSpPr>
+          <p:cNvPr id="27" name="TextBox 26"/>
+          <p:cNvSpPr txBox="1"/>
+          <p:nvPr/>
+        </p:nvSpPr>
+        <p:spPr>
+          <a:xfrm>
+            <a:off x="8189554" y="1544948"/>
+            <a:ext cx="1245090" cy="369332"/>
+          </a:xfrm>
+          <a:prstGeom prst="rect">
+            <a:avLst/>
+          </a:prstGeom>
+          <a:noFill/>
+        </p:spPr>
+        <p:txBody>
+          <a:bodyPr wrap="square" rtlCol="0">
+            <a:spAutoFit/>
+          </a:bodyPr>
+          <a:lstStyle/>
+          <a:p>
+            <a:r>
+              <a:rPr lang="en-CA" dirty="0" err="1" smtClean="0"/>
+              <a:t>versicolors</a:t>
+            </a:r>
+            <a:endParaRPr lang="en-CA" dirty="0"/>
+          </a:p>
+        </p:txBody>
+      </p:sp>
+      <p:sp>
+        <p:nvSpPr>
+          <p:cNvPr id="28" name="TextBox 27"/>
+          <p:cNvSpPr txBox="1"/>
+          <p:nvPr/>
+        </p:nvSpPr>
+        <p:spPr>
+          <a:xfrm>
+            <a:off x="9452138" y="1082898"/>
+            <a:ext cx="1066800" cy="369332"/>
+          </a:xfrm>
+          <a:prstGeom prst="rect">
+            <a:avLst/>
+          </a:prstGeom>
+          <a:noFill/>
+        </p:spPr>
+        <p:txBody>
+          <a:bodyPr wrap="square" rtlCol="0">
+            <a:spAutoFit/>
+          </a:bodyPr>
+          <a:lstStyle/>
+          <a:p>
+            <a:r>
+              <a:rPr lang="en-CA" dirty="0" err="1" smtClean="0"/>
+              <a:t>virginicas</a:t>
+            </a:r>
+            <a:endParaRPr lang="en-CA" dirty="0"/>
+          </a:p>
+        </p:txBody>
+      </p:sp>
+      <mc:AlternateContent xmlns:mc="http://schemas.openxmlformats.org/markup-compatibility/2006" xmlns:a14="http://schemas.microsoft.com/office/drawing/2010/main">
+        <mc:Choice Requires="a14">
+          <p:sp>
+            <p:nvSpPr>
+              <p:cNvPr id="31" name="TextBox 30"/>
+              <p:cNvSpPr txBox="1"/>
+              <p:nvPr/>
+            </p:nvSpPr>
+            <p:spPr>
+              <a:xfrm>
+                <a:off x="5561627" y="6196974"/>
+                <a:ext cx="5878661" cy="369332"/>
+              </a:xfrm>
+              <a:prstGeom prst="rect">
+                <a:avLst/>
+              </a:prstGeom>
+              <a:noFill/>
+            </p:spPr>
+            <p:txBody>
+              <a:bodyPr wrap="none" lIns="0" tIns="0" rIns="0" bIns="0" rtlCol="0">
+                <a:spAutoFit/>
+              </a:bodyPr>
+              <a:lstStyle/>
+              <a:p>
+                <a:pPr/>
+                <a14:m>
+                  <m:oMathPara xmlns:m="http://schemas.openxmlformats.org/officeDocument/2006/math">
+                    <m:oMathParaPr>
+                      <m:jc m:val="centerGroup"/>
+                    </m:oMathParaPr>
+                    <m:oMath xmlns:m="http://schemas.openxmlformats.org/officeDocument/2006/math">
+                      <m:r>
+                        <a:rPr lang="en-CA" sz="2400" b="0" i="1" smtClean="0">
+                          <a:latin typeface="Cambria Math" panose="02040503050406030204" pitchFamily="18" charset="0"/>
+                        </a:rPr>
+                        <m:t>𝑣𝑒𝑟𝑠𝑖𝑐𝑜𝑙𝑜𝑟</m:t>
+                      </m:r>
+                      <m:r>
+                        <a:rPr lang="en-CA" sz="2400" b="0" i="1" smtClean="0">
+                          <a:latin typeface="Cambria Math" panose="02040503050406030204" pitchFamily="18" charset="0"/>
+                        </a:rPr>
+                        <m:t>=−0.46+0.33∗</m:t>
+                      </m:r>
+                      <m:d>
+                        <m:dPr>
+                          <m:ctrlPr>
+                            <a:rPr lang="en-CA" sz="2400" b="0" i="1" smtClean="0">
+                              <a:latin typeface="Cambria Math" panose="02040503050406030204" pitchFamily="18" charset="0"/>
+                            </a:rPr>
+                          </m:ctrlPr>
+                        </m:dPr>
+                        <m:e>
+                          <m:r>
+                            <a:rPr lang="en-CA" sz="2400" b="0" i="1" smtClean="0">
+                              <a:latin typeface="Cambria Math" panose="02040503050406030204" pitchFamily="18" charset="0"/>
+                            </a:rPr>
+                            <m:t>𝑝𝑒𝑡𝑎𝑙</m:t>
+                          </m:r>
+                          <m:r>
+                            <a:rPr lang="en-CA" sz="2400" b="0" i="1" smtClean="0">
+                              <a:latin typeface="Cambria Math" panose="02040503050406030204" pitchFamily="18" charset="0"/>
+                            </a:rPr>
+                            <m:t> </m:t>
+                          </m:r>
+                          <m:r>
+                            <a:rPr lang="en-CA" sz="2400" b="0" i="1" smtClean="0">
+                              <a:latin typeface="Cambria Math" panose="02040503050406030204" pitchFamily="18" charset="0"/>
+                            </a:rPr>
+                            <m:t>𝑙𝑒𝑛𝑔𝑡h</m:t>
+                          </m:r>
+                        </m:e>
+                      </m:d>
+                    </m:oMath>
+                  </m:oMathPara>
+                </a14:m>
+                <a:endParaRPr lang="en-CA" sz="2400" b="0" dirty="0" smtClean="0"/>
+              </a:p>
+            </p:txBody>
+          </p:sp>
+        </mc:Choice>
+        <mc:Fallback xmlns="">
+          <p:sp>
+            <p:nvSpPr>
+              <p:cNvPr id="31" name="TextBox 30"/>
+              <p:cNvSpPr txBox="1">
+                <a:spLocks noRot="1" noChangeAspect="1" noMove="1" noResize="1" noEditPoints="1" noAdjustHandles="1" noChangeArrowheads="1" noChangeShapeType="1" noTextEdit="1"/>
+              </p:cNvSpPr>
+              <p:nvPr/>
+            </p:nvSpPr>
+            <p:spPr>
+              <a:xfrm>
+                <a:off x="5561627" y="6196974"/>
+                <a:ext cx="5878661" cy="369332"/>
+              </a:xfrm>
+              <a:prstGeom prst="rect">
+                <a:avLst/>
+              </a:prstGeom>
+              <a:blipFill>
+                <a:blip r:embed="rId4"/>
+                <a:stretch>
+                  <a:fillRect l="-829" b="-35000"/>
+                </a:stretch>
+              </a:blipFill>
+            </p:spPr>
+            <p:txBody>
+              <a:bodyPr/>
+              <a:lstStyle/>
+              <a:p>
+                <a:r>
+                  <a:rPr lang="en-CA">
+                    <a:noFill/>
+                  </a:rPr>
+                  <a:t> </a:t>
+                </a:r>
+              </a:p>
+            </p:txBody>
+          </p:sp>
+        </mc:Fallback>
+      </mc:AlternateContent>
+      <p:sp>
+        <p:nvSpPr>
+          <p:cNvPr id="32" name="TextBox 31"/>
+          <p:cNvSpPr txBox="1"/>
+          <p:nvPr/>
+        </p:nvSpPr>
+        <p:spPr>
+          <a:xfrm>
+            <a:off x="4934732" y="5927640"/>
+            <a:ext cx="6257226" cy="369332"/>
+          </a:xfrm>
+          <a:prstGeom prst="rect">
+            <a:avLst/>
+          </a:prstGeom>
+          <a:noFill/>
+        </p:spPr>
+        <p:txBody>
+          <a:bodyPr wrap="none" rtlCol="0">
+            <a:spAutoFit/>
+          </a:bodyPr>
+          <a:lstStyle/>
+          <a:p>
+            <a:r>
+              <a:rPr lang="en-CA" dirty="0" smtClean="0"/>
+              <a:t>Linear expression for versicolor class using petal length attribute:</a:t>
+            </a:r>
+            <a:endParaRPr lang="en-CA" dirty="0"/>
+          </a:p>
+        </p:txBody>
+      </p:sp>
+    </p:spTree>
+    <p:extLst>
+      <p:ext uri="{BB962C8B-B14F-4D97-AF65-F5344CB8AC3E}">
+        <p14:creationId xmlns:p14="http://schemas.microsoft.com/office/powerpoint/2010/main" val="2674015073"/>
+      </p:ext>
+    </p:extLst>
+  </p:cSld>
+  <p:clrMapOvr>
+    <a:masterClrMapping/>
+  </p:clrMapOvr>
+  <p:timing>
+    <p:tnLst>
+      <p:par>
+        <p:cTn id="1" dur="indefinite" restart="never" nodeType="tmRoot"/>
+      </p:par>
+    </p:tnLst>
+  </p:timing>
+</p:sld>
+</file>
+
+<file path=ppt/slides/slide6.xml><?xml version="1.0" encoding="utf-8"?>
+<p:sld xmlns:a="http://schemas.openxmlformats.org/drawingml/2006/main" xmlns:r="http://schemas.openxmlformats.org/officeDocument/2006/relationships" xmlns:p="http://schemas.openxmlformats.org/presentationml/2006/main">
+  <p:cSld>
+    <p:spTree>
+      <p:nvGrpSpPr>
+        <p:cNvPr id="1" name=""/>
+        <p:cNvGrpSpPr/>
+        <p:nvPr/>
+      </p:nvGrpSpPr>
+      <p:grpSpPr>
+        <a:xfrm>
+          <a:off x="0" y="0"/>
+          <a:ext cx="0" cy="0"/>
+          <a:chOff x="0" y="0"/>
+          <a:chExt cx="0" cy="0"/>
+        </a:xfrm>
+      </p:grpSpPr>
+      <p:sp>
+        <p:nvSpPr>
+          <p:cNvPr id="2" name="Title 1"/>
+          <p:cNvSpPr>
+            <a:spLocks noGrp="1"/>
+          </p:cNvSpPr>
+          <p:nvPr>
+            <p:ph type="title"/>
+          </p:nvPr>
+        </p:nvSpPr>
+        <p:spPr>
+          <a:xfrm>
+            <a:off x="0" y="96981"/>
+            <a:ext cx="12192000" cy="734724"/>
+          </a:xfrm>
+        </p:spPr>
+        <p:txBody>
+          <a:bodyPr/>
+          <a:lstStyle/>
+          <a:p>
+            <a:r>
+              <a:rPr lang="en-CA" dirty="0" smtClean="0"/>
+              <a:t>Least squares regression and the Normal distribution</a:t>
+            </a:r>
+            <a:endParaRPr lang="en-CA" dirty="0"/>
+          </a:p>
+        </p:txBody>
+      </p:sp>
+      <p:sp>
+        <p:nvSpPr>
+          <p:cNvPr id="3" name="Content Placeholder 2"/>
+          <p:cNvSpPr>
+            <a:spLocks noGrp="1"/>
+          </p:cNvSpPr>
+          <p:nvPr>
+            <p:ph idx="1"/>
+          </p:nvPr>
+        </p:nvSpPr>
+        <p:spPr>
+          <a:xfrm>
+            <a:off x="0" y="831705"/>
+            <a:ext cx="5777346" cy="5758730"/>
+          </a:xfrm>
+        </p:spPr>
+        <p:txBody>
+          <a:bodyPr>
+            <a:normAutofit/>
+          </a:bodyPr>
+          <a:lstStyle/>
+          <a:p>
+            <a:r>
+              <a:rPr lang="en-CA" b="1" dirty="0" smtClean="0"/>
+              <a:t>Important assumptions of Linear Least Squares:</a:t>
+            </a:r>
+          </a:p>
+          <a:p>
+            <a:pPr lvl="1"/>
+            <a:r>
+              <a:rPr lang="en-CA" dirty="0" smtClean="0"/>
+              <a:t>Residual error has mean=0 </a:t>
+            </a:r>
+          </a:p>
+          <a:p>
+            <a:pPr lvl="1"/>
+            <a:r>
+              <a:rPr lang="en-CA" dirty="0" smtClean="0"/>
+              <a:t>Residuals are uncorrelated (cannot be predicted based on residual from previous observations)</a:t>
+            </a:r>
+          </a:p>
+          <a:p>
+            <a:pPr lvl="1"/>
+            <a:r>
+              <a:rPr lang="en-CA" dirty="0" smtClean="0"/>
+              <a:t>Residuals are normally distributed with same standard deviation</a:t>
+            </a:r>
+          </a:p>
+          <a:p>
+            <a:r>
+              <a:rPr lang="en-CA" dirty="0" smtClean="0"/>
+              <a:t>A) typical case where the assumptions hold </a:t>
+            </a:r>
+          </a:p>
+          <a:p>
+            <a:r>
+              <a:rPr lang="en-CA" dirty="0" smtClean="0"/>
+              <a:t>B) prediction for a single class from multi-response linear regression (setting output to zero or 1)</a:t>
+            </a:r>
+          </a:p>
+          <a:p>
+            <a:pPr lvl="1"/>
+            <a:r>
+              <a:rPr lang="en-CA" dirty="0" smtClean="0"/>
+              <a:t>Slope=0.156, y-intercept=-0.33</a:t>
+            </a:r>
+          </a:p>
+          <a:p>
+            <a:endParaRPr lang="en-CA" dirty="0"/>
+          </a:p>
+        </p:txBody>
+      </p:sp>
+      <p:pic>
+        <p:nvPicPr>
+          <p:cNvPr id="11" name="Picture 10"/>
+          <p:cNvPicPr>
+            <a:picLocks noChangeAspect="1"/>
+          </p:cNvPicPr>
+          <p:nvPr/>
+        </p:nvPicPr>
+        <p:blipFill>
+          <a:blip r:embed="rId2"/>
+          <a:stretch>
+            <a:fillRect/>
+          </a:stretch>
+        </p:blipFill>
+        <p:spPr>
+          <a:xfrm>
+            <a:off x="6438034" y="3979718"/>
+            <a:ext cx="5467350" cy="2628900"/>
+          </a:xfrm>
+          <a:prstGeom prst="rect">
+            <a:avLst/>
+          </a:prstGeom>
+        </p:spPr>
+      </p:pic>
+      <p:pic>
+        <p:nvPicPr>
+          <p:cNvPr id="12" name="Picture 11"/>
+          <p:cNvPicPr>
+            <a:picLocks noChangeAspect="1"/>
+          </p:cNvPicPr>
+          <p:nvPr/>
+        </p:nvPicPr>
+        <p:blipFill>
+          <a:blip r:embed="rId3"/>
+          <a:stretch>
+            <a:fillRect/>
+          </a:stretch>
+        </p:blipFill>
+        <p:spPr>
+          <a:xfrm>
+            <a:off x="6659707" y="1144081"/>
+            <a:ext cx="4791075" cy="2190750"/>
+          </a:xfrm>
+          <a:prstGeom prst="rect">
+            <a:avLst/>
+          </a:prstGeom>
+        </p:spPr>
+      </p:pic>
+    </p:spTree>
+    <p:extLst>
+      <p:ext uri="{BB962C8B-B14F-4D97-AF65-F5344CB8AC3E}">
+        <p14:creationId xmlns:p14="http://schemas.microsoft.com/office/powerpoint/2010/main" val="4229825575"/>
+      </p:ext>
+    </p:extLst>
+  </p:cSld>
+  <p:clrMapOvr>
+    <a:masterClrMapping/>
+  </p:clrMapOvr>
+  <p:timing>
+    <p:tnLst>
+      <p:par>
+        <p:cTn id="1" dur="indefinite" restart="never" nodeType="tmRoot"/>
+      </p:par>
+    </p:tnLst>
+  </p:timing>
+</p:sld>
+</file>
+
+<file path=ppt/slides/slide7.xml><?xml version="1.0" encoding="utf-8"?>
+<p:sld xmlns:a="http://schemas.openxmlformats.org/drawingml/2006/main" xmlns:r="http://schemas.openxmlformats.org/officeDocument/2006/relationships" xmlns:p="http://schemas.openxmlformats.org/presentationml/2006/main">
+  <p:cSld>
+    <p:spTree>
+      <p:nvGrpSpPr>
+        <p:cNvPr id="1" name=""/>
+        <p:cNvGrpSpPr/>
+        <p:nvPr/>
+      </p:nvGrpSpPr>
+      <p:grpSpPr>
+        <a:xfrm>
+          <a:off x="0" y="0"/>
+          <a:ext cx="0" cy="0"/>
+          <a:chOff x="0" y="0"/>
+          <a:chExt cx="0" cy="0"/>
+        </a:xfrm>
+      </p:grpSpPr>
+      <p:sp>
+        <p:nvSpPr>
+          <p:cNvPr id="2" name="Title 1"/>
+          <p:cNvSpPr>
+            <a:spLocks noGrp="1"/>
+          </p:cNvSpPr>
+          <p:nvPr>
+            <p:ph type="title"/>
+          </p:nvPr>
+        </p:nvSpPr>
+        <p:spPr/>
+        <p:txBody>
+          <a:bodyPr/>
+          <a:lstStyle/>
+          <a:p>
+            <a:r>
+              <a:rPr lang="en-CA" dirty="0" smtClean="0"/>
+              <a:t>Extreme example </a:t>
+            </a:r>
+            <a:endParaRPr lang="en-CA" dirty="0"/>
+          </a:p>
+        </p:txBody>
+      </p:sp>
+      <mc:AlternateContent xmlns:mc="http://schemas.openxmlformats.org/markup-compatibility/2006" xmlns:a14="http://schemas.microsoft.com/office/drawing/2010/main">
+        <mc:Choice Requires="a14">
+          <p:sp>
+            <p:nvSpPr>
+              <p:cNvPr id="3" name="Content Placeholder 2"/>
+              <p:cNvSpPr>
+                <a:spLocks noGrp="1"/>
+              </p:cNvSpPr>
+              <p:nvPr>
+                <p:ph idx="1"/>
+              </p:nvPr>
+            </p:nvSpPr>
+            <p:spPr>
+              <a:xfrm>
+                <a:off x="838200" y="1690688"/>
+                <a:ext cx="3858491" cy="4351338"/>
+              </a:xfrm>
+            </p:spPr>
+            <p:txBody>
+              <a:bodyPr/>
+              <a:lstStyle/>
+              <a:p>
+                <a:r>
+                  <a:rPr lang="en-CA" dirty="0" smtClean="0"/>
+                  <a:t>Clearly, we need a better function than</a:t>
+                </a:r>
+                <a:br>
+                  <a:rPr lang="en-CA" dirty="0" smtClean="0"/>
+                </a:br>
+                <a14:m>
+                  <m:oMath xmlns:m="http://schemas.openxmlformats.org/officeDocument/2006/math">
+                    <m:r>
+                      <a:rPr lang="en-CA" b="0" i="1" smtClean="0">
+                        <a:latin typeface="Cambria Math" panose="02040503050406030204" pitchFamily="18" charset="0"/>
+                      </a:rPr>
+                      <m:t>𝑥</m:t>
+                    </m:r>
+                    <m:r>
+                      <a:rPr lang="en-CA" b="0" i="1" smtClean="0">
+                        <a:latin typeface="Cambria Math" panose="02040503050406030204" pitchFamily="18" charset="0"/>
+                      </a:rPr>
+                      <m:t>=</m:t>
+                    </m:r>
+                    <m:r>
+                      <a:rPr lang="en-CA" b="0" i="1" smtClean="0">
+                        <a:latin typeface="Cambria Math" panose="02040503050406030204" pitchFamily="18" charset="0"/>
+                      </a:rPr>
+                      <m:t>𝑤</m:t>
+                    </m:r>
+                    <m:r>
+                      <a:rPr lang="en-CA" b="0" i="1" baseline="-25000" smtClean="0">
+                        <a:latin typeface="Cambria Math" panose="02040503050406030204" pitchFamily="18" charset="0"/>
+                      </a:rPr>
+                      <m:t>0</m:t>
+                    </m:r>
+                    <m:r>
+                      <a:rPr lang="en-CA" b="0" i="1" smtClean="0">
+                        <a:latin typeface="Cambria Math" panose="02040503050406030204" pitchFamily="18" charset="0"/>
+                      </a:rPr>
+                      <m:t>+</m:t>
+                    </m:r>
+                    <m:r>
+                      <a:rPr lang="en-CA" b="0" i="1" smtClean="0">
+                        <a:latin typeface="Cambria Math" panose="02040503050406030204" pitchFamily="18" charset="0"/>
+                      </a:rPr>
+                      <m:t>𝑤</m:t>
+                    </m:r>
+                    <m:r>
+                      <a:rPr lang="en-CA" b="0" i="1" baseline="-25000" smtClean="0">
+                        <a:latin typeface="Cambria Math" panose="02040503050406030204" pitchFamily="18" charset="0"/>
+                      </a:rPr>
+                      <m:t>1</m:t>
+                    </m:r>
+                    <m:r>
+                      <a:rPr lang="en-CA" b="0" i="1" smtClean="0">
+                        <a:latin typeface="Cambria Math" panose="02040503050406030204" pitchFamily="18" charset="0"/>
+                      </a:rPr>
+                      <m:t>𝑎</m:t>
+                    </m:r>
+                    <m:r>
+                      <a:rPr lang="en-CA" b="0" i="1" baseline="-25000" smtClean="0">
+                        <a:latin typeface="Cambria Math" panose="02040503050406030204" pitchFamily="18" charset="0"/>
+                      </a:rPr>
+                      <m:t>1</m:t>
+                    </m:r>
+                  </m:oMath>
+                </a14:m>
+                <a:r>
+                  <a:rPr lang="en-CA" dirty="0" smtClean="0"/>
+                  <a:t> </a:t>
+                </a:r>
+                <a:endParaRPr lang="en-CA" dirty="0"/>
+              </a:p>
+            </p:txBody>
+          </p:sp>
+        </mc:Choice>
+        <mc:Fallback xmlns="">
+          <p:sp>
+            <p:nvSpPr>
+              <p:cNvPr id="3" name="Content Placeholder 2"/>
+              <p:cNvSpPr>
+                <a:spLocks noGrp="1" noRot="1" noChangeAspect="1" noMove="1" noResize="1" noEditPoints="1" noAdjustHandles="1" noChangeArrowheads="1" noChangeShapeType="1" noTextEdit="1"/>
+              </p:cNvSpPr>
+              <p:nvPr>
+                <p:ph idx="1"/>
+              </p:nvPr>
+            </p:nvSpPr>
+            <p:spPr>
+              <a:xfrm>
+                <a:off x="838200" y="1690688"/>
+                <a:ext cx="3858491" cy="4351338"/>
+              </a:xfrm>
+              <a:blipFill>
+                <a:blip r:embed="rId2"/>
+                <a:stretch>
+                  <a:fillRect l="-2848" t="-2241"/>
+                </a:stretch>
+              </a:blipFill>
+            </p:spPr>
+            <p:txBody>
+              <a:bodyPr/>
+              <a:lstStyle/>
+              <a:p>
+                <a:r>
+                  <a:rPr lang="en-CA">
+                    <a:noFill/>
+                  </a:rPr>
+                  <a:t> </a:t>
+                </a:r>
+              </a:p>
+            </p:txBody>
+          </p:sp>
+        </mc:Fallback>
+      </mc:AlternateContent>
+      <p:pic>
+        <p:nvPicPr>
+          <p:cNvPr id="4" name="Picture 3"/>
+          <p:cNvPicPr>
+            <a:picLocks noChangeAspect="1"/>
+          </p:cNvPicPr>
+          <p:nvPr/>
+        </p:nvPicPr>
+        <p:blipFill>
+          <a:blip r:embed="rId3"/>
+          <a:stretch>
+            <a:fillRect/>
+          </a:stretch>
+        </p:blipFill>
+        <p:spPr>
+          <a:xfrm>
+            <a:off x="4959927" y="822325"/>
+            <a:ext cx="7062275" cy="5631750"/>
+          </a:xfrm>
+          <a:prstGeom prst="rect">
+            <a:avLst/>
+          </a:prstGeom>
+        </p:spPr>
+      </p:pic>
+    </p:spTree>
+    <p:extLst>
+      <p:ext uri="{BB962C8B-B14F-4D97-AF65-F5344CB8AC3E}">
+        <p14:creationId xmlns:p14="http://schemas.microsoft.com/office/powerpoint/2010/main" val="2627373890"/>
+      </p:ext>
+    </p:extLst>
+  </p:cSld>
+  <p:clrMapOvr>
+    <a:masterClrMapping/>
+  </p:clrMapOvr>
+  <p:timing>
+    <p:tnLst>
+      <p:par>
+        <p:cTn id="1" dur="indefinite" restart="never" nodeType="tmRoot"/>
+      </p:par>
+    </p:tnLst>
+  </p:timing>
+</p:sld>
+</file>
+
+<file path=ppt/slides/slide8.xml><?xml version="1.0" encoding="utf-8"?>
+<p:sld xmlns:a="http://schemas.openxmlformats.org/drawingml/2006/main" xmlns:r="http://schemas.openxmlformats.org/officeDocument/2006/relationships" xmlns:p="http://schemas.openxmlformats.org/presentationml/2006/main">
+  <p:cSld>
+    <p:spTree>
+      <p:nvGrpSpPr>
+        <p:cNvPr id="1" name=""/>
+        <p:cNvGrpSpPr/>
+        <p:nvPr/>
+      </p:nvGrpSpPr>
+      <p:grpSpPr>
+        <a:xfrm>
+          <a:off x="0" y="0"/>
+          <a:ext cx="0" cy="0"/>
+          <a:chOff x="0" y="0"/>
+          <a:chExt cx="0" cy="0"/>
+        </a:xfrm>
+      </p:grpSpPr>
+      <p:sp>
+        <p:nvSpPr>
+          <p:cNvPr id="2" name="Title 1"/>
+          <p:cNvSpPr>
+            <a:spLocks noGrp="1"/>
+          </p:cNvSpPr>
+          <p:nvPr>
+            <p:ph type="title"/>
+          </p:nvPr>
+        </p:nvSpPr>
+        <p:spPr/>
+        <p:txBody>
+          <a:bodyPr/>
+          <a:lstStyle/>
+          <a:p>
+            <a:r>
+              <a:rPr lang="en-CA" dirty="0" smtClean="0"/>
+              <a:t>The Logit Link function</a:t>
+            </a:r>
+            <a:endParaRPr lang="en-CA" dirty="0"/>
+          </a:p>
+        </p:txBody>
+      </p:sp>
+      <mc:AlternateContent xmlns:mc="http://schemas.openxmlformats.org/markup-compatibility/2006">
+        <mc:Choice xmlns:a14="http://schemas.microsoft.com/office/drawing/2010/main" Requires="a14">
+          <p:sp>
+            <p:nvSpPr>
+              <p:cNvPr id="3" name="Content Placeholder 2"/>
+              <p:cNvSpPr>
+                <a:spLocks noGrp="1"/>
+              </p:cNvSpPr>
+              <p:nvPr>
+                <p:ph idx="1"/>
+              </p:nvPr>
+            </p:nvSpPr>
+            <p:spPr/>
+            <p:txBody>
+              <a:bodyPr/>
+              <a:lstStyle/>
+              <a:p>
+                <a14:m>
+                  <m:oMath xmlns:m="http://schemas.openxmlformats.org/officeDocument/2006/math">
+                    <m:r>
+                      <m:rPr>
+                        <m:sty m:val="p"/>
+                      </m:rPr>
+                      <a:rPr lang="en-CA" i="0" smtClean="0">
+                        <a:latin typeface="Cambria Math" panose="02040503050406030204" pitchFamily="18" charset="0"/>
+                      </a:rPr>
+                      <m:t>y</m:t>
+                    </m:r>
+                    <m:r>
+                      <a:rPr lang="en-CA" i="0">
+                        <a:latin typeface="Cambria Math" panose="02040503050406030204" pitchFamily="18" charset="0"/>
+                      </a:rPr>
+                      <m:t>=</m:t>
+                    </m:r>
+                    <m:r>
+                      <m:rPr>
+                        <m:sty m:val="p"/>
+                      </m:rPr>
+                      <a:rPr lang="en-CA" i="0">
+                        <a:latin typeface="Cambria Math" panose="02040503050406030204" pitchFamily="18" charset="0"/>
+                      </a:rPr>
+                      <m:t>w</m:t>
+                    </m:r>
+                    <m:r>
+                      <a:rPr lang="en-CA" i="0" baseline="-25000">
+                        <a:latin typeface="Cambria Math" panose="02040503050406030204" pitchFamily="18" charset="0"/>
+                      </a:rPr>
+                      <m:t>0</m:t>
+                    </m:r>
+                    <m:r>
+                      <a:rPr lang="en-CA" i="0">
+                        <a:latin typeface="Cambria Math" panose="02040503050406030204" pitchFamily="18" charset="0"/>
+                      </a:rPr>
+                      <m:t>+</m:t>
+                    </m:r>
+                    <m:r>
+                      <m:rPr>
+                        <m:sty m:val="p"/>
+                      </m:rPr>
+                      <a:rPr lang="en-CA" i="0">
+                        <a:latin typeface="Cambria Math" panose="02040503050406030204" pitchFamily="18" charset="0"/>
+                      </a:rPr>
+                      <m:t>w</m:t>
+                    </m:r>
+                    <m:r>
+                      <a:rPr lang="en-CA" i="0" baseline="-25000">
+                        <a:latin typeface="Cambria Math" panose="02040503050406030204" pitchFamily="18" charset="0"/>
+                      </a:rPr>
+                      <m:t>1</m:t>
+                    </m:r>
+                    <m:r>
+                      <m:rPr>
+                        <m:sty m:val="p"/>
+                      </m:rPr>
+                      <a:rPr lang="en-CA" i="0">
+                        <a:latin typeface="Cambria Math" panose="02040503050406030204" pitchFamily="18" charset="0"/>
+                      </a:rPr>
+                      <m:t>a</m:t>
+                    </m:r>
+                    <m:r>
+                      <a:rPr lang="en-CA" i="0" baseline="-25000">
+                        <a:latin typeface="Cambria Math" panose="02040503050406030204" pitchFamily="18" charset="0"/>
+                      </a:rPr>
+                      <m:t>1</m:t>
+                    </m:r>
+                    <m:r>
+                      <a:rPr lang="en-CA" i="0">
+                        <a:latin typeface="Cambria Math" panose="02040503050406030204" pitchFamily="18" charset="0"/>
+                      </a:rPr>
+                      <m:t>+</m:t>
+                    </m:r>
+                    <m:r>
+                      <m:rPr>
+                        <m:sty m:val="p"/>
+                      </m:rPr>
+                      <a:rPr lang="en-CA" i="0">
+                        <a:latin typeface="Cambria Math" panose="02040503050406030204" pitchFamily="18" charset="0"/>
+                      </a:rPr>
+                      <m:t>w</m:t>
+                    </m:r>
+                    <m:r>
+                      <a:rPr lang="en-CA" i="0" baseline="-25000">
+                        <a:latin typeface="Cambria Math" panose="02040503050406030204" pitchFamily="18" charset="0"/>
+                      </a:rPr>
+                      <m:t>2</m:t>
+                    </m:r>
+                    <m:r>
+                      <m:rPr>
+                        <m:sty m:val="p"/>
+                      </m:rPr>
+                      <a:rPr lang="en-CA" i="0">
+                        <a:latin typeface="Cambria Math" panose="02040503050406030204" pitchFamily="18" charset="0"/>
+                      </a:rPr>
+                      <m:t>a</m:t>
+                    </m:r>
+                    <m:r>
+                      <a:rPr lang="en-CA" i="0" baseline="-25000">
+                        <a:latin typeface="Cambria Math" panose="02040503050406030204" pitchFamily="18" charset="0"/>
+                      </a:rPr>
+                      <m:t>2</m:t>
+                    </m:r>
+                    <m:r>
+                      <a:rPr lang="en-CA" i="0">
+                        <a:latin typeface="Cambria Math" panose="02040503050406030204" pitchFamily="18" charset="0"/>
+                      </a:rPr>
+                      <m:t>+…+</m:t>
+                    </m:r>
+                    <m:sSub>
+                      <m:sSubPr>
+                        <m:ctrlPr>
+                          <a:rPr lang="en-CA" i="1">
+                            <a:latin typeface="Cambria Math" panose="02040503050406030204" pitchFamily="18" charset="0"/>
+                          </a:rPr>
+                        </m:ctrlPr>
+                      </m:sSubPr>
+                      <m:e>
+                        <m:r>
+                          <m:rPr>
+                            <m:sty m:val="p"/>
+                          </m:rPr>
+                          <a:rPr lang="en-CA" i="0">
+                            <a:latin typeface="Cambria Math" panose="02040503050406030204" pitchFamily="18" charset="0"/>
+                          </a:rPr>
+                          <m:t>w</m:t>
+                        </m:r>
+                      </m:e>
+                      <m:sub>
+                        <m:r>
+                          <m:rPr>
+                            <m:sty m:val="p"/>
+                          </m:rPr>
+                          <a:rPr lang="en-CA" i="0">
+                            <a:latin typeface="Cambria Math" panose="02040503050406030204" pitchFamily="18" charset="0"/>
+                          </a:rPr>
+                          <m:t>k</m:t>
+                        </m:r>
+                      </m:sub>
+                    </m:sSub>
+                    <m:sSub>
+                      <m:sSubPr>
+                        <m:ctrlPr>
+                          <a:rPr lang="en-CA" i="1">
+                            <a:latin typeface="Cambria Math" panose="02040503050406030204" pitchFamily="18" charset="0"/>
+                          </a:rPr>
+                        </m:ctrlPr>
+                      </m:sSubPr>
+                      <m:e>
+                        <m:r>
+                          <m:rPr>
+                            <m:sty m:val="p"/>
+                          </m:rPr>
+                          <a:rPr lang="en-CA" i="0">
+                            <a:latin typeface="Cambria Math" panose="02040503050406030204" pitchFamily="18" charset="0"/>
+                          </a:rPr>
+                          <m:t>a</m:t>
+                        </m:r>
+                      </m:e>
+                      <m:sub>
+                        <m:r>
+                          <m:rPr>
+                            <m:sty m:val="p"/>
+                          </m:rPr>
+                          <a:rPr lang="en-CA" i="0">
+                            <a:latin typeface="Cambria Math" panose="02040503050406030204" pitchFamily="18" charset="0"/>
+                          </a:rPr>
+                          <m:t>k</m:t>
+                        </m:r>
+                      </m:sub>
+                    </m:sSub>
+                    <m:r>
+                      <a:rPr lang="en-CA" i="0">
+                        <a:latin typeface="Cambria Math" panose="02040503050406030204" pitchFamily="18" charset="0"/>
+                      </a:rPr>
+                      <m:t>. </m:t>
+                    </m:r>
+                    <m:r>
+                      <a:rPr lang="en-CA" i="0">
+                        <a:solidFill>
+                          <a:schemeClr val="bg1"/>
+                        </a:solidFill>
+                        <a:latin typeface="Cambria Math" panose="02040503050406030204" pitchFamily="18" charset="0"/>
+                      </a:rPr>
+                      <m:t>. </m:t>
+                    </m:r>
+                  </m:oMath>
+                </a14:m>
+                <a:endParaRPr lang="en-CA" dirty="0">
+                  <a:solidFill>
+                    <a:schemeClr val="bg1"/>
+                  </a:solidFill>
+                </a:endParaRPr>
+              </a:p>
+              <a:p>
+                <a:r>
+                  <a:rPr lang="en-CA" b="0" i="0" dirty="0" smtClean="0"/>
+                  <a:t>ok, but as we saw, the linear equation will not always give values [0,1] </a:t>
+                </a:r>
+              </a:p>
+              <a:p>
+                <a14:m>
+                  <m:oMath xmlns:m="http://schemas.openxmlformats.org/officeDocument/2006/math">
+                    <m:r>
+                      <m:rPr>
+                        <m:sty m:val="p"/>
+                      </m:rPr>
+                      <a:rPr lang="en-CA" b="0" i="0" smtClean="0">
+                        <a:latin typeface="Cambria Math" panose="02040503050406030204" pitchFamily="18" charset="0"/>
+                      </a:rPr>
+                      <m:t>Let</m:t>
+                    </m:r>
+                    <m:r>
+                      <a:rPr lang="en-CA" b="0" i="0" smtClean="0">
+                        <a:latin typeface="Cambria Math" panose="02040503050406030204" pitchFamily="18" charset="0"/>
+                      </a:rPr>
+                      <m:t> </m:t>
+                    </m:r>
+                    <m:r>
+                      <m:rPr>
+                        <m:sty m:val="p"/>
+                      </m:rPr>
+                      <a:rPr lang="en-CA" b="0" i="0" smtClean="0">
+                        <a:latin typeface="Cambria Math" panose="02040503050406030204" pitchFamily="18" charset="0"/>
+                      </a:rPr>
+                      <m:t>logit</m:t>
+                    </m:r>
+                    <m:d>
+                      <m:dPr>
+                        <m:ctrlPr>
+                          <a:rPr lang="en-CA" b="0" i="1" smtClean="0">
+                            <a:latin typeface="Cambria Math" panose="02040503050406030204" pitchFamily="18" charset="0"/>
+                          </a:rPr>
+                        </m:ctrlPr>
+                      </m:dPr>
+                      <m:e>
+                        <m:r>
+                          <m:rPr>
+                            <m:sty m:val="p"/>
+                          </m:rPr>
+                          <a:rPr lang="en-CA" b="0" i="0" smtClean="0">
+                            <a:latin typeface="Cambria Math" panose="02040503050406030204" pitchFamily="18" charset="0"/>
+                          </a:rPr>
+                          <m:t>y</m:t>
+                        </m:r>
+                      </m:e>
+                    </m:d>
+                    <m:r>
+                      <a:rPr lang="en-CA" b="0" i="0" smtClean="0">
+                        <a:latin typeface="Cambria Math" panose="02040503050406030204" pitchFamily="18" charset="0"/>
+                      </a:rPr>
+                      <m:t>=</m:t>
+                    </m:r>
+                    <m:func>
+                      <m:funcPr>
+                        <m:ctrlPr>
+                          <a:rPr lang="en-CA" b="0" i="1" smtClean="0">
+                            <a:latin typeface="Cambria Math" panose="02040503050406030204" pitchFamily="18" charset="0"/>
+                          </a:rPr>
+                        </m:ctrlPr>
+                      </m:funcPr>
+                      <m:fName>
+                        <m:r>
+                          <m:rPr>
+                            <m:sty m:val="p"/>
+                          </m:rPr>
+                          <a:rPr lang="en-CA" b="0" i="0" smtClean="0">
+                            <a:latin typeface="Cambria Math" panose="02040503050406030204" pitchFamily="18" charset="0"/>
+                          </a:rPr>
+                          <m:t>log</m:t>
+                        </m:r>
+                      </m:fName>
+                      <m:e>
+                        <m:d>
+                          <m:dPr>
+                            <m:ctrlPr>
+                              <a:rPr lang="en-CA" b="0" i="1" smtClean="0">
+                                <a:latin typeface="Cambria Math" panose="02040503050406030204" pitchFamily="18" charset="0"/>
+                              </a:rPr>
+                            </m:ctrlPr>
+                          </m:dPr>
+                          <m:e>
+                            <m:f>
+                              <m:fPr>
+                                <m:ctrlPr>
+                                  <a:rPr lang="en-CA" b="0" i="1" smtClean="0">
+                                    <a:latin typeface="Cambria Math" panose="02040503050406030204" pitchFamily="18" charset="0"/>
+                                  </a:rPr>
+                                </m:ctrlPr>
+                              </m:fPr>
+                              <m:num>
+                                <m:r>
+                                  <m:rPr>
+                                    <m:sty m:val="p"/>
+                                  </m:rPr>
+                                  <a:rPr lang="en-CA" b="0" i="0" smtClean="0">
+                                    <a:latin typeface="Cambria Math" panose="02040503050406030204" pitchFamily="18" charset="0"/>
+                                  </a:rPr>
+                                  <m:t>P</m:t>
+                                </m:r>
+                              </m:num>
+                              <m:den>
+                                <m:r>
+                                  <a:rPr lang="en-CA" b="0" i="0" smtClean="0">
+                                    <a:latin typeface="Cambria Math" panose="02040503050406030204" pitchFamily="18" charset="0"/>
+                                  </a:rPr>
+                                  <m:t>1−</m:t>
+                                </m:r>
+                                <m:r>
+                                  <m:rPr>
+                                    <m:sty m:val="p"/>
+                                  </m:rPr>
+                                  <a:rPr lang="en-CA" b="0" i="0" smtClean="0">
+                                    <a:latin typeface="Cambria Math" panose="02040503050406030204" pitchFamily="18" charset="0"/>
+                                  </a:rPr>
+                                  <m:t>P</m:t>
+                                </m:r>
+                              </m:den>
+                            </m:f>
+                          </m:e>
+                        </m:d>
+                      </m:e>
+                    </m:func>
+                    <m:r>
+                      <a:rPr lang="en-CA" b="0" i="0" smtClean="0">
+                        <a:latin typeface="Cambria Math" panose="02040503050406030204" pitchFamily="18" charset="0"/>
+                      </a:rPr>
+                      <m:t>  </m:t>
+                    </m:r>
+                  </m:oMath>
+                </a14:m>
+                <a:r>
+                  <a:rPr lang="en-CA" dirty="0" smtClean="0"/>
+                  <a:t>, where </a:t>
+                </a:r>
+                <a:r>
+                  <a:rPr lang="en-CA" dirty="0" smtClean="0">
+                    <a:latin typeface="Cambria Math" panose="02040503050406030204" pitchFamily="18" charset="0"/>
+                    <a:ea typeface="Cambria Math" panose="02040503050406030204" pitchFamily="18" charset="0"/>
+                  </a:rPr>
+                  <a:t>P</a:t>
+                </a:r>
+                <a:r>
+                  <a:rPr lang="en-CA" dirty="0" smtClean="0"/>
+                  <a:t> is probability </a:t>
+                </a:r>
+                <a:r>
+                  <a:rPr lang="en-CA" dirty="0" smtClean="0">
+                    <a:latin typeface="Cambria Math" panose="02040503050406030204" pitchFamily="18" charset="0"/>
+                    <a:ea typeface="Cambria Math" panose="02040503050406030204" pitchFamily="18" charset="0"/>
+                  </a:rPr>
+                  <a:t>y=1</a:t>
+                </a:r>
+              </a:p>
+              <a:p>
+                <a:r>
+                  <a:rPr lang="en-CA" dirty="0" smtClean="0"/>
+                  <a:t>When </a:t>
+                </a:r>
+                <a:r>
+                  <a:rPr lang="en-CA" dirty="0" smtClean="0">
+                    <a:latin typeface="Cambria Math" panose="02040503050406030204" pitchFamily="18" charset="0"/>
+                    <a:ea typeface="Cambria Math" panose="02040503050406030204" pitchFamily="18" charset="0"/>
+                  </a:rPr>
+                  <a:t>y</a:t>
+                </a:r>
+                <a:r>
+                  <a:rPr lang="en-CA" dirty="0" smtClean="0"/>
+                  <a:t> is categorical (as it is in our classification task, we use </a:t>
+                </a:r>
+                <a:r>
+                  <a:rPr lang="en-CA" dirty="0" smtClean="0">
+                    <a:latin typeface="Cambria Math" panose="02040503050406030204" pitchFamily="18" charset="0"/>
+                    <a:ea typeface="Cambria Math" panose="02040503050406030204" pitchFamily="18" charset="0"/>
+                  </a:rPr>
+                  <a:t>logit(y) </a:t>
+                </a:r>
+                <a:r>
+                  <a:rPr lang="en-CA" dirty="0" smtClean="0"/>
+                  <a:t>as the response in our regression equation, instead of just </a:t>
+                </a:r>
+                <a:r>
+                  <a:rPr lang="en-CA" dirty="0" smtClean="0">
+                    <a:latin typeface="Cambria Math" panose="02040503050406030204" pitchFamily="18" charset="0"/>
+                    <a:ea typeface="Cambria Math" panose="02040503050406030204" pitchFamily="18" charset="0"/>
+                  </a:rPr>
+                  <a:t>y</a:t>
+                </a:r>
+              </a:p>
+              <a:p>
+                <a14:m>
+                  <m:oMath xmlns:m="http://schemas.openxmlformats.org/officeDocument/2006/math">
+                    <m:func>
+                      <m:funcPr>
+                        <m:ctrlPr>
+                          <a:rPr lang="en-CA" i="1">
+                            <a:latin typeface="Cambria Math" panose="02040503050406030204" pitchFamily="18" charset="0"/>
+                          </a:rPr>
+                        </m:ctrlPr>
+                      </m:funcPr>
+                      <m:fName>
+                        <m:r>
+                          <m:rPr>
+                            <m:sty m:val="p"/>
+                          </m:rPr>
+                          <a:rPr lang="en-CA">
+                            <a:latin typeface="Cambria Math" panose="02040503050406030204" pitchFamily="18" charset="0"/>
+                          </a:rPr>
+                          <m:t>log</m:t>
+                        </m:r>
+                      </m:fName>
+                      <m:e>
+                        <m:d>
+                          <m:dPr>
+                            <m:ctrlPr>
+                              <a:rPr lang="en-CA" i="1">
+                                <a:latin typeface="Cambria Math" panose="02040503050406030204" pitchFamily="18" charset="0"/>
+                              </a:rPr>
+                            </m:ctrlPr>
+                          </m:dPr>
+                          <m:e>
+                            <m:f>
+                              <m:fPr>
+                                <m:ctrlPr>
+                                  <a:rPr lang="en-CA" i="1">
+                                    <a:latin typeface="Cambria Math" panose="02040503050406030204" pitchFamily="18" charset="0"/>
+                                  </a:rPr>
+                                </m:ctrlPr>
+                              </m:fPr>
+                              <m:num>
+                                <m:r>
+                                  <m:rPr>
+                                    <m:sty m:val="p"/>
+                                  </m:rPr>
+                                  <a:rPr lang="en-CA">
+                                    <a:latin typeface="Cambria Math" panose="02040503050406030204" pitchFamily="18" charset="0"/>
+                                  </a:rPr>
+                                  <m:t>P</m:t>
+                                </m:r>
+                              </m:num>
+                              <m:den>
+                                <m:r>
+                                  <a:rPr lang="en-CA">
+                                    <a:latin typeface="Cambria Math" panose="02040503050406030204" pitchFamily="18" charset="0"/>
+                                  </a:rPr>
+                                  <m:t>1−</m:t>
+                                </m:r>
+                                <m:r>
+                                  <m:rPr>
+                                    <m:sty m:val="p"/>
+                                  </m:rPr>
+                                  <a:rPr lang="en-CA">
+                                    <a:latin typeface="Cambria Math" panose="02040503050406030204" pitchFamily="18" charset="0"/>
+                                  </a:rPr>
+                                  <m:t>P</m:t>
+                                </m:r>
+                              </m:den>
+                            </m:f>
+                          </m:e>
+                        </m:d>
+                      </m:e>
+                    </m:func>
+                  </m:oMath>
+                </a14:m>
+                <a:r>
+                  <a:rPr lang="en-CA" dirty="0" smtClean="0"/>
+                  <a:t> = </a:t>
+                </a:r>
+                <a14:m>
+                  <m:oMath xmlns:m="http://schemas.openxmlformats.org/officeDocument/2006/math">
+                    <m:r>
+                      <m:rPr>
+                        <m:sty m:val="p"/>
+                      </m:rPr>
+                      <a:rPr lang="en-CA">
+                        <a:latin typeface="Cambria Math" panose="02040503050406030204" pitchFamily="18" charset="0"/>
+                      </a:rPr>
+                      <m:t>w</m:t>
+                    </m:r>
+                    <m:r>
+                      <a:rPr lang="en-CA" baseline="-25000">
+                        <a:latin typeface="Cambria Math" panose="02040503050406030204" pitchFamily="18" charset="0"/>
+                      </a:rPr>
+                      <m:t>0</m:t>
+                    </m:r>
+                    <m:r>
+                      <a:rPr lang="en-CA">
+                        <a:latin typeface="Cambria Math" panose="02040503050406030204" pitchFamily="18" charset="0"/>
+                      </a:rPr>
+                      <m:t>+</m:t>
+                    </m:r>
+                    <m:r>
+                      <m:rPr>
+                        <m:sty m:val="p"/>
+                      </m:rPr>
+                      <a:rPr lang="en-CA">
+                        <a:latin typeface="Cambria Math" panose="02040503050406030204" pitchFamily="18" charset="0"/>
+                      </a:rPr>
+                      <m:t>w</m:t>
+                    </m:r>
+                    <m:r>
+                      <a:rPr lang="en-CA" baseline="-25000">
+                        <a:latin typeface="Cambria Math" panose="02040503050406030204" pitchFamily="18" charset="0"/>
+                      </a:rPr>
+                      <m:t>1</m:t>
+                    </m:r>
+                    <m:r>
+                      <m:rPr>
+                        <m:sty m:val="p"/>
+                      </m:rPr>
+                      <a:rPr lang="en-CA">
+                        <a:latin typeface="Cambria Math" panose="02040503050406030204" pitchFamily="18" charset="0"/>
+                      </a:rPr>
+                      <m:t>a</m:t>
+                    </m:r>
+                    <m:r>
+                      <a:rPr lang="en-CA" baseline="-25000">
+                        <a:latin typeface="Cambria Math" panose="02040503050406030204" pitchFamily="18" charset="0"/>
+                      </a:rPr>
+                      <m:t>1</m:t>
+                    </m:r>
+                    <m:r>
+                      <a:rPr lang="en-CA">
+                        <a:latin typeface="Cambria Math" panose="02040503050406030204" pitchFamily="18" charset="0"/>
+                      </a:rPr>
+                      <m:t>+</m:t>
+                    </m:r>
+                    <m:r>
+                      <m:rPr>
+                        <m:sty m:val="p"/>
+                      </m:rPr>
+                      <a:rPr lang="en-CA">
+                        <a:latin typeface="Cambria Math" panose="02040503050406030204" pitchFamily="18" charset="0"/>
+                      </a:rPr>
+                      <m:t>w</m:t>
+                    </m:r>
+                    <m:r>
+                      <a:rPr lang="en-CA" baseline="-25000">
+                        <a:latin typeface="Cambria Math" panose="02040503050406030204" pitchFamily="18" charset="0"/>
+                      </a:rPr>
+                      <m:t>2</m:t>
+                    </m:r>
+                    <m:r>
+                      <m:rPr>
+                        <m:sty m:val="p"/>
+                      </m:rPr>
+                      <a:rPr lang="en-CA">
+                        <a:latin typeface="Cambria Math" panose="02040503050406030204" pitchFamily="18" charset="0"/>
+                      </a:rPr>
+                      <m:t>a</m:t>
+                    </m:r>
+                    <m:r>
+                      <a:rPr lang="en-CA" baseline="-25000">
+                        <a:latin typeface="Cambria Math" panose="02040503050406030204" pitchFamily="18" charset="0"/>
+                      </a:rPr>
+                      <m:t>2</m:t>
+                    </m:r>
+                    <m:r>
+                      <a:rPr lang="en-CA">
+                        <a:latin typeface="Cambria Math" panose="02040503050406030204" pitchFamily="18" charset="0"/>
+                      </a:rPr>
+                      <m:t>+…+</m:t>
+                    </m:r>
+                    <m:sSub>
+                      <m:sSubPr>
+                        <m:ctrlPr>
+                          <a:rPr lang="en-CA" i="1">
+                            <a:latin typeface="Cambria Math" panose="02040503050406030204" pitchFamily="18" charset="0"/>
+                          </a:rPr>
+                        </m:ctrlPr>
+                      </m:sSubPr>
+                      <m:e>
+                        <m:r>
+                          <m:rPr>
+                            <m:sty m:val="p"/>
+                          </m:rPr>
+                          <a:rPr lang="en-CA">
+                            <a:latin typeface="Cambria Math" panose="02040503050406030204" pitchFamily="18" charset="0"/>
+                          </a:rPr>
+                          <m:t>w</m:t>
+                        </m:r>
+                      </m:e>
+                      <m:sub>
+                        <m:r>
+                          <m:rPr>
+                            <m:sty m:val="p"/>
+                          </m:rPr>
+                          <a:rPr lang="en-CA">
+                            <a:latin typeface="Cambria Math" panose="02040503050406030204" pitchFamily="18" charset="0"/>
+                          </a:rPr>
+                          <m:t>k</m:t>
+                        </m:r>
+                      </m:sub>
+                    </m:sSub>
+                    <m:sSub>
+                      <m:sSubPr>
+                        <m:ctrlPr>
+                          <a:rPr lang="en-CA" i="1">
+                            <a:latin typeface="Cambria Math" panose="02040503050406030204" pitchFamily="18" charset="0"/>
+                          </a:rPr>
+                        </m:ctrlPr>
+                      </m:sSubPr>
+                      <m:e>
+                        <m:r>
+                          <m:rPr>
+                            <m:sty m:val="p"/>
+                          </m:rPr>
+                          <a:rPr lang="en-CA">
+                            <a:latin typeface="Cambria Math" panose="02040503050406030204" pitchFamily="18" charset="0"/>
+                          </a:rPr>
+                          <m:t>a</m:t>
+                        </m:r>
+                      </m:e>
+                      <m:sub>
+                        <m:r>
+                          <m:rPr>
+                            <m:sty m:val="p"/>
+                          </m:rPr>
+                          <a:rPr lang="en-CA">
+                            <a:latin typeface="Cambria Math" panose="02040503050406030204" pitchFamily="18" charset="0"/>
+                          </a:rPr>
+                          <m:t>k</m:t>
+                        </m:r>
+                      </m:sub>
+                    </m:sSub>
+                    <m:r>
+                      <a:rPr lang="en-CA">
+                        <a:latin typeface="Cambria Math" panose="02040503050406030204" pitchFamily="18" charset="0"/>
+                      </a:rPr>
+                      <m:t>. </m:t>
+                    </m:r>
+                    <m:r>
+                      <a:rPr lang="en-CA">
+                        <a:solidFill>
+                          <a:schemeClr val="bg1"/>
+                        </a:solidFill>
+                        <a:latin typeface="Cambria Math" panose="02040503050406030204" pitchFamily="18" charset="0"/>
+                      </a:rPr>
+                      <m:t>. </m:t>
+                    </m:r>
+                  </m:oMath>
+                </a14:m>
+                <a:endParaRPr lang="en-CA" dirty="0">
+                  <a:solidFill>
+                    <a:schemeClr val="bg1"/>
+                  </a:solidFill>
+                </a:endParaRPr>
+              </a:p>
+              <a:p>
+                <a:endParaRPr lang="en-CA" dirty="0"/>
+              </a:p>
+            </p:txBody>
+          </p:sp>
+        </mc:Choice>
+        <mc:Fallback>
+          <p:sp>
+            <p:nvSpPr>
+              <p:cNvPr id="3" name="Content Placeholder 2"/>
+              <p:cNvSpPr>
+                <a:spLocks noGrp="1" noRot="1" noChangeAspect="1" noMove="1" noResize="1" noEditPoints="1" noAdjustHandles="1" noChangeArrowheads="1" noChangeShapeType="1" noTextEdit="1"/>
+              </p:cNvSpPr>
+              <p:nvPr>
+                <p:ph idx="1"/>
+              </p:nvPr>
+            </p:nvSpPr>
+            <p:spPr>
+              <a:blipFill>
+                <a:blip r:embed="rId2"/>
+                <a:stretch>
+                  <a:fillRect l="-1043" r="-1739"/>
+                </a:stretch>
+              </a:blipFill>
+            </p:spPr>
+            <p:txBody>
+              <a:bodyPr/>
+              <a:lstStyle/>
+              <a:p>
+                <a:r>
+                  <a:rPr lang="en-CA">
+                    <a:noFill/>
+                  </a:rPr>
+                  <a:t> </a:t>
+                </a:r>
+              </a:p>
+            </p:txBody>
+          </p:sp>
+        </mc:Fallback>
+      </mc:AlternateContent>
+    </p:spTree>
+    <p:extLst>
+      <p:ext uri="{BB962C8B-B14F-4D97-AF65-F5344CB8AC3E}">
+        <p14:creationId xmlns:p14="http://schemas.microsoft.com/office/powerpoint/2010/main" val="3209156765"/>
+      </p:ext>
+    </p:extLst>
+  </p:cSld>
+  <p:clrMapOvr>
+    <a:masterClrMapping/>
+  </p:clrMapOvr>
+  <p:timing>
+    <p:tnLst>
+      <p:par>
+        <p:cTn id="1" dur="indefinite" restart="never" nodeType="tmRoot"/>
+      </p:par>
+    </p:tnLst>
+  </p:timing>
+</p:sld>
+</file>
+
+<file path=ppt/slides/slide9.xml><?xml version="1.0" encoding="utf-8"?>
+<p:sld xmlns:a="http://schemas.openxmlformats.org/drawingml/2006/main" xmlns:r="http://schemas.openxmlformats.org/officeDocument/2006/relationships" xmlns:p="http://schemas.openxmlformats.org/presentationml/2006/main">
+  <p:cSld>
+    <p:spTree>
+      <p:nvGrpSpPr>
+        <p:cNvPr id="1" name=""/>
+        <p:cNvGrpSpPr/>
+        <p:nvPr/>
+      </p:nvGrpSpPr>
+      <p:grpSpPr>
+        <a:xfrm>
+          <a:off x="0" y="0"/>
+          <a:ext cx="0" cy="0"/>
+          <a:chOff x="0" y="0"/>
+          <a:chExt cx="0" cy="0"/>
+        </a:xfrm>
+      </p:grpSpPr>
+      <p:sp>
+        <p:nvSpPr>
+          <p:cNvPr id="2" name="Title 1"/>
+          <p:cNvSpPr>
+            <a:spLocks noGrp="1"/>
+          </p:cNvSpPr>
+          <p:nvPr>
+            <p:ph type="title"/>
+          </p:nvPr>
+        </p:nvSpPr>
+        <p:spPr>
+          <a:xfrm>
+            <a:off x="0" y="0"/>
+            <a:ext cx="11998036" cy="554182"/>
+          </a:xfrm>
+        </p:spPr>
+        <p:txBody>
+          <a:bodyPr>
+            <a:normAutofit fontScale="90000"/>
+          </a:bodyPr>
+          <a:lstStyle/>
+          <a:p>
+            <a:r>
+              <a:rPr lang="en-CA" dirty="0" smtClean="0"/>
+              <a:t>Logistic Regression and the Logit transformation</a:t>
+            </a:r>
+            <a:endParaRPr lang="en-CA" dirty="0"/>
+          </a:p>
+        </p:txBody>
+      </p:sp>
+      <mc:AlternateContent xmlns:mc="http://schemas.openxmlformats.org/markup-compatibility/2006" xmlns:a14="http://schemas.microsoft.com/office/drawing/2010/main">
+        <mc:Choice Requires="a14">
+          <p:sp>
+            <p:nvSpPr>
+              <p:cNvPr id="3" name="Content Placeholder 2"/>
+              <p:cNvSpPr>
+                <a:spLocks noGrp="1"/>
+              </p:cNvSpPr>
+              <p:nvPr>
+                <p:ph idx="1"/>
+              </p:nvPr>
+            </p:nvSpPr>
+            <p:spPr>
+              <a:xfrm>
+                <a:off x="1" y="554181"/>
+                <a:ext cx="12192000" cy="3975597"/>
+              </a:xfrm>
+            </p:spPr>
+            <p:txBody>
+              <a:bodyPr>
+                <a:normAutofit fontScale="85000" lnSpcReduction="20000"/>
+              </a:bodyPr>
+              <a:lstStyle/>
+              <a:p>
+                <a:r>
+                  <a:rPr lang="en-CA" dirty="0" smtClean="0"/>
+                  <a:t>Instead of approximating 0 and 1 values directly (thereby risking illegitimate probability values), </a:t>
+                </a:r>
+                <a:r>
+                  <a:rPr lang="en-CA" b="1" dirty="0" smtClean="0"/>
+                  <a:t>logistic regression builds a linear model based on a transformed target variable</a:t>
+                </a:r>
+              </a:p>
+              <a:p>
+                <a:r>
+                  <a:rPr lang="en-CA" dirty="0"/>
+                  <a:t>Suppose there are only 2 classes, logistic regression replaces the original target variable: </a:t>
+                </a:r>
+                <a:br>
+                  <a:rPr lang="en-CA" dirty="0"/>
+                </a:br>
+                <a:r>
+                  <a:rPr lang="en-CA" dirty="0"/>
+                  <a:t>	</a:t>
+                </a:r>
+                <a14:m>
+                  <m:oMath xmlns:m="http://schemas.openxmlformats.org/officeDocument/2006/math">
+                    <m:r>
+                      <m:rPr>
+                        <m:sty m:val="p"/>
+                      </m:rPr>
+                      <a:rPr lang="en-CA" b="0" i="0" smtClean="0">
+                        <a:latin typeface="Cambria Math" panose="02040503050406030204" pitchFamily="18" charset="0"/>
+                      </a:rPr>
+                      <m:t>p</m:t>
+                    </m:r>
+                    <m:r>
+                      <a:rPr lang="en-CA" i="1">
+                        <a:latin typeface="Cambria Math" panose="02040503050406030204" pitchFamily="18" charset="0"/>
+                      </a:rPr>
+                      <m:t>(1|</m:t>
+                    </m:r>
+                    <m:r>
+                      <a:rPr lang="en-CA" i="1">
+                        <a:latin typeface="Cambria Math" panose="02040503050406030204" pitchFamily="18" charset="0"/>
+                      </a:rPr>
+                      <m:t>𝑎</m:t>
+                    </m:r>
+                    <m:r>
+                      <a:rPr lang="en-CA" i="1" baseline="-25000">
+                        <a:latin typeface="Cambria Math" panose="02040503050406030204" pitchFamily="18" charset="0"/>
+                      </a:rPr>
+                      <m:t>1</m:t>
+                    </m:r>
+                    <m:r>
+                      <a:rPr lang="en-CA" i="1">
+                        <a:latin typeface="Cambria Math" panose="02040503050406030204" pitchFamily="18" charset="0"/>
+                      </a:rPr>
+                      <m:t>,</m:t>
+                    </m:r>
+                    <m:r>
+                      <a:rPr lang="en-CA" i="1">
+                        <a:latin typeface="Cambria Math" panose="02040503050406030204" pitchFamily="18" charset="0"/>
+                      </a:rPr>
+                      <m:t>𝑎</m:t>
+                    </m:r>
+                    <m:r>
+                      <a:rPr lang="en-CA" i="1" baseline="-25000">
+                        <a:latin typeface="Cambria Math" panose="02040503050406030204" pitchFamily="18" charset="0"/>
+                      </a:rPr>
+                      <m:t>2</m:t>
+                    </m:r>
+                    <m:r>
+                      <a:rPr lang="en-CA" i="1">
+                        <a:latin typeface="Cambria Math" panose="02040503050406030204" pitchFamily="18" charset="0"/>
+                      </a:rPr>
+                      <m:t>,…</m:t>
+                    </m:r>
+                    <m:r>
+                      <a:rPr lang="en-CA" i="1">
+                        <a:latin typeface="Cambria Math" panose="02040503050406030204" pitchFamily="18" charset="0"/>
+                      </a:rPr>
+                      <m:t>𝑎𝑘</m:t>
+                    </m:r>
+                    <m:r>
+                      <a:rPr lang="en-CA" i="1">
+                        <a:latin typeface="Cambria Math" panose="02040503050406030204" pitchFamily="18" charset="0"/>
+                      </a:rPr>
+                      <m:t>)</m:t>
+                    </m:r>
+                  </m:oMath>
+                </a14:m>
+                <a:r>
+                  <a:rPr lang="en-CA" dirty="0"/>
+                  <a:t> </a:t>
+                </a:r>
+                <a:r>
+                  <a:rPr lang="en-CA" sz="2400" dirty="0" smtClean="0"/>
+                  <a:t>(cannot be approximated accurately using a linear function)</a:t>
+                </a:r>
+                <a:r>
+                  <a:rPr lang="en-CA" dirty="0" smtClean="0"/>
+                  <a:t/>
+                </a:r>
+                <a:br>
+                  <a:rPr lang="en-CA" dirty="0" smtClean="0"/>
+                </a:br>
+                <a:r>
+                  <a:rPr lang="en-CA" dirty="0" smtClean="0"/>
+                  <a:t>	by:</a:t>
+                </a:r>
+                <a:br>
+                  <a:rPr lang="en-CA" dirty="0" smtClean="0"/>
+                </a:br>
+                <a:r>
+                  <a:rPr lang="en-CA" dirty="0"/>
+                  <a:t>	</a:t>
+                </a:r>
+                <a:r>
+                  <a:rPr lang="en-CA" dirty="0" smtClean="0"/>
+                  <a:t>	 </a:t>
+                </a:r>
+                <a14:m>
+                  <m:oMath xmlns:m="http://schemas.openxmlformats.org/officeDocument/2006/math">
+                    <m:r>
+                      <m:rPr>
+                        <m:sty m:val="p"/>
+                      </m:rPr>
+                      <a:rPr lang="en-CA">
+                        <a:latin typeface="Cambria Math" panose="02040503050406030204" pitchFamily="18" charset="0"/>
+                      </a:rPr>
+                      <m:t>log</m:t>
+                    </m:r>
+                    <m:r>
+                      <a:rPr lang="en-CA" i="1">
+                        <a:latin typeface="Cambria Math" panose="02040503050406030204" pitchFamily="18" charset="0"/>
+                      </a:rPr>
+                      <m:t>⁡(</m:t>
+                    </m:r>
+                    <m:f>
+                      <m:fPr>
+                        <m:ctrlPr>
+                          <a:rPr lang="en-CA" i="1">
+                            <a:latin typeface="Cambria Math" panose="02040503050406030204" pitchFamily="18" charset="0"/>
+                          </a:rPr>
+                        </m:ctrlPr>
+                      </m:fPr>
+                      <m:num>
+                        <m:r>
+                          <a:rPr lang="en-CA" b="0" i="1" smtClean="0">
+                            <a:latin typeface="Cambria Math" panose="02040503050406030204" pitchFamily="18" charset="0"/>
+                          </a:rPr>
+                          <m:t>𝑝</m:t>
+                        </m:r>
+                        <m:d>
+                          <m:dPr>
+                            <m:ctrlPr>
+                              <a:rPr lang="en-CA" i="1">
+                                <a:latin typeface="Cambria Math" panose="02040503050406030204" pitchFamily="18" charset="0"/>
+                              </a:rPr>
+                            </m:ctrlPr>
+                          </m:dPr>
+                          <m:e>
+                            <m:r>
+                              <a:rPr lang="en-CA" i="1">
+                                <a:latin typeface="Cambria Math" panose="02040503050406030204" pitchFamily="18" charset="0"/>
+                              </a:rPr>
+                              <m:t>1</m:t>
+                            </m:r>
+                          </m:e>
+                          <m:e>
+                            <m:r>
+                              <a:rPr lang="en-CA" i="1">
+                                <a:latin typeface="Cambria Math" panose="02040503050406030204" pitchFamily="18" charset="0"/>
+                              </a:rPr>
+                              <m:t>𝑎</m:t>
+                            </m:r>
+                            <m:r>
+                              <a:rPr lang="en-CA" i="1" baseline="-25000">
+                                <a:latin typeface="Cambria Math" panose="02040503050406030204" pitchFamily="18" charset="0"/>
+                              </a:rPr>
+                              <m:t>1</m:t>
+                            </m:r>
+                            <m:r>
+                              <a:rPr lang="en-CA" i="1">
+                                <a:latin typeface="Cambria Math" panose="02040503050406030204" pitchFamily="18" charset="0"/>
+                              </a:rPr>
+                              <m:t>,</m:t>
+                            </m:r>
+                            <m:r>
+                              <a:rPr lang="en-CA" i="1">
+                                <a:latin typeface="Cambria Math" panose="02040503050406030204" pitchFamily="18" charset="0"/>
+                              </a:rPr>
+                              <m:t>𝑎</m:t>
+                            </m:r>
+                            <m:r>
+                              <a:rPr lang="en-CA" i="1" baseline="-25000">
+                                <a:latin typeface="Cambria Math" panose="02040503050406030204" pitchFamily="18" charset="0"/>
+                              </a:rPr>
+                              <m:t>2</m:t>
+                            </m:r>
+                            <m:r>
+                              <a:rPr lang="en-CA" i="1">
+                                <a:latin typeface="Cambria Math" panose="02040503050406030204" pitchFamily="18" charset="0"/>
+                              </a:rPr>
+                              <m:t>,…</m:t>
+                            </m:r>
+                            <m:r>
+                              <a:rPr lang="en-CA" i="1">
+                                <a:latin typeface="Cambria Math" panose="02040503050406030204" pitchFamily="18" charset="0"/>
+                              </a:rPr>
+                              <m:t>𝑎𝑘</m:t>
+                            </m:r>
+                          </m:e>
+                        </m:d>
+                      </m:num>
+                      <m:den>
+                        <m:r>
+                          <a:rPr lang="en-CA" i="1">
+                            <a:latin typeface="Cambria Math" panose="02040503050406030204" pitchFamily="18" charset="0"/>
+                          </a:rPr>
+                          <m:t>1−</m:t>
+                        </m:r>
+                        <m:r>
+                          <a:rPr lang="en-CA" b="0" i="1" smtClean="0">
+                            <a:latin typeface="Cambria Math" panose="02040503050406030204" pitchFamily="18" charset="0"/>
+                          </a:rPr>
+                          <m:t>𝑝</m:t>
+                        </m:r>
+                        <m:d>
+                          <m:dPr>
+                            <m:ctrlPr>
+                              <a:rPr lang="en-CA" i="1">
+                                <a:latin typeface="Cambria Math" panose="02040503050406030204" pitchFamily="18" charset="0"/>
+                              </a:rPr>
+                            </m:ctrlPr>
+                          </m:dPr>
+                          <m:e>
+                            <m:r>
+                              <a:rPr lang="en-CA" i="1">
+                                <a:latin typeface="Cambria Math" panose="02040503050406030204" pitchFamily="18" charset="0"/>
+                              </a:rPr>
+                              <m:t>1</m:t>
+                            </m:r>
+                          </m:e>
+                          <m:e>
+                            <m:r>
+                              <a:rPr lang="en-CA" i="1">
+                                <a:latin typeface="Cambria Math" panose="02040503050406030204" pitchFamily="18" charset="0"/>
+                              </a:rPr>
+                              <m:t>𝑎</m:t>
+                            </m:r>
+                            <m:r>
+                              <a:rPr lang="en-CA" i="1" baseline="-25000">
+                                <a:latin typeface="Cambria Math" panose="02040503050406030204" pitchFamily="18" charset="0"/>
+                              </a:rPr>
+                              <m:t>1</m:t>
+                            </m:r>
+                            <m:r>
+                              <a:rPr lang="en-CA" i="1">
+                                <a:latin typeface="Cambria Math" panose="02040503050406030204" pitchFamily="18" charset="0"/>
+                              </a:rPr>
+                              <m:t>,</m:t>
+                            </m:r>
+                            <m:r>
+                              <a:rPr lang="en-CA" i="1">
+                                <a:latin typeface="Cambria Math" panose="02040503050406030204" pitchFamily="18" charset="0"/>
+                              </a:rPr>
+                              <m:t>𝑎</m:t>
+                            </m:r>
+                            <m:r>
+                              <a:rPr lang="en-CA" i="1" baseline="-25000">
+                                <a:latin typeface="Cambria Math" panose="02040503050406030204" pitchFamily="18" charset="0"/>
+                              </a:rPr>
+                              <m:t>2</m:t>
+                            </m:r>
+                            <m:r>
+                              <a:rPr lang="en-CA" i="1">
+                                <a:latin typeface="Cambria Math" panose="02040503050406030204" pitchFamily="18" charset="0"/>
+                              </a:rPr>
+                              <m:t>,…</m:t>
+                            </m:r>
+                            <m:r>
+                              <a:rPr lang="en-CA" i="1">
+                                <a:latin typeface="Cambria Math" panose="02040503050406030204" pitchFamily="18" charset="0"/>
+                              </a:rPr>
+                              <m:t>𝑎𝑘</m:t>
+                            </m:r>
+                          </m:e>
+                        </m:d>
+                      </m:den>
+                    </m:f>
+                    <m:r>
+                      <a:rPr lang="en-CA" i="1">
+                        <a:latin typeface="Cambria Math" panose="02040503050406030204" pitchFamily="18" charset="0"/>
+                      </a:rPr>
+                      <m:t>)</m:t>
+                    </m:r>
+                  </m:oMath>
+                </a14:m>
+                <a:r>
+                  <a:rPr lang="en-CA" dirty="0" smtClean="0"/>
+                  <a:t> (logit function)</a:t>
+                </a:r>
+                <a:endParaRPr lang="en-CA" dirty="0"/>
+              </a:p>
+              <a:p>
+                <a:r>
+                  <a:rPr lang="en-CA" dirty="0" smtClean="0"/>
+                  <a:t>Resulting values no longer constrained to interval </a:t>
+                </a:r>
+                <a:r>
+                  <a:rPr lang="en-CA" dirty="0" smtClean="0">
+                    <a:latin typeface="Cambria Math" panose="02040503050406030204" pitchFamily="18" charset="0"/>
+                    <a:ea typeface="Cambria Math" panose="02040503050406030204" pitchFamily="18" charset="0"/>
+                  </a:rPr>
+                  <a:t>[0,1], </a:t>
+                </a:r>
+                <a:r>
+                  <a:rPr lang="en-CA" dirty="0" smtClean="0"/>
+                  <a:t>can instead lie from </a:t>
+                </a:r>
+                <a14:m>
+                  <m:oMath xmlns:m="http://schemas.openxmlformats.org/officeDocument/2006/math">
+                    <m:r>
+                      <a:rPr lang="en-CA" b="0" i="0" smtClean="0">
+                        <a:latin typeface="Cambria Math" panose="02040503050406030204" pitchFamily="18" charset="0"/>
+                        <a:ea typeface="Cambria Math" panose="02040503050406030204" pitchFamily="18" charset="0"/>
+                      </a:rPr>
+                      <m:t>[−</m:t>
+                    </m:r>
+                    <m:r>
+                      <a:rPr lang="en-CA" i="1" smtClean="0">
+                        <a:latin typeface="Cambria Math" panose="02040503050406030204" pitchFamily="18" charset="0"/>
+                        <a:ea typeface="Cambria Math" panose="02040503050406030204" pitchFamily="18" charset="0"/>
+                      </a:rPr>
+                      <m:t>∞</m:t>
+                    </m:r>
+                    <m:r>
+                      <a:rPr lang="en-CA" b="0" i="1" smtClean="0">
+                        <a:latin typeface="Cambria Math" panose="02040503050406030204" pitchFamily="18" charset="0"/>
+                        <a:ea typeface="Cambria Math" panose="02040503050406030204" pitchFamily="18" charset="0"/>
+                      </a:rPr>
+                      <m:t>,∞]</m:t>
+                    </m:r>
+                  </m:oMath>
+                </a14:m>
+                <a:endParaRPr lang="en-CA" dirty="0" smtClean="0"/>
+              </a:p>
+              <a:p>
+                <a:r>
+                  <a:rPr lang="en-CA" dirty="0" smtClean="0"/>
+                  <a:t>The transformed variable is approximated using a linear function just like the ones generated by linear regression</a:t>
+                </a:r>
+              </a:p>
+              <a:p>
+                <a:r>
+                  <a:rPr lang="en-CA" dirty="0" smtClean="0"/>
+                  <a:t>The resulting model is:</a:t>
+                </a:r>
+                <a:br>
+                  <a:rPr lang="en-CA" dirty="0" smtClean="0"/>
+                </a:br>
+                <a:r>
+                  <a:rPr lang="en-CA" dirty="0" smtClean="0"/>
+                  <a:t>		</a:t>
+                </a:r>
+                <a14:m>
+                  <m:oMath xmlns:m="http://schemas.openxmlformats.org/officeDocument/2006/math">
+                    <m:r>
+                      <m:rPr>
+                        <m:sty m:val="p"/>
+                      </m:rPr>
+                      <a:rPr lang="en-CA" b="0" i="0" smtClean="0">
+                        <a:latin typeface="Cambria Math" panose="02040503050406030204" pitchFamily="18" charset="0"/>
+                      </a:rPr>
+                      <m:t>p</m:t>
+                    </m:r>
+                    <m:d>
+                      <m:dPr>
+                        <m:ctrlPr>
+                          <a:rPr lang="en-CA" b="0" i="1" smtClean="0">
+                            <a:latin typeface="Cambria Math" panose="02040503050406030204" pitchFamily="18" charset="0"/>
+                          </a:rPr>
+                        </m:ctrlPr>
+                      </m:dPr>
+                      <m:e>
+                        <m:r>
+                          <a:rPr lang="en-CA" b="0" i="1" smtClean="0">
+                            <a:latin typeface="Cambria Math" panose="02040503050406030204" pitchFamily="18" charset="0"/>
+                          </a:rPr>
+                          <m:t>1</m:t>
+                        </m:r>
+                      </m:e>
+                      <m:e>
+                        <m:r>
+                          <a:rPr lang="en-CA" b="0" i="1" smtClean="0">
+                            <a:latin typeface="Cambria Math" panose="02040503050406030204" pitchFamily="18" charset="0"/>
+                          </a:rPr>
+                          <m:t>𝑎</m:t>
+                        </m:r>
+                        <m:r>
+                          <a:rPr lang="en-CA" b="0" i="1" baseline="-25000" smtClean="0">
+                            <a:latin typeface="Cambria Math" panose="02040503050406030204" pitchFamily="18" charset="0"/>
+                          </a:rPr>
+                          <m:t>1</m:t>
+                        </m:r>
+                        <m:r>
+                          <a:rPr lang="en-CA" b="0" i="1" smtClean="0">
+                            <a:latin typeface="Cambria Math" panose="02040503050406030204" pitchFamily="18" charset="0"/>
+                          </a:rPr>
+                          <m:t>,</m:t>
+                        </m:r>
+                        <m:r>
+                          <a:rPr lang="en-CA" b="0" i="1" smtClean="0">
+                            <a:latin typeface="Cambria Math" panose="02040503050406030204" pitchFamily="18" charset="0"/>
+                          </a:rPr>
+                          <m:t>𝑎</m:t>
+                        </m:r>
+                        <m:r>
+                          <a:rPr lang="en-CA" b="0" i="1" baseline="-25000" smtClean="0">
+                            <a:latin typeface="Cambria Math" panose="02040503050406030204" pitchFamily="18" charset="0"/>
+                          </a:rPr>
+                          <m:t>2</m:t>
+                        </m:r>
+                        <m:r>
+                          <a:rPr lang="en-CA" b="0" i="1" smtClean="0">
+                            <a:latin typeface="Cambria Math" panose="02040503050406030204" pitchFamily="18" charset="0"/>
+                          </a:rPr>
+                          <m:t>,…</m:t>
+                        </m:r>
+                        <m:r>
+                          <a:rPr lang="en-CA" b="0" i="1" smtClean="0">
+                            <a:latin typeface="Cambria Math" panose="02040503050406030204" pitchFamily="18" charset="0"/>
+                          </a:rPr>
+                          <m:t>𝑎𝑘</m:t>
+                        </m:r>
+                      </m:e>
+                    </m:d>
+                    <m:r>
+                      <a:rPr lang="en-CA" b="0" i="1" smtClean="0">
+                        <a:latin typeface="Cambria Math" panose="02040503050406030204" pitchFamily="18" charset="0"/>
+                      </a:rPr>
+                      <m:t>= </m:t>
+                    </m:r>
+                    <m:f>
+                      <m:fPr>
+                        <m:type m:val="lin"/>
+                        <m:ctrlPr>
+                          <a:rPr lang="en-CA" b="0" i="1" smtClean="0">
+                            <a:latin typeface="Cambria Math" panose="02040503050406030204" pitchFamily="18" charset="0"/>
+                          </a:rPr>
+                        </m:ctrlPr>
+                      </m:fPr>
+                      <m:num>
+                        <m:r>
+                          <a:rPr lang="en-CA" b="0" i="1" smtClean="0">
+                            <a:latin typeface="Cambria Math" panose="02040503050406030204" pitchFamily="18" charset="0"/>
+                          </a:rPr>
+                          <m:t>1</m:t>
+                        </m:r>
+                      </m:num>
+                      <m:den>
+                        <m:r>
+                          <a:rPr lang="en-CA" b="0" i="1" smtClean="0">
+                            <a:latin typeface="Cambria Math" panose="02040503050406030204" pitchFamily="18" charset="0"/>
+                          </a:rPr>
+                          <m:t>(1+</m:t>
+                        </m:r>
+                        <m:func>
+                          <m:funcPr>
+                            <m:ctrlPr>
+                              <a:rPr lang="en-CA" b="0" i="1" smtClean="0">
+                                <a:latin typeface="Cambria Math" panose="02040503050406030204" pitchFamily="18" charset="0"/>
+                              </a:rPr>
+                            </m:ctrlPr>
+                          </m:funcPr>
+                          <m:fName>
+                            <m:r>
+                              <m:rPr>
+                                <m:sty m:val="p"/>
+                              </m:rPr>
+                              <a:rPr lang="en-CA" b="0" i="0" smtClean="0">
+                                <a:latin typeface="Cambria Math" panose="02040503050406030204" pitchFamily="18" charset="0"/>
+                              </a:rPr>
+                              <m:t>exp</m:t>
+                            </m:r>
+                          </m:fName>
+                          <m:e>
+                            <m:d>
+                              <m:dPr>
+                                <m:ctrlPr>
+                                  <a:rPr lang="en-CA" b="0" i="1" smtClean="0">
+                                    <a:latin typeface="Cambria Math" panose="02040503050406030204" pitchFamily="18" charset="0"/>
+                                  </a:rPr>
+                                </m:ctrlPr>
+                              </m:dPr>
+                              <m:e>
+                                <m:r>
+                                  <a:rPr lang="en-CA" b="0" i="1" smtClean="0">
+                                    <a:latin typeface="Cambria Math" panose="02040503050406030204" pitchFamily="18" charset="0"/>
+                                  </a:rPr>
+                                  <m:t>−</m:t>
+                                </m:r>
+                                <m:r>
+                                  <a:rPr lang="en-CA" b="0" i="1" smtClean="0">
+                                    <a:latin typeface="Cambria Math" panose="02040503050406030204" pitchFamily="18" charset="0"/>
+                                  </a:rPr>
+                                  <m:t>𝑤</m:t>
+                                </m:r>
+                                <m:r>
+                                  <a:rPr lang="en-CA" b="0" i="1" baseline="-25000" smtClean="0">
+                                    <a:latin typeface="Cambria Math" panose="02040503050406030204" pitchFamily="18" charset="0"/>
+                                  </a:rPr>
+                                  <m:t>0</m:t>
+                                </m:r>
+                                <m:r>
+                                  <a:rPr lang="en-CA" b="0" i="1" smtClean="0">
+                                    <a:latin typeface="Cambria Math" panose="02040503050406030204" pitchFamily="18" charset="0"/>
+                                  </a:rPr>
+                                  <m:t>−</m:t>
+                                </m:r>
+                                <m:r>
+                                  <a:rPr lang="en-CA" b="0" i="1" smtClean="0">
+                                    <a:latin typeface="Cambria Math" panose="02040503050406030204" pitchFamily="18" charset="0"/>
+                                  </a:rPr>
+                                  <m:t>𝑤</m:t>
+                                </m:r>
+                                <m:r>
+                                  <a:rPr lang="en-CA" b="0" i="1" baseline="-25000" smtClean="0">
+                                    <a:latin typeface="Cambria Math" panose="02040503050406030204" pitchFamily="18" charset="0"/>
+                                  </a:rPr>
+                                  <m:t>1</m:t>
+                                </m:r>
+                                <m:r>
+                                  <a:rPr lang="en-CA" b="0" i="1" smtClean="0">
+                                    <a:latin typeface="Cambria Math" panose="02040503050406030204" pitchFamily="18" charset="0"/>
+                                  </a:rPr>
+                                  <m:t>𝑎</m:t>
+                                </m:r>
+                                <m:r>
+                                  <a:rPr lang="en-CA" b="0" i="1" baseline="-25000" smtClean="0">
+                                    <a:latin typeface="Cambria Math" panose="02040503050406030204" pitchFamily="18" charset="0"/>
+                                  </a:rPr>
+                                  <m:t>1</m:t>
+                                </m:r>
+                                <m:r>
+                                  <a:rPr lang="en-CA" b="0" i="1" smtClean="0">
+                                    <a:latin typeface="Cambria Math" panose="02040503050406030204" pitchFamily="18" charset="0"/>
+                                  </a:rPr>
+                                  <m:t>…−</m:t>
+                                </m:r>
+                                <m:r>
+                                  <a:rPr lang="en-CA" b="0" i="1" smtClean="0">
+                                    <a:latin typeface="Cambria Math" panose="02040503050406030204" pitchFamily="18" charset="0"/>
+                                  </a:rPr>
+                                  <m:t>𝑤𝑘𝑎𝑘</m:t>
+                                </m:r>
+                              </m:e>
+                            </m:d>
+                          </m:e>
+                        </m:func>
+                        <m:r>
+                          <a:rPr lang="en-CA" b="0" i="1" smtClean="0">
+                            <a:latin typeface="Cambria Math" panose="02040503050406030204" pitchFamily="18" charset="0"/>
+                          </a:rPr>
+                          <m:t>)</m:t>
+                        </m:r>
+                      </m:den>
+                    </m:f>
+                  </m:oMath>
+                </a14:m>
+                <a:endParaRPr lang="en-CA" dirty="0"/>
+              </a:p>
+            </p:txBody>
+          </p:sp>
+        </mc:Choice>
+        <mc:Fallback xmlns="">
+          <p:sp>
+            <p:nvSpPr>
+              <p:cNvPr id="3" name="Content Placeholder 2"/>
+              <p:cNvSpPr>
+                <a:spLocks noGrp="1" noRot="1" noChangeAspect="1" noMove="1" noResize="1" noEditPoints="1" noAdjustHandles="1" noChangeArrowheads="1" noChangeShapeType="1" noTextEdit="1"/>
+              </p:cNvSpPr>
+              <p:nvPr>
+                <p:ph idx="1"/>
+              </p:nvPr>
+            </p:nvSpPr>
+            <p:spPr>
+              <a:xfrm>
+                <a:off x="1" y="554181"/>
+                <a:ext cx="12192000" cy="3975597"/>
+              </a:xfrm>
+              <a:blipFill>
+                <a:blip r:embed="rId2"/>
+                <a:stretch>
+                  <a:fillRect l="-650" t="-3528" b="-14110"/>
+                </a:stretch>
+              </a:blipFill>
+            </p:spPr>
+            <p:txBody>
+              <a:bodyPr/>
+              <a:lstStyle/>
+              <a:p>
+                <a:r>
+                  <a:rPr lang="en-CA">
+                    <a:noFill/>
+                  </a:rPr>
+                  <a:t> </a:t>
+                </a:r>
+              </a:p>
+            </p:txBody>
+          </p:sp>
+        </mc:Fallback>
+      </mc:AlternateContent>
+      <p:pic>
+        <p:nvPicPr>
+          <p:cNvPr id="5" name="Picture 4"/>
+          <p:cNvPicPr>
+            <a:picLocks noChangeAspect="1"/>
+          </p:cNvPicPr>
+          <p:nvPr/>
+        </p:nvPicPr>
+        <p:blipFill>
+          <a:blip r:embed="rId3"/>
+          <a:stretch>
+            <a:fillRect/>
+          </a:stretch>
+        </p:blipFill>
+        <p:spPr>
+          <a:xfrm>
+            <a:off x="609600" y="4176786"/>
+            <a:ext cx="6567055" cy="2614350"/>
+          </a:xfrm>
+          <a:prstGeom prst="rect">
+            <a:avLst/>
+          </a:prstGeom>
+        </p:spPr>
+      </p:pic>
+      <mc:AlternateContent xmlns:mc="http://schemas.openxmlformats.org/markup-compatibility/2006" xmlns:a14="http://schemas.microsoft.com/office/drawing/2010/main">
+        <mc:Choice Requires="a14">
+          <p:sp>
+            <p:nvSpPr>
+              <p:cNvPr id="7" name="TextBox 6"/>
+              <p:cNvSpPr txBox="1"/>
+              <p:nvPr/>
+            </p:nvSpPr>
+            <p:spPr>
+              <a:xfrm>
+                <a:off x="7363690" y="4783293"/>
+                <a:ext cx="4301837" cy="1788246"/>
+              </a:xfrm>
+              <a:prstGeom prst="rect">
+                <a:avLst/>
+              </a:prstGeom>
+              <a:noFill/>
+            </p:spPr>
+            <p:txBody>
+              <a:bodyPr wrap="square" rtlCol="0">
+                <a:spAutoFit/>
+              </a:bodyPr>
+              <a:lstStyle/>
+              <a:p>
+                <a:pPr marL="342900" indent="-342900">
+                  <a:buAutoNum type="alphaUcParenR"/>
+                </a:pPr>
+                <a:r>
+                  <a:rPr lang="en-CA" dirty="0" smtClean="0"/>
+                  <a:t>Transformation function, often called the logit transform or logit function. </a:t>
+                </a:r>
+                <a14:m>
+                  <m:oMath xmlns:m="http://schemas.openxmlformats.org/officeDocument/2006/math">
+                    <m:r>
+                      <m:rPr>
+                        <m:sty m:val="p"/>
+                      </m:rPr>
+                      <a:rPr lang="en-CA" b="0" i="0" smtClean="0">
+                        <a:latin typeface="Cambria Math" panose="02040503050406030204" pitchFamily="18" charset="0"/>
+                      </a:rPr>
+                      <m:t>logit</m:t>
+                    </m:r>
+                    <m:d>
+                      <m:dPr>
+                        <m:ctrlPr>
+                          <a:rPr lang="en-CA" b="0" i="1" smtClean="0">
+                            <a:latin typeface="Cambria Math" panose="02040503050406030204" pitchFamily="18" charset="0"/>
+                          </a:rPr>
+                        </m:ctrlPr>
+                      </m:dPr>
+                      <m:e>
+                        <m:r>
+                          <m:rPr>
+                            <m:sty m:val="p"/>
+                          </m:rPr>
+                          <a:rPr lang="en-CA" b="0" i="0" smtClean="0">
+                            <a:latin typeface="Cambria Math" panose="02040503050406030204" pitchFamily="18" charset="0"/>
+                          </a:rPr>
+                          <m:t>x</m:t>
+                        </m:r>
+                      </m:e>
+                    </m:d>
+                    <m:r>
+                      <a:rPr lang="en-CA" b="0" i="0" smtClean="0">
+                        <a:latin typeface="Cambria Math" panose="02040503050406030204" pitchFamily="18" charset="0"/>
+                      </a:rPr>
+                      <m:t>= </m:t>
+                    </m:r>
+                    <m:f>
+                      <m:fPr>
+                        <m:type m:val="skw"/>
+                        <m:ctrlPr>
+                          <a:rPr lang="en-CA" b="0" i="1" smtClean="0">
+                            <a:latin typeface="Cambria Math" panose="02040503050406030204" pitchFamily="18" charset="0"/>
+                          </a:rPr>
+                        </m:ctrlPr>
+                      </m:fPr>
+                      <m:num>
+                        <m:r>
+                          <a:rPr lang="en-CA" b="0" i="1" smtClean="0">
+                            <a:latin typeface="Cambria Math" panose="02040503050406030204" pitchFamily="18" charset="0"/>
+                          </a:rPr>
+                          <m:t>𝑥</m:t>
+                        </m:r>
+                      </m:num>
+                      <m:den>
+                        <m:r>
+                          <a:rPr lang="en-CA" b="0" i="1" smtClean="0">
+                            <a:latin typeface="Cambria Math" panose="02040503050406030204" pitchFamily="18" charset="0"/>
+                          </a:rPr>
+                          <m:t>(1−</m:t>
+                        </m:r>
+                        <m:r>
+                          <a:rPr lang="en-CA" b="0" i="1" smtClean="0">
+                            <a:latin typeface="Cambria Math" panose="02040503050406030204" pitchFamily="18" charset="0"/>
+                          </a:rPr>
+                          <m:t>𝑥</m:t>
+                        </m:r>
+                        <m:r>
+                          <a:rPr lang="en-CA" b="0" i="1" smtClean="0">
+                            <a:latin typeface="Cambria Math" panose="02040503050406030204" pitchFamily="18" charset="0"/>
+                          </a:rPr>
+                          <m:t>)</m:t>
+                        </m:r>
+                      </m:den>
+                    </m:f>
+                  </m:oMath>
+                </a14:m>
+                <a:endParaRPr lang="en-CA" dirty="0" smtClean="0"/>
+              </a:p>
+              <a:p>
+                <a:pPr marL="342900" indent="-342900">
+                  <a:buAutoNum type="alphaUcParenR"/>
+                </a:pPr>
+                <a:r>
+                  <a:rPr lang="en-CA" dirty="0" smtClean="0"/>
+                  <a:t>One-dimensional logistic regression function, inverse of logit function</a:t>
+                </a:r>
+              </a:p>
+              <a:p>
+                <a:r>
+                  <a:rPr lang="en-CA" dirty="0">
+                    <a:latin typeface="Cambria Math" panose="02040503050406030204" pitchFamily="18" charset="0"/>
+                    <a:ea typeface="Cambria Math" panose="02040503050406030204" pitchFamily="18" charset="0"/>
+                  </a:rPr>
+                  <a:t>	</a:t>
+                </a:r>
+                <a:r>
+                  <a:rPr lang="en-CA" dirty="0" smtClean="0">
+                    <a:latin typeface="Cambria Math" panose="02040503050406030204" pitchFamily="18" charset="0"/>
+                    <a:ea typeface="Cambria Math" panose="02040503050406030204" pitchFamily="18" charset="0"/>
+                  </a:rPr>
+                  <a:t>w</a:t>
+                </a:r>
+                <a:r>
+                  <a:rPr lang="en-CA" baseline="-25000" dirty="0" smtClean="0">
+                    <a:latin typeface="Cambria Math" panose="02040503050406030204" pitchFamily="18" charset="0"/>
+                    <a:ea typeface="Cambria Math" panose="02040503050406030204" pitchFamily="18" charset="0"/>
+                  </a:rPr>
+                  <a:t>0</a:t>
+                </a:r>
+                <a:r>
+                  <a:rPr lang="en-CA" dirty="0" smtClean="0">
+                    <a:latin typeface="Cambria Math" panose="02040503050406030204" pitchFamily="18" charset="0"/>
+                    <a:ea typeface="Cambria Math" panose="02040503050406030204" pitchFamily="18" charset="0"/>
+                  </a:rPr>
+                  <a:t>=-1.25, w</a:t>
+                </a:r>
+                <a:r>
+                  <a:rPr lang="en-CA" baseline="-25000" dirty="0" smtClean="0">
+                    <a:latin typeface="Cambria Math" panose="02040503050406030204" pitchFamily="18" charset="0"/>
+                    <a:ea typeface="Cambria Math" panose="02040503050406030204" pitchFamily="18" charset="0"/>
+                  </a:rPr>
+                  <a:t>1</a:t>
+                </a:r>
+                <a:r>
+                  <a:rPr lang="en-CA" dirty="0" smtClean="0">
+                    <a:latin typeface="Cambria Math" panose="02040503050406030204" pitchFamily="18" charset="0"/>
+                    <a:ea typeface="Cambria Math" panose="02040503050406030204" pitchFamily="18" charset="0"/>
+                  </a:rPr>
+                  <a:t>=0.5</a:t>
+                </a:r>
+                <a:endParaRPr lang="en-CA" dirty="0">
+                  <a:latin typeface="Cambria Math" panose="02040503050406030204" pitchFamily="18" charset="0"/>
+                  <a:ea typeface="Cambria Math" panose="02040503050406030204" pitchFamily="18" charset="0"/>
+                </a:endParaRPr>
+              </a:p>
+            </p:txBody>
+          </p:sp>
+        </mc:Choice>
+        <mc:Fallback xmlns="">
+          <p:sp>
+            <p:nvSpPr>
+              <p:cNvPr id="7" name="TextBox 6"/>
+              <p:cNvSpPr txBox="1">
+                <a:spLocks noRot="1" noChangeAspect="1" noMove="1" noResize="1" noEditPoints="1" noAdjustHandles="1" noChangeArrowheads="1" noChangeShapeType="1" noTextEdit="1"/>
+              </p:cNvSpPr>
+              <p:nvPr/>
+            </p:nvSpPr>
+            <p:spPr>
+              <a:xfrm>
+                <a:off x="7363690" y="4783293"/>
+                <a:ext cx="4301837" cy="1788246"/>
+              </a:xfrm>
+              <a:prstGeom prst="rect">
+                <a:avLst/>
+              </a:prstGeom>
+              <a:blipFill>
+                <a:blip r:embed="rId4"/>
+                <a:stretch>
+                  <a:fillRect l="-1275" t="-2048" b="-4778"/>
+                </a:stretch>
+              </a:blipFill>
+            </p:spPr>
+            <p:txBody>
+              <a:bodyPr/>
+              <a:lstStyle/>
+              <a:p>
+                <a:r>
+                  <a:rPr lang="en-CA">
+                    <a:noFill/>
+                  </a:rPr>
+                  <a:t> </a:t>
+                </a:r>
+              </a:p>
+            </p:txBody>
+          </p:sp>
+        </mc:Fallback>
+      </mc:AlternateContent>
+    </p:spTree>
+    <p:extLst>
+      <p:ext uri="{BB962C8B-B14F-4D97-AF65-F5344CB8AC3E}">
+        <p14:creationId xmlns:p14="http://schemas.microsoft.com/office/powerpoint/2010/main" val="313559509"/>
       </p:ext>
     </p:extLst>
   </p:cSld>

--- a/Lecture_08.pptx
+++ b/Lecture_08.pptx
@@ -13,12 +13,14 @@
     <p:sldId id="260" r:id="rId7"/>
     <p:sldId id="266" r:id="rId8"/>
     <p:sldId id="270" r:id="rId9"/>
-    <p:sldId id="262" r:id="rId10"/>
-    <p:sldId id="268" r:id="rId11"/>
-    <p:sldId id="265" r:id="rId12"/>
-    <p:sldId id="264" r:id="rId13"/>
-    <p:sldId id="263" r:id="rId14"/>
-    <p:sldId id="269" r:id="rId15"/>
+    <p:sldId id="271" r:id="rId10"/>
+    <p:sldId id="262" r:id="rId11"/>
+    <p:sldId id="272" r:id="rId12"/>
+    <p:sldId id="268" r:id="rId13"/>
+    <p:sldId id="265" r:id="rId14"/>
+    <p:sldId id="264" r:id="rId15"/>
+    <p:sldId id="263" r:id="rId16"/>
+    <p:sldId id="269" r:id="rId17"/>
   </p:sldIdLst>
   <p:sldSz cx="12192000" cy="6858000"/>
   <p:notesSz cx="6858000" cy="9144000"/>
@@ -256,7 +258,7 @@
           <a:p>
             <a:fld id="{B7545E61-968A-408A-8F46-894281D3BC8F}" type="datetimeFigureOut">
               <a:rPr lang="en-CA" smtClean="0"/>
-              <a:t>2019-09-19</a:t>
+              <a:t>2019-09-20</a:t>
             </a:fld>
             <a:endParaRPr lang="en-CA"/>
           </a:p>
@@ -426,7 +428,7 @@
           <a:p>
             <a:fld id="{B7545E61-968A-408A-8F46-894281D3BC8F}" type="datetimeFigureOut">
               <a:rPr lang="en-CA" smtClean="0"/>
-              <a:t>2019-09-19</a:t>
+              <a:t>2019-09-20</a:t>
             </a:fld>
             <a:endParaRPr lang="en-CA"/>
           </a:p>
@@ -606,7 +608,7 @@
           <a:p>
             <a:fld id="{B7545E61-968A-408A-8F46-894281D3BC8F}" type="datetimeFigureOut">
               <a:rPr lang="en-CA" smtClean="0"/>
-              <a:t>2019-09-19</a:t>
+              <a:t>2019-09-20</a:t>
             </a:fld>
             <a:endParaRPr lang="en-CA"/>
           </a:p>
@@ -776,7 +778,7 @@
           <a:p>
             <a:fld id="{B7545E61-968A-408A-8F46-894281D3BC8F}" type="datetimeFigureOut">
               <a:rPr lang="en-CA" smtClean="0"/>
-              <a:t>2019-09-19</a:t>
+              <a:t>2019-09-20</a:t>
             </a:fld>
             <a:endParaRPr lang="en-CA"/>
           </a:p>
@@ -1022,7 +1024,7 @@
           <a:p>
             <a:fld id="{B7545E61-968A-408A-8F46-894281D3BC8F}" type="datetimeFigureOut">
               <a:rPr lang="en-CA" smtClean="0"/>
-              <a:t>2019-09-19</a:t>
+              <a:t>2019-09-20</a:t>
             </a:fld>
             <a:endParaRPr lang="en-CA"/>
           </a:p>
@@ -1254,7 +1256,7 @@
           <a:p>
             <a:fld id="{B7545E61-968A-408A-8F46-894281D3BC8F}" type="datetimeFigureOut">
               <a:rPr lang="en-CA" smtClean="0"/>
-              <a:t>2019-09-19</a:t>
+              <a:t>2019-09-20</a:t>
             </a:fld>
             <a:endParaRPr lang="en-CA"/>
           </a:p>
@@ -1621,7 +1623,7 @@
           <a:p>
             <a:fld id="{B7545E61-968A-408A-8F46-894281D3BC8F}" type="datetimeFigureOut">
               <a:rPr lang="en-CA" smtClean="0"/>
-              <a:t>2019-09-19</a:t>
+              <a:t>2019-09-20</a:t>
             </a:fld>
             <a:endParaRPr lang="en-CA"/>
           </a:p>
@@ -1739,7 +1741,7 @@
           <a:p>
             <a:fld id="{B7545E61-968A-408A-8F46-894281D3BC8F}" type="datetimeFigureOut">
               <a:rPr lang="en-CA" smtClean="0"/>
-              <a:t>2019-09-19</a:t>
+              <a:t>2019-09-20</a:t>
             </a:fld>
             <a:endParaRPr lang="en-CA"/>
           </a:p>
@@ -1834,7 +1836,7 @@
           <a:p>
             <a:fld id="{B7545E61-968A-408A-8F46-894281D3BC8F}" type="datetimeFigureOut">
               <a:rPr lang="en-CA" smtClean="0"/>
-              <a:t>2019-09-19</a:t>
+              <a:t>2019-09-20</a:t>
             </a:fld>
             <a:endParaRPr lang="en-CA"/>
           </a:p>
@@ -2111,7 +2113,7 @@
           <a:p>
             <a:fld id="{B7545E61-968A-408A-8F46-894281D3BC8F}" type="datetimeFigureOut">
               <a:rPr lang="en-CA" smtClean="0"/>
-              <a:t>2019-09-19</a:t>
+              <a:t>2019-09-20</a:t>
             </a:fld>
             <a:endParaRPr lang="en-CA"/>
           </a:p>
@@ -2364,7 +2366,7 @@
           <a:p>
             <a:fld id="{B7545E61-968A-408A-8F46-894281D3BC8F}" type="datetimeFigureOut">
               <a:rPr lang="en-CA" smtClean="0"/>
-              <a:t>2019-09-19</a:t>
+              <a:t>2019-09-20</a:t>
             </a:fld>
             <a:endParaRPr lang="en-CA"/>
           </a:p>
@@ -2577,7 +2579,7 @@
           <a:p>
             <a:fld id="{B7545E61-968A-408A-8F46-894281D3BC8F}" type="datetimeFigureOut">
               <a:rPr lang="en-CA" smtClean="0"/>
-              <a:t>2019-09-19</a:t>
+              <a:t>2019-09-20</a:t>
             </a:fld>
             <a:endParaRPr lang="en-CA"/>
           </a:p>
@@ -3082,6 +3084,2352 @@
             <p:ph type="title"/>
           </p:nvPr>
         </p:nvSpPr>
+        <p:spPr>
+          <a:xfrm>
+            <a:off x="0" y="0"/>
+            <a:ext cx="11998036" cy="554182"/>
+          </a:xfrm>
+        </p:spPr>
+        <p:txBody>
+          <a:bodyPr>
+            <a:normAutofit fontScale="90000"/>
+          </a:bodyPr>
+          <a:lstStyle/>
+          <a:p>
+            <a:r>
+              <a:rPr lang="en-CA" dirty="0" smtClean="0"/>
+              <a:t>Logistic Regression and the Logit transformation</a:t>
+            </a:r>
+            <a:endParaRPr lang="en-CA" dirty="0"/>
+          </a:p>
+        </p:txBody>
+      </p:sp>
+      <mc:AlternateContent xmlns:mc="http://schemas.openxmlformats.org/markup-compatibility/2006" xmlns:a14="http://schemas.microsoft.com/office/drawing/2010/main">
+        <mc:Choice Requires="a14">
+          <p:sp>
+            <p:nvSpPr>
+              <p:cNvPr id="3" name="Content Placeholder 2"/>
+              <p:cNvSpPr>
+                <a:spLocks noGrp="1"/>
+              </p:cNvSpPr>
+              <p:nvPr>
+                <p:ph idx="1"/>
+              </p:nvPr>
+            </p:nvSpPr>
+            <p:spPr>
+              <a:xfrm>
+                <a:off x="1" y="554181"/>
+                <a:ext cx="12192000" cy="3975597"/>
+              </a:xfrm>
+            </p:spPr>
+            <p:txBody>
+              <a:bodyPr>
+                <a:normAutofit fontScale="85000" lnSpcReduction="20000"/>
+              </a:bodyPr>
+              <a:lstStyle/>
+              <a:p>
+                <a:r>
+                  <a:rPr lang="en-CA" dirty="0" smtClean="0"/>
+                  <a:t>Instead of approximating 0 and 1 values directly (thereby risking illegitimate probability values), </a:t>
+                </a:r>
+                <a:r>
+                  <a:rPr lang="en-CA" b="1" dirty="0" smtClean="0"/>
+                  <a:t>logistic regression builds a linear model based on a transformed target variable</a:t>
+                </a:r>
+              </a:p>
+              <a:p>
+                <a:r>
+                  <a:rPr lang="en-CA" dirty="0"/>
+                  <a:t>Suppose there are only 2 classes, logistic regression replaces the original target variable: </a:t>
+                </a:r>
+                <a:br>
+                  <a:rPr lang="en-CA" dirty="0"/>
+                </a:br>
+                <a:r>
+                  <a:rPr lang="en-CA" dirty="0"/>
+                  <a:t>	</a:t>
+                </a:r>
+                <a14:m>
+                  <m:oMath xmlns:m="http://schemas.openxmlformats.org/officeDocument/2006/math">
+                    <m:r>
+                      <m:rPr>
+                        <m:sty m:val="p"/>
+                      </m:rPr>
+                      <a:rPr lang="en-CA" b="0" i="0" smtClean="0">
+                        <a:latin typeface="Cambria Math" panose="02040503050406030204" pitchFamily="18" charset="0"/>
+                      </a:rPr>
+                      <m:t>p</m:t>
+                    </m:r>
+                    <m:r>
+                      <a:rPr lang="en-CA" i="1">
+                        <a:latin typeface="Cambria Math" panose="02040503050406030204" pitchFamily="18" charset="0"/>
+                      </a:rPr>
+                      <m:t>(1|</m:t>
+                    </m:r>
+                    <m:r>
+                      <a:rPr lang="en-CA" i="1">
+                        <a:latin typeface="Cambria Math" panose="02040503050406030204" pitchFamily="18" charset="0"/>
+                      </a:rPr>
+                      <m:t>𝑎</m:t>
+                    </m:r>
+                    <m:r>
+                      <a:rPr lang="en-CA" i="1" baseline="-25000">
+                        <a:latin typeface="Cambria Math" panose="02040503050406030204" pitchFamily="18" charset="0"/>
+                      </a:rPr>
+                      <m:t>1</m:t>
+                    </m:r>
+                    <m:r>
+                      <a:rPr lang="en-CA" i="1">
+                        <a:latin typeface="Cambria Math" panose="02040503050406030204" pitchFamily="18" charset="0"/>
+                      </a:rPr>
+                      <m:t>,</m:t>
+                    </m:r>
+                    <m:r>
+                      <a:rPr lang="en-CA" i="1">
+                        <a:latin typeface="Cambria Math" panose="02040503050406030204" pitchFamily="18" charset="0"/>
+                      </a:rPr>
+                      <m:t>𝑎</m:t>
+                    </m:r>
+                    <m:r>
+                      <a:rPr lang="en-CA" i="1" baseline="-25000">
+                        <a:latin typeface="Cambria Math" panose="02040503050406030204" pitchFamily="18" charset="0"/>
+                      </a:rPr>
+                      <m:t>2</m:t>
+                    </m:r>
+                    <m:r>
+                      <a:rPr lang="en-CA" i="1">
+                        <a:latin typeface="Cambria Math" panose="02040503050406030204" pitchFamily="18" charset="0"/>
+                      </a:rPr>
+                      <m:t>,…</m:t>
+                    </m:r>
+                    <m:r>
+                      <a:rPr lang="en-CA" i="1">
+                        <a:latin typeface="Cambria Math" panose="02040503050406030204" pitchFamily="18" charset="0"/>
+                      </a:rPr>
+                      <m:t>𝑎𝑘</m:t>
+                    </m:r>
+                    <m:r>
+                      <a:rPr lang="en-CA" i="1">
+                        <a:latin typeface="Cambria Math" panose="02040503050406030204" pitchFamily="18" charset="0"/>
+                      </a:rPr>
+                      <m:t>)</m:t>
+                    </m:r>
+                  </m:oMath>
+                </a14:m>
+                <a:r>
+                  <a:rPr lang="en-CA" dirty="0"/>
+                  <a:t> </a:t>
+                </a:r>
+                <a:r>
+                  <a:rPr lang="en-CA" sz="2400" dirty="0" smtClean="0"/>
+                  <a:t>(cannot be approximated accurately using a linear function)</a:t>
+                </a:r>
+                <a:r>
+                  <a:rPr lang="en-CA" dirty="0" smtClean="0"/>
+                  <a:t/>
+                </a:r>
+                <a:br>
+                  <a:rPr lang="en-CA" dirty="0" smtClean="0"/>
+                </a:br>
+                <a:r>
+                  <a:rPr lang="en-CA" dirty="0" smtClean="0"/>
+                  <a:t>	by:</a:t>
+                </a:r>
+                <a:br>
+                  <a:rPr lang="en-CA" dirty="0" smtClean="0"/>
+                </a:br>
+                <a:r>
+                  <a:rPr lang="en-CA" dirty="0"/>
+                  <a:t>	</a:t>
+                </a:r>
+                <a:r>
+                  <a:rPr lang="en-CA" dirty="0" smtClean="0"/>
+                  <a:t>	 </a:t>
+                </a:r>
+                <a14:m>
+                  <m:oMath xmlns:m="http://schemas.openxmlformats.org/officeDocument/2006/math">
+                    <m:r>
+                      <m:rPr>
+                        <m:sty m:val="p"/>
+                      </m:rPr>
+                      <a:rPr lang="en-CA">
+                        <a:latin typeface="Cambria Math" panose="02040503050406030204" pitchFamily="18" charset="0"/>
+                      </a:rPr>
+                      <m:t>log</m:t>
+                    </m:r>
+                    <m:r>
+                      <a:rPr lang="en-CA" i="1">
+                        <a:latin typeface="Cambria Math" panose="02040503050406030204" pitchFamily="18" charset="0"/>
+                      </a:rPr>
+                      <m:t>⁡(</m:t>
+                    </m:r>
+                    <m:f>
+                      <m:fPr>
+                        <m:ctrlPr>
+                          <a:rPr lang="en-CA" i="1">
+                            <a:latin typeface="Cambria Math" panose="02040503050406030204" pitchFamily="18" charset="0"/>
+                          </a:rPr>
+                        </m:ctrlPr>
+                      </m:fPr>
+                      <m:num>
+                        <m:r>
+                          <a:rPr lang="en-CA" b="0" i="1" smtClean="0">
+                            <a:latin typeface="Cambria Math" panose="02040503050406030204" pitchFamily="18" charset="0"/>
+                          </a:rPr>
+                          <m:t>𝑝</m:t>
+                        </m:r>
+                        <m:d>
+                          <m:dPr>
+                            <m:ctrlPr>
+                              <a:rPr lang="en-CA" i="1">
+                                <a:latin typeface="Cambria Math" panose="02040503050406030204" pitchFamily="18" charset="0"/>
+                              </a:rPr>
+                            </m:ctrlPr>
+                          </m:dPr>
+                          <m:e>
+                            <m:r>
+                              <a:rPr lang="en-CA" i="1">
+                                <a:latin typeface="Cambria Math" panose="02040503050406030204" pitchFamily="18" charset="0"/>
+                              </a:rPr>
+                              <m:t>1</m:t>
+                            </m:r>
+                          </m:e>
+                          <m:e>
+                            <m:r>
+                              <a:rPr lang="en-CA" i="1">
+                                <a:latin typeface="Cambria Math" panose="02040503050406030204" pitchFamily="18" charset="0"/>
+                              </a:rPr>
+                              <m:t>𝑎</m:t>
+                            </m:r>
+                            <m:r>
+                              <a:rPr lang="en-CA" i="1" baseline="-25000">
+                                <a:latin typeface="Cambria Math" panose="02040503050406030204" pitchFamily="18" charset="0"/>
+                              </a:rPr>
+                              <m:t>1</m:t>
+                            </m:r>
+                            <m:r>
+                              <a:rPr lang="en-CA" i="1">
+                                <a:latin typeface="Cambria Math" panose="02040503050406030204" pitchFamily="18" charset="0"/>
+                              </a:rPr>
+                              <m:t>,</m:t>
+                            </m:r>
+                            <m:r>
+                              <a:rPr lang="en-CA" i="1">
+                                <a:latin typeface="Cambria Math" panose="02040503050406030204" pitchFamily="18" charset="0"/>
+                              </a:rPr>
+                              <m:t>𝑎</m:t>
+                            </m:r>
+                            <m:r>
+                              <a:rPr lang="en-CA" i="1" baseline="-25000">
+                                <a:latin typeface="Cambria Math" panose="02040503050406030204" pitchFamily="18" charset="0"/>
+                              </a:rPr>
+                              <m:t>2</m:t>
+                            </m:r>
+                            <m:r>
+                              <a:rPr lang="en-CA" i="1">
+                                <a:latin typeface="Cambria Math" panose="02040503050406030204" pitchFamily="18" charset="0"/>
+                              </a:rPr>
+                              <m:t>,…</m:t>
+                            </m:r>
+                            <m:r>
+                              <a:rPr lang="en-CA" i="1">
+                                <a:latin typeface="Cambria Math" panose="02040503050406030204" pitchFamily="18" charset="0"/>
+                              </a:rPr>
+                              <m:t>𝑎𝑘</m:t>
+                            </m:r>
+                          </m:e>
+                        </m:d>
+                      </m:num>
+                      <m:den>
+                        <m:r>
+                          <a:rPr lang="en-CA" i="1">
+                            <a:latin typeface="Cambria Math" panose="02040503050406030204" pitchFamily="18" charset="0"/>
+                          </a:rPr>
+                          <m:t>1−</m:t>
+                        </m:r>
+                        <m:r>
+                          <a:rPr lang="en-CA" b="0" i="1" smtClean="0">
+                            <a:latin typeface="Cambria Math" panose="02040503050406030204" pitchFamily="18" charset="0"/>
+                          </a:rPr>
+                          <m:t>𝑝</m:t>
+                        </m:r>
+                        <m:d>
+                          <m:dPr>
+                            <m:ctrlPr>
+                              <a:rPr lang="en-CA" i="1">
+                                <a:latin typeface="Cambria Math" panose="02040503050406030204" pitchFamily="18" charset="0"/>
+                              </a:rPr>
+                            </m:ctrlPr>
+                          </m:dPr>
+                          <m:e>
+                            <m:r>
+                              <a:rPr lang="en-CA" i="1">
+                                <a:latin typeface="Cambria Math" panose="02040503050406030204" pitchFamily="18" charset="0"/>
+                              </a:rPr>
+                              <m:t>1</m:t>
+                            </m:r>
+                          </m:e>
+                          <m:e>
+                            <m:r>
+                              <a:rPr lang="en-CA" i="1">
+                                <a:latin typeface="Cambria Math" panose="02040503050406030204" pitchFamily="18" charset="0"/>
+                              </a:rPr>
+                              <m:t>𝑎</m:t>
+                            </m:r>
+                            <m:r>
+                              <a:rPr lang="en-CA" i="1" baseline="-25000">
+                                <a:latin typeface="Cambria Math" panose="02040503050406030204" pitchFamily="18" charset="0"/>
+                              </a:rPr>
+                              <m:t>1</m:t>
+                            </m:r>
+                            <m:r>
+                              <a:rPr lang="en-CA" i="1">
+                                <a:latin typeface="Cambria Math" panose="02040503050406030204" pitchFamily="18" charset="0"/>
+                              </a:rPr>
+                              <m:t>,</m:t>
+                            </m:r>
+                            <m:r>
+                              <a:rPr lang="en-CA" i="1">
+                                <a:latin typeface="Cambria Math" panose="02040503050406030204" pitchFamily="18" charset="0"/>
+                              </a:rPr>
+                              <m:t>𝑎</m:t>
+                            </m:r>
+                            <m:r>
+                              <a:rPr lang="en-CA" i="1" baseline="-25000">
+                                <a:latin typeface="Cambria Math" panose="02040503050406030204" pitchFamily="18" charset="0"/>
+                              </a:rPr>
+                              <m:t>2</m:t>
+                            </m:r>
+                            <m:r>
+                              <a:rPr lang="en-CA" i="1">
+                                <a:latin typeface="Cambria Math" panose="02040503050406030204" pitchFamily="18" charset="0"/>
+                              </a:rPr>
+                              <m:t>,…</m:t>
+                            </m:r>
+                            <m:r>
+                              <a:rPr lang="en-CA" i="1">
+                                <a:latin typeface="Cambria Math" panose="02040503050406030204" pitchFamily="18" charset="0"/>
+                              </a:rPr>
+                              <m:t>𝑎𝑘</m:t>
+                            </m:r>
+                          </m:e>
+                        </m:d>
+                      </m:den>
+                    </m:f>
+                    <m:r>
+                      <a:rPr lang="en-CA" i="1">
+                        <a:latin typeface="Cambria Math" panose="02040503050406030204" pitchFamily="18" charset="0"/>
+                      </a:rPr>
+                      <m:t>)</m:t>
+                    </m:r>
+                  </m:oMath>
+                </a14:m>
+                <a:r>
+                  <a:rPr lang="en-CA" dirty="0" smtClean="0"/>
+                  <a:t> (logit function)</a:t>
+                </a:r>
+                <a:endParaRPr lang="en-CA" dirty="0"/>
+              </a:p>
+              <a:p>
+                <a:r>
+                  <a:rPr lang="en-CA" dirty="0" smtClean="0"/>
+                  <a:t>Resulting values no longer constrained to interval </a:t>
+                </a:r>
+                <a:r>
+                  <a:rPr lang="en-CA" dirty="0" smtClean="0">
+                    <a:latin typeface="Cambria Math" panose="02040503050406030204" pitchFamily="18" charset="0"/>
+                    <a:ea typeface="Cambria Math" panose="02040503050406030204" pitchFamily="18" charset="0"/>
+                  </a:rPr>
+                  <a:t>[0,1], </a:t>
+                </a:r>
+                <a:r>
+                  <a:rPr lang="en-CA" dirty="0" smtClean="0"/>
+                  <a:t>can instead lie from </a:t>
+                </a:r>
+                <a14:m>
+                  <m:oMath xmlns:m="http://schemas.openxmlformats.org/officeDocument/2006/math">
+                    <m:r>
+                      <a:rPr lang="en-CA" b="0" i="0" smtClean="0">
+                        <a:latin typeface="Cambria Math" panose="02040503050406030204" pitchFamily="18" charset="0"/>
+                        <a:ea typeface="Cambria Math" panose="02040503050406030204" pitchFamily="18" charset="0"/>
+                      </a:rPr>
+                      <m:t>[−</m:t>
+                    </m:r>
+                    <m:r>
+                      <a:rPr lang="en-CA" i="1" smtClean="0">
+                        <a:latin typeface="Cambria Math" panose="02040503050406030204" pitchFamily="18" charset="0"/>
+                        <a:ea typeface="Cambria Math" panose="02040503050406030204" pitchFamily="18" charset="0"/>
+                      </a:rPr>
+                      <m:t>∞</m:t>
+                    </m:r>
+                    <m:r>
+                      <a:rPr lang="en-CA" b="0" i="1" smtClean="0">
+                        <a:latin typeface="Cambria Math" panose="02040503050406030204" pitchFamily="18" charset="0"/>
+                        <a:ea typeface="Cambria Math" panose="02040503050406030204" pitchFamily="18" charset="0"/>
+                      </a:rPr>
+                      <m:t>,∞]</m:t>
+                    </m:r>
+                  </m:oMath>
+                </a14:m>
+                <a:endParaRPr lang="en-CA" dirty="0" smtClean="0"/>
+              </a:p>
+              <a:p>
+                <a:r>
+                  <a:rPr lang="en-CA" dirty="0" smtClean="0"/>
+                  <a:t>The transformed variable is approximated using a linear function just like the ones generated by linear regression</a:t>
+                </a:r>
+              </a:p>
+              <a:p>
+                <a:r>
+                  <a:rPr lang="en-CA" dirty="0" smtClean="0"/>
+                  <a:t>The resulting model is:</a:t>
+                </a:r>
+                <a:br>
+                  <a:rPr lang="en-CA" dirty="0" smtClean="0"/>
+                </a:br>
+                <a:r>
+                  <a:rPr lang="en-CA" dirty="0" smtClean="0"/>
+                  <a:t>		</a:t>
+                </a:r>
+                <a14:m>
+                  <m:oMath xmlns:m="http://schemas.openxmlformats.org/officeDocument/2006/math">
+                    <m:r>
+                      <m:rPr>
+                        <m:sty m:val="p"/>
+                      </m:rPr>
+                      <a:rPr lang="en-CA" b="0" i="0" smtClean="0">
+                        <a:latin typeface="Cambria Math" panose="02040503050406030204" pitchFamily="18" charset="0"/>
+                      </a:rPr>
+                      <m:t>p</m:t>
+                    </m:r>
+                    <m:d>
+                      <m:dPr>
+                        <m:ctrlPr>
+                          <a:rPr lang="en-CA" b="0" i="1" smtClean="0">
+                            <a:latin typeface="Cambria Math" panose="02040503050406030204" pitchFamily="18" charset="0"/>
+                          </a:rPr>
+                        </m:ctrlPr>
+                      </m:dPr>
+                      <m:e>
+                        <m:r>
+                          <a:rPr lang="en-CA" b="0" i="1" smtClean="0">
+                            <a:latin typeface="Cambria Math" panose="02040503050406030204" pitchFamily="18" charset="0"/>
+                          </a:rPr>
+                          <m:t>1</m:t>
+                        </m:r>
+                      </m:e>
+                      <m:e>
+                        <m:r>
+                          <a:rPr lang="en-CA" b="0" i="1" smtClean="0">
+                            <a:latin typeface="Cambria Math" panose="02040503050406030204" pitchFamily="18" charset="0"/>
+                          </a:rPr>
+                          <m:t>𝑎</m:t>
+                        </m:r>
+                        <m:r>
+                          <a:rPr lang="en-CA" b="0" i="1" baseline="-25000" smtClean="0">
+                            <a:latin typeface="Cambria Math" panose="02040503050406030204" pitchFamily="18" charset="0"/>
+                          </a:rPr>
+                          <m:t>1</m:t>
+                        </m:r>
+                        <m:r>
+                          <a:rPr lang="en-CA" b="0" i="1" smtClean="0">
+                            <a:latin typeface="Cambria Math" panose="02040503050406030204" pitchFamily="18" charset="0"/>
+                          </a:rPr>
+                          <m:t>,</m:t>
+                        </m:r>
+                        <m:r>
+                          <a:rPr lang="en-CA" b="0" i="1" smtClean="0">
+                            <a:latin typeface="Cambria Math" panose="02040503050406030204" pitchFamily="18" charset="0"/>
+                          </a:rPr>
+                          <m:t>𝑎</m:t>
+                        </m:r>
+                        <m:r>
+                          <a:rPr lang="en-CA" b="0" i="1" baseline="-25000" smtClean="0">
+                            <a:latin typeface="Cambria Math" panose="02040503050406030204" pitchFamily="18" charset="0"/>
+                          </a:rPr>
+                          <m:t>2</m:t>
+                        </m:r>
+                        <m:r>
+                          <a:rPr lang="en-CA" b="0" i="1" smtClean="0">
+                            <a:latin typeface="Cambria Math" panose="02040503050406030204" pitchFamily="18" charset="0"/>
+                          </a:rPr>
+                          <m:t>,…</m:t>
+                        </m:r>
+                        <m:r>
+                          <a:rPr lang="en-CA" b="0" i="1" smtClean="0">
+                            <a:latin typeface="Cambria Math" panose="02040503050406030204" pitchFamily="18" charset="0"/>
+                          </a:rPr>
+                          <m:t>𝑎𝑘</m:t>
+                        </m:r>
+                      </m:e>
+                    </m:d>
+                    <m:r>
+                      <a:rPr lang="en-CA" b="0" i="1" smtClean="0">
+                        <a:latin typeface="Cambria Math" panose="02040503050406030204" pitchFamily="18" charset="0"/>
+                      </a:rPr>
+                      <m:t>= </m:t>
+                    </m:r>
+                    <m:f>
+                      <m:fPr>
+                        <m:type m:val="lin"/>
+                        <m:ctrlPr>
+                          <a:rPr lang="en-CA" b="0" i="1" smtClean="0">
+                            <a:latin typeface="Cambria Math" panose="02040503050406030204" pitchFamily="18" charset="0"/>
+                          </a:rPr>
+                        </m:ctrlPr>
+                      </m:fPr>
+                      <m:num>
+                        <m:r>
+                          <a:rPr lang="en-CA" b="0" i="1" smtClean="0">
+                            <a:latin typeface="Cambria Math" panose="02040503050406030204" pitchFamily="18" charset="0"/>
+                          </a:rPr>
+                          <m:t>1</m:t>
+                        </m:r>
+                      </m:num>
+                      <m:den>
+                        <m:r>
+                          <a:rPr lang="en-CA" b="0" i="1" smtClean="0">
+                            <a:latin typeface="Cambria Math" panose="02040503050406030204" pitchFamily="18" charset="0"/>
+                          </a:rPr>
+                          <m:t>(1+</m:t>
+                        </m:r>
+                        <m:func>
+                          <m:funcPr>
+                            <m:ctrlPr>
+                              <a:rPr lang="en-CA" b="0" i="1" smtClean="0">
+                                <a:latin typeface="Cambria Math" panose="02040503050406030204" pitchFamily="18" charset="0"/>
+                              </a:rPr>
+                            </m:ctrlPr>
+                          </m:funcPr>
+                          <m:fName>
+                            <m:r>
+                              <m:rPr>
+                                <m:sty m:val="p"/>
+                              </m:rPr>
+                              <a:rPr lang="en-CA" b="0" i="0" smtClean="0">
+                                <a:latin typeface="Cambria Math" panose="02040503050406030204" pitchFamily="18" charset="0"/>
+                              </a:rPr>
+                              <m:t>exp</m:t>
+                            </m:r>
+                          </m:fName>
+                          <m:e>
+                            <m:d>
+                              <m:dPr>
+                                <m:ctrlPr>
+                                  <a:rPr lang="en-CA" b="0" i="1" smtClean="0">
+                                    <a:latin typeface="Cambria Math" panose="02040503050406030204" pitchFamily="18" charset="0"/>
+                                  </a:rPr>
+                                </m:ctrlPr>
+                              </m:dPr>
+                              <m:e>
+                                <m:r>
+                                  <a:rPr lang="en-CA" b="0" i="1" smtClean="0">
+                                    <a:latin typeface="Cambria Math" panose="02040503050406030204" pitchFamily="18" charset="0"/>
+                                  </a:rPr>
+                                  <m:t>−</m:t>
+                                </m:r>
+                                <m:r>
+                                  <a:rPr lang="en-CA" b="0" i="1" smtClean="0">
+                                    <a:latin typeface="Cambria Math" panose="02040503050406030204" pitchFamily="18" charset="0"/>
+                                  </a:rPr>
+                                  <m:t>𝑤</m:t>
+                                </m:r>
+                                <m:r>
+                                  <a:rPr lang="en-CA" b="0" i="1" baseline="-25000" smtClean="0">
+                                    <a:latin typeface="Cambria Math" panose="02040503050406030204" pitchFamily="18" charset="0"/>
+                                  </a:rPr>
+                                  <m:t>0</m:t>
+                                </m:r>
+                                <m:r>
+                                  <a:rPr lang="en-CA" b="0" i="1" smtClean="0">
+                                    <a:latin typeface="Cambria Math" panose="02040503050406030204" pitchFamily="18" charset="0"/>
+                                  </a:rPr>
+                                  <m:t>−</m:t>
+                                </m:r>
+                                <m:r>
+                                  <a:rPr lang="en-CA" b="0" i="1" smtClean="0">
+                                    <a:latin typeface="Cambria Math" panose="02040503050406030204" pitchFamily="18" charset="0"/>
+                                  </a:rPr>
+                                  <m:t>𝑤</m:t>
+                                </m:r>
+                                <m:r>
+                                  <a:rPr lang="en-CA" b="0" i="1" baseline="-25000" smtClean="0">
+                                    <a:latin typeface="Cambria Math" panose="02040503050406030204" pitchFamily="18" charset="0"/>
+                                  </a:rPr>
+                                  <m:t>1</m:t>
+                                </m:r>
+                                <m:r>
+                                  <a:rPr lang="en-CA" b="0" i="1" smtClean="0">
+                                    <a:latin typeface="Cambria Math" panose="02040503050406030204" pitchFamily="18" charset="0"/>
+                                  </a:rPr>
+                                  <m:t>𝑎</m:t>
+                                </m:r>
+                                <m:r>
+                                  <a:rPr lang="en-CA" b="0" i="1" baseline="-25000" smtClean="0">
+                                    <a:latin typeface="Cambria Math" panose="02040503050406030204" pitchFamily="18" charset="0"/>
+                                  </a:rPr>
+                                  <m:t>1</m:t>
+                                </m:r>
+                                <m:r>
+                                  <a:rPr lang="en-CA" b="0" i="1" smtClean="0">
+                                    <a:latin typeface="Cambria Math" panose="02040503050406030204" pitchFamily="18" charset="0"/>
+                                  </a:rPr>
+                                  <m:t>…−</m:t>
+                                </m:r>
+                                <m:r>
+                                  <a:rPr lang="en-CA" b="0" i="1" smtClean="0">
+                                    <a:latin typeface="Cambria Math" panose="02040503050406030204" pitchFamily="18" charset="0"/>
+                                  </a:rPr>
+                                  <m:t>𝑤𝑘𝑎𝑘</m:t>
+                                </m:r>
+                              </m:e>
+                            </m:d>
+                          </m:e>
+                        </m:func>
+                        <m:r>
+                          <a:rPr lang="en-CA" b="0" i="1" smtClean="0">
+                            <a:latin typeface="Cambria Math" panose="02040503050406030204" pitchFamily="18" charset="0"/>
+                          </a:rPr>
+                          <m:t>)</m:t>
+                        </m:r>
+                      </m:den>
+                    </m:f>
+                  </m:oMath>
+                </a14:m>
+                <a:endParaRPr lang="en-CA" dirty="0"/>
+              </a:p>
+            </p:txBody>
+          </p:sp>
+        </mc:Choice>
+        <mc:Fallback xmlns="">
+          <p:sp>
+            <p:nvSpPr>
+              <p:cNvPr id="3" name="Content Placeholder 2"/>
+              <p:cNvSpPr>
+                <a:spLocks noGrp="1" noRot="1" noChangeAspect="1" noMove="1" noResize="1" noEditPoints="1" noAdjustHandles="1" noChangeArrowheads="1" noChangeShapeType="1" noTextEdit="1"/>
+              </p:cNvSpPr>
+              <p:nvPr>
+                <p:ph idx="1"/>
+              </p:nvPr>
+            </p:nvSpPr>
+            <p:spPr>
+              <a:xfrm>
+                <a:off x="1" y="554181"/>
+                <a:ext cx="12192000" cy="3975597"/>
+              </a:xfrm>
+              <a:blipFill>
+                <a:blip r:embed="rId2"/>
+                <a:stretch>
+                  <a:fillRect l="-650" t="-3528" b="-14110"/>
+                </a:stretch>
+              </a:blipFill>
+            </p:spPr>
+            <p:txBody>
+              <a:bodyPr/>
+              <a:lstStyle/>
+              <a:p>
+                <a:r>
+                  <a:rPr lang="en-CA">
+                    <a:noFill/>
+                  </a:rPr>
+                  <a:t> </a:t>
+                </a:r>
+              </a:p>
+            </p:txBody>
+          </p:sp>
+        </mc:Fallback>
+      </mc:AlternateContent>
+      <p:pic>
+        <p:nvPicPr>
+          <p:cNvPr id="5" name="Picture 4"/>
+          <p:cNvPicPr>
+            <a:picLocks noChangeAspect="1"/>
+          </p:cNvPicPr>
+          <p:nvPr/>
+        </p:nvPicPr>
+        <p:blipFill>
+          <a:blip r:embed="rId3"/>
+          <a:stretch>
+            <a:fillRect/>
+          </a:stretch>
+        </p:blipFill>
+        <p:spPr>
+          <a:xfrm>
+            <a:off x="609600" y="4176786"/>
+            <a:ext cx="6567055" cy="2614350"/>
+          </a:xfrm>
+          <a:prstGeom prst="rect">
+            <a:avLst/>
+          </a:prstGeom>
+        </p:spPr>
+      </p:pic>
+      <mc:AlternateContent xmlns:mc="http://schemas.openxmlformats.org/markup-compatibility/2006" xmlns:a14="http://schemas.microsoft.com/office/drawing/2010/main">
+        <mc:Choice Requires="a14">
+          <p:sp>
+            <p:nvSpPr>
+              <p:cNvPr id="7" name="TextBox 6"/>
+              <p:cNvSpPr txBox="1"/>
+              <p:nvPr/>
+            </p:nvSpPr>
+            <p:spPr>
+              <a:xfrm>
+                <a:off x="7363690" y="4783293"/>
+                <a:ext cx="4301837" cy="1788246"/>
+              </a:xfrm>
+              <a:prstGeom prst="rect">
+                <a:avLst/>
+              </a:prstGeom>
+              <a:noFill/>
+            </p:spPr>
+            <p:txBody>
+              <a:bodyPr wrap="square" rtlCol="0">
+                <a:spAutoFit/>
+              </a:bodyPr>
+              <a:lstStyle/>
+              <a:p>
+                <a:pPr marL="342900" indent="-342900">
+                  <a:buAutoNum type="alphaUcParenR"/>
+                </a:pPr>
+                <a:r>
+                  <a:rPr lang="en-CA" dirty="0" smtClean="0"/>
+                  <a:t>Transformation function, often called the logit transform or logit function. </a:t>
+                </a:r>
+                <a14:m>
+                  <m:oMath xmlns:m="http://schemas.openxmlformats.org/officeDocument/2006/math">
+                    <m:r>
+                      <m:rPr>
+                        <m:sty m:val="p"/>
+                      </m:rPr>
+                      <a:rPr lang="en-CA" b="0" i="0" smtClean="0">
+                        <a:latin typeface="Cambria Math" panose="02040503050406030204" pitchFamily="18" charset="0"/>
+                      </a:rPr>
+                      <m:t>logit</m:t>
+                    </m:r>
+                    <m:d>
+                      <m:dPr>
+                        <m:ctrlPr>
+                          <a:rPr lang="en-CA" b="0" i="1" smtClean="0">
+                            <a:latin typeface="Cambria Math" panose="02040503050406030204" pitchFamily="18" charset="0"/>
+                          </a:rPr>
+                        </m:ctrlPr>
+                      </m:dPr>
+                      <m:e>
+                        <m:r>
+                          <m:rPr>
+                            <m:sty m:val="p"/>
+                          </m:rPr>
+                          <a:rPr lang="en-CA" b="0" i="0" smtClean="0">
+                            <a:latin typeface="Cambria Math" panose="02040503050406030204" pitchFamily="18" charset="0"/>
+                          </a:rPr>
+                          <m:t>x</m:t>
+                        </m:r>
+                      </m:e>
+                    </m:d>
+                    <m:r>
+                      <a:rPr lang="en-CA" b="0" i="0" smtClean="0">
+                        <a:latin typeface="Cambria Math" panose="02040503050406030204" pitchFamily="18" charset="0"/>
+                      </a:rPr>
+                      <m:t>=</m:t>
+                    </m:r>
+                    <m:r>
+                      <m:rPr>
+                        <m:sty m:val="p"/>
+                      </m:rPr>
+                      <a:rPr lang="en-CA" b="0" i="0" smtClean="0">
+                        <a:latin typeface="Cambria Math" panose="02040503050406030204" pitchFamily="18" charset="0"/>
+                      </a:rPr>
+                      <m:t>log</m:t>
+                    </m:r>
+                    <m:r>
+                      <a:rPr lang="en-CA" b="0" i="0" smtClean="0">
+                        <a:latin typeface="Cambria Math" panose="02040503050406030204" pitchFamily="18" charset="0"/>
+                      </a:rPr>
+                      <m:t>( </m:t>
+                    </m:r>
+                    <m:f>
+                      <m:fPr>
+                        <m:type m:val="skw"/>
+                        <m:ctrlPr>
+                          <a:rPr lang="en-CA" b="0" i="1" smtClean="0">
+                            <a:latin typeface="Cambria Math" panose="02040503050406030204" pitchFamily="18" charset="0"/>
+                          </a:rPr>
+                        </m:ctrlPr>
+                      </m:fPr>
+                      <m:num>
+                        <m:r>
+                          <a:rPr lang="en-CA" b="0" i="1" smtClean="0">
+                            <a:latin typeface="Cambria Math" panose="02040503050406030204" pitchFamily="18" charset="0"/>
+                          </a:rPr>
+                          <m:t>𝑥</m:t>
+                        </m:r>
+                      </m:num>
+                      <m:den>
+                        <m:d>
+                          <m:dPr>
+                            <m:ctrlPr>
+                              <a:rPr lang="en-CA" b="0" i="1" smtClean="0">
+                                <a:latin typeface="Cambria Math" panose="02040503050406030204" pitchFamily="18" charset="0"/>
+                              </a:rPr>
+                            </m:ctrlPr>
+                          </m:dPr>
+                          <m:e>
+                            <m:r>
+                              <a:rPr lang="en-CA" b="0" i="1" smtClean="0">
+                                <a:latin typeface="Cambria Math" panose="02040503050406030204" pitchFamily="18" charset="0"/>
+                              </a:rPr>
+                              <m:t>1−</m:t>
+                            </m:r>
+                            <m:r>
+                              <a:rPr lang="en-CA" b="0" i="1" smtClean="0">
+                                <a:latin typeface="Cambria Math" panose="02040503050406030204" pitchFamily="18" charset="0"/>
+                              </a:rPr>
+                              <m:t>𝑥</m:t>
+                            </m:r>
+                          </m:e>
+                        </m:d>
+                      </m:den>
+                    </m:f>
+                    <m:r>
+                      <a:rPr lang="en-CA" b="0" i="1" smtClean="0">
+                        <a:latin typeface="Cambria Math" panose="02040503050406030204" pitchFamily="18" charset="0"/>
+                      </a:rPr>
+                      <m:t>)</m:t>
+                    </m:r>
+                  </m:oMath>
+                </a14:m>
+                <a:endParaRPr lang="en-CA" dirty="0" smtClean="0"/>
+              </a:p>
+              <a:p>
+                <a:pPr marL="342900" indent="-342900">
+                  <a:buAutoNum type="alphaUcParenR"/>
+                </a:pPr>
+                <a:r>
+                  <a:rPr lang="en-CA" dirty="0" smtClean="0"/>
+                  <a:t>One-dimensional logistic regression function, inverse of logit function </a:t>
+                </a:r>
+              </a:p>
+              <a:p>
+                <a:r>
+                  <a:rPr lang="en-CA" dirty="0">
+                    <a:latin typeface="Cambria Math" panose="02040503050406030204" pitchFamily="18" charset="0"/>
+                    <a:ea typeface="Cambria Math" panose="02040503050406030204" pitchFamily="18" charset="0"/>
+                  </a:rPr>
+                  <a:t>	</a:t>
+                </a:r>
+                <a:r>
+                  <a:rPr lang="en-CA" dirty="0" smtClean="0">
+                    <a:latin typeface="Cambria Math" panose="02040503050406030204" pitchFamily="18" charset="0"/>
+                    <a:ea typeface="Cambria Math" panose="02040503050406030204" pitchFamily="18" charset="0"/>
+                  </a:rPr>
+                  <a:t>here, w</a:t>
+                </a:r>
+                <a:r>
+                  <a:rPr lang="en-CA" baseline="-25000" dirty="0" smtClean="0">
+                    <a:latin typeface="Cambria Math" panose="02040503050406030204" pitchFamily="18" charset="0"/>
+                    <a:ea typeface="Cambria Math" panose="02040503050406030204" pitchFamily="18" charset="0"/>
+                  </a:rPr>
+                  <a:t>0</a:t>
+                </a:r>
+                <a:r>
+                  <a:rPr lang="en-CA" dirty="0" smtClean="0">
+                    <a:latin typeface="Cambria Math" panose="02040503050406030204" pitchFamily="18" charset="0"/>
+                    <a:ea typeface="Cambria Math" panose="02040503050406030204" pitchFamily="18" charset="0"/>
+                  </a:rPr>
+                  <a:t>=-1.25, w</a:t>
+                </a:r>
+                <a:r>
+                  <a:rPr lang="en-CA" baseline="-25000" dirty="0" smtClean="0">
+                    <a:latin typeface="Cambria Math" panose="02040503050406030204" pitchFamily="18" charset="0"/>
+                    <a:ea typeface="Cambria Math" panose="02040503050406030204" pitchFamily="18" charset="0"/>
+                  </a:rPr>
+                  <a:t>1</a:t>
+                </a:r>
+                <a:r>
+                  <a:rPr lang="en-CA" dirty="0" smtClean="0">
+                    <a:latin typeface="Cambria Math" panose="02040503050406030204" pitchFamily="18" charset="0"/>
+                    <a:ea typeface="Cambria Math" panose="02040503050406030204" pitchFamily="18" charset="0"/>
+                  </a:rPr>
+                  <a:t>=0.5</a:t>
+                </a:r>
+                <a:endParaRPr lang="en-CA" dirty="0">
+                  <a:latin typeface="Cambria Math" panose="02040503050406030204" pitchFamily="18" charset="0"/>
+                  <a:ea typeface="Cambria Math" panose="02040503050406030204" pitchFamily="18" charset="0"/>
+                </a:endParaRPr>
+              </a:p>
+            </p:txBody>
+          </p:sp>
+        </mc:Choice>
+        <mc:Fallback xmlns="">
+          <p:sp>
+            <p:nvSpPr>
+              <p:cNvPr id="7" name="TextBox 6"/>
+              <p:cNvSpPr txBox="1">
+                <a:spLocks noRot="1" noChangeAspect="1" noMove="1" noResize="1" noEditPoints="1" noAdjustHandles="1" noChangeArrowheads="1" noChangeShapeType="1" noTextEdit="1"/>
+              </p:cNvSpPr>
+              <p:nvPr/>
+            </p:nvSpPr>
+            <p:spPr>
+              <a:xfrm>
+                <a:off x="7363690" y="4783293"/>
+                <a:ext cx="4301837" cy="1788246"/>
+              </a:xfrm>
+              <a:prstGeom prst="rect">
+                <a:avLst/>
+              </a:prstGeom>
+              <a:blipFill>
+                <a:blip r:embed="rId4"/>
+                <a:stretch>
+                  <a:fillRect l="-1275" t="-2048" b="-4778"/>
+                </a:stretch>
+              </a:blipFill>
+            </p:spPr>
+            <p:txBody>
+              <a:bodyPr/>
+              <a:lstStyle/>
+              <a:p>
+                <a:r>
+                  <a:rPr lang="en-CA">
+                    <a:noFill/>
+                  </a:rPr>
+                  <a:t> </a:t>
+                </a:r>
+              </a:p>
+            </p:txBody>
+          </p:sp>
+        </mc:Fallback>
+      </mc:AlternateContent>
+    </p:spTree>
+    <p:extLst>
+      <p:ext uri="{BB962C8B-B14F-4D97-AF65-F5344CB8AC3E}">
+        <p14:creationId xmlns:p14="http://schemas.microsoft.com/office/powerpoint/2010/main" val="313559509"/>
+      </p:ext>
+    </p:extLst>
+  </p:cSld>
+  <p:clrMapOvr>
+    <a:masterClrMapping/>
+  </p:clrMapOvr>
+  <p:timing>
+    <p:tnLst>
+      <p:par>
+        <p:cTn id="1" dur="indefinite" restart="never" nodeType="tmRoot">
+          <p:childTnLst>
+            <p:seq concurrent="1" nextAc="seek">
+              <p:cTn id="2" dur="indefinite" nodeType="mainSeq">
+                <p:childTnLst>
+                  <p:par>
+                    <p:cTn id="3" fill="hold">
+                      <p:stCondLst>
+                        <p:cond delay="indefinite"/>
+                      </p:stCondLst>
+                      <p:childTnLst>
+                        <p:par>
+                          <p:cTn id="4" fill="hold">
+                            <p:stCondLst>
+                              <p:cond delay="0"/>
+                            </p:stCondLst>
+                            <p:childTnLst>
+                              <p:par>
+                                <p:cTn id="5" presetID="1" presetClass="entr" presetSubtype="0" fill="hold" grpId="0" nodeType="clickEffect">
+                                  <p:stCondLst>
+                                    <p:cond delay="0"/>
+                                  </p:stCondLst>
+                                  <p:childTnLst>
+                                    <p:set>
+                                      <p:cBhvr>
+                                        <p:cTn id="6" dur="1" fill="hold">
+                                          <p:stCondLst>
+                                            <p:cond delay="0"/>
+                                          </p:stCondLst>
+                                        </p:cTn>
+                                        <p:tgtEl>
+                                          <p:spTgt spid="3">
+                                            <p:txEl>
+                                              <p:pRg st="0" end="0"/>
+                                            </p:txEl>
+                                          </p:spTgt>
+                                        </p:tgtEl>
+                                        <p:attrNameLst>
+                                          <p:attrName>style.visibility</p:attrName>
+                                        </p:attrNameLst>
+                                      </p:cBhvr>
+                                      <p:to>
+                                        <p:strVal val="visible"/>
+                                      </p:to>
+                                    </p:set>
+                                  </p:childTnLst>
+                                </p:cTn>
+                              </p:par>
+                            </p:childTnLst>
+                          </p:cTn>
+                        </p:par>
+                      </p:childTnLst>
+                    </p:cTn>
+                  </p:par>
+                  <p:par>
+                    <p:cTn id="7" fill="hold">
+                      <p:stCondLst>
+                        <p:cond delay="indefinite"/>
+                      </p:stCondLst>
+                      <p:childTnLst>
+                        <p:par>
+                          <p:cTn id="8" fill="hold">
+                            <p:stCondLst>
+                              <p:cond delay="0"/>
+                            </p:stCondLst>
+                            <p:childTnLst>
+                              <p:par>
+                                <p:cTn id="9" presetID="1" presetClass="entr" presetSubtype="0" fill="hold" grpId="0" nodeType="clickEffect">
+                                  <p:stCondLst>
+                                    <p:cond delay="0"/>
+                                  </p:stCondLst>
+                                  <p:childTnLst>
+                                    <p:set>
+                                      <p:cBhvr>
+                                        <p:cTn id="10" dur="1" fill="hold">
+                                          <p:stCondLst>
+                                            <p:cond delay="0"/>
+                                          </p:stCondLst>
+                                        </p:cTn>
+                                        <p:tgtEl>
+                                          <p:spTgt spid="3">
+                                            <p:txEl>
+                                              <p:pRg st="1" end="1"/>
+                                            </p:txEl>
+                                          </p:spTgt>
+                                        </p:tgtEl>
+                                        <p:attrNameLst>
+                                          <p:attrName>style.visibility</p:attrName>
+                                        </p:attrNameLst>
+                                      </p:cBhvr>
+                                      <p:to>
+                                        <p:strVal val="visible"/>
+                                      </p:to>
+                                    </p:set>
+                                  </p:childTnLst>
+                                </p:cTn>
+                              </p:par>
+                            </p:childTnLst>
+                          </p:cTn>
+                        </p:par>
+                      </p:childTnLst>
+                    </p:cTn>
+                  </p:par>
+                  <p:par>
+                    <p:cTn id="11" fill="hold">
+                      <p:stCondLst>
+                        <p:cond delay="indefinite"/>
+                      </p:stCondLst>
+                      <p:childTnLst>
+                        <p:par>
+                          <p:cTn id="12" fill="hold">
+                            <p:stCondLst>
+                              <p:cond delay="0"/>
+                            </p:stCondLst>
+                            <p:childTnLst>
+                              <p:par>
+                                <p:cTn id="13" presetID="1" presetClass="entr" presetSubtype="0" fill="hold" grpId="0" nodeType="clickEffect">
+                                  <p:stCondLst>
+                                    <p:cond delay="0"/>
+                                  </p:stCondLst>
+                                  <p:childTnLst>
+                                    <p:set>
+                                      <p:cBhvr>
+                                        <p:cTn id="14" dur="1" fill="hold">
+                                          <p:stCondLst>
+                                            <p:cond delay="0"/>
+                                          </p:stCondLst>
+                                        </p:cTn>
+                                        <p:tgtEl>
+                                          <p:spTgt spid="3">
+                                            <p:txEl>
+                                              <p:pRg st="2" end="2"/>
+                                            </p:txEl>
+                                          </p:spTgt>
+                                        </p:tgtEl>
+                                        <p:attrNameLst>
+                                          <p:attrName>style.visibility</p:attrName>
+                                        </p:attrNameLst>
+                                      </p:cBhvr>
+                                      <p:to>
+                                        <p:strVal val="visible"/>
+                                      </p:to>
+                                    </p:set>
+                                  </p:childTnLst>
+                                </p:cTn>
+                              </p:par>
+                            </p:childTnLst>
+                          </p:cTn>
+                        </p:par>
+                      </p:childTnLst>
+                    </p:cTn>
+                  </p:par>
+                  <p:par>
+                    <p:cTn id="15" fill="hold">
+                      <p:stCondLst>
+                        <p:cond delay="indefinite"/>
+                      </p:stCondLst>
+                      <p:childTnLst>
+                        <p:par>
+                          <p:cTn id="16" fill="hold">
+                            <p:stCondLst>
+                              <p:cond delay="0"/>
+                            </p:stCondLst>
+                            <p:childTnLst>
+                              <p:par>
+                                <p:cTn id="17" presetID="1" presetClass="entr" presetSubtype="0" fill="hold" grpId="0" nodeType="clickEffect">
+                                  <p:stCondLst>
+                                    <p:cond delay="0"/>
+                                  </p:stCondLst>
+                                  <p:childTnLst>
+                                    <p:set>
+                                      <p:cBhvr>
+                                        <p:cTn id="18" dur="1" fill="hold">
+                                          <p:stCondLst>
+                                            <p:cond delay="0"/>
+                                          </p:stCondLst>
+                                        </p:cTn>
+                                        <p:tgtEl>
+                                          <p:spTgt spid="3">
+                                            <p:txEl>
+                                              <p:pRg st="3" end="3"/>
+                                            </p:txEl>
+                                          </p:spTgt>
+                                        </p:tgtEl>
+                                        <p:attrNameLst>
+                                          <p:attrName>style.visibility</p:attrName>
+                                        </p:attrNameLst>
+                                      </p:cBhvr>
+                                      <p:to>
+                                        <p:strVal val="visible"/>
+                                      </p:to>
+                                    </p:set>
+                                  </p:childTnLst>
+                                </p:cTn>
+                              </p:par>
+                            </p:childTnLst>
+                          </p:cTn>
+                        </p:par>
+                      </p:childTnLst>
+                    </p:cTn>
+                  </p:par>
+                  <p:par>
+                    <p:cTn id="19" fill="hold">
+                      <p:stCondLst>
+                        <p:cond delay="indefinite"/>
+                      </p:stCondLst>
+                      <p:childTnLst>
+                        <p:par>
+                          <p:cTn id="20" fill="hold">
+                            <p:stCondLst>
+                              <p:cond delay="0"/>
+                            </p:stCondLst>
+                            <p:childTnLst>
+                              <p:par>
+                                <p:cTn id="21" presetID="1" presetClass="entr" presetSubtype="0" fill="hold" grpId="0" nodeType="clickEffect">
+                                  <p:stCondLst>
+                                    <p:cond delay="0"/>
+                                  </p:stCondLst>
+                                  <p:childTnLst>
+                                    <p:set>
+                                      <p:cBhvr>
+                                        <p:cTn id="22" dur="1" fill="hold">
+                                          <p:stCondLst>
+                                            <p:cond delay="0"/>
+                                          </p:stCondLst>
+                                        </p:cTn>
+                                        <p:tgtEl>
+                                          <p:spTgt spid="3">
+                                            <p:txEl>
+                                              <p:pRg st="4" end="4"/>
+                                            </p:txEl>
+                                          </p:spTgt>
+                                        </p:tgtEl>
+                                        <p:attrNameLst>
+                                          <p:attrName>style.visibility</p:attrName>
+                                        </p:attrNameLst>
+                                      </p:cBhvr>
+                                      <p:to>
+                                        <p:strVal val="visible"/>
+                                      </p:to>
+                                    </p:set>
+                                  </p:childTnLst>
+                                </p:cTn>
+                              </p:par>
+                            </p:childTnLst>
+                          </p:cTn>
+                        </p:par>
+                      </p:childTnLst>
+                    </p:cTn>
+                  </p:par>
+                  <p:par>
+                    <p:cTn id="23" fill="hold">
+                      <p:stCondLst>
+                        <p:cond delay="indefinite"/>
+                      </p:stCondLst>
+                      <p:childTnLst>
+                        <p:par>
+                          <p:cTn id="24" fill="hold">
+                            <p:stCondLst>
+                              <p:cond delay="0"/>
+                            </p:stCondLst>
+                            <p:childTnLst>
+                              <p:par>
+                                <p:cTn id="25" presetID="1" presetClass="entr" presetSubtype="0" fill="hold" nodeType="clickEffect">
+                                  <p:stCondLst>
+                                    <p:cond delay="0"/>
+                                  </p:stCondLst>
+                                  <p:childTnLst>
+                                    <p:set>
+                                      <p:cBhvr>
+                                        <p:cTn id="26" dur="1" fill="hold">
+                                          <p:stCondLst>
+                                            <p:cond delay="0"/>
+                                          </p:stCondLst>
+                                        </p:cTn>
+                                        <p:tgtEl>
+                                          <p:spTgt spid="5"/>
+                                        </p:tgtEl>
+                                        <p:attrNameLst>
+                                          <p:attrName>style.visibility</p:attrName>
+                                        </p:attrNameLst>
+                                      </p:cBhvr>
+                                      <p:to>
+                                        <p:strVal val="visible"/>
+                                      </p:to>
+                                    </p:set>
+                                  </p:childTnLst>
+                                </p:cTn>
+                              </p:par>
+                              <p:par>
+                                <p:cTn id="27" presetID="1" presetClass="entr" presetSubtype="0" fill="hold" grpId="0" nodeType="withEffect">
+                                  <p:stCondLst>
+                                    <p:cond delay="0"/>
+                                  </p:stCondLst>
+                                  <p:childTnLst>
+                                    <p:set>
+                                      <p:cBhvr>
+                                        <p:cTn id="28" dur="1" fill="hold">
+                                          <p:stCondLst>
+                                            <p:cond delay="0"/>
+                                          </p:stCondLst>
+                                        </p:cTn>
+                                        <p:tgtEl>
+                                          <p:spTgt spid="7"/>
+                                        </p:tgtEl>
+                                        <p:attrNameLst>
+                                          <p:attrName>style.visibility</p:attrName>
+                                        </p:attrNameLst>
+                                      </p:cBhvr>
+                                      <p:to>
+                                        <p:strVal val="visible"/>
+                                      </p:to>
+                                    </p:set>
+                                  </p:childTnLst>
+                                </p:cTn>
+                              </p:par>
+                            </p:childTnLst>
+                          </p:cTn>
+                        </p:par>
+                      </p:childTnLst>
+                    </p:cTn>
+                  </p:par>
+                </p:childTnLst>
+              </p:cTn>
+              <p:prevCondLst>
+                <p:cond evt="onPrev" delay="0">
+                  <p:tgtEl>
+                    <p:sldTgt/>
+                  </p:tgtEl>
+                </p:cond>
+              </p:prevCondLst>
+              <p:nextCondLst>
+                <p:cond evt="onNext" delay="0">
+                  <p:tgtEl>
+                    <p:sldTgt/>
+                  </p:tgtEl>
+                </p:cond>
+              </p:nextCondLst>
+            </p:seq>
+          </p:childTnLst>
+        </p:cTn>
+      </p:par>
+    </p:tnLst>
+    <p:bldLst>
+      <p:bldP spid="3" grpId="0" build="p"/>
+      <p:bldP spid="7" grpId="0"/>
+    </p:bldLst>
+  </p:timing>
+</p:sld>
+</file>
+
+<file path=ppt/slides/slide11.xml><?xml version="1.0" encoding="utf-8"?>
+<p:sld xmlns:a="http://schemas.openxmlformats.org/drawingml/2006/main" xmlns:r="http://schemas.openxmlformats.org/officeDocument/2006/relationships" xmlns:p="http://schemas.openxmlformats.org/presentationml/2006/main">
+  <p:cSld>
+    <p:spTree>
+      <p:nvGrpSpPr>
+        <p:cNvPr id="1" name=""/>
+        <p:cNvGrpSpPr/>
+        <p:nvPr/>
+      </p:nvGrpSpPr>
+      <p:grpSpPr>
+        <a:xfrm>
+          <a:off x="0" y="0"/>
+          <a:ext cx="0" cy="0"/>
+          <a:chOff x="0" y="0"/>
+          <a:chExt cx="0" cy="0"/>
+        </a:xfrm>
+      </p:grpSpPr>
+      <p:sp>
+        <p:nvSpPr>
+          <p:cNvPr id="2" name="Title 1"/>
+          <p:cNvSpPr>
+            <a:spLocks noGrp="1"/>
+          </p:cNvSpPr>
+          <p:nvPr>
+            <p:ph type="title"/>
+          </p:nvPr>
+        </p:nvSpPr>
+        <p:spPr/>
+        <p:txBody>
+          <a:bodyPr/>
+          <a:lstStyle/>
+          <a:p>
+            <a:r>
+              <a:rPr lang="en-CA" dirty="0" smtClean="0"/>
+              <a:t>Logistic model example</a:t>
+            </a:r>
+            <a:endParaRPr lang="en-CA" dirty="0"/>
+          </a:p>
+        </p:txBody>
+      </p:sp>
+      <mc:AlternateContent xmlns:mc="http://schemas.openxmlformats.org/markup-compatibility/2006" xmlns:a14="http://schemas.microsoft.com/office/drawing/2010/main">
+        <mc:Choice Requires="a14">
+          <p:sp>
+            <p:nvSpPr>
+              <p:cNvPr id="3" name="Content Placeholder 2"/>
+              <p:cNvSpPr>
+                <a:spLocks noGrp="1"/>
+              </p:cNvSpPr>
+              <p:nvPr>
+                <p:ph idx="1"/>
+              </p:nvPr>
+            </p:nvSpPr>
+            <p:spPr>
+              <a:xfrm>
+                <a:off x="838200" y="1385455"/>
+                <a:ext cx="10515600" cy="4791508"/>
+              </a:xfrm>
+            </p:spPr>
+            <p:txBody>
+              <a:bodyPr>
+                <a:normAutofit fontScale="92500" lnSpcReduction="10000"/>
+              </a:bodyPr>
+              <a:lstStyle/>
+              <a:p>
+                <a:r>
+                  <a:rPr lang="en-CA" dirty="0" smtClean="0"/>
+                  <a:t>Consider a model with two predictors </a:t>
+                </a:r>
+                <a:r>
+                  <a:rPr lang="en-CA" dirty="0" smtClean="0">
+                    <a:latin typeface="Cambria Math" panose="02040503050406030204" pitchFamily="18" charset="0"/>
+                    <a:ea typeface="Cambria Math" panose="02040503050406030204" pitchFamily="18" charset="0"/>
+                  </a:rPr>
+                  <a:t>a</a:t>
+                </a:r>
+                <a:r>
+                  <a:rPr lang="en-CA" baseline="-25000" dirty="0" smtClean="0">
+                    <a:latin typeface="Cambria Math" panose="02040503050406030204" pitchFamily="18" charset="0"/>
+                    <a:ea typeface="Cambria Math" panose="02040503050406030204" pitchFamily="18" charset="0"/>
+                  </a:rPr>
+                  <a:t>1</a:t>
+                </a:r>
+                <a:r>
+                  <a:rPr lang="en-CA" dirty="0" smtClean="0"/>
+                  <a:t> and </a:t>
+                </a:r>
+                <a:r>
+                  <a:rPr lang="en-CA" dirty="0" smtClean="0">
+                    <a:latin typeface="Cambria Math" panose="02040503050406030204" pitchFamily="18" charset="0"/>
+                    <a:ea typeface="Cambria Math" panose="02040503050406030204" pitchFamily="18" charset="0"/>
+                  </a:rPr>
+                  <a:t>a</a:t>
+                </a:r>
+                <a:r>
+                  <a:rPr lang="en-CA" baseline="-25000" dirty="0" smtClean="0">
+                    <a:latin typeface="Cambria Math" panose="02040503050406030204" pitchFamily="18" charset="0"/>
+                    <a:ea typeface="Cambria Math" panose="02040503050406030204" pitchFamily="18" charset="0"/>
+                  </a:rPr>
+                  <a:t>2</a:t>
+                </a:r>
+                <a:r>
+                  <a:rPr lang="en-CA" dirty="0" smtClean="0"/>
+                  <a:t> and Bernoulli response variable </a:t>
+                </a:r>
+                <a:r>
+                  <a:rPr lang="en-CA" dirty="0" smtClean="0">
+                    <a:latin typeface="Cambria Math" panose="02040503050406030204" pitchFamily="18" charset="0"/>
+                    <a:ea typeface="Cambria Math" panose="02040503050406030204" pitchFamily="18" charset="0"/>
+                  </a:rPr>
+                  <a:t>Y</a:t>
+                </a:r>
+                <a:r>
+                  <a:rPr lang="en-CA" dirty="0" smtClean="0"/>
+                  <a:t>, denoted </a:t>
+                </a:r>
+                <a:r>
+                  <a:rPr lang="en-CA" dirty="0" smtClean="0">
+                    <a:latin typeface="Cambria Math" panose="02040503050406030204" pitchFamily="18" charset="0"/>
+                    <a:ea typeface="Cambria Math" panose="02040503050406030204" pitchFamily="18" charset="0"/>
+                  </a:rPr>
+                  <a:t>p = P(Y=1)</a:t>
+                </a:r>
+              </a:p>
+              <a:p>
+                <a:r>
+                  <a:rPr lang="en-CA" dirty="0" smtClean="0"/>
+                  <a:t>Assume a linear relationship between the predictor variables and the log-odds of the event </a:t>
+                </a:r>
+                <a:r>
+                  <a:rPr lang="en-CA" dirty="0" smtClean="0">
+                    <a:latin typeface="Cambria Math" panose="02040503050406030204" pitchFamily="18" charset="0"/>
+                    <a:ea typeface="Cambria Math" panose="02040503050406030204" pitchFamily="18" charset="0"/>
+                  </a:rPr>
+                  <a:t>Y=1</a:t>
+                </a:r>
+                <a:r>
+                  <a:rPr lang="en-CA" dirty="0" smtClean="0"/>
+                  <a:t>.</a:t>
+                </a:r>
+              </a:p>
+              <a:p>
+                <a:r>
+                  <a:rPr lang="en-CA" dirty="0" smtClean="0"/>
+                  <a:t>This linear relationship can be written in following form:</a:t>
+                </a:r>
+              </a:p>
+              <a:p>
+                <a14:m>
+                  <m:oMath xmlns:m="http://schemas.openxmlformats.org/officeDocument/2006/math">
+                    <m:func>
+                      <m:funcPr>
+                        <m:ctrlPr>
+                          <a:rPr lang="en-CA" b="0" i="1" smtClean="0">
+                            <a:latin typeface="Cambria Math" panose="02040503050406030204" pitchFamily="18" charset="0"/>
+                          </a:rPr>
+                        </m:ctrlPr>
+                      </m:funcPr>
+                      <m:fName>
+                        <m:r>
+                          <m:rPr>
+                            <m:sty m:val="p"/>
+                          </m:rPr>
+                          <a:rPr lang="en-CA" b="0" i="0" smtClean="0">
+                            <a:latin typeface="Cambria Math" panose="02040503050406030204" pitchFamily="18" charset="0"/>
+                          </a:rPr>
+                          <m:t>log</m:t>
+                        </m:r>
+                      </m:fName>
+                      <m:e>
+                        <m:d>
+                          <m:dPr>
+                            <m:ctrlPr>
+                              <a:rPr lang="en-CA" b="0" i="1" smtClean="0">
+                                <a:latin typeface="Cambria Math" panose="02040503050406030204" pitchFamily="18" charset="0"/>
+                              </a:rPr>
+                            </m:ctrlPr>
+                          </m:dPr>
+                          <m:e>
+                            <m:f>
+                              <m:fPr>
+                                <m:ctrlPr>
+                                  <a:rPr lang="en-CA" i="1" smtClean="0">
+                                    <a:latin typeface="Cambria Math" panose="02040503050406030204" pitchFamily="18" charset="0"/>
+                                  </a:rPr>
+                                </m:ctrlPr>
+                              </m:fPr>
+                              <m:num>
+                                <m:r>
+                                  <a:rPr lang="en-CA" b="0" i="1" smtClean="0">
+                                    <a:latin typeface="Cambria Math" panose="02040503050406030204" pitchFamily="18" charset="0"/>
+                                  </a:rPr>
+                                  <m:t>𝑝</m:t>
+                                </m:r>
+                              </m:num>
+                              <m:den>
+                                <m:r>
+                                  <a:rPr lang="en-CA" b="0" i="1" smtClean="0">
+                                    <a:latin typeface="Cambria Math" panose="02040503050406030204" pitchFamily="18" charset="0"/>
+                                  </a:rPr>
+                                  <m:t>1−</m:t>
+                                </m:r>
+                                <m:r>
+                                  <a:rPr lang="en-CA" b="0" i="1" smtClean="0">
+                                    <a:latin typeface="Cambria Math" panose="02040503050406030204" pitchFamily="18" charset="0"/>
+                                  </a:rPr>
+                                  <m:t>𝑝</m:t>
+                                </m:r>
+                              </m:den>
+                            </m:f>
+                          </m:e>
+                        </m:d>
+                      </m:e>
+                    </m:func>
+                    <m:r>
+                      <a:rPr lang="en-CA" b="0" i="1" smtClean="0">
+                        <a:latin typeface="Cambria Math" panose="02040503050406030204" pitchFamily="18" charset="0"/>
+                      </a:rPr>
+                      <m:t>=</m:t>
+                    </m:r>
+                    <m:r>
+                      <a:rPr lang="en-CA" b="0" i="1" smtClean="0">
+                        <a:latin typeface="Cambria Math" panose="02040503050406030204" pitchFamily="18" charset="0"/>
+                      </a:rPr>
+                      <m:t>𝑤</m:t>
+                    </m:r>
+                    <m:r>
+                      <a:rPr lang="en-CA" b="0" i="1" baseline="-25000" smtClean="0">
+                        <a:latin typeface="Cambria Math" panose="02040503050406030204" pitchFamily="18" charset="0"/>
+                      </a:rPr>
+                      <m:t>0</m:t>
+                    </m:r>
+                    <m:r>
+                      <a:rPr lang="en-CA" b="0" i="1" smtClean="0">
+                        <a:latin typeface="Cambria Math" panose="02040503050406030204" pitchFamily="18" charset="0"/>
+                      </a:rPr>
+                      <m:t>+</m:t>
+                    </m:r>
+                    <m:r>
+                      <a:rPr lang="en-CA" b="0" i="1" smtClean="0">
+                        <a:latin typeface="Cambria Math" panose="02040503050406030204" pitchFamily="18" charset="0"/>
+                      </a:rPr>
+                      <m:t>𝑤</m:t>
+                    </m:r>
+                    <m:r>
+                      <a:rPr lang="en-CA" b="0" i="1" baseline="-25000" smtClean="0">
+                        <a:latin typeface="Cambria Math" panose="02040503050406030204" pitchFamily="18" charset="0"/>
+                      </a:rPr>
+                      <m:t>1</m:t>
+                    </m:r>
+                    <m:r>
+                      <a:rPr lang="en-CA" b="0" i="1" smtClean="0">
+                        <a:latin typeface="Cambria Math" panose="02040503050406030204" pitchFamily="18" charset="0"/>
+                      </a:rPr>
+                      <m:t>𝑎</m:t>
+                    </m:r>
+                    <m:r>
+                      <a:rPr lang="en-CA" b="0" i="1" baseline="-25000" smtClean="0">
+                        <a:latin typeface="Cambria Math" panose="02040503050406030204" pitchFamily="18" charset="0"/>
+                      </a:rPr>
+                      <m:t>1</m:t>
+                    </m:r>
+                    <m:r>
+                      <a:rPr lang="en-CA" b="0" i="1" smtClean="0">
+                        <a:latin typeface="Cambria Math" panose="02040503050406030204" pitchFamily="18" charset="0"/>
+                      </a:rPr>
+                      <m:t>+</m:t>
+                    </m:r>
+                    <m:r>
+                      <a:rPr lang="en-CA" b="0" i="1" smtClean="0">
+                        <a:latin typeface="Cambria Math" panose="02040503050406030204" pitchFamily="18" charset="0"/>
+                      </a:rPr>
+                      <m:t>𝑤</m:t>
+                    </m:r>
+                    <m:r>
+                      <a:rPr lang="en-CA" b="0" i="1" baseline="-25000" smtClean="0">
+                        <a:latin typeface="Cambria Math" panose="02040503050406030204" pitchFamily="18" charset="0"/>
+                      </a:rPr>
+                      <m:t>2</m:t>
+                    </m:r>
+                    <m:r>
+                      <a:rPr lang="en-CA" b="0" i="1" smtClean="0">
+                        <a:latin typeface="Cambria Math" panose="02040503050406030204" pitchFamily="18" charset="0"/>
+                      </a:rPr>
+                      <m:t>𝑎</m:t>
+                    </m:r>
+                    <m:r>
+                      <a:rPr lang="en-CA" b="0" i="1" baseline="-25000" smtClean="0">
+                        <a:latin typeface="Cambria Math" panose="02040503050406030204" pitchFamily="18" charset="0"/>
+                      </a:rPr>
+                      <m:t>2</m:t>
+                    </m:r>
+                  </m:oMath>
+                </a14:m>
+                <a:endParaRPr lang="en-CA" baseline="-25000" dirty="0" smtClean="0"/>
+              </a:p>
+              <a:p>
+                <a:r>
+                  <a:rPr lang="en-CA" dirty="0" smtClean="0"/>
+                  <a:t>Can recover odds by </a:t>
+                </a:r>
+                <a:r>
+                  <a:rPr lang="en-CA" dirty="0" err="1" smtClean="0"/>
+                  <a:t>exponentiating</a:t>
+                </a:r>
+                <a:r>
+                  <a:rPr lang="en-CA" dirty="0" smtClean="0"/>
+                  <a:t> log-odds: </a:t>
+                </a:r>
+                <a14:m>
+                  <m:oMath xmlns:m="http://schemas.openxmlformats.org/officeDocument/2006/math">
+                    <m:f>
+                      <m:fPr>
+                        <m:ctrlPr>
+                          <a:rPr lang="en-CA" i="1" smtClean="0">
+                            <a:latin typeface="Cambria Math" panose="02040503050406030204" pitchFamily="18" charset="0"/>
+                          </a:rPr>
+                        </m:ctrlPr>
+                      </m:fPr>
+                      <m:num>
+                        <m:r>
+                          <a:rPr lang="en-CA" b="0" i="1" smtClean="0">
+                            <a:latin typeface="Cambria Math" panose="02040503050406030204" pitchFamily="18" charset="0"/>
+                          </a:rPr>
+                          <m:t>𝑝</m:t>
+                        </m:r>
+                      </m:num>
+                      <m:den>
+                        <m:r>
+                          <a:rPr lang="en-CA" b="0" i="1" smtClean="0">
+                            <a:latin typeface="Cambria Math" panose="02040503050406030204" pitchFamily="18" charset="0"/>
+                          </a:rPr>
+                          <m:t>1−</m:t>
+                        </m:r>
+                        <m:r>
+                          <a:rPr lang="en-CA" b="0" i="1" smtClean="0">
+                            <a:latin typeface="Cambria Math" panose="02040503050406030204" pitchFamily="18" charset="0"/>
+                          </a:rPr>
+                          <m:t>𝑝</m:t>
+                        </m:r>
+                      </m:den>
+                    </m:f>
+                    <m:r>
+                      <a:rPr lang="en-CA" b="0" i="1" smtClean="0">
+                        <a:latin typeface="Cambria Math" panose="02040503050406030204" pitchFamily="18" charset="0"/>
+                      </a:rPr>
+                      <m:t>=</m:t>
+                    </m:r>
+                    <m:sSup>
+                      <m:sSupPr>
+                        <m:ctrlPr>
+                          <a:rPr lang="en-CA" b="0" i="1" smtClean="0">
+                            <a:latin typeface="Cambria Math" panose="02040503050406030204" pitchFamily="18" charset="0"/>
+                          </a:rPr>
+                        </m:ctrlPr>
+                      </m:sSupPr>
+                      <m:e>
+                        <m:r>
+                          <a:rPr lang="en-CA" b="0" i="1" smtClean="0">
+                            <a:latin typeface="Cambria Math" panose="02040503050406030204" pitchFamily="18" charset="0"/>
+                          </a:rPr>
+                          <m:t>𝑒</m:t>
+                        </m:r>
+                      </m:e>
+                      <m:sup>
+                        <m:r>
+                          <a:rPr lang="en-CA" b="0" i="1" smtClean="0">
+                            <a:latin typeface="Cambria Math" panose="02040503050406030204" pitchFamily="18" charset="0"/>
+                          </a:rPr>
+                          <m:t>𝑤</m:t>
+                        </m:r>
+                        <m:r>
+                          <a:rPr lang="en-CA" b="0" i="1" baseline="-25000" smtClean="0">
+                            <a:latin typeface="Cambria Math" panose="02040503050406030204" pitchFamily="18" charset="0"/>
+                          </a:rPr>
+                          <m:t>0</m:t>
+                        </m:r>
+                        <m:r>
+                          <a:rPr lang="en-CA" b="0" i="1" smtClean="0">
+                            <a:latin typeface="Cambria Math" panose="02040503050406030204" pitchFamily="18" charset="0"/>
+                          </a:rPr>
+                          <m:t>+</m:t>
+                        </m:r>
+                        <m:r>
+                          <a:rPr lang="en-CA" b="0" i="1" smtClean="0">
+                            <a:latin typeface="Cambria Math" panose="02040503050406030204" pitchFamily="18" charset="0"/>
+                          </a:rPr>
+                          <m:t>𝑤</m:t>
+                        </m:r>
+                        <m:r>
+                          <a:rPr lang="en-CA" b="0" i="1" baseline="-25000" smtClean="0">
+                            <a:latin typeface="Cambria Math" panose="02040503050406030204" pitchFamily="18" charset="0"/>
+                          </a:rPr>
+                          <m:t>1</m:t>
+                        </m:r>
+                        <m:r>
+                          <a:rPr lang="en-CA" b="0" i="1" smtClean="0">
+                            <a:latin typeface="Cambria Math" panose="02040503050406030204" pitchFamily="18" charset="0"/>
+                          </a:rPr>
+                          <m:t>𝑎</m:t>
+                        </m:r>
+                        <m:r>
+                          <a:rPr lang="en-CA" b="0" i="1" baseline="-25000" smtClean="0">
+                            <a:latin typeface="Cambria Math" panose="02040503050406030204" pitchFamily="18" charset="0"/>
+                          </a:rPr>
+                          <m:t>1</m:t>
+                        </m:r>
+                        <m:r>
+                          <a:rPr lang="en-CA" b="0" i="1" smtClean="0">
+                            <a:latin typeface="Cambria Math" panose="02040503050406030204" pitchFamily="18" charset="0"/>
+                          </a:rPr>
+                          <m:t>+</m:t>
+                        </m:r>
+                        <m:r>
+                          <a:rPr lang="en-CA" b="0" i="1" smtClean="0">
+                            <a:latin typeface="Cambria Math" panose="02040503050406030204" pitchFamily="18" charset="0"/>
+                          </a:rPr>
+                          <m:t>𝑤</m:t>
+                        </m:r>
+                        <m:r>
+                          <a:rPr lang="en-CA" b="0" i="1" baseline="-25000" smtClean="0">
+                            <a:latin typeface="Cambria Math" panose="02040503050406030204" pitchFamily="18" charset="0"/>
+                          </a:rPr>
+                          <m:t>2</m:t>
+                        </m:r>
+                        <m:r>
+                          <a:rPr lang="en-CA" b="0" i="1" smtClean="0">
+                            <a:latin typeface="Cambria Math" panose="02040503050406030204" pitchFamily="18" charset="0"/>
+                          </a:rPr>
+                          <m:t>𝑎</m:t>
+                        </m:r>
+                        <m:r>
+                          <a:rPr lang="en-CA" b="0" i="1" baseline="-25000" smtClean="0">
+                            <a:latin typeface="Cambria Math" panose="02040503050406030204" pitchFamily="18" charset="0"/>
+                          </a:rPr>
+                          <m:t>2</m:t>
+                        </m:r>
+                      </m:sup>
+                    </m:sSup>
+                  </m:oMath>
+                </a14:m>
+                <a:endParaRPr lang="en-CA" dirty="0" smtClean="0"/>
+              </a:p>
+              <a:p>
+                <a:r>
+                  <a:rPr lang="en-CA" dirty="0" smtClean="0"/>
+                  <a:t>After some algebraic manipulation: </a:t>
+                </a:r>
+                <a14:m>
+                  <m:oMath xmlns:m="http://schemas.openxmlformats.org/officeDocument/2006/math">
+                    <m:r>
+                      <a:rPr lang="en-CA" b="0" i="1" smtClean="0">
+                        <a:latin typeface="Cambria Math" panose="02040503050406030204" pitchFamily="18" charset="0"/>
+                      </a:rPr>
+                      <m:t>𝑝</m:t>
+                    </m:r>
+                    <m:r>
+                      <a:rPr lang="en-CA" b="0" i="1" smtClean="0">
+                        <a:latin typeface="Cambria Math" panose="02040503050406030204" pitchFamily="18" charset="0"/>
+                      </a:rPr>
+                      <m:t>=</m:t>
+                    </m:r>
+                    <m:f>
+                      <m:fPr>
+                        <m:ctrlPr>
+                          <a:rPr lang="en-CA" b="0" i="1" smtClean="0">
+                            <a:latin typeface="Cambria Math" panose="02040503050406030204" pitchFamily="18" charset="0"/>
+                          </a:rPr>
+                        </m:ctrlPr>
+                      </m:fPr>
+                      <m:num>
+                        <m:r>
+                          <a:rPr lang="en-CA" b="0" i="1" smtClean="0">
+                            <a:latin typeface="Cambria Math" panose="02040503050406030204" pitchFamily="18" charset="0"/>
+                          </a:rPr>
+                          <m:t>1</m:t>
+                        </m:r>
+                      </m:num>
+                      <m:den>
+                        <m:r>
+                          <a:rPr lang="en-CA" b="0" i="1" smtClean="0">
+                            <a:latin typeface="Cambria Math" panose="02040503050406030204" pitchFamily="18" charset="0"/>
+                          </a:rPr>
+                          <m:t>1+</m:t>
+                        </m:r>
+                        <m:sSup>
+                          <m:sSupPr>
+                            <m:ctrlPr>
+                              <a:rPr lang="en-CA" b="0" i="1" smtClean="0">
+                                <a:latin typeface="Cambria Math" panose="02040503050406030204" pitchFamily="18" charset="0"/>
+                              </a:rPr>
+                            </m:ctrlPr>
+                          </m:sSupPr>
+                          <m:e>
+                            <m:r>
+                              <a:rPr lang="en-CA" b="0" i="1" smtClean="0">
+                                <a:latin typeface="Cambria Math" panose="02040503050406030204" pitchFamily="18" charset="0"/>
+                              </a:rPr>
+                              <m:t>𝑒</m:t>
+                            </m:r>
+                          </m:e>
+                          <m:sup>
+                            <m:r>
+                              <a:rPr lang="en-CA" b="0" i="1" smtClean="0">
+                                <a:latin typeface="Cambria Math" panose="02040503050406030204" pitchFamily="18" charset="0"/>
+                              </a:rPr>
+                              <m:t>−(</m:t>
+                            </m:r>
+                            <m:r>
+                              <a:rPr lang="en-CA" b="0" i="1" smtClean="0">
+                                <a:latin typeface="Cambria Math" panose="02040503050406030204" pitchFamily="18" charset="0"/>
+                              </a:rPr>
+                              <m:t>𝑤</m:t>
+                            </m:r>
+                            <m:r>
+                              <a:rPr lang="en-CA" b="0" i="1" baseline="-25000" smtClean="0">
+                                <a:latin typeface="Cambria Math" panose="02040503050406030204" pitchFamily="18" charset="0"/>
+                              </a:rPr>
+                              <m:t>0</m:t>
+                            </m:r>
+                            <m:r>
+                              <a:rPr lang="en-CA" b="0" i="1" smtClean="0">
+                                <a:latin typeface="Cambria Math" panose="02040503050406030204" pitchFamily="18" charset="0"/>
+                              </a:rPr>
+                              <m:t>+</m:t>
+                            </m:r>
+                            <m:r>
+                              <a:rPr lang="en-CA" b="0" i="1" smtClean="0">
+                                <a:latin typeface="Cambria Math" panose="02040503050406030204" pitchFamily="18" charset="0"/>
+                              </a:rPr>
+                              <m:t>𝑤</m:t>
+                            </m:r>
+                            <m:r>
+                              <a:rPr lang="en-CA" b="0" i="1" baseline="-25000" smtClean="0">
+                                <a:latin typeface="Cambria Math" panose="02040503050406030204" pitchFamily="18" charset="0"/>
+                              </a:rPr>
+                              <m:t>1</m:t>
+                            </m:r>
+                            <m:r>
+                              <a:rPr lang="en-CA" b="0" i="1" smtClean="0">
+                                <a:latin typeface="Cambria Math" panose="02040503050406030204" pitchFamily="18" charset="0"/>
+                              </a:rPr>
+                              <m:t>𝑎</m:t>
+                            </m:r>
+                            <m:r>
+                              <a:rPr lang="en-CA" b="0" i="1" baseline="-25000" smtClean="0">
+                                <a:latin typeface="Cambria Math" panose="02040503050406030204" pitchFamily="18" charset="0"/>
+                              </a:rPr>
+                              <m:t>1</m:t>
+                            </m:r>
+                            <m:r>
+                              <a:rPr lang="en-CA" b="0" i="1" smtClean="0">
+                                <a:latin typeface="Cambria Math" panose="02040503050406030204" pitchFamily="18" charset="0"/>
+                              </a:rPr>
+                              <m:t>+</m:t>
+                            </m:r>
+                            <m:r>
+                              <a:rPr lang="en-CA" b="0" i="1" smtClean="0">
+                                <a:latin typeface="Cambria Math" panose="02040503050406030204" pitchFamily="18" charset="0"/>
+                              </a:rPr>
+                              <m:t>𝑤</m:t>
+                            </m:r>
+                            <m:r>
+                              <a:rPr lang="en-CA" b="0" i="1" baseline="-25000" smtClean="0">
+                                <a:latin typeface="Cambria Math" panose="02040503050406030204" pitchFamily="18" charset="0"/>
+                              </a:rPr>
+                              <m:t>2</m:t>
+                            </m:r>
+                            <m:r>
+                              <a:rPr lang="en-CA" b="0" i="1" smtClean="0">
+                                <a:latin typeface="Cambria Math" panose="02040503050406030204" pitchFamily="18" charset="0"/>
+                              </a:rPr>
+                              <m:t>𝑎</m:t>
+                            </m:r>
+                            <m:r>
+                              <a:rPr lang="en-CA" b="0" i="1" baseline="-25000" smtClean="0">
+                                <a:latin typeface="Cambria Math" panose="02040503050406030204" pitchFamily="18" charset="0"/>
+                              </a:rPr>
+                              <m:t>2</m:t>
+                            </m:r>
+                            <m:r>
+                              <a:rPr lang="en-CA" b="0" i="1" smtClean="0">
+                                <a:latin typeface="Cambria Math" panose="02040503050406030204" pitchFamily="18" charset="0"/>
+                              </a:rPr>
+                              <m:t>)</m:t>
+                            </m:r>
+                          </m:sup>
+                        </m:sSup>
+                      </m:den>
+                    </m:f>
+                  </m:oMath>
+                </a14:m>
+                <a:endParaRPr lang="en-CA" dirty="0" smtClean="0"/>
+              </a:p>
+              <a:p>
+                <a:r>
+                  <a:rPr lang="en-CA" dirty="0" smtClean="0"/>
+                  <a:t>Shows that once weights are fixed, we can easily compute the probability that</a:t>
+                </a:r>
+                <a:r>
+                  <a:rPr lang="en-CA" dirty="0" smtClean="0">
+                    <a:latin typeface="Cambria Math" panose="02040503050406030204" pitchFamily="18" charset="0"/>
+                    <a:ea typeface="Cambria Math" panose="02040503050406030204" pitchFamily="18" charset="0"/>
+                  </a:rPr>
+                  <a:t> Y=1 </a:t>
+                </a:r>
+                <a:r>
+                  <a:rPr lang="en-CA" dirty="0" smtClean="0"/>
+                  <a:t>for a given observation</a:t>
+                </a:r>
+                <a:endParaRPr lang="en-CA" dirty="0"/>
+              </a:p>
+            </p:txBody>
+          </p:sp>
+        </mc:Choice>
+        <mc:Fallback xmlns="">
+          <p:sp>
+            <p:nvSpPr>
+              <p:cNvPr id="3" name="Content Placeholder 2"/>
+              <p:cNvSpPr>
+                <a:spLocks noGrp="1" noRot="1" noChangeAspect="1" noMove="1" noResize="1" noEditPoints="1" noAdjustHandles="1" noChangeArrowheads="1" noChangeShapeType="1" noTextEdit="1"/>
+              </p:cNvSpPr>
+              <p:nvPr>
+                <p:ph idx="1"/>
+              </p:nvPr>
+            </p:nvSpPr>
+            <p:spPr>
+              <a:xfrm>
+                <a:off x="838200" y="1385455"/>
+                <a:ext cx="10515600" cy="4791508"/>
+              </a:xfrm>
+              <a:blipFill>
+                <a:blip r:embed="rId2"/>
+                <a:stretch>
+                  <a:fillRect l="-928" t="-2926"/>
+                </a:stretch>
+              </a:blipFill>
+            </p:spPr>
+            <p:txBody>
+              <a:bodyPr/>
+              <a:lstStyle/>
+              <a:p>
+                <a:r>
+                  <a:rPr lang="en-CA">
+                    <a:noFill/>
+                  </a:rPr>
+                  <a:t> </a:t>
+                </a:r>
+              </a:p>
+            </p:txBody>
+          </p:sp>
+        </mc:Fallback>
+      </mc:AlternateContent>
+    </p:spTree>
+    <p:extLst>
+      <p:ext uri="{BB962C8B-B14F-4D97-AF65-F5344CB8AC3E}">
+        <p14:creationId xmlns:p14="http://schemas.microsoft.com/office/powerpoint/2010/main" val="3044870414"/>
+      </p:ext>
+    </p:extLst>
+  </p:cSld>
+  <p:clrMapOvr>
+    <a:masterClrMapping/>
+  </p:clrMapOvr>
+  <p:timing>
+    <p:tnLst>
+      <p:par>
+        <p:cTn id="1" dur="indefinite" restart="never" nodeType="tmRoot">
+          <p:childTnLst>
+            <p:seq concurrent="1" nextAc="seek">
+              <p:cTn id="2" dur="indefinite" nodeType="mainSeq">
+                <p:childTnLst>
+                  <p:par>
+                    <p:cTn id="3" fill="hold">
+                      <p:stCondLst>
+                        <p:cond delay="indefinite"/>
+                      </p:stCondLst>
+                      <p:childTnLst>
+                        <p:par>
+                          <p:cTn id="4" fill="hold">
+                            <p:stCondLst>
+                              <p:cond delay="0"/>
+                            </p:stCondLst>
+                            <p:childTnLst>
+                              <p:par>
+                                <p:cTn id="5" presetID="1" presetClass="entr" presetSubtype="0" fill="hold" grpId="0" nodeType="clickEffect">
+                                  <p:stCondLst>
+                                    <p:cond delay="0"/>
+                                  </p:stCondLst>
+                                  <p:childTnLst>
+                                    <p:set>
+                                      <p:cBhvr>
+                                        <p:cTn id="6" dur="1" fill="hold">
+                                          <p:stCondLst>
+                                            <p:cond delay="0"/>
+                                          </p:stCondLst>
+                                        </p:cTn>
+                                        <p:tgtEl>
+                                          <p:spTgt spid="3">
+                                            <p:txEl>
+                                              <p:pRg st="0" end="0"/>
+                                            </p:txEl>
+                                          </p:spTgt>
+                                        </p:tgtEl>
+                                        <p:attrNameLst>
+                                          <p:attrName>style.visibility</p:attrName>
+                                        </p:attrNameLst>
+                                      </p:cBhvr>
+                                      <p:to>
+                                        <p:strVal val="visible"/>
+                                      </p:to>
+                                    </p:set>
+                                  </p:childTnLst>
+                                </p:cTn>
+                              </p:par>
+                            </p:childTnLst>
+                          </p:cTn>
+                        </p:par>
+                      </p:childTnLst>
+                    </p:cTn>
+                  </p:par>
+                  <p:par>
+                    <p:cTn id="7" fill="hold">
+                      <p:stCondLst>
+                        <p:cond delay="indefinite"/>
+                      </p:stCondLst>
+                      <p:childTnLst>
+                        <p:par>
+                          <p:cTn id="8" fill="hold">
+                            <p:stCondLst>
+                              <p:cond delay="0"/>
+                            </p:stCondLst>
+                            <p:childTnLst>
+                              <p:par>
+                                <p:cTn id="9" presetID="1" presetClass="entr" presetSubtype="0" fill="hold" grpId="0" nodeType="clickEffect">
+                                  <p:stCondLst>
+                                    <p:cond delay="0"/>
+                                  </p:stCondLst>
+                                  <p:childTnLst>
+                                    <p:set>
+                                      <p:cBhvr>
+                                        <p:cTn id="10" dur="1" fill="hold">
+                                          <p:stCondLst>
+                                            <p:cond delay="0"/>
+                                          </p:stCondLst>
+                                        </p:cTn>
+                                        <p:tgtEl>
+                                          <p:spTgt spid="3">
+                                            <p:txEl>
+                                              <p:pRg st="1" end="1"/>
+                                            </p:txEl>
+                                          </p:spTgt>
+                                        </p:tgtEl>
+                                        <p:attrNameLst>
+                                          <p:attrName>style.visibility</p:attrName>
+                                        </p:attrNameLst>
+                                      </p:cBhvr>
+                                      <p:to>
+                                        <p:strVal val="visible"/>
+                                      </p:to>
+                                    </p:set>
+                                  </p:childTnLst>
+                                </p:cTn>
+                              </p:par>
+                            </p:childTnLst>
+                          </p:cTn>
+                        </p:par>
+                      </p:childTnLst>
+                    </p:cTn>
+                  </p:par>
+                  <p:par>
+                    <p:cTn id="11" fill="hold">
+                      <p:stCondLst>
+                        <p:cond delay="indefinite"/>
+                      </p:stCondLst>
+                      <p:childTnLst>
+                        <p:par>
+                          <p:cTn id="12" fill="hold">
+                            <p:stCondLst>
+                              <p:cond delay="0"/>
+                            </p:stCondLst>
+                            <p:childTnLst>
+                              <p:par>
+                                <p:cTn id="13" presetID="1" presetClass="entr" presetSubtype="0" fill="hold" grpId="0" nodeType="clickEffect">
+                                  <p:stCondLst>
+                                    <p:cond delay="0"/>
+                                  </p:stCondLst>
+                                  <p:childTnLst>
+                                    <p:set>
+                                      <p:cBhvr>
+                                        <p:cTn id="14" dur="1" fill="hold">
+                                          <p:stCondLst>
+                                            <p:cond delay="0"/>
+                                          </p:stCondLst>
+                                        </p:cTn>
+                                        <p:tgtEl>
+                                          <p:spTgt spid="3">
+                                            <p:txEl>
+                                              <p:pRg st="2" end="2"/>
+                                            </p:txEl>
+                                          </p:spTgt>
+                                        </p:tgtEl>
+                                        <p:attrNameLst>
+                                          <p:attrName>style.visibility</p:attrName>
+                                        </p:attrNameLst>
+                                      </p:cBhvr>
+                                      <p:to>
+                                        <p:strVal val="visible"/>
+                                      </p:to>
+                                    </p:set>
+                                  </p:childTnLst>
+                                </p:cTn>
+                              </p:par>
+                            </p:childTnLst>
+                          </p:cTn>
+                        </p:par>
+                      </p:childTnLst>
+                    </p:cTn>
+                  </p:par>
+                  <p:par>
+                    <p:cTn id="15" fill="hold">
+                      <p:stCondLst>
+                        <p:cond delay="indefinite"/>
+                      </p:stCondLst>
+                      <p:childTnLst>
+                        <p:par>
+                          <p:cTn id="16" fill="hold">
+                            <p:stCondLst>
+                              <p:cond delay="0"/>
+                            </p:stCondLst>
+                            <p:childTnLst>
+                              <p:par>
+                                <p:cTn id="17" presetID="1" presetClass="entr" presetSubtype="0" fill="hold" grpId="0" nodeType="clickEffect">
+                                  <p:stCondLst>
+                                    <p:cond delay="0"/>
+                                  </p:stCondLst>
+                                  <p:childTnLst>
+                                    <p:set>
+                                      <p:cBhvr>
+                                        <p:cTn id="18" dur="1" fill="hold">
+                                          <p:stCondLst>
+                                            <p:cond delay="0"/>
+                                          </p:stCondLst>
+                                        </p:cTn>
+                                        <p:tgtEl>
+                                          <p:spTgt spid="3">
+                                            <p:txEl>
+                                              <p:pRg st="3" end="3"/>
+                                            </p:txEl>
+                                          </p:spTgt>
+                                        </p:tgtEl>
+                                        <p:attrNameLst>
+                                          <p:attrName>style.visibility</p:attrName>
+                                        </p:attrNameLst>
+                                      </p:cBhvr>
+                                      <p:to>
+                                        <p:strVal val="visible"/>
+                                      </p:to>
+                                    </p:set>
+                                  </p:childTnLst>
+                                </p:cTn>
+                              </p:par>
+                            </p:childTnLst>
+                          </p:cTn>
+                        </p:par>
+                      </p:childTnLst>
+                    </p:cTn>
+                  </p:par>
+                  <p:par>
+                    <p:cTn id="19" fill="hold">
+                      <p:stCondLst>
+                        <p:cond delay="indefinite"/>
+                      </p:stCondLst>
+                      <p:childTnLst>
+                        <p:par>
+                          <p:cTn id="20" fill="hold">
+                            <p:stCondLst>
+                              <p:cond delay="0"/>
+                            </p:stCondLst>
+                            <p:childTnLst>
+                              <p:par>
+                                <p:cTn id="21" presetID="1" presetClass="entr" presetSubtype="0" fill="hold" grpId="0" nodeType="clickEffect">
+                                  <p:stCondLst>
+                                    <p:cond delay="0"/>
+                                  </p:stCondLst>
+                                  <p:childTnLst>
+                                    <p:set>
+                                      <p:cBhvr>
+                                        <p:cTn id="22" dur="1" fill="hold">
+                                          <p:stCondLst>
+                                            <p:cond delay="0"/>
+                                          </p:stCondLst>
+                                        </p:cTn>
+                                        <p:tgtEl>
+                                          <p:spTgt spid="3">
+                                            <p:txEl>
+                                              <p:pRg st="4" end="4"/>
+                                            </p:txEl>
+                                          </p:spTgt>
+                                        </p:tgtEl>
+                                        <p:attrNameLst>
+                                          <p:attrName>style.visibility</p:attrName>
+                                        </p:attrNameLst>
+                                      </p:cBhvr>
+                                      <p:to>
+                                        <p:strVal val="visible"/>
+                                      </p:to>
+                                    </p:set>
+                                  </p:childTnLst>
+                                </p:cTn>
+                              </p:par>
+                            </p:childTnLst>
+                          </p:cTn>
+                        </p:par>
+                      </p:childTnLst>
+                    </p:cTn>
+                  </p:par>
+                  <p:par>
+                    <p:cTn id="23" fill="hold">
+                      <p:stCondLst>
+                        <p:cond delay="indefinite"/>
+                      </p:stCondLst>
+                      <p:childTnLst>
+                        <p:par>
+                          <p:cTn id="24" fill="hold">
+                            <p:stCondLst>
+                              <p:cond delay="0"/>
+                            </p:stCondLst>
+                            <p:childTnLst>
+                              <p:par>
+                                <p:cTn id="25" presetID="1" presetClass="entr" presetSubtype="0" fill="hold" grpId="0" nodeType="clickEffect">
+                                  <p:stCondLst>
+                                    <p:cond delay="0"/>
+                                  </p:stCondLst>
+                                  <p:childTnLst>
+                                    <p:set>
+                                      <p:cBhvr>
+                                        <p:cTn id="26" dur="1" fill="hold">
+                                          <p:stCondLst>
+                                            <p:cond delay="0"/>
+                                          </p:stCondLst>
+                                        </p:cTn>
+                                        <p:tgtEl>
+                                          <p:spTgt spid="3">
+                                            <p:txEl>
+                                              <p:pRg st="5" end="5"/>
+                                            </p:txEl>
+                                          </p:spTgt>
+                                        </p:tgtEl>
+                                        <p:attrNameLst>
+                                          <p:attrName>style.visibility</p:attrName>
+                                        </p:attrNameLst>
+                                      </p:cBhvr>
+                                      <p:to>
+                                        <p:strVal val="visible"/>
+                                      </p:to>
+                                    </p:set>
+                                  </p:childTnLst>
+                                </p:cTn>
+                              </p:par>
+                            </p:childTnLst>
+                          </p:cTn>
+                        </p:par>
+                      </p:childTnLst>
+                    </p:cTn>
+                  </p:par>
+                  <p:par>
+                    <p:cTn id="27" fill="hold">
+                      <p:stCondLst>
+                        <p:cond delay="indefinite"/>
+                      </p:stCondLst>
+                      <p:childTnLst>
+                        <p:par>
+                          <p:cTn id="28" fill="hold">
+                            <p:stCondLst>
+                              <p:cond delay="0"/>
+                            </p:stCondLst>
+                            <p:childTnLst>
+                              <p:par>
+                                <p:cTn id="29" presetID="1" presetClass="entr" presetSubtype="0" fill="hold" grpId="0" nodeType="clickEffect">
+                                  <p:stCondLst>
+                                    <p:cond delay="0"/>
+                                  </p:stCondLst>
+                                  <p:childTnLst>
+                                    <p:set>
+                                      <p:cBhvr>
+                                        <p:cTn id="30" dur="1" fill="hold">
+                                          <p:stCondLst>
+                                            <p:cond delay="0"/>
+                                          </p:stCondLst>
+                                        </p:cTn>
+                                        <p:tgtEl>
+                                          <p:spTgt spid="3">
+                                            <p:txEl>
+                                              <p:pRg st="6" end="6"/>
+                                            </p:txEl>
+                                          </p:spTgt>
+                                        </p:tgtEl>
+                                        <p:attrNameLst>
+                                          <p:attrName>style.visibility</p:attrName>
+                                        </p:attrNameLst>
+                                      </p:cBhvr>
+                                      <p:to>
+                                        <p:strVal val="visible"/>
+                                      </p:to>
+                                    </p:set>
+                                  </p:childTnLst>
+                                </p:cTn>
+                              </p:par>
+                            </p:childTnLst>
+                          </p:cTn>
+                        </p:par>
+                      </p:childTnLst>
+                    </p:cTn>
+                  </p:par>
+                </p:childTnLst>
+              </p:cTn>
+              <p:prevCondLst>
+                <p:cond evt="onPrev" delay="0">
+                  <p:tgtEl>
+                    <p:sldTgt/>
+                  </p:tgtEl>
+                </p:cond>
+              </p:prevCondLst>
+              <p:nextCondLst>
+                <p:cond evt="onNext" delay="0">
+                  <p:tgtEl>
+                    <p:sldTgt/>
+                  </p:tgtEl>
+                </p:cond>
+              </p:nextCondLst>
+            </p:seq>
+          </p:childTnLst>
+        </p:cTn>
+      </p:par>
+    </p:tnLst>
+    <p:bldLst>
+      <p:bldP spid="3" grpId="0" build="p"/>
+    </p:bldLst>
+  </p:timing>
+</p:sld>
+</file>
+
+<file path=ppt/slides/slide12.xml><?xml version="1.0" encoding="utf-8"?>
+<p:sld xmlns:a="http://schemas.openxmlformats.org/drawingml/2006/main" xmlns:r="http://schemas.openxmlformats.org/officeDocument/2006/relationships" xmlns:p="http://schemas.openxmlformats.org/presentationml/2006/main">
+  <p:cSld>
+    <p:spTree>
+      <p:nvGrpSpPr>
+        <p:cNvPr id="1" name=""/>
+        <p:cNvGrpSpPr/>
+        <p:nvPr/>
+      </p:nvGrpSpPr>
+      <p:grpSpPr>
+        <a:xfrm>
+          <a:off x="0" y="0"/>
+          <a:ext cx="0" cy="0"/>
+          <a:chOff x="0" y="0"/>
+          <a:chExt cx="0" cy="0"/>
+        </a:xfrm>
+      </p:grpSpPr>
+      <p:sp>
+        <p:nvSpPr>
+          <p:cNvPr id="2" name="Title 1"/>
+          <p:cNvSpPr>
+            <a:spLocks noGrp="1"/>
+          </p:cNvSpPr>
+          <p:nvPr>
+            <p:ph type="title"/>
+          </p:nvPr>
+        </p:nvSpPr>
         <p:spPr/>
         <p:txBody>
           <a:bodyPr/>
@@ -3305,6 +5653,12 @@
                   <a:t>Maps predictions to probabilities </a:t>
                 </a:r>
               </a:p>
+              <a:p>
+                <a:r>
+                  <a:rPr lang="en-CA" dirty="0" smtClean="0"/>
+                  <a:t>Also called the sigmoid</a:t>
+                </a:r>
+              </a:p>
             </p:txBody>
           </p:sp>
         </mc:Choice>
@@ -3359,14 +5713,236 @@
   <p:timing>
     <p:tnLst>
       <p:par>
-        <p:cTn id="1" dur="indefinite" restart="never" nodeType="tmRoot"/>
+        <p:cTn id="1" dur="indefinite" restart="never" nodeType="tmRoot">
+          <p:childTnLst>
+            <p:seq concurrent="1" nextAc="seek">
+              <p:cTn id="2" dur="indefinite" nodeType="mainSeq">
+                <p:childTnLst>
+                  <p:par>
+                    <p:cTn id="3" fill="hold">
+                      <p:stCondLst>
+                        <p:cond delay="indefinite"/>
+                      </p:stCondLst>
+                      <p:childTnLst>
+                        <p:par>
+                          <p:cTn id="4" fill="hold">
+                            <p:stCondLst>
+                              <p:cond delay="0"/>
+                            </p:stCondLst>
+                            <p:childTnLst>
+                              <p:par>
+                                <p:cTn id="5" presetID="1" presetClass="entr" presetSubtype="0" fill="hold" grpId="0" nodeType="clickEffect">
+                                  <p:stCondLst>
+                                    <p:cond delay="0"/>
+                                  </p:stCondLst>
+                                  <p:childTnLst>
+                                    <p:set>
+                                      <p:cBhvr>
+                                        <p:cTn id="6" dur="1" fill="hold">
+                                          <p:stCondLst>
+                                            <p:cond delay="0"/>
+                                          </p:stCondLst>
+                                        </p:cTn>
+                                        <p:tgtEl>
+                                          <p:spTgt spid="5">
+                                            <p:txEl>
+                                              <p:pRg st="0" end="0"/>
+                                            </p:txEl>
+                                          </p:spTgt>
+                                        </p:tgtEl>
+                                        <p:attrNameLst>
+                                          <p:attrName>style.visibility</p:attrName>
+                                        </p:attrNameLst>
+                                      </p:cBhvr>
+                                      <p:to>
+                                        <p:strVal val="visible"/>
+                                      </p:to>
+                                    </p:set>
+                                  </p:childTnLst>
+                                </p:cTn>
+                              </p:par>
+                            </p:childTnLst>
+                          </p:cTn>
+                        </p:par>
+                      </p:childTnLst>
+                    </p:cTn>
+                  </p:par>
+                  <p:par>
+                    <p:cTn id="7" fill="hold">
+                      <p:stCondLst>
+                        <p:cond delay="indefinite"/>
+                      </p:stCondLst>
+                      <p:childTnLst>
+                        <p:par>
+                          <p:cTn id="8" fill="hold">
+                            <p:stCondLst>
+                              <p:cond delay="0"/>
+                            </p:stCondLst>
+                            <p:childTnLst>
+                              <p:par>
+                                <p:cTn id="9" presetID="1" presetClass="entr" presetSubtype="0" fill="hold" grpId="0" nodeType="clickEffect">
+                                  <p:stCondLst>
+                                    <p:cond delay="0"/>
+                                  </p:stCondLst>
+                                  <p:childTnLst>
+                                    <p:set>
+                                      <p:cBhvr>
+                                        <p:cTn id="10" dur="1" fill="hold">
+                                          <p:stCondLst>
+                                            <p:cond delay="0"/>
+                                          </p:stCondLst>
+                                        </p:cTn>
+                                        <p:tgtEl>
+                                          <p:spTgt spid="5">
+                                            <p:txEl>
+                                              <p:pRg st="1" end="1"/>
+                                            </p:txEl>
+                                          </p:spTgt>
+                                        </p:tgtEl>
+                                        <p:attrNameLst>
+                                          <p:attrName>style.visibility</p:attrName>
+                                        </p:attrNameLst>
+                                      </p:cBhvr>
+                                      <p:to>
+                                        <p:strVal val="visible"/>
+                                      </p:to>
+                                    </p:set>
+                                  </p:childTnLst>
+                                </p:cTn>
+                              </p:par>
+                            </p:childTnLst>
+                          </p:cTn>
+                        </p:par>
+                      </p:childTnLst>
+                    </p:cTn>
+                  </p:par>
+                  <p:par>
+                    <p:cTn id="11" fill="hold">
+                      <p:stCondLst>
+                        <p:cond delay="indefinite"/>
+                      </p:stCondLst>
+                      <p:childTnLst>
+                        <p:par>
+                          <p:cTn id="12" fill="hold">
+                            <p:stCondLst>
+                              <p:cond delay="0"/>
+                            </p:stCondLst>
+                            <p:childTnLst>
+                              <p:par>
+                                <p:cTn id="13" presetID="1" presetClass="entr" presetSubtype="0" fill="hold" grpId="0" nodeType="clickEffect">
+                                  <p:stCondLst>
+                                    <p:cond delay="0"/>
+                                  </p:stCondLst>
+                                  <p:childTnLst>
+                                    <p:set>
+                                      <p:cBhvr>
+                                        <p:cTn id="14" dur="1" fill="hold">
+                                          <p:stCondLst>
+                                            <p:cond delay="0"/>
+                                          </p:stCondLst>
+                                        </p:cTn>
+                                        <p:tgtEl>
+                                          <p:spTgt spid="5">
+                                            <p:txEl>
+                                              <p:pRg st="2" end="2"/>
+                                            </p:txEl>
+                                          </p:spTgt>
+                                        </p:tgtEl>
+                                        <p:attrNameLst>
+                                          <p:attrName>style.visibility</p:attrName>
+                                        </p:attrNameLst>
+                                      </p:cBhvr>
+                                      <p:to>
+                                        <p:strVal val="visible"/>
+                                      </p:to>
+                                    </p:set>
+                                  </p:childTnLst>
+                                </p:cTn>
+                              </p:par>
+                            </p:childTnLst>
+                          </p:cTn>
+                        </p:par>
+                      </p:childTnLst>
+                    </p:cTn>
+                  </p:par>
+                  <p:par>
+                    <p:cTn id="15" fill="hold">
+                      <p:stCondLst>
+                        <p:cond delay="indefinite"/>
+                      </p:stCondLst>
+                      <p:childTnLst>
+                        <p:par>
+                          <p:cTn id="16" fill="hold">
+                            <p:stCondLst>
+                              <p:cond delay="0"/>
+                            </p:stCondLst>
+                            <p:childTnLst>
+                              <p:par>
+                                <p:cTn id="17" presetID="1" presetClass="entr" presetSubtype="0" fill="hold" grpId="0" nodeType="clickEffect">
+                                  <p:stCondLst>
+                                    <p:cond delay="0"/>
+                                  </p:stCondLst>
+                                  <p:childTnLst>
+                                    <p:set>
+                                      <p:cBhvr>
+                                        <p:cTn id="18" dur="1" fill="hold">
+                                          <p:stCondLst>
+                                            <p:cond delay="0"/>
+                                          </p:stCondLst>
+                                        </p:cTn>
+                                        <p:tgtEl>
+                                          <p:spTgt spid="5">
+                                            <p:txEl>
+                                              <p:pRg st="3" end="3"/>
+                                            </p:txEl>
+                                          </p:spTgt>
+                                        </p:tgtEl>
+                                        <p:attrNameLst>
+                                          <p:attrName>style.visibility</p:attrName>
+                                        </p:attrNameLst>
+                                      </p:cBhvr>
+                                      <p:to>
+                                        <p:strVal val="visible"/>
+                                      </p:to>
+                                    </p:set>
+                                  </p:childTnLst>
+                                </p:cTn>
+                              </p:par>
+                            </p:childTnLst>
+                          </p:cTn>
+                        </p:par>
+                      </p:childTnLst>
+                    </p:cTn>
+                  </p:par>
+                </p:childTnLst>
+              </p:cTn>
+              <p:prevCondLst>
+                <p:cond evt="onPrev" delay="0">
+                  <p:tgtEl>
+                    <p:sldTgt/>
+                  </p:tgtEl>
+                </p:cond>
+              </p:prevCondLst>
+              <p:nextCondLst>
+                <p:cond evt="onNext" delay="0">
+                  <p:tgtEl>
+                    <p:sldTgt/>
+                  </p:tgtEl>
+                </p:cond>
+              </p:nextCondLst>
+            </p:seq>
+          </p:childTnLst>
+        </p:cTn>
       </p:par>
     </p:tnLst>
+    <p:bldLst>
+      <p:bldP spid="5" grpId="0" build="p"/>
+    </p:bldLst>
   </p:timing>
 </p:sld>
 </file>
 
-<file path=ppt/slides/slide11.xml><?xml version="1.0" encoding="utf-8"?>
+<file path=ppt/slides/slide13.xml><?xml version="1.0" encoding="utf-8"?>
 <p:sld xmlns:a="http://schemas.openxmlformats.org/drawingml/2006/main" xmlns:r="http://schemas.openxmlformats.org/officeDocument/2006/relationships" xmlns:p="http://schemas.openxmlformats.org/presentationml/2006/main">
   <p:cSld>
     <p:spTree>
@@ -3395,17 +5971,19 @@
         </p:nvSpPr>
         <p:spPr>
           <a:xfrm>
-            <a:off x="0" y="0"/>
-            <a:ext cx="10515600" cy="882217"/>
+            <a:off x="-1" y="1"/>
+            <a:ext cx="11914909" cy="655948"/>
           </a:xfrm>
         </p:spPr>
         <p:txBody>
-          <a:bodyPr/>
+          <a:bodyPr>
+            <a:normAutofit fontScale="90000"/>
+          </a:bodyPr>
           <a:lstStyle/>
           <a:p>
             <a:r>
               <a:rPr lang="en-CA" dirty="0" smtClean="0"/>
-              <a:t>More logistic regression functions </a:t>
+              <a:t>Different logistic regression function (sigmoid) shapes</a:t>
             </a:r>
             <a:endParaRPr lang="en-CA" dirty="0"/>
           </a:p>
@@ -3711,7 +6289,7 @@
 </p:sld>
 </file>
 
-<file path=ppt/slides/slide12.xml><?xml version="1.0" encoding="utf-8"?>
+<file path=ppt/slides/slide14.xml><?xml version="1.0" encoding="utf-8"?>
 <p:sld xmlns:a="http://schemas.openxmlformats.org/drawingml/2006/main" xmlns:r="http://schemas.openxmlformats.org/officeDocument/2006/relationships" xmlns:p="http://schemas.openxmlformats.org/presentationml/2006/main">
   <p:cSld>
     <p:spTree>
@@ -4364,6 +6942,62 @@
               <a:p>
                 <a:r>
                   <a:rPr lang="en-CA" dirty="0" smtClean="0"/>
+                  <a:t>Where the </a:t>
+                </a:r>
+                <a14:m>
+                  <m:oMath xmlns:m="http://schemas.openxmlformats.org/officeDocument/2006/math">
+                    <m:sSup>
+                      <m:sSupPr>
+                        <m:ctrlPr>
+                          <a:rPr lang="en-CA" i="1">
+                            <a:latin typeface="Cambria Math" panose="02040503050406030204" pitchFamily="18" charset="0"/>
+                          </a:rPr>
+                        </m:ctrlPr>
+                      </m:sSupPr>
+                      <m:e>
+                        <m:r>
+                          <m:rPr>
+                            <m:sty m:val="p"/>
+                          </m:rPr>
+                          <a:rPr lang="en-CA">
+                            <a:latin typeface="Cambria Math" panose="02040503050406030204" pitchFamily="18" charset="0"/>
+                          </a:rPr>
+                          <m:t>x</m:t>
+                        </m:r>
+                      </m:e>
+                      <m:sup>
+                        <m:d>
+                          <m:dPr>
+                            <m:ctrlPr>
+                              <a:rPr lang="en-CA" i="1">
+                                <a:latin typeface="Cambria Math" panose="02040503050406030204" pitchFamily="18" charset="0"/>
+                              </a:rPr>
+                            </m:ctrlPr>
+                          </m:dPr>
+                          <m:e>
+                            <m:r>
+                              <m:rPr>
+                                <m:sty m:val="p"/>
+                              </m:rPr>
+                              <a:rPr lang="en-CA">
+                                <a:latin typeface="Cambria Math" panose="02040503050406030204" pitchFamily="18" charset="0"/>
+                              </a:rPr>
+                              <m:t>i</m:t>
+                            </m:r>
+                          </m:e>
+                        </m:d>
+                      </m:sup>
+                    </m:sSup>
+                  </m:oMath>
+                </a14:m>
+                <a:r>
+                  <a:rPr lang="en-CA" dirty="0" smtClean="0"/>
+                  <a:t> are either 0 or 1</a:t>
+                </a:r>
+              </a:p>
+              <a:p>
+                <a:r>
+                  <a:rPr lang="en-CA" dirty="0" smtClean="0"/>
                   <a:t>Weights </a:t>
                 </a:r>
                 <a:r>
@@ -4392,6 +7026,36 @@
                     <a:ea typeface="Cambria Math" panose="02040503050406030204" pitchFamily="18" charset="0"/>
                   </a:rPr>
                   <a:t>need to be chosen to maximize log-likelihood</a:t>
+                </a:r>
+              </a:p>
+              <a:p>
+                <a:pPr lvl="1"/>
+                <a:r>
+                  <a:rPr lang="en-CA" dirty="0" smtClean="0">
+                    <a:ea typeface="Cambria Math" panose="02040503050406030204" pitchFamily="18" charset="0"/>
+                  </a:rPr>
+                  <a:t>(the weights are in the</a:t>
+                </a:r>
+                <a:r>
+                  <a:rPr lang="en-CA" dirty="0" smtClean="0">
+                    <a:latin typeface="Cambria Math" panose="02040503050406030204" pitchFamily="18" charset="0"/>
+                    <a:ea typeface="Cambria Math" panose="02040503050406030204" pitchFamily="18" charset="0"/>
+                  </a:rPr>
+                  <a:t> p(…) </a:t>
+                </a:r>
+                <a:r>
+                  <a:rPr lang="en-CA" dirty="0" smtClean="0">
+                    <a:ea typeface="Cambria Math" panose="02040503050406030204" pitchFamily="18" charset="0"/>
+                  </a:rPr>
+                  <a:t>above)</a:t>
+                </a:r>
+              </a:p>
+              <a:p>
+                <a:r>
+                  <a:rPr lang="en-CA" dirty="0" smtClean="0">
+                    <a:ea typeface="Cambria Math" panose="02040503050406030204" pitchFamily="18" charset="0"/>
+                  </a:rPr>
+                  <a:t>Gradient descent algorithm</a:t>
                 </a:r>
               </a:p>
               <a:p>
@@ -4443,6 +7107,47 @@
           </p:sp>
         </mc:Fallback>
       </mc:AlternateContent>
+      <p:pic>
+        <p:nvPicPr>
+          <p:cNvPr id="1026" name="Picture 2" descr="https://upload.wikimedia.org/wikipedia/commons/thumb/f/ff/Gradient_descent.svg/350px-Gradient_descent.svg.png"/>
+          <p:cNvPicPr>
+            <a:picLocks noChangeAspect="1" noChangeArrowheads="1"/>
+          </p:cNvPicPr>
+          <p:nvPr/>
+        </p:nvPicPr>
+        <p:blipFill>
+          <a:blip r:embed="rId3">
+            <a:extLst>
+              <a:ext uri="{28A0092B-C50C-407E-A947-70E740481C1C}">
+                <a14:useLocalDpi xmlns:a14="http://schemas.microsoft.com/office/drawing/2010/main" val="0"/>
+              </a:ext>
+            </a:extLst>
+          </a:blip>
+          <a:srcRect/>
+          <a:stretch>
+            <a:fillRect/>
+          </a:stretch>
+        </p:blipFill>
+        <p:spPr bwMode="auto">
+          <a:xfrm>
+            <a:off x="9047019" y="3634469"/>
+            <a:ext cx="2879724" cy="3085419"/>
+          </a:xfrm>
+          <a:prstGeom prst="rect">
+            <a:avLst/>
+          </a:prstGeom>
+          <a:noFill/>
+          <a:extLst>
+            <a:ext uri="{909E8E84-426E-40DD-AFC4-6F175D3DCCD1}">
+              <a14:hiddenFill xmlns:a14="http://schemas.microsoft.com/office/drawing/2010/main">
+                <a:solidFill>
+                  <a:srgbClr val="FFFFFF"/>
+                </a:solidFill>
+              </a14:hiddenFill>
+            </a:ext>
+          </a:extLst>
+        </p:spPr>
+      </p:pic>
     </p:spTree>
     <p:extLst>
       <p:ext uri="{BB962C8B-B14F-4D97-AF65-F5344CB8AC3E}">
@@ -4456,14 +7161,410 @@
   <p:timing>
     <p:tnLst>
       <p:par>
-        <p:cTn id="1" dur="indefinite" restart="never" nodeType="tmRoot"/>
+        <p:cTn id="1" dur="indefinite" restart="never" nodeType="tmRoot">
+          <p:childTnLst>
+            <p:seq concurrent="1" nextAc="seek">
+              <p:cTn id="2" dur="indefinite" nodeType="mainSeq">
+                <p:childTnLst>
+                  <p:par>
+                    <p:cTn id="3" fill="hold">
+                      <p:stCondLst>
+                        <p:cond delay="indefinite"/>
+                      </p:stCondLst>
+                      <p:childTnLst>
+                        <p:par>
+                          <p:cTn id="4" fill="hold">
+                            <p:stCondLst>
+                              <p:cond delay="0"/>
+                            </p:stCondLst>
+                            <p:childTnLst>
+                              <p:par>
+                                <p:cTn id="5" presetID="1" presetClass="entr" presetSubtype="0" fill="hold" grpId="0" nodeType="clickEffect">
+                                  <p:stCondLst>
+                                    <p:cond delay="0"/>
+                                  </p:stCondLst>
+                                  <p:childTnLst>
+                                    <p:set>
+                                      <p:cBhvr>
+                                        <p:cTn id="6" dur="1" fill="hold">
+                                          <p:stCondLst>
+                                            <p:cond delay="0"/>
+                                          </p:stCondLst>
+                                        </p:cTn>
+                                        <p:tgtEl>
+                                          <p:spTgt spid="3">
+                                            <p:txEl>
+                                              <p:pRg st="0" end="0"/>
+                                            </p:txEl>
+                                          </p:spTgt>
+                                        </p:tgtEl>
+                                        <p:attrNameLst>
+                                          <p:attrName>style.visibility</p:attrName>
+                                        </p:attrNameLst>
+                                      </p:cBhvr>
+                                      <p:to>
+                                        <p:strVal val="visible"/>
+                                      </p:to>
+                                    </p:set>
+                                  </p:childTnLst>
+                                </p:cTn>
+                              </p:par>
+                            </p:childTnLst>
+                          </p:cTn>
+                        </p:par>
+                      </p:childTnLst>
+                    </p:cTn>
+                  </p:par>
+                  <p:par>
+                    <p:cTn id="7" fill="hold">
+                      <p:stCondLst>
+                        <p:cond delay="indefinite"/>
+                      </p:stCondLst>
+                      <p:childTnLst>
+                        <p:par>
+                          <p:cTn id="8" fill="hold">
+                            <p:stCondLst>
+                              <p:cond delay="0"/>
+                            </p:stCondLst>
+                            <p:childTnLst>
+                              <p:par>
+                                <p:cTn id="9" presetID="1" presetClass="entr" presetSubtype="0" fill="hold" grpId="0" nodeType="clickEffect">
+                                  <p:stCondLst>
+                                    <p:cond delay="0"/>
+                                  </p:stCondLst>
+                                  <p:childTnLst>
+                                    <p:set>
+                                      <p:cBhvr>
+                                        <p:cTn id="10" dur="1" fill="hold">
+                                          <p:stCondLst>
+                                            <p:cond delay="0"/>
+                                          </p:stCondLst>
+                                        </p:cTn>
+                                        <p:tgtEl>
+                                          <p:spTgt spid="3">
+                                            <p:txEl>
+                                              <p:pRg st="1" end="1"/>
+                                            </p:txEl>
+                                          </p:spTgt>
+                                        </p:tgtEl>
+                                        <p:attrNameLst>
+                                          <p:attrName>style.visibility</p:attrName>
+                                        </p:attrNameLst>
+                                      </p:cBhvr>
+                                      <p:to>
+                                        <p:strVal val="visible"/>
+                                      </p:to>
+                                    </p:set>
+                                  </p:childTnLst>
+                                </p:cTn>
+                              </p:par>
+                            </p:childTnLst>
+                          </p:cTn>
+                        </p:par>
+                      </p:childTnLst>
+                    </p:cTn>
+                  </p:par>
+                  <p:par>
+                    <p:cTn id="11" fill="hold">
+                      <p:stCondLst>
+                        <p:cond delay="indefinite"/>
+                      </p:stCondLst>
+                      <p:childTnLst>
+                        <p:par>
+                          <p:cTn id="12" fill="hold">
+                            <p:stCondLst>
+                              <p:cond delay="0"/>
+                            </p:stCondLst>
+                            <p:childTnLst>
+                              <p:par>
+                                <p:cTn id="13" presetID="1" presetClass="entr" presetSubtype="0" fill="hold" grpId="0" nodeType="clickEffect">
+                                  <p:stCondLst>
+                                    <p:cond delay="0"/>
+                                  </p:stCondLst>
+                                  <p:childTnLst>
+                                    <p:set>
+                                      <p:cBhvr>
+                                        <p:cTn id="14" dur="1" fill="hold">
+                                          <p:stCondLst>
+                                            <p:cond delay="0"/>
+                                          </p:stCondLst>
+                                        </p:cTn>
+                                        <p:tgtEl>
+                                          <p:spTgt spid="3">
+                                            <p:txEl>
+                                              <p:pRg st="2" end="2"/>
+                                            </p:txEl>
+                                          </p:spTgt>
+                                        </p:tgtEl>
+                                        <p:attrNameLst>
+                                          <p:attrName>style.visibility</p:attrName>
+                                        </p:attrNameLst>
+                                      </p:cBhvr>
+                                      <p:to>
+                                        <p:strVal val="visible"/>
+                                      </p:to>
+                                    </p:set>
+                                  </p:childTnLst>
+                                </p:cTn>
+                              </p:par>
+                            </p:childTnLst>
+                          </p:cTn>
+                        </p:par>
+                      </p:childTnLst>
+                    </p:cTn>
+                  </p:par>
+                  <p:par>
+                    <p:cTn id="15" fill="hold">
+                      <p:stCondLst>
+                        <p:cond delay="indefinite"/>
+                      </p:stCondLst>
+                      <p:childTnLst>
+                        <p:par>
+                          <p:cTn id="16" fill="hold">
+                            <p:stCondLst>
+                              <p:cond delay="0"/>
+                            </p:stCondLst>
+                            <p:childTnLst>
+                              <p:par>
+                                <p:cTn id="17" presetID="1" presetClass="entr" presetSubtype="0" fill="hold" grpId="0" nodeType="clickEffect">
+                                  <p:stCondLst>
+                                    <p:cond delay="0"/>
+                                  </p:stCondLst>
+                                  <p:childTnLst>
+                                    <p:set>
+                                      <p:cBhvr>
+                                        <p:cTn id="18" dur="1" fill="hold">
+                                          <p:stCondLst>
+                                            <p:cond delay="0"/>
+                                          </p:stCondLst>
+                                        </p:cTn>
+                                        <p:tgtEl>
+                                          <p:spTgt spid="3">
+                                            <p:txEl>
+                                              <p:pRg st="3" end="3"/>
+                                            </p:txEl>
+                                          </p:spTgt>
+                                        </p:tgtEl>
+                                        <p:attrNameLst>
+                                          <p:attrName>style.visibility</p:attrName>
+                                        </p:attrNameLst>
+                                      </p:cBhvr>
+                                      <p:to>
+                                        <p:strVal val="visible"/>
+                                      </p:to>
+                                    </p:set>
+                                  </p:childTnLst>
+                                </p:cTn>
+                              </p:par>
+                            </p:childTnLst>
+                          </p:cTn>
+                        </p:par>
+                      </p:childTnLst>
+                    </p:cTn>
+                  </p:par>
+                  <p:par>
+                    <p:cTn id="19" fill="hold">
+                      <p:stCondLst>
+                        <p:cond delay="indefinite"/>
+                      </p:stCondLst>
+                      <p:childTnLst>
+                        <p:par>
+                          <p:cTn id="20" fill="hold">
+                            <p:stCondLst>
+                              <p:cond delay="0"/>
+                            </p:stCondLst>
+                            <p:childTnLst>
+                              <p:par>
+                                <p:cTn id="21" presetID="1" presetClass="entr" presetSubtype="0" fill="hold" grpId="0" nodeType="clickEffect">
+                                  <p:stCondLst>
+                                    <p:cond delay="0"/>
+                                  </p:stCondLst>
+                                  <p:childTnLst>
+                                    <p:set>
+                                      <p:cBhvr>
+                                        <p:cTn id="22" dur="1" fill="hold">
+                                          <p:stCondLst>
+                                            <p:cond delay="0"/>
+                                          </p:stCondLst>
+                                        </p:cTn>
+                                        <p:tgtEl>
+                                          <p:spTgt spid="3">
+                                            <p:txEl>
+                                              <p:pRg st="4" end="4"/>
+                                            </p:txEl>
+                                          </p:spTgt>
+                                        </p:tgtEl>
+                                        <p:attrNameLst>
+                                          <p:attrName>style.visibility</p:attrName>
+                                        </p:attrNameLst>
+                                      </p:cBhvr>
+                                      <p:to>
+                                        <p:strVal val="visible"/>
+                                      </p:to>
+                                    </p:set>
+                                  </p:childTnLst>
+                                </p:cTn>
+                              </p:par>
+                              <p:par>
+                                <p:cTn id="23" presetID="1" presetClass="entr" presetSubtype="0" fill="hold" grpId="0" nodeType="withEffect">
+                                  <p:stCondLst>
+                                    <p:cond delay="0"/>
+                                  </p:stCondLst>
+                                  <p:childTnLst>
+                                    <p:set>
+                                      <p:cBhvr>
+                                        <p:cTn id="24" dur="1" fill="hold">
+                                          <p:stCondLst>
+                                            <p:cond delay="0"/>
+                                          </p:stCondLst>
+                                        </p:cTn>
+                                        <p:tgtEl>
+                                          <p:spTgt spid="3">
+                                            <p:txEl>
+                                              <p:pRg st="5" end="5"/>
+                                            </p:txEl>
+                                          </p:spTgt>
+                                        </p:tgtEl>
+                                        <p:attrNameLst>
+                                          <p:attrName>style.visibility</p:attrName>
+                                        </p:attrNameLst>
+                                      </p:cBhvr>
+                                      <p:to>
+                                        <p:strVal val="visible"/>
+                                      </p:to>
+                                    </p:set>
+                                  </p:childTnLst>
+                                </p:cTn>
+                              </p:par>
+                            </p:childTnLst>
+                          </p:cTn>
+                        </p:par>
+                      </p:childTnLst>
+                    </p:cTn>
+                  </p:par>
+                  <p:par>
+                    <p:cTn id="25" fill="hold">
+                      <p:stCondLst>
+                        <p:cond delay="indefinite"/>
+                      </p:stCondLst>
+                      <p:childTnLst>
+                        <p:par>
+                          <p:cTn id="26" fill="hold">
+                            <p:stCondLst>
+                              <p:cond delay="0"/>
+                            </p:stCondLst>
+                            <p:childTnLst>
+                              <p:par>
+                                <p:cTn id="27" presetID="1" presetClass="entr" presetSubtype="0" fill="hold" grpId="0" nodeType="clickEffect">
+                                  <p:stCondLst>
+                                    <p:cond delay="0"/>
+                                  </p:stCondLst>
+                                  <p:childTnLst>
+                                    <p:set>
+                                      <p:cBhvr>
+                                        <p:cTn id="28" dur="1" fill="hold">
+                                          <p:stCondLst>
+                                            <p:cond delay="0"/>
+                                          </p:stCondLst>
+                                        </p:cTn>
+                                        <p:tgtEl>
+                                          <p:spTgt spid="3">
+                                            <p:txEl>
+                                              <p:pRg st="6" end="6"/>
+                                            </p:txEl>
+                                          </p:spTgt>
+                                        </p:tgtEl>
+                                        <p:attrNameLst>
+                                          <p:attrName>style.visibility</p:attrName>
+                                        </p:attrNameLst>
+                                      </p:cBhvr>
+                                      <p:to>
+                                        <p:strVal val="visible"/>
+                                      </p:to>
+                                    </p:set>
+                                  </p:childTnLst>
+                                </p:cTn>
+                              </p:par>
+                            </p:childTnLst>
+                          </p:cTn>
+                        </p:par>
+                      </p:childTnLst>
+                    </p:cTn>
+                  </p:par>
+                  <p:par>
+                    <p:cTn id="29" fill="hold">
+                      <p:stCondLst>
+                        <p:cond delay="indefinite"/>
+                      </p:stCondLst>
+                      <p:childTnLst>
+                        <p:par>
+                          <p:cTn id="30" fill="hold">
+                            <p:stCondLst>
+                              <p:cond delay="0"/>
+                            </p:stCondLst>
+                            <p:childTnLst>
+                              <p:par>
+                                <p:cTn id="31" presetID="1" presetClass="entr" presetSubtype="0" fill="hold" nodeType="clickEffect">
+                                  <p:stCondLst>
+                                    <p:cond delay="0"/>
+                                  </p:stCondLst>
+                                  <p:childTnLst>
+                                    <p:set>
+                                      <p:cBhvr>
+                                        <p:cTn id="32" dur="1" fill="hold">
+                                          <p:stCondLst>
+                                            <p:cond delay="0"/>
+                                          </p:stCondLst>
+                                        </p:cTn>
+                                        <p:tgtEl>
+                                          <p:spTgt spid="1026"/>
+                                        </p:tgtEl>
+                                        <p:attrNameLst>
+                                          <p:attrName>style.visibility</p:attrName>
+                                        </p:attrNameLst>
+                                      </p:cBhvr>
+                                      <p:to>
+                                        <p:strVal val="visible"/>
+                                      </p:to>
+                                    </p:set>
+                                  </p:childTnLst>
+                                </p:cTn>
+                              </p:par>
+                            </p:childTnLst>
+                          </p:cTn>
+                        </p:par>
+                      </p:childTnLst>
+                    </p:cTn>
+                  </p:par>
+                </p:childTnLst>
+              </p:cTn>
+              <p:prevCondLst>
+                <p:cond evt="onPrev" delay="0">
+                  <p:tgtEl>
+                    <p:sldTgt/>
+                  </p:tgtEl>
+                </p:cond>
+              </p:prevCondLst>
+              <p:nextCondLst>
+                <p:cond evt="onNext" delay="0">
+                  <p:tgtEl>
+                    <p:sldTgt/>
+                  </p:tgtEl>
+                </p:cond>
+              </p:nextCondLst>
+            </p:seq>
+          </p:childTnLst>
+        </p:cTn>
       </p:par>
     </p:tnLst>
+    <p:bldLst>
+      <p:bldP spid="3" grpId="0" build="p"/>
+    </p:bldLst>
   </p:timing>
 </p:sld>
 </file>
 
-<file path=ppt/slides/slide13.xml><?xml version="1.0" encoding="utf-8"?>
+<file path=ppt/slides/slide15.xml><?xml version="1.0" encoding="utf-8"?>
 <p:sld xmlns:a="http://schemas.openxmlformats.org/drawingml/2006/main" xmlns:r="http://schemas.openxmlformats.org/officeDocument/2006/relationships" xmlns:p="http://schemas.openxmlformats.org/presentationml/2006/main">
   <p:cSld>
     <p:spTree>
@@ -4543,19 +7644,21 @@
             <a:pPr lvl="1"/>
             <a:r>
               <a:rPr lang="en-CA" dirty="0" smtClean="0"/>
-              <a:t>3 hours studied = -0.154 + (0.235)*3 = 0.55, ok, but what does this mean</a:t>
+              <a:t>3 hours studied = -0.154 + (0.235)*3 = 0.55, ok, but what does this mean? (its not a probability)</a:t>
             </a:r>
+          </a:p>
+          <a:p>
             <a:r>
               <a:rPr lang="en-CA" dirty="0" smtClean="0"/>
-              <a:t>? (its not a probability)</a:t>
+              <a:t>What does logistic regression give?</a:t>
             </a:r>
+            <a:endParaRPr lang="en-CA" dirty="0"/>
           </a:p>
           <a:p>
             <a:r>
               <a:rPr lang="en-CA" dirty="0" smtClean="0"/>
               <a:t>Turn to python for the solution </a:t>
             </a:r>
-            <a:endParaRPr lang="en-CA" dirty="0" smtClean="0"/>
           </a:p>
           <a:p>
             <a:endParaRPr lang="en-CA" dirty="0"/>
@@ -4578,7 +7681,7 @@
         </p:blipFill>
         <p:spPr>
           <a:xfrm>
-            <a:off x="9105900" y="315191"/>
+            <a:off x="9077325" y="461674"/>
             <a:ext cx="3086100" cy="2819400"/>
           </a:xfrm>
           <a:prstGeom prst="rect">
@@ -4602,7 +7705,7 @@
         </p:blipFill>
         <p:spPr>
           <a:xfrm>
-            <a:off x="9077325" y="3313400"/>
+            <a:off x="9077325" y="3424238"/>
             <a:ext cx="3114675" cy="2752725"/>
           </a:xfrm>
           <a:prstGeom prst="rect">
@@ -4623,14 +7726,339 @@
   <p:timing>
     <p:tnLst>
       <p:par>
-        <p:cTn id="1" dur="indefinite" restart="never" nodeType="tmRoot"/>
+        <p:cTn id="1" dur="indefinite" restart="never" nodeType="tmRoot">
+          <p:childTnLst>
+            <p:seq concurrent="1" nextAc="seek">
+              <p:cTn id="2" dur="indefinite" nodeType="mainSeq">
+                <p:childTnLst>
+                  <p:par>
+                    <p:cTn id="3" fill="hold">
+                      <p:stCondLst>
+                        <p:cond delay="indefinite"/>
+                      </p:stCondLst>
+                      <p:childTnLst>
+                        <p:par>
+                          <p:cTn id="4" fill="hold">
+                            <p:stCondLst>
+                              <p:cond delay="0"/>
+                            </p:stCondLst>
+                            <p:childTnLst>
+                              <p:par>
+                                <p:cTn id="5" presetID="1" presetClass="entr" presetSubtype="0" fill="hold" grpId="0" nodeType="clickEffect">
+                                  <p:stCondLst>
+                                    <p:cond delay="0"/>
+                                  </p:stCondLst>
+                                  <p:childTnLst>
+                                    <p:set>
+                                      <p:cBhvr>
+                                        <p:cTn id="6" dur="1" fill="hold">
+                                          <p:stCondLst>
+                                            <p:cond delay="0"/>
+                                          </p:stCondLst>
+                                        </p:cTn>
+                                        <p:tgtEl>
+                                          <p:spTgt spid="3">
+                                            <p:txEl>
+                                              <p:pRg st="0" end="0"/>
+                                            </p:txEl>
+                                          </p:spTgt>
+                                        </p:tgtEl>
+                                        <p:attrNameLst>
+                                          <p:attrName>style.visibility</p:attrName>
+                                        </p:attrNameLst>
+                                      </p:cBhvr>
+                                      <p:to>
+                                        <p:strVal val="visible"/>
+                                      </p:to>
+                                    </p:set>
+                                  </p:childTnLst>
+                                </p:cTn>
+                              </p:par>
+                            </p:childTnLst>
+                          </p:cTn>
+                        </p:par>
+                      </p:childTnLst>
+                    </p:cTn>
+                  </p:par>
+                  <p:par>
+                    <p:cTn id="7" fill="hold">
+                      <p:stCondLst>
+                        <p:cond delay="indefinite"/>
+                      </p:stCondLst>
+                      <p:childTnLst>
+                        <p:par>
+                          <p:cTn id="8" fill="hold">
+                            <p:stCondLst>
+                              <p:cond delay="0"/>
+                            </p:stCondLst>
+                            <p:childTnLst>
+                              <p:par>
+                                <p:cTn id="9" presetID="1" presetClass="entr" presetSubtype="0" fill="hold" nodeType="clickEffect">
+                                  <p:stCondLst>
+                                    <p:cond delay="0"/>
+                                  </p:stCondLst>
+                                  <p:childTnLst>
+                                    <p:set>
+                                      <p:cBhvr>
+                                        <p:cTn id="10" dur="1" fill="hold">
+                                          <p:stCondLst>
+                                            <p:cond delay="0"/>
+                                          </p:stCondLst>
+                                        </p:cTn>
+                                        <p:tgtEl>
+                                          <p:spTgt spid="4"/>
+                                        </p:tgtEl>
+                                        <p:attrNameLst>
+                                          <p:attrName>style.visibility</p:attrName>
+                                        </p:attrNameLst>
+                                      </p:cBhvr>
+                                      <p:to>
+                                        <p:strVal val="visible"/>
+                                      </p:to>
+                                    </p:set>
+                                  </p:childTnLst>
+                                </p:cTn>
+                              </p:par>
+                            </p:childTnLst>
+                          </p:cTn>
+                        </p:par>
+                      </p:childTnLst>
+                    </p:cTn>
+                  </p:par>
+                  <p:par>
+                    <p:cTn id="11" fill="hold">
+                      <p:stCondLst>
+                        <p:cond delay="indefinite"/>
+                      </p:stCondLst>
+                      <p:childTnLst>
+                        <p:par>
+                          <p:cTn id="12" fill="hold">
+                            <p:stCondLst>
+                              <p:cond delay="0"/>
+                            </p:stCondLst>
+                            <p:childTnLst>
+                              <p:par>
+                                <p:cTn id="13" presetID="1" presetClass="entr" presetSubtype="0" fill="hold" grpId="0" nodeType="clickEffect">
+                                  <p:stCondLst>
+                                    <p:cond delay="0"/>
+                                  </p:stCondLst>
+                                  <p:childTnLst>
+                                    <p:set>
+                                      <p:cBhvr>
+                                        <p:cTn id="14" dur="1" fill="hold">
+                                          <p:stCondLst>
+                                            <p:cond delay="0"/>
+                                          </p:stCondLst>
+                                        </p:cTn>
+                                        <p:tgtEl>
+                                          <p:spTgt spid="3">
+                                            <p:txEl>
+                                              <p:pRg st="1" end="1"/>
+                                            </p:txEl>
+                                          </p:spTgt>
+                                        </p:tgtEl>
+                                        <p:attrNameLst>
+                                          <p:attrName>style.visibility</p:attrName>
+                                        </p:attrNameLst>
+                                      </p:cBhvr>
+                                      <p:to>
+                                        <p:strVal val="visible"/>
+                                      </p:to>
+                                    </p:set>
+                                  </p:childTnLst>
+                                </p:cTn>
+                              </p:par>
+                              <p:par>
+                                <p:cTn id="15" presetID="1" presetClass="entr" presetSubtype="0" fill="hold" nodeType="withEffect">
+                                  <p:stCondLst>
+                                    <p:cond delay="0"/>
+                                  </p:stCondLst>
+                                  <p:childTnLst>
+                                    <p:set>
+                                      <p:cBhvr>
+                                        <p:cTn id="16" dur="1" fill="hold">
+                                          <p:stCondLst>
+                                            <p:cond delay="0"/>
+                                          </p:stCondLst>
+                                        </p:cTn>
+                                        <p:tgtEl>
+                                          <p:spTgt spid="5"/>
+                                        </p:tgtEl>
+                                        <p:attrNameLst>
+                                          <p:attrName>style.visibility</p:attrName>
+                                        </p:attrNameLst>
+                                      </p:cBhvr>
+                                      <p:to>
+                                        <p:strVal val="visible"/>
+                                      </p:to>
+                                    </p:set>
+                                  </p:childTnLst>
+                                </p:cTn>
+                              </p:par>
+                              <p:par>
+                                <p:cTn id="17" presetID="1" presetClass="entr" presetSubtype="0" fill="hold" grpId="0" nodeType="withEffect">
+                                  <p:stCondLst>
+                                    <p:cond delay="0"/>
+                                  </p:stCondLst>
+                                  <p:childTnLst>
+                                    <p:set>
+                                      <p:cBhvr>
+                                        <p:cTn id="18" dur="1" fill="hold">
+                                          <p:stCondLst>
+                                            <p:cond delay="0"/>
+                                          </p:stCondLst>
+                                        </p:cTn>
+                                        <p:tgtEl>
+                                          <p:spTgt spid="3">
+                                            <p:txEl>
+                                              <p:pRg st="2" end="2"/>
+                                            </p:txEl>
+                                          </p:spTgt>
+                                        </p:tgtEl>
+                                        <p:attrNameLst>
+                                          <p:attrName>style.visibility</p:attrName>
+                                        </p:attrNameLst>
+                                      </p:cBhvr>
+                                      <p:to>
+                                        <p:strVal val="visible"/>
+                                      </p:to>
+                                    </p:set>
+                                  </p:childTnLst>
+                                </p:cTn>
+                              </p:par>
+                            </p:childTnLst>
+                          </p:cTn>
+                        </p:par>
+                      </p:childTnLst>
+                    </p:cTn>
+                  </p:par>
+                  <p:par>
+                    <p:cTn id="19" fill="hold">
+                      <p:stCondLst>
+                        <p:cond delay="indefinite"/>
+                      </p:stCondLst>
+                      <p:childTnLst>
+                        <p:par>
+                          <p:cTn id="20" fill="hold">
+                            <p:stCondLst>
+                              <p:cond delay="0"/>
+                            </p:stCondLst>
+                            <p:childTnLst>
+                              <p:par>
+                                <p:cTn id="21" presetID="1" presetClass="entr" presetSubtype="0" fill="hold" grpId="0" nodeType="clickEffect">
+                                  <p:stCondLst>
+                                    <p:cond delay="0"/>
+                                  </p:stCondLst>
+                                  <p:childTnLst>
+                                    <p:set>
+                                      <p:cBhvr>
+                                        <p:cTn id="22" dur="1" fill="hold">
+                                          <p:stCondLst>
+                                            <p:cond delay="0"/>
+                                          </p:stCondLst>
+                                        </p:cTn>
+                                        <p:tgtEl>
+                                          <p:spTgt spid="3">
+                                            <p:txEl>
+                                              <p:pRg st="3" end="3"/>
+                                            </p:txEl>
+                                          </p:spTgt>
+                                        </p:tgtEl>
+                                        <p:attrNameLst>
+                                          <p:attrName>style.visibility</p:attrName>
+                                        </p:attrNameLst>
+                                      </p:cBhvr>
+                                      <p:to>
+                                        <p:strVal val="visible"/>
+                                      </p:to>
+                                    </p:set>
+                                  </p:childTnLst>
+                                </p:cTn>
+                              </p:par>
+                            </p:childTnLst>
+                          </p:cTn>
+                        </p:par>
+                      </p:childTnLst>
+                    </p:cTn>
+                  </p:par>
+                  <p:par>
+                    <p:cTn id="23" fill="hold">
+                      <p:stCondLst>
+                        <p:cond delay="indefinite"/>
+                      </p:stCondLst>
+                      <p:childTnLst>
+                        <p:par>
+                          <p:cTn id="24" fill="hold">
+                            <p:stCondLst>
+                              <p:cond delay="0"/>
+                            </p:stCondLst>
+                            <p:childTnLst>
+                              <p:par>
+                                <p:cTn id="25" presetID="1" presetClass="entr" presetSubtype="0" fill="hold" grpId="0" nodeType="clickEffect">
+                                  <p:stCondLst>
+                                    <p:cond delay="0"/>
+                                  </p:stCondLst>
+                                  <p:childTnLst>
+                                    <p:set>
+                                      <p:cBhvr>
+                                        <p:cTn id="26" dur="1" fill="hold">
+                                          <p:stCondLst>
+                                            <p:cond delay="0"/>
+                                          </p:stCondLst>
+                                        </p:cTn>
+                                        <p:tgtEl>
+                                          <p:spTgt spid="3">
+                                            <p:txEl>
+                                              <p:pRg st="4" end="4"/>
+                                            </p:txEl>
+                                          </p:spTgt>
+                                        </p:tgtEl>
+                                        <p:attrNameLst>
+                                          <p:attrName>style.visibility</p:attrName>
+                                        </p:attrNameLst>
+                                      </p:cBhvr>
+                                      <p:to>
+                                        <p:strVal val="visible"/>
+                                      </p:to>
+                                    </p:set>
+                                  </p:childTnLst>
+                                </p:cTn>
+                              </p:par>
+                            </p:childTnLst>
+                          </p:cTn>
+                        </p:par>
+                      </p:childTnLst>
+                    </p:cTn>
+                  </p:par>
+                </p:childTnLst>
+              </p:cTn>
+              <p:prevCondLst>
+                <p:cond evt="onPrev" delay="0">
+                  <p:tgtEl>
+                    <p:sldTgt/>
+                  </p:tgtEl>
+                </p:cond>
+              </p:prevCondLst>
+              <p:nextCondLst>
+                <p:cond evt="onNext" delay="0">
+                  <p:tgtEl>
+                    <p:sldTgt/>
+                  </p:tgtEl>
+                </p:cond>
+              </p:nextCondLst>
+            </p:seq>
+          </p:childTnLst>
+        </p:cTn>
       </p:par>
     </p:tnLst>
+    <p:bldLst>
+      <p:bldP spid="3" grpId="0" uiExpand="1" build="p"/>
+    </p:bldLst>
   </p:timing>
 </p:sld>
 </file>
 
-<file path=ppt/slides/slide14.xml><?xml version="1.0" encoding="utf-8"?>
+<file path=ppt/slides/slide16.xml><?xml version="1.0" encoding="utf-8"?>
 <p:sld xmlns:a="http://schemas.openxmlformats.org/drawingml/2006/main" xmlns:r="http://schemas.openxmlformats.org/officeDocument/2006/relationships" xmlns:p="http://schemas.openxmlformats.org/presentationml/2006/main">
   <p:cSld>
     <p:spTree>
@@ -4663,10 +8091,10 @@
           <a:lstStyle/>
           <a:p>
             <a:r>
-              <a:rPr lang="en-CA" smtClean="0"/>
-              <a:t>Perceptron</a:t>
+              <a:rPr lang="en-CA" dirty="0" smtClean="0"/>
+              <a:t>Recap</a:t>
             </a:r>
-            <a:endParaRPr lang="en-CA"/>
+            <a:endParaRPr lang="en-CA" dirty="0"/>
           </a:p>
         </p:txBody>
       </p:sp>
@@ -4685,7 +8113,34 @@
           <a:bodyPr/>
           <a:lstStyle/>
           <a:p>
-            <a:endParaRPr lang="en-CA"/>
+            <a:r>
+              <a:rPr lang="en-CA" dirty="0" smtClean="0"/>
+              <a:t>Linear classification violates key assumptions of linear least squares</a:t>
+            </a:r>
+          </a:p>
+          <a:p>
+            <a:r>
+              <a:rPr lang="en-CA" dirty="0" smtClean="0"/>
+              <a:t>Use logistic regression for numerical prediction instead</a:t>
+            </a:r>
+          </a:p>
+          <a:p>
+            <a:pPr lvl="1"/>
+            <a:r>
+              <a:rPr lang="en-CA" dirty="0" smtClean="0"/>
+              <a:t>We will see the sigmoid more when we look at neural networks</a:t>
+            </a:r>
+          </a:p>
+          <a:p>
+            <a:r>
+              <a:rPr lang="en-CA" dirty="0" smtClean="0"/>
+              <a:t>Next class: </a:t>
+            </a:r>
+            <a:r>
+              <a:rPr lang="en-CA" dirty="0" smtClean="0"/>
+              <a:t>perceptron</a:t>
+            </a:r>
+            <a:endParaRPr lang="en-CA" dirty="0"/>
           </a:p>
         </p:txBody>
       </p:sp>
@@ -4743,7 +8198,7 @@
           <a:p>
             <a:r>
               <a:rPr lang="en-CA" dirty="0" smtClean="0"/>
-              <a:t>Admin	</a:t>
+              <a:t>Assignment 1</a:t>
             </a:r>
             <a:endParaRPr lang="en-CA" dirty="0"/>
           </a:p>
@@ -4766,7 +8221,523 @@
           <a:p>
             <a:r>
               <a:rPr lang="en-CA" dirty="0" smtClean="0"/>
-              <a:t>Building decision tree – children cannot split on same attribute as parent</a:t>
+              <a:t>Building decision tree – children cannot split on same attribute as parent, but siblings can split on same attribute</a:t>
+            </a:r>
+            <a:endParaRPr lang="en-CA" dirty="0"/>
+          </a:p>
+        </p:txBody>
+      </p:sp>
+      <p:sp>
+        <p:nvSpPr>
+          <p:cNvPr id="4" name="Oval 3"/>
+          <p:cNvSpPr/>
+          <p:nvPr/>
+        </p:nvSpPr>
+        <p:spPr>
+          <a:xfrm>
+            <a:off x="4267200" y="3214255"/>
+            <a:ext cx="1205345" cy="1163781"/>
+          </a:xfrm>
+          <a:prstGeom prst="ellipse">
+            <a:avLst/>
+          </a:prstGeom>
+        </p:spPr>
+        <p:style>
+          <a:lnRef idx="2">
+            <a:schemeClr val="accent1">
+              <a:shade val="50000"/>
+            </a:schemeClr>
+          </a:lnRef>
+          <a:fillRef idx="1">
+            <a:schemeClr val="accent1"/>
+          </a:fillRef>
+          <a:effectRef idx="0">
+            <a:schemeClr val="accent1"/>
+          </a:effectRef>
+          <a:fontRef idx="minor">
+            <a:schemeClr val="lt1"/>
+          </a:fontRef>
+        </p:style>
+        <p:txBody>
+          <a:bodyPr rtlCol="0" anchor="ctr"/>
+          <a:lstStyle/>
+          <a:p>
+            <a:pPr algn="ctr"/>
+            <a:r>
+              <a:rPr lang="en-CA" dirty="0" smtClean="0"/>
+              <a:t>parent</a:t>
+            </a:r>
+            <a:endParaRPr lang="en-CA" dirty="0"/>
+          </a:p>
+        </p:txBody>
+      </p:sp>
+      <p:sp>
+        <p:nvSpPr>
+          <p:cNvPr id="5" name="Oval 4"/>
+          <p:cNvSpPr/>
+          <p:nvPr/>
+        </p:nvSpPr>
+        <p:spPr>
+          <a:xfrm>
+            <a:off x="3131127" y="4724400"/>
+            <a:ext cx="1288473" cy="1039091"/>
+          </a:xfrm>
+          <a:prstGeom prst="ellipse">
+            <a:avLst/>
+          </a:prstGeom>
+        </p:spPr>
+        <p:style>
+          <a:lnRef idx="2">
+            <a:schemeClr val="accent1">
+              <a:shade val="50000"/>
+            </a:schemeClr>
+          </a:lnRef>
+          <a:fillRef idx="1">
+            <a:schemeClr val="accent1"/>
+          </a:fillRef>
+          <a:effectRef idx="0">
+            <a:schemeClr val="accent1"/>
+          </a:effectRef>
+          <a:fontRef idx="minor">
+            <a:schemeClr val="lt1"/>
+          </a:fontRef>
+        </p:style>
+        <p:txBody>
+          <a:bodyPr rtlCol="0" anchor="ctr"/>
+          <a:lstStyle/>
+          <a:p>
+            <a:pPr algn="ctr"/>
+            <a:r>
+              <a:rPr lang="en-CA" dirty="0" smtClean="0"/>
+              <a:t>sibling</a:t>
+            </a:r>
+            <a:endParaRPr lang="en-CA" dirty="0"/>
+          </a:p>
+        </p:txBody>
+      </p:sp>
+      <p:sp>
+        <p:nvSpPr>
+          <p:cNvPr id="6" name="Oval 5"/>
+          <p:cNvSpPr/>
+          <p:nvPr/>
+        </p:nvSpPr>
+        <p:spPr>
+          <a:xfrm>
+            <a:off x="5264727" y="4724399"/>
+            <a:ext cx="1288473" cy="1039091"/>
+          </a:xfrm>
+          <a:prstGeom prst="ellipse">
+            <a:avLst/>
+          </a:prstGeom>
+        </p:spPr>
+        <p:style>
+          <a:lnRef idx="2">
+            <a:schemeClr val="accent1">
+              <a:shade val="50000"/>
+            </a:schemeClr>
+          </a:lnRef>
+          <a:fillRef idx="1">
+            <a:schemeClr val="accent1"/>
+          </a:fillRef>
+          <a:effectRef idx="0">
+            <a:schemeClr val="accent1"/>
+          </a:effectRef>
+          <a:fontRef idx="minor">
+            <a:schemeClr val="lt1"/>
+          </a:fontRef>
+        </p:style>
+        <p:txBody>
+          <a:bodyPr rtlCol="0" anchor="ctr"/>
+          <a:lstStyle/>
+          <a:p>
+            <a:pPr algn="ctr"/>
+            <a:r>
+              <a:rPr lang="en-CA" dirty="0" smtClean="0"/>
+              <a:t>sibling</a:t>
+            </a:r>
+            <a:endParaRPr lang="en-CA" dirty="0"/>
+          </a:p>
+        </p:txBody>
+      </p:sp>
+      <p:cxnSp>
+        <p:nvCxnSpPr>
+          <p:cNvPr id="8" name="Straight Arrow Connector 7"/>
+          <p:cNvCxnSpPr>
+            <a:stCxn id="4" idx="3"/>
+            <a:endCxn id="5" idx="0"/>
+          </p:cNvCxnSpPr>
+          <p:nvPr/>
+        </p:nvCxnSpPr>
+        <p:spPr>
+          <a:xfrm flipH="1">
+            <a:off x="3775364" y="4207604"/>
+            <a:ext cx="668355" cy="516796"/>
+          </a:xfrm>
+          <a:prstGeom prst="straightConnector1">
+            <a:avLst/>
+          </a:prstGeom>
+          <a:ln>
+            <a:tailEnd type="triangle"/>
+          </a:ln>
+        </p:spPr>
+        <p:style>
+          <a:lnRef idx="1">
+            <a:schemeClr val="accent1"/>
+          </a:lnRef>
+          <a:fillRef idx="0">
+            <a:schemeClr val="accent1"/>
+          </a:fillRef>
+          <a:effectRef idx="0">
+            <a:schemeClr val="accent1"/>
+          </a:effectRef>
+          <a:fontRef idx="minor">
+            <a:schemeClr val="tx1"/>
+          </a:fontRef>
+        </p:style>
+      </p:cxnSp>
+      <p:cxnSp>
+        <p:nvCxnSpPr>
+          <p:cNvPr id="10" name="Straight Arrow Connector 9"/>
+          <p:cNvCxnSpPr>
+            <a:stCxn id="4" idx="5"/>
+            <a:endCxn id="6" idx="0"/>
+          </p:cNvCxnSpPr>
+          <p:nvPr/>
+        </p:nvCxnSpPr>
+        <p:spPr>
+          <a:xfrm>
+            <a:off x="5296026" y="4207604"/>
+            <a:ext cx="612938" cy="516795"/>
+          </a:xfrm>
+          <a:prstGeom prst="straightConnector1">
+            <a:avLst/>
+          </a:prstGeom>
+          <a:ln>
+            <a:tailEnd type="triangle"/>
+          </a:ln>
+        </p:spPr>
+        <p:style>
+          <a:lnRef idx="1">
+            <a:schemeClr val="accent1"/>
+          </a:lnRef>
+          <a:fillRef idx="0">
+            <a:schemeClr val="accent1"/>
+          </a:fillRef>
+          <a:effectRef idx="0">
+            <a:schemeClr val="accent1"/>
+          </a:effectRef>
+          <a:fontRef idx="minor">
+            <a:schemeClr val="tx1"/>
+          </a:fontRef>
+        </p:style>
+      </p:cxnSp>
+      <p:sp>
+        <p:nvSpPr>
+          <p:cNvPr id="11" name="TextBox 10"/>
+          <p:cNvSpPr txBox="1"/>
+          <p:nvPr/>
+        </p:nvSpPr>
+        <p:spPr>
+          <a:xfrm>
+            <a:off x="2874002" y="4220131"/>
+            <a:ext cx="1280159" cy="369332"/>
+          </a:xfrm>
+          <a:prstGeom prst="rect">
+            <a:avLst/>
+          </a:prstGeom>
+          <a:noFill/>
+        </p:spPr>
+        <p:txBody>
+          <a:bodyPr wrap="none" rtlCol="0">
+            <a:spAutoFit/>
+          </a:bodyPr>
+          <a:lstStyle/>
+          <a:p>
+            <a:r>
+              <a:rPr lang="en-CA" dirty="0" smtClean="0"/>
+              <a:t>Waist=wide</a:t>
+            </a:r>
+            <a:endParaRPr lang="en-CA" dirty="0"/>
+          </a:p>
+        </p:txBody>
+      </p:sp>
+      <p:sp>
+        <p:nvSpPr>
+          <p:cNvPr id="12" name="TextBox 11"/>
+          <p:cNvSpPr txBox="1"/>
+          <p:nvPr/>
+        </p:nvSpPr>
+        <p:spPr>
+          <a:xfrm>
+            <a:off x="5487794" y="4181886"/>
+            <a:ext cx="1198405" cy="369332"/>
+          </a:xfrm>
+          <a:prstGeom prst="rect">
+            <a:avLst/>
+          </a:prstGeom>
+          <a:noFill/>
+        </p:spPr>
+        <p:txBody>
+          <a:bodyPr wrap="none" rtlCol="0">
+            <a:spAutoFit/>
+          </a:bodyPr>
+          <a:lstStyle/>
+          <a:p>
+            <a:r>
+              <a:rPr lang="en-CA" dirty="0" smtClean="0"/>
+              <a:t>Waist=thin</a:t>
+            </a:r>
+            <a:endParaRPr lang="en-CA" dirty="0"/>
+          </a:p>
+        </p:txBody>
+      </p:sp>
+      <p:cxnSp>
+        <p:nvCxnSpPr>
+          <p:cNvPr id="14" name="Straight Arrow Connector 13"/>
+          <p:cNvCxnSpPr/>
+          <p:nvPr/>
+        </p:nvCxnSpPr>
+        <p:spPr>
+          <a:xfrm flipH="1">
+            <a:off x="2590389" y="5698910"/>
+            <a:ext cx="901362" cy="665018"/>
+          </a:xfrm>
+          <a:prstGeom prst="straightConnector1">
+            <a:avLst/>
+          </a:prstGeom>
+          <a:ln>
+            <a:tailEnd type="triangle"/>
+          </a:ln>
+        </p:spPr>
+        <p:style>
+          <a:lnRef idx="1">
+            <a:schemeClr val="accent1"/>
+          </a:lnRef>
+          <a:fillRef idx="0">
+            <a:schemeClr val="accent1"/>
+          </a:fillRef>
+          <a:effectRef idx="0">
+            <a:schemeClr val="accent1"/>
+          </a:effectRef>
+          <a:fontRef idx="minor">
+            <a:schemeClr val="tx1"/>
+          </a:fontRef>
+        </p:style>
+      </p:cxnSp>
+      <p:cxnSp>
+        <p:nvCxnSpPr>
+          <p:cNvPr id="16" name="Straight Arrow Connector 15"/>
+          <p:cNvCxnSpPr/>
+          <p:nvPr/>
+        </p:nvCxnSpPr>
+        <p:spPr>
+          <a:xfrm>
+            <a:off x="3491751" y="5698910"/>
+            <a:ext cx="644236" cy="548409"/>
+          </a:xfrm>
+          <a:prstGeom prst="straightConnector1">
+            <a:avLst/>
+          </a:prstGeom>
+          <a:ln>
+            <a:tailEnd type="triangle"/>
+          </a:ln>
+        </p:spPr>
+        <p:style>
+          <a:lnRef idx="1">
+            <a:schemeClr val="accent1"/>
+          </a:lnRef>
+          <a:fillRef idx="0">
+            <a:schemeClr val="accent1"/>
+          </a:fillRef>
+          <a:effectRef idx="0">
+            <a:schemeClr val="accent1"/>
+          </a:effectRef>
+          <a:fontRef idx="minor">
+            <a:schemeClr val="tx1"/>
+          </a:fontRef>
+        </p:style>
+      </p:cxnSp>
+      <p:sp>
+        <p:nvSpPr>
+          <p:cNvPr id="17" name="TextBox 16"/>
+          <p:cNvSpPr txBox="1"/>
+          <p:nvPr/>
+        </p:nvSpPr>
+        <p:spPr>
+          <a:xfrm>
+            <a:off x="2127078" y="5809746"/>
+            <a:ext cx="865301" cy="369332"/>
+          </a:xfrm>
+          <a:prstGeom prst="rect">
+            <a:avLst/>
+          </a:prstGeom>
+          <a:noFill/>
+        </p:spPr>
+        <p:txBody>
+          <a:bodyPr wrap="none" rtlCol="0">
+            <a:spAutoFit/>
+          </a:bodyPr>
+          <a:lstStyle/>
+          <a:p>
+            <a:r>
+              <a:rPr lang="en-CA" dirty="0" smtClean="0"/>
+              <a:t>Hr=fast</a:t>
+            </a:r>
+            <a:endParaRPr lang="en-CA" dirty="0"/>
+          </a:p>
+        </p:txBody>
+      </p:sp>
+      <p:sp>
+        <p:nvSpPr>
+          <p:cNvPr id="19" name="TextBox 18"/>
+          <p:cNvSpPr txBox="1"/>
+          <p:nvPr/>
+        </p:nvSpPr>
+        <p:spPr>
+          <a:xfrm>
+            <a:off x="3740524" y="5739577"/>
+            <a:ext cx="953210" cy="369332"/>
+          </a:xfrm>
+          <a:prstGeom prst="rect">
+            <a:avLst/>
+          </a:prstGeom>
+          <a:noFill/>
+        </p:spPr>
+        <p:txBody>
+          <a:bodyPr wrap="none" rtlCol="0">
+            <a:spAutoFit/>
+          </a:bodyPr>
+          <a:lstStyle/>
+          <a:p>
+            <a:r>
+              <a:rPr lang="en-CA" dirty="0" smtClean="0"/>
+              <a:t>Hr=slow</a:t>
+            </a:r>
+            <a:endParaRPr lang="en-CA" dirty="0"/>
+          </a:p>
+        </p:txBody>
+      </p:sp>
+      <p:cxnSp>
+        <p:nvCxnSpPr>
+          <p:cNvPr id="21" name="Straight Arrow Connector 20"/>
+          <p:cNvCxnSpPr/>
+          <p:nvPr/>
+        </p:nvCxnSpPr>
+        <p:spPr>
+          <a:xfrm flipH="1">
+            <a:off x="5361500" y="5695373"/>
+            <a:ext cx="901362" cy="665018"/>
+          </a:xfrm>
+          <a:prstGeom prst="straightConnector1">
+            <a:avLst/>
+          </a:prstGeom>
+          <a:ln>
+            <a:tailEnd type="triangle"/>
+          </a:ln>
+        </p:spPr>
+        <p:style>
+          <a:lnRef idx="1">
+            <a:schemeClr val="accent1"/>
+          </a:lnRef>
+          <a:fillRef idx="0">
+            <a:schemeClr val="accent1"/>
+          </a:fillRef>
+          <a:effectRef idx="0">
+            <a:schemeClr val="accent1"/>
+          </a:effectRef>
+          <a:fontRef idx="minor">
+            <a:schemeClr val="tx1"/>
+          </a:fontRef>
+        </p:style>
+      </p:cxnSp>
+      <p:cxnSp>
+        <p:nvCxnSpPr>
+          <p:cNvPr id="22" name="Straight Arrow Connector 21"/>
+          <p:cNvCxnSpPr/>
+          <p:nvPr/>
+        </p:nvCxnSpPr>
+        <p:spPr>
+          <a:xfrm>
+            <a:off x="6262862" y="5695373"/>
+            <a:ext cx="644236" cy="548409"/>
+          </a:xfrm>
+          <a:prstGeom prst="straightConnector1">
+            <a:avLst/>
+          </a:prstGeom>
+          <a:ln>
+            <a:tailEnd type="triangle"/>
+          </a:ln>
+        </p:spPr>
+        <p:style>
+          <a:lnRef idx="1">
+            <a:schemeClr val="accent1"/>
+          </a:lnRef>
+          <a:fillRef idx="0">
+            <a:schemeClr val="accent1"/>
+          </a:fillRef>
+          <a:effectRef idx="0">
+            <a:schemeClr val="accent1"/>
+          </a:effectRef>
+          <a:fontRef idx="minor">
+            <a:schemeClr val="tx1"/>
+          </a:fontRef>
+        </p:style>
+      </p:cxnSp>
+      <p:sp>
+        <p:nvSpPr>
+          <p:cNvPr id="23" name="TextBox 22"/>
+          <p:cNvSpPr txBox="1"/>
+          <p:nvPr/>
+        </p:nvSpPr>
+        <p:spPr>
+          <a:xfrm>
+            <a:off x="4898189" y="5806209"/>
+            <a:ext cx="865301" cy="369332"/>
+          </a:xfrm>
+          <a:prstGeom prst="rect">
+            <a:avLst/>
+          </a:prstGeom>
+          <a:noFill/>
+        </p:spPr>
+        <p:txBody>
+          <a:bodyPr wrap="none" rtlCol="0">
+            <a:spAutoFit/>
+          </a:bodyPr>
+          <a:lstStyle/>
+          <a:p>
+            <a:r>
+              <a:rPr lang="en-CA" dirty="0" smtClean="0"/>
+              <a:t>Hr=fast</a:t>
+            </a:r>
+            <a:endParaRPr lang="en-CA" dirty="0"/>
+          </a:p>
+        </p:txBody>
+      </p:sp>
+      <p:sp>
+        <p:nvSpPr>
+          <p:cNvPr id="24" name="TextBox 23"/>
+          <p:cNvSpPr txBox="1"/>
+          <p:nvPr/>
+        </p:nvSpPr>
+        <p:spPr>
+          <a:xfrm>
+            <a:off x="6511635" y="5736040"/>
+            <a:ext cx="953210" cy="369332"/>
+          </a:xfrm>
+          <a:prstGeom prst="rect">
+            <a:avLst/>
+          </a:prstGeom>
+          <a:noFill/>
+        </p:spPr>
+        <p:txBody>
+          <a:bodyPr wrap="none" rtlCol="0">
+            <a:spAutoFit/>
+          </a:bodyPr>
+          <a:lstStyle/>
+          <a:p>
+            <a:r>
+              <a:rPr lang="en-CA" dirty="0" smtClean="0"/>
+              <a:t>Hr=slow</a:t>
             </a:r>
             <a:endParaRPr lang="en-CA" dirty="0"/>
           </a:p>
@@ -5756,9 +9727,378 @@
   <p:timing>
     <p:tnLst>
       <p:par>
-        <p:cTn id="1" dur="indefinite" restart="never" nodeType="tmRoot"/>
+        <p:cTn id="1" dur="indefinite" restart="never" nodeType="tmRoot">
+          <p:childTnLst>
+            <p:seq concurrent="1" nextAc="seek">
+              <p:cTn id="2" dur="indefinite" nodeType="mainSeq">
+                <p:childTnLst>
+                  <p:par>
+                    <p:cTn id="3" fill="hold">
+                      <p:stCondLst>
+                        <p:cond delay="indefinite"/>
+                      </p:stCondLst>
+                      <p:childTnLst>
+                        <p:par>
+                          <p:cTn id="4" fill="hold">
+                            <p:stCondLst>
+                              <p:cond delay="0"/>
+                            </p:stCondLst>
+                            <p:childTnLst>
+                              <p:par>
+                                <p:cTn id="5" presetID="1" presetClass="entr" presetSubtype="0" fill="hold" grpId="0" nodeType="clickEffect">
+                                  <p:stCondLst>
+                                    <p:cond delay="0"/>
+                                  </p:stCondLst>
+                                  <p:childTnLst>
+                                    <p:set>
+                                      <p:cBhvr>
+                                        <p:cTn id="6" dur="1" fill="hold">
+                                          <p:stCondLst>
+                                            <p:cond delay="0"/>
+                                          </p:stCondLst>
+                                        </p:cTn>
+                                        <p:tgtEl>
+                                          <p:spTgt spid="3">
+                                            <p:txEl>
+                                              <p:pRg st="0" end="0"/>
+                                            </p:txEl>
+                                          </p:spTgt>
+                                        </p:tgtEl>
+                                        <p:attrNameLst>
+                                          <p:attrName>style.visibility</p:attrName>
+                                        </p:attrNameLst>
+                                      </p:cBhvr>
+                                      <p:to>
+                                        <p:strVal val="visible"/>
+                                      </p:to>
+                                    </p:set>
+                                  </p:childTnLst>
+                                </p:cTn>
+                              </p:par>
+                            </p:childTnLst>
+                          </p:cTn>
+                        </p:par>
+                      </p:childTnLst>
+                    </p:cTn>
+                  </p:par>
+                  <p:par>
+                    <p:cTn id="7" fill="hold">
+                      <p:stCondLst>
+                        <p:cond delay="indefinite"/>
+                      </p:stCondLst>
+                      <p:childTnLst>
+                        <p:par>
+                          <p:cTn id="8" fill="hold">
+                            <p:stCondLst>
+                              <p:cond delay="0"/>
+                            </p:stCondLst>
+                            <p:childTnLst>
+                              <p:par>
+                                <p:cTn id="9" presetID="1" presetClass="entr" presetSubtype="0" fill="hold" grpId="0" nodeType="clickEffect">
+                                  <p:stCondLst>
+                                    <p:cond delay="0"/>
+                                  </p:stCondLst>
+                                  <p:childTnLst>
+                                    <p:set>
+                                      <p:cBhvr>
+                                        <p:cTn id="10" dur="1" fill="hold">
+                                          <p:stCondLst>
+                                            <p:cond delay="0"/>
+                                          </p:stCondLst>
+                                        </p:cTn>
+                                        <p:tgtEl>
+                                          <p:spTgt spid="3">
+                                            <p:txEl>
+                                              <p:pRg st="1" end="1"/>
+                                            </p:txEl>
+                                          </p:spTgt>
+                                        </p:tgtEl>
+                                        <p:attrNameLst>
+                                          <p:attrName>style.visibility</p:attrName>
+                                        </p:attrNameLst>
+                                      </p:cBhvr>
+                                      <p:to>
+                                        <p:strVal val="visible"/>
+                                      </p:to>
+                                    </p:set>
+                                  </p:childTnLst>
+                                </p:cTn>
+                              </p:par>
+                            </p:childTnLst>
+                          </p:cTn>
+                        </p:par>
+                      </p:childTnLst>
+                    </p:cTn>
+                  </p:par>
+                  <p:par>
+                    <p:cTn id="11" fill="hold">
+                      <p:stCondLst>
+                        <p:cond delay="indefinite"/>
+                      </p:stCondLst>
+                      <p:childTnLst>
+                        <p:par>
+                          <p:cTn id="12" fill="hold">
+                            <p:stCondLst>
+                              <p:cond delay="0"/>
+                            </p:stCondLst>
+                            <p:childTnLst>
+                              <p:par>
+                                <p:cTn id="13" presetID="1" presetClass="entr" presetSubtype="0" fill="hold" grpId="0" nodeType="clickEffect">
+                                  <p:stCondLst>
+                                    <p:cond delay="0"/>
+                                  </p:stCondLst>
+                                  <p:childTnLst>
+                                    <p:set>
+                                      <p:cBhvr>
+                                        <p:cTn id="14" dur="1" fill="hold">
+                                          <p:stCondLst>
+                                            <p:cond delay="0"/>
+                                          </p:stCondLst>
+                                        </p:cTn>
+                                        <p:tgtEl>
+                                          <p:spTgt spid="3">
+                                            <p:txEl>
+                                              <p:pRg st="2" end="2"/>
+                                            </p:txEl>
+                                          </p:spTgt>
+                                        </p:tgtEl>
+                                        <p:attrNameLst>
+                                          <p:attrName>style.visibility</p:attrName>
+                                        </p:attrNameLst>
+                                      </p:cBhvr>
+                                      <p:to>
+                                        <p:strVal val="visible"/>
+                                      </p:to>
+                                    </p:set>
+                                  </p:childTnLst>
+                                </p:cTn>
+                              </p:par>
+                            </p:childTnLst>
+                          </p:cTn>
+                        </p:par>
+                      </p:childTnLst>
+                    </p:cTn>
+                  </p:par>
+                  <p:par>
+                    <p:cTn id="15" fill="hold">
+                      <p:stCondLst>
+                        <p:cond delay="indefinite"/>
+                      </p:stCondLst>
+                      <p:childTnLst>
+                        <p:par>
+                          <p:cTn id="16" fill="hold">
+                            <p:stCondLst>
+                              <p:cond delay="0"/>
+                            </p:stCondLst>
+                            <p:childTnLst>
+                              <p:par>
+                                <p:cTn id="17" presetID="1" presetClass="entr" presetSubtype="0" fill="hold" grpId="0" nodeType="clickEffect">
+                                  <p:stCondLst>
+                                    <p:cond delay="0"/>
+                                  </p:stCondLst>
+                                  <p:childTnLst>
+                                    <p:set>
+                                      <p:cBhvr>
+                                        <p:cTn id="18" dur="1" fill="hold">
+                                          <p:stCondLst>
+                                            <p:cond delay="0"/>
+                                          </p:stCondLst>
+                                        </p:cTn>
+                                        <p:tgtEl>
+                                          <p:spTgt spid="3">
+                                            <p:txEl>
+                                              <p:pRg st="3" end="3"/>
+                                            </p:txEl>
+                                          </p:spTgt>
+                                        </p:tgtEl>
+                                        <p:attrNameLst>
+                                          <p:attrName>style.visibility</p:attrName>
+                                        </p:attrNameLst>
+                                      </p:cBhvr>
+                                      <p:to>
+                                        <p:strVal val="visible"/>
+                                      </p:to>
+                                    </p:set>
+                                  </p:childTnLst>
+                                </p:cTn>
+                              </p:par>
+                            </p:childTnLst>
+                          </p:cTn>
+                        </p:par>
+                      </p:childTnLst>
+                    </p:cTn>
+                  </p:par>
+                  <p:par>
+                    <p:cTn id="19" fill="hold">
+                      <p:stCondLst>
+                        <p:cond delay="indefinite"/>
+                      </p:stCondLst>
+                      <p:childTnLst>
+                        <p:par>
+                          <p:cTn id="20" fill="hold">
+                            <p:stCondLst>
+                              <p:cond delay="0"/>
+                            </p:stCondLst>
+                            <p:childTnLst>
+                              <p:par>
+                                <p:cTn id="21" presetID="1" presetClass="entr" presetSubtype="0" fill="hold" grpId="0" nodeType="clickEffect">
+                                  <p:stCondLst>
+                                    <p:cond delay="0"/>
+                                  </p:stCondLst>
+                                  <p:childTnLst>
+                                    <p:set>
+                                      <p:cBhvr>
+                                        <p:cTn id="22" dur="1" fill="hold">
+                                          <p:stCondLst>
+                                            <p:cond delay="0"/>
+                                          </p:stCondLst>
+                                        </p:cTn>
+                                        <p:tgtEl>
+                                          <p:spTgt spid="3">
+                                            <p:txEl>
+                                              <p:pRg st="5" end="5"/>
+                                            </p:txEl>
+                                          </p:spTgt>
+                                        </p:tgtEl>
+                                        <p:attrNameLst>
+                                          <p:attrName>style.visibility</p:attrName>
+                                        </p:attrNameLst>
+                                      </p:cBhvr>
+                                      <p:to>
+                                        <p:strVal val="visible"/>
+                                      </p:to>
+                                    </p:set>
+                                  </p:childTnLst>
+                                </p:cTn>
+                              </p:par>
+                            </p:childTnLst>
+                          </p:cTn>
+                        </p:par>
+                      </p:childTnLst>
+                    </p:cTn>
+                  </p:par>
+                  <p:par>
+                    <p:cTn id="23" fill="hold">
+                      <p:stCondLst>
+                        <p:cond delay="indefinite"/>
+                      </p:stCondLst>
+                      <p:childTnLst>
+                        <p:par>
+                          <p:cTn id="24" fill="hold">
+                            <p:stCondLst>
+                              <p:cond delay="0"/>
+                            </p:stCondLst>
+                            <p:childTnLst>
+                              <p:par>
+                                <p:cTn id="25" presetID="1" presetClass="entr" presetSubtype="0" fill="hold" grpId="0" nodeType="clickEffect">
+                                  <p:stCondLst>
+                                    <p:cond delay="0"/>
+                                  </p:stCondLst>
+                                  <p:childTnLst>
+                                    <p:set>
+                                      <p:cBhvr>
+                                        <p:cTn id="26" dur="1" fill="hold">
+                                          <p:stCondLst>
+                                            <p:cond delay="0"/>
+                                          </p:stCondLst>
+                                        </p:cTn>
+                                        <p:tgtEl>
+                                          <p:spTgt spid="3">
+                                            <p:txEl>
+                                              <p:pRg st="6" end="6"/>
+                                            </p:txEl>
+                                          </p:spTgt>
+                                        </p:tgtEl>
+                                        <p:attrNameLst>
+                                          <p:attrName>style.visibility</p:attrName>
+                                        </p:attrNameLst>
+                                      </p:cBhvr>
+                                      <p:to>
+                                        <p:strVal val="visible"/>
+                                      </p:to>
+                                    </p:set>
+                                  </p:childTnLst>
+                                </p:cTn>
+                              </p:par>
+                            </p:childTnLst>
+                          </p:cTn>
+                        </p:par>
+                      </p:childTnLst>
+                    </p:cTn>
+                  </p:par>
+                  <p:par>
+                    <p:cTn id="27" fill="hold">
+                      <p:stCondLst>
+                        <p:cond delay="indefinite"/>
+                      </p:stCondLst>
+                      <p:childTnLst>
+                        <p:par>
+                          <p:cTn id="28" fill="hold">
+                            <p:stCondLst>
+                              <p:cond delay="0"/>
+                            </p:stCondLst>
+                            <p:childTnLst>
+                              <p:par>
+                                <p:cTn id="29" presetID="1" presetClass="entr" presetSubtype="0" fill="hold" grpId="0" nodeType="clickEffect">
+                                  <p:stCondLst>
+                                    <p:cond delay="0"/>
+                                  </p:stCondLst>
+                                  <p:childTnLst>
+                                    <p:set>
+                                      <p:cBhvr>
+                                        <p:cTn id="30" dur="1" fill="hold">
+                                          <p:stCondLst>
+                                            <p:cond delay="0"/>
+                                          </p:stCondLst>
+                                        </p:cTn>
+                                        <p:tgtEl>
+                                          <p:spTgt spid="3">
+                                            <p:txEl>
+                                              <p:pRg st="7" end="7"/>
+                                            </p:txEl>
+                                          </p:spTgt>
+                                        </p:tgtEl>
+                                        <p:attrNameLst>
+                                          <p:attrName>style.visibility</p:attrName>
+                                        </p:attrNameLst>
+                                      </p:cBhvr>
+                                      <p:to>
+                                        <p:strVal val="visible"/>
+                                      </p:to>
+                                    </p:set>
+                                  </p:childTnLst>
+                                </p:cTn>
+                              </p:par>
+                            </p:childTnLst>
+                          </p:cTn>
+                        </p:par>
+                      </p:childTnLst>
+                    </p:cTn>
+                  </p:par>
+                </p:childTnLst>
+              </p:cTn>
+              <p:prevCondLst>
+                <p:cond evt="onPrev" delay="0">
+                  <p:tgtEl>
+                    <p:sldTgt/>
+                  </p:tgtEl>
+                </p:cond>
+              </p:prevCondLst>
+              <p:nextCondLst>
+                <p:cond evt="onNext" delay="0">
+                  <p:tgtEl>
+                    <p:sldTgt/>
+                  </p:tgtEl>
+                </p:cond>
+              </p:nextCondLst>
+            </p:seq>
+          </p:childTnLst>
+        </p:cTn>
       </p:par>
     </p:tnLst>
+    <p:bldLst>
+      <p:bldP spid="3" grpId="0" build="p"/>
+    </p:bldLst>
   </p:timing>
 </p:sld>
 </file>
@@ -5803,84 +10143,456 @@
           </a:p>
         </p:txBody>
       </p:sp>
-      <p:sp>
-        <p:nvSpPr>
-          <p:cNvPr id="3" name="Content Placeholder 2"/>
-          <p:cNvSpPr>
-            <a:spLocks noGrp="1"/>
-          </p:cNvSpPr>
-          <p:nvPr>
-            <p:ph idx="1"/>
-          </p:nvPr>
-        </p:nvSpPr>
-        <p:spPr>
-          <a:xfrm>
-            <a:off x="523009" y="1399310"/>
-            <a:ext cx="11017827" cy="5153890"/>
-          </a:xfrm>
-        </p:spPr>
-        <p:txBody>
-          <a:bodyPr>
-            <a:normAutofit lnSpcReduction="10000"/>
-          </a:bodyPr>
-          <a:lstStyle/>
-          <a:p>
-            <a:r>
-              <a:rPr lang="en-CA" dirty="0" smtClean="0"/>
-              <a:t>Linear regression can easily be used for classification in domains with numerical attributes</a:t>
-            </a:r>
-          </a:p>
-          <a:p>
-            <a:r>
-              <a:rPr lang="en-CA" dirty="0" smtClean="0"/>
-              <a:t>Perform a regression for each class, setting output=1 for instances that belong to the class, and output=0 for instances that do not.</a:t>
-            </a:r>
-          </a:p>
-          <a:p>
-            <a:r>
-              <a:rPr lang="en-CA" dirty="0" smtClean="0"/>
-              <a:t>This results in one linear expression for each class</a:t>
-            </a:r>
-          </a:p>
-          <a:p>
-            <a:r>
-              <a:rPr lang="en-CA" dirty="0" smtClean="0"/>
-              <a:t>Given a test instance, calculate value for each linear expression, and assign instance to class with whose linear expression yields highest value</a:t>
-            </a:r>
-          </a:p>
-          <a:p>
-            <a:r>
-              <a:rPr lang="en-CA" dirty="0" smtClean="0"/>
-              <a:t>This is known as multi-response linear regression</a:t>
-            </a:r>
-          </a:p>
-          <a:p>
-            <a:r>
-              <a:rPr lang="en-CA" dirty="0" smtClean="0"/>
-              <a:t>Drawbacks: </a:t>
-            </a:r>
-          </a:p>
-          <a:p>
-            <a:pPr lvl="1"/>
-            <a:r>
-              <a:rPr lang="en-CA" dirty="0"/>
-              <a:t>D</a:t>
-            </a:r>
-            <a:r>
-              <a:rPr lang="en-CA" dirty="0" smtClean="0"/>
-              <a:t>oes not yield probabilities (difficult to interpret/give confidence)</a:t>
-            </a:r>
-          </a:p>
-          <a:p>
-            <a:pPr lvl="1"/>
-            <a:r>
-              <a:rPr lang="en-CA" dirty="0" smtClean="0"/>
-              <a:t>Least-squares regression assumes errors are statistically independent and normally distributed, with the same standard deviation (not true when output is only 0 or 1)</a:t>
-            </a:r>
-            <a:endParaRPr lang="en-CA" dirty="0"/>
-          </a:p>
-        </p:txBody>
-      </p:sp>
+      <mc:AlternateContent xmlns:mc="http://schemas.openxmlformats.org/markup-compatibility/2006" xmlns:a14="http://schemas.microsoft.com/office/drawing/2010/main">
+        <mc:Choice Requires="a14">
+          <p:sp>
+            <p:nvSpPr>
+              <p:cNvPr id="3" name="Content Placeholder 2"/>
+              <p:cNvSpPr>
+                <a:spLocks noGrp="1"/>
+              </p:cNvSpPr>
+              <p:nvPr>
+                <p:ph idx="1"/>
+              </p:nvPr>
+            </p:nvSpPr>
+            <p:spPr>
+              <a:xfrm>
+                <a:off x="523009" y="1399310"/>
+                <a:ext cx="11017827" cy="5153890"/>
+              </a:xfrm>
+            </p:spPr>
+            <p:txBody>
+              <a:bodyPr>
+                <a:normAutofit/>
+              </a:bodyPr>
+              <a:lstStyle/>
+              <a:p>
+                <a:r>
+                  <a:rPr lang="en-CA" dirty="0" smtClean="0"/>
+                  <a:t>Linear regression can easily be used for classification in domains with numerical attributes</a:t>
+                </a:r>
+              </a:p>
+              <a:p>
+                <a:r>
+                  <a:rPr lang="en-CA" dirty="0" smtClean="0"/>
+                  <a:t>Perform a regression for each class, setting output=1 for instances that belong to the class, and output=0 for instances that do not.</a:t>
+                </a:r>
+              </a:p>
+              <a:p>
+                <a:r>
+                  <a:rPr lang="en-CA" dirty="0" smtClean="0"/>
+                  <a:t>This results in one linear expression for each class</a:t>
+                </a:r>
+              </a:p>
+              <a:p>
+                <a:pPr lvl="1"/>
+                <a:r>
+                  <a:rPr lang="en-CA" dirty="0" smtClean="0"/>
+                  <a:t>Solve </a:t>
+                </a:r>
+                <a14:m>
+                  <m:oMath xmlns:m="http://schemas.openxmlformats.org/officeDocument/2006/math">
+                    <m:r>
+                      <m:rPr>
+                        <m:sty m:val="p"/>
+                      </m:rPr>
+                      <a:rPr lang="en-CA">
+                        <a:latin typeface="Cambria Math" panose="02040503050406030204" pitchFamily="18" charset="0"/>
+                      </a:rPr>
+                      <m:t>W</m:t>
+                    </m:r>
+                    <m:r>
+                      <a:rPr lang="en-CA">
+                        <a:latin typeface="Cambria Math" panose="02040503050406030204" pitchFamily="18" charset="0"/>
+                      </a:rPr>
+                      <m:t>= </m:t>
+                    </m:r>
+                    <m:sSup>
+                      <m:sSupPr>
+                        <m:ctrlPr>
+                          <a:rPr lang="en-CA" i="1">
+                            <a:latin typeface="Cambria Math" panose="02040503050406030204" pitchFamily="18" charset="0"/>
+                          </a:rPr>
+                        </m:ctrlPr>
+                      </m:sSupPr>
+                      <m:e>
+                        <m:r>
+                          <a:rPr lang="en-CA">
+                            <a:latin typeface="Cambria Math" panose="02040503050406030204" pitchFamily="18" charset="0"/>
+                          </a:rPr>
+                          <m:t>(</m:t>
+                        </m:r>
+                        <m:sSup>
+                          <m:sSupPr>
+                            <m:ctrlPr>
+                              <a:rPr lang="en-CA" i="1">
+                                <a:latin typeface="Cambria Math" panose="02040503050406030204" pitchFamily="18" charset="0"/>
+                              </a:rPr>
+                            </m:ctrlPr>
+                          </m:sSupPr>
+                          <m:e>
+                            <m:r>
+                              <m:rPr>
+                                <m:sty m:val="p"/>
+                              </m:rPr>
+                              <a:rPr lang="en-CA">
+                                <a:latin typeface="Cambria Math" panose="02040503050406030204" pitchFamily="18" charset="0"/>
+                              </a:rPr>
+                              <m:t>X</m:t>
+                            </m:r>
+                          </m:e>
+                          <m:sup>
+                            <m:r>
+                              <m:rPr>
+                                <m:sty m:val="p"/>
+                              </m:rPr>
+                              <a:rPr lang="en-CA">
+                                <a:latin typeface="Cambria Math" panose="02040503050406030204" pitchFamily="18" charset="0"/>
+                              </a:rPr>
+                              <m:t>T</m:t>
+                            </m:r>
+                          </m:sup>
+                        </m:sSup>
+                        <m:r>
+                          <m:rPr>
+                            <m:sty m:val="p"/>
+                          </m:rPr>
+                          <a:rPr lang="en-CA">
+                            <a:latin typeface="Cambria Math" panose="02040503050406030204" pitchFamily="18" charset="0"/>
+                          </a:rPr>
+                          <m:t>X</m:t>
+                        </m:r>
+                        <m:r>
+                          <a:rPr lang="en-CA">
+                            <a:latin typeface="Cambria Math" panose="02040503050406030204" pitchFamily="18" charset="0"/>
+                          </a:rPr>
+                          <m:t>)</m:t>
+                        </m:r>
+                      </m:e>
+                      <m:sup>
+                        <m:r>
+                          <a:rPr lang="en-CA">
+                            <a:latin typeface="Cambria Math" panose="02040503050406030204" pitchFamily="18" charset="0"/>
+                          </a:rPr>
+                          <m:t>−1</m:t>
+                        </m:r>
+                      </m:sup>
+                    </m:sSup>
+                    <m:sSup>
+                      <m:sSupPr>
+                        <m:ctrlPr>
+                          <a:rPr lang="en-CA" i="1">
+                            <a:latin typeface="Cambria Math" panose="02040503050406030204" pitchFamily="18" charset="0"/>
+                          </a:rPr>
+                        </m:ctrlPr>
+                      </m:sSupPr>
+                      <m:e>
+                        <m:r>
+                          <m:rPr>
+                            <m:sty m:val="p"/>
+                          </m:rPr>
+                          <a:rPr lang="en-CA">
+                            <a:latin typeface="Cambria Math" panose="02040503050406030204" pitchFamily="18" charset="0"/>
+                          </a:rPr>
+                          <m:t>X</m:t>
+                        </m:r>
+                      </m:e>
+                      <m:sup>
+                        <m:r>
+                          <m:rPr>
+                            <m:sty m:val="p"/>
+                          </m:rPr>
+                          <a:rPr lang="en-CA">
+                            <a:latin typeface="Cambria Math" panose="02040503050406030204" pitchFamily="18" charset="0"/>
+                          </a:rPr>
+                          <m:t>T</m:t>
+                        </m:r>
+                      </m:sup>
+                    </m:sSup>
+                    <m:r>
+                      <m:rPr>
+                        <m:sty m:val="p"/>
+                      </m:rPr>
+                      <a:rPr lang="en-CA">
+                        <a:latin typeface="Cambria Math" panose="02040503050406030204" pitchFamily="18" charset="0"/>
+                      </a:rPr>
+                      <m:t>Y</m:t>
+                    </m:r>
+                  </m:oMath>
+                </a14:m>
+                <a:r>
+                  <a:rPr lang="en-CA" baseline="30000" dirty="0"/>
+                  <a:t>  </a:t>
+                </a:r>
+                <a:r>
+                  <a:rPr lang="en-CA" dirty="0" smtClean="0"/>
+                  <a:t>once for each class, giving each class its own weights</a:t>
+                </a:r>
+              </a:p>
+              <a:p>
+                <a:r>
+                  <a:rPr lang="en-CA" dirty="0" smtClean="0"/>
+                  <a:t>Given a test instance, calculate value for each linear expression, and assign instance to class with whose linear expression yields highest value</a:t>
+                </a:r>
+              </a:p>
+              <a:p>
+                <a:r>
+                  <a:rPr lang="en-CA" dirty="0" smtClean="0"/>
+                  <a:t>This is known as multi-response linear regression</a:t>
+                </a:r>
+              </a:p>
+              <a:p>
+                <a:pPr lvl="1"/>
+                <a14:m>
+                  <m:oMath xmlns:m="http://schemas.openxmlformats.org/officeDocument/2006/math">
+                    <m:r>
+                      <m:rPr>
+                        <m:sty m:val="p"/>
+                      </m:rPr>
+                      <a:rPr lang="en-CA">
+                        <a:latin typeface="Cambria Math" panose="02040503050406030204" pitchFamily="18" charset="0"/>
+                      </a:rPr>
+                      <m:t>y</m:t>
+                    </m:r>
+                    <m:r>
+                      <a:rPr lang="en-CA">
+                        <a:latin typeface="Cambria Math" panose="02040503050406030204" pitchFamily="18" charset="0"/>
+                      </a:rPr>
+                      <m:t>=</m:t>
+                    </m:r>
+                    <m:r>
+                      <m:rPr>
+                        <m:sty m:val="p"/>
+                      </m:rPr>
+                      <a:rPr lang="en-CA">
+                        <a:latin typeface="Cambria Math" panose="02040503050406030204" pitchFamily="18" charset="0"/>
+                      </a:rPr>
+                      <m:t>w</m:t>
+                    </m:r>
+                    <m:r>
+                      <a:rPr lang="en-CA" baseline="-25000">
+                        <a:latin typeface="Cambria Math" panose="02040503050406030204" pitchFamily="18" charset="0"/>
+                      </a:rPr>
+                      <m:t>0</m:t>
+                    </m:r>
+                    <m:r>
+                      <a:rPr lang="en-CA">
+                        <a:latin typeface="Cambria Math" panose="02040503050406030204" pitchFamily="18" charset="0"/>
+                      </a:rPr>
+                      <m:t>+</m:t>
+                    </m:r>
+                    <m:r>
+                      <m:rPr>
+                        <m:sty m:val="p"/>
+                      </m:rPr>
+                      <a:rPr lang="en-CA">
+                        <a:latin typeface="Cambria Math" panose="02040503050406030204" pitchFamily="18" charset="0"/>
+                      </a:rPr>
+                      <m:t>w</m:t>
+                    </m:r>
+                    <m:r>
+                      <a:rPr lang="en-CA" baseline="-25000">
+                        <a:latin typeface="Cambria Math" panose="02040503050406030204" pitchFamily="18" charset="0"/>
+                      </a:rPr>
+                      <m:t>1</m:t>
+                    </m:r>
+                    <m:r>
+                      <m:rPr>
+                        <m:sty m:val="p"/>
+                      </m:rPr>
+                      <a:rPr lang="en-CA">
+                        <a:latin typeface="Cambria Math" panose="02040503050406030204" pitchFamily="18" charset="0"/>
+                      </a:rPr>
+                      <m:t>a</m:t>
+                    </m:r>
+                    <m:r>
+                      <a:rPr lang="en-CA" baseline="-25000">
+                        <a:latin typeface="Cambria Math" panose="02040503050406030204" pitchFamily="18" charset="0"/>
+                      </a:rPr>
+                      <m:t>1</m:t>
+                    </m:r>
+                    <m:r>
+                      <a:rPr lang="en-CA">
+                        <a:latin typeface="Cambria Math" panose="02040503050406030204" pitchFamily="18" charset="0"/>
+                      </a:rPr>
+                      <m:t>+</m:t>
+                    </m:r>
+                    <m:r>
+                      <m:rPr>
+                        <m:sty m:val="p"/>
+                      </m:rPr>
+                      <a:rPr lang="en-CA">
+                        <a:latin typeface="Cambria Math" panose="02040503050406030204" pitchFamily="18" charset="0"/>
+                      </a:rPr>
+                      <m:t>w</m:t>
+                    </m:r>
+                    <m:r>
+                      <a:rPr lang="en-CA" baseline="-25000">
+                        <a:latin typeface="Cambria Math" panose="02040503050406030204" pitchFamily="18" charset="0"/>
+                      </a:rPr>
+                      <m:t>2</m:t>
+                    </m:r>
+                    <m:r>
+                      <m:rPr>
+                        <m:sty m:val="p"/>
+                      </m:rPr>
+                      <a:rPr lang="en-CA">
+                        <a:latin typeface="Cambria Math" panose="02040503050406030204" pitchFamily="18" charset="0"/>
+                      </a:rPr>
+                      <m:t>a</m:t>
+                    </m:r>
+                    <m:r>
+                      <a:rPr lang="en-CA" baseline="-25000">
+                        <a:latin typeface="Cambria Math" panose="02040503050406030204" pitchFamily="18" charset="0"/>
+                      </a:rPr>
+                      <m:t>2</m:t>
+                    </m:r>
+                    <m:r>
+                      <a:rPr lang="en-CA">
+                        <a:latin typeface="Cambria Math" panose="02040503050406030204" pitchFamily="18" charset="0"/>
+                      </a:rPr>
+                      <m:t>+…+</m:t>
+                    </m:r>
+                    <m:sSub>
+                      <m:sSubPr>
+                        <m:ctrlPr>
+                          <a:rPr lang="en-CA" i="1">
+                            <a:latin typeface="Cambria Math" panose="02040503050406030204" pitchFamily="18" charset="0"/>
+                          </a:rPr>
+                        </m:ctrlPr>
+                      </m:sSubPr>
+                      <m:e>
+                        <m:r>
+                          <m:rPr>
+                            <m:sty m:val="p"/>
+                          </m:rPr>
+                          <a:rPr lang="en-CA">
+                            <a:latin typeface="Cambria Math" panose="02040503050406030204" pitchFamily="18" charset="0"/>
+                          </a:rPr>
+                          <m:t>w</m:t>
+                        </m:r>
+                      </m:e>
+                      <m:sub>
+                        <m:r>
+                          <m:rPr>
+                            <m:sty m:val="p"/>
+                          </m:rPr>
+                          <a:rPr lang="en-CA">
+                            <a:latin typeface="Cambria Math" panose="02040503050406030204" pitchFamily="18" charset="0"/>
+                          </a:rPr>
+                          <m:t>k</m:t>
+                        </m:r>
+                      </m:sub>
+                    </m:sSub>
+                    <m:sSub>
+                      <m:sSubPr>
+                        <m:ctrlPr>
+                          <a:rPr lang="en-CA" i="1">
+                            <a:latin typeface="Cambria Math" panose="02040503050406030204" pitchFamily="18" charset="0"/>
+                          </a:rPr>
+                        </m:ctrlPr>
+                      </m:sSubPr>
+                      <m:e>
+                        <m:r>
+                          <m:rPr>
+                            <m:sty m:val="p"/>
+                          </m:rPr>
+                          <a:rPr lang="en-CA">
+                            <a:latin typeface="Cambria Math" panose="02040503050406030204" pitchFamily="18" charset="0"/>
+                          </a:rPr>
+                          <m:t>a</m:t>
+                        </m:r>
+                      </m:e>
+                      <m:sub>
+                        <m:r>
+                          <m:rPr>
+                            <m:sty m:val="p"/>
+                          </m:rPr>
+                          <a:rPr lang="en-CA">
+                            <a:latin typeface="Cambria Math" panose="02040503050406030204" pitchFamily="18" charset="0"/>
+                          </a:rPr>
+                          <m:t>k</m:t>
+                        </m:r>
+                      </m:sub>
+                    </m:sSub>
+                    <m:r>
+                      <a:rPr lang="en-CA">
+                        <a:latin typeface="Cambria Math" panose="02040503050406030204" pitchFamily="18" charset="0"/>
+                      </a:rPr>
+                      <m:t>. </m:t>
+                    </m:r>
+                    <m:r>
+                      <a:rPr lang="en-CA">
+                        <a:solidFill>
+                          <a:schemeClr val="bg1"/>
+                        </a:solidFill>
+                        <a:latin typeface="Cambria Math" panose="02040503050406030204" pitchFamily="18" charset="0"/>
+                      </a:rPr>
+                      <m:t>.</m:t>
+                    </m:r>
+                  </m:oMath>
+                </a14:m>
+                <a:endParaRPr lang="en-CA" dirty="0">
+                  <a:solidFill>
+                    <a:schemeClr val="bg1"/>
+                  </a:solidFill>
+                </a:endParaRPr>
+              </a:p>
+              <a:p>
+                <a:pPr lvl="1"/>
+                <a:r>
+                  <a:rPr lang="en-CA" dirty="0" smtClean="0">
+                    <a:latin typeface="Cambria Math" panose="02040503050406030204" pitchFamily="18" charset="0"/>
+                    <a:ea typeface="Cambria Math" panose="02040503050406030204" pitchFamily="18" charset="0"/>
+                  </a:rPr>
+                  <a:t>y</a:t>
+                </a:r>
+                <a:r>
+                  <a:rPr lang="en-CA" dirty="0" smtClean="0"/>
+                  <a:t> is the “response” (1 response per class)</a:t>
+                </a:r>
+              </a:p>
+            </p:txBody>
+          </p:sp>
+        </mc:Choice>
+        <mc:Fallback xmlns="">
+          <p:sp>
+            <p:nvSpPr>
+              <p:cNvPr id="3" name="Content Placeholder 2"/>
+              <p:cNvSpPr>
+                <a:spLocks noGrp="1" noRot="1" noChangeAspect="1" noMove="1" noResize="1" noEditPoints="1" noAdjustHandles="1" noChangeArrowheads="1" noChangeShapeType="1" noTextEdit="1"/>
+              </p:cNvSpPr>
+              <p:nvPr>
+                <p:ph idx="1"/>
+              </p:nvPr>
+            </p:nvSpPr>
+            <p:spPr>
+              <a:xfrm>
+                <a:off x="523009" y="1399310"/>
+                <a:ext cx="11017827" cy="5153890"/>
+              </a:xfrm>
+              <a:blipFill>
+                <a:blip r:embed="rId2"/>
+                <a:stretch>
+                  <a:fillRect l="-996" t="-2012"/>
+                </a:stretch>
+              </a:blipFill>
+            </p:spPr>
+            <p:txBody>
+              <a:bodyPr/>
+              <a:lstStyle/>
+              <a:p>
+                <a:r>
+                  <a:rPr lang="en-CA">
+                    <a:noFill/>
+                  </a:rPr>
+                  <a:t> </a:t>
+                </a:r>
+              </a:p>
+            </p:txBody>
+          </p:sp>
+        </mc:Fallback>
+      </mc:AlternateContent>
     </p:spTree>
     <p:extLst>
       <p:ext uri="{BB962C8B-B14F-4D97-AF65-F5344CB8AC3E}">
@@ -5894,9 +10606,373 @@
   <p:timing>
     <p:tnLst>
       <p:par>
-        <p:cTn id="1" dur="indefinite" restart="never" nodeType="tmRoot"/>
+        <p:cTn id="1" dur="indefinite" restart="never" nodeType="tmRoot">
+          <p:childTnLst>
+            <p:seq concurrent="1" nextAc="seek">
+              <p:cTn id="2" dur="indefinite" nodeType="mainSeq">
+                <p:childTnLst>
+                  <p:par>
+                    <p:cTn id="3" fill="hold">
+                      <p:stCondLst>
+                        <p:cond delay="indefinite"/>
+                      </p:stCondLst>
+                      <p:childTnLst>
+                        <p:par>
+                          <p:cTn id="4" fill="hold">
+                            <p:stCondLst>
+                              <p:cond delay="0"/>
+                            </p:stCondLst>
+                            <p:childTnLst>
+                              <p:par>
+                                <p:cTn id="5" presetID="1" presetClass="entr" presetSubtype="0" fill="hold" grpId="0" nodeType="clickEffect">
+                                  <p:stCondLst>
+                                    <p:cond delay="0"/>
+                                  </p:stCondLst>
+                                  <p:childTnLst>
+                                    <p:set>
+                                      <p:cBhvr>
+                                        <p:cTn id="6" dur="1" fill="hold">
+                                          <p:stCondLst>
+                                            <p:cond delay="0"/>
+                                          </p:stCondLst>
+                                        </p:cTn>
+                                        <p:tgtEl>
+                                          <p:spTgt spid="3">
+                                            <p:txEl>
+                                              <p:pRg st="0" end="0"/>
+                                            </p:txEl>
+                                          </p:spTgt>
+                                        </p:tgtEl>
+                                        <p:attrNameLst>
+                                          <p:attrName>style.visibility</p:attrName>
+                                        </p:attrNameLst>
+                                      </p:cBhvr>
+                                      <p:to>
+                                        <p:strVal val="visible"/>
+                                      </p:to>
+                                    </p:set>
+                                  </p:childTnLst>
+                                </p:cTn>
+                              </p:par>
+                            </p:childTnLst>
+                          </p:cTn>
+                        </p:par>
+                      </p:childTnLst>
+                    </p:cTn>
+                  </p:par>
+                  <p:par>
+                    <p:cTn id="7" fill="hold">
+                      <p:stCondLst>
+                        <p:cond delay="indefinite"/>
+                      </p:stCondLst>
+                      <p:childTnLst>
+                        <p:par>
+                          <p:cTn id="8" fill="hold">
+                            <p:stCondLst>
+                              <p:cond delay="0"/>
+                            </p:stCondLst>
+                            <p:childTnLst>
+                              <p:par>
+                                <p:cTn id="9" presetID="1" presetClass="entr" presetSubtype="0" fill="hold" grpId="0" nodeType="clickEffect">
+                                  <p:stCondLst>
+                                    <p:cond delay="0"/>
+                                  </p:stCondLst>
+                                  <p:childTnLst>
+                                    <p:set>
+                                      <p:cBhvr>
+                                        <p:cTn id="10" dur="1" fill="hold">
+                                          <p:stCondLst>
+                                            <p:cond delay="0"/>
+                                          </p:stCondLst>
+                                        </p:cTn>
+                                        <p:tgtEl>
+                                          <p:spTgt spid="3">
+                                            <p:txEl>
+                                              <p:pRg st="1" end="1"/>
+                                            </p:txEl>
+                                          </p:spTgt>
+                                        </p:tgtEl>
+                                        <p:attrNameLst>
+                                          <p:attrName>style.visibility</p:attrName>
+                                        </p:attrNameLst>
+                                      </p:cBhvr>
+                                      <p:to>
+                                        <p:strVal val="visible"/>
+                                      </p:to>
+                                    </p:set>
+                                  </p:childTnLst>
+                                </p:cTn>
+                              </p:par>
+                            </p:childTnLst>
+                          </p:cTn>
+                        </p:par>
+                      </p:childTnLst>
+                    </p:cTn>
+                  </p:par>
+                  <p:par>
+                    <p:cTn id="11" fill="hold">
+                      <p:stCondLst>
+                        <p:cond delay="indefinite"/>
+                      </p:stCondLst>
+                      <p:childTnLst>
+                        <p:par>
+                          <p:cTn id="12" fill="hold">
+                            <p:stCondLst>
+                              <p:cond delay="0"/>
+                            </p:stCondLst>
+                            <p:childTnLst>
+                              <p:par>
+                                <p:cTn id="13" presetID="1" presetClass="entr" presetSubtype="0" fill="hold" grpId="0" nodeType="clickEffect">
+                                  <p:stCondLst>
+                                    <p:cond delay="0"/>
+                                  </p:stCondLst>
+                                  <p:childTnLst>
+                                    <p:set>
+                                      <p:cBhvr>
+                                        <p:cTn id="14" dur="1" fill="hold">
+                                          <p:stCondLst>
+                                            <p:cond delay="0"/>
+                                          </p:stCondLst>
+                                        </p:cTn>
+                                        <p:tgtEl>
+                                          <p:spTgt spid="3">
+                                            <p:txEl>
+                                              <p:pRg st="2" end="2"/>
+                                            </p:txEl>
+                                          </p:spTgt>
+                                        </p:tgtEl>
+                                        <p:attrNameLst>
+                                          <p:attrName>style.visibility</p:attrName>
+                                        </p:attrNameLst>
+                                      </p:cBhvr>
+                                      <p:to>
+                                        <p:strVal val="visible"/>
+                                      </p:to>
+                                    </p:set>
+                                  </p:childTnLst>
+                                </p:cTn>
+                              </p:par>
+                              <p:par>
+                                <p:cTn id="15" presetID="1" presetClass="entr" presetSubtype="0" fill="hold" grpId="0" nodeType="withEffect">
+                                  <p:stCondLst>
+                                    <p:cond delay="0"/>
+                                  </p:stCondLst>
+                                  <p:childTnLst>
+                                    <p:set>
+                                      <p:cBhvr>
+                                        <p:cTn id="16" dur="1" fill="hold">
+                                          <p:stCondLst>
+                                            <p:cond delay="0"/>
+                                          </p:stCondLst>
+                                        </p:cTn>
+                                        <p:tgtEl>
+                                          <p:spTgt spid="3">
+                                            <p:txEl>
+                                              <p:pRg st="3" end="3"/>
+                                            </p:txEl>
+                                          </p:spTgt>
+                                        </p:tgtEl>
+                                        <p:attrNameLst>
+                                          <p:attrName>style.visibility</p:attrName>
+                                        </p:attrNameLst>
+                                      </p:cBhvr>
+                                      <p:to>
+                                        <p:strVal val="visible"/>
+                                      </p:to>
+                                    </p:set>
+                                  </p:childTnLst>
+                                </p:cTn>
+                              </p:par>
+                            </p:childTnLst>
+                          </p:cTn>
+                        </p:par>
+                      </p:childTnLst>
+                    </p:cTn>
+                  </p:par>
+                  <p:par>
+                    <p:cTn id="17" fill="hold">
+                      <p:stCondLst>
+                        <p:cond delay="indefinite"/>
+                      </p:stCondLst>
+                      <p:childTnLst>
+                        <p:par>
+                          <p:cTn id="18" fill="hold">
+                            <p:stCondLst>
+                              <p:cond delay="0"/>
+                            </p:stCondLst>
+                            <p:childTnLst>
+                              <p:par>
+                                <p:cTn id="19" presetID="1" presetClass="entr" presetSubtype="0" fill="hold" grpId="0" nodeType="clickEffect">
+                                  <p:stCondLst>
+                                    <p:cond delay="0"/>
+                                  </p:stCondLst>
+                                  <p:childTnLst>
+                                    <p:set>
+                                      <p:cBhvr>
+                                        <p:cTn id="20" dur="1" fill="hold">
+                                          <p:stCondLst>
+                                            <p:cond delay="0"/>
+                                          </p:stCondLst>
+                                        </p:cTn>
+                                        <p:tgtEl>
+                                          <p:spTgt spid="3">
+                                            <p:txEl>
+                                              <p:pRg st="4" end="4"/>
+                                            </p:txEl>
+                                          </p:spTgt>
+                                        </p:tgtEl>
+                                        <p:attrNameLst>
+                                          <p:attrName>style.visibility</p:attrName>
+                                        </p:attrNameLst>
+                                      </p:cBhvr>
+                                      <p:to>
+                                        <p:strVal val="visible"/>
+                                      </p:to>
+                                    </p:set>
+                                  </p:childTnLst>
+                                </p:cTn>
+                              </p:par>
+                            </p:childTnLst>
+                          </p:cTn>
+                        </p:par>
+                      </p:childTnLst>
+                    </p:cTn>
+                  </p:par>
+                  <p:par>
+                    <p:cTn id="21" fill="hold">
+                      <p:stCondLst>
+                        <p:cond delay="indefinite"/>
+                      </p:stCondLst>
+                      <p:childTnLst>
+                        <p:par>
+                          <p:cTn id="22" fill="hold">
+                            <p:stCondLst>
+                              <p:cond delay="0"/>
+                            </p:stCondLst>
+                            <p:childTnLst>
+                              <p:par>
+                                <p:cTn id="23" presetID="1" presetClass="entr" presetSubtype="0" fill="hold" grpId="0" nodeType="clickEffect">
+                                  <p:stCondLst>
+                                    <p:cond delay="0"/>
+                                  </p:stCondLst>
+                                  <p:childTnLst>
+                                    <p:set>
+                                      <p:cBhvr>
+                                        <p:cTn id="24" dur="1" fill="hold">
+                                          <p:stCondLst>
+                                            <p:cond delay="0"/>
+                                          </p:stCondLst>
+                                        </p:cTn>
+                                        <p:tgtEl>
+                                          <p:spTgt spid="3">
+                                            <p:txEl>
+                                              <p:pRg st="5" end="5"/>
+                                            </p:txEl>
+                                          </p:spTgt>
+                                        </p:tgtEl>
+                                        <p:attrNameLst>
+                                          <p:attrName>style.visibility</p:attrName>
+                                        </p:attrNameLst>
+                                      </p:cBhvr>
+                                      <p:to>
+                                        <p:strVal val="visible"/>
+                                      </p:to>
+                                    </p:set>
+                                  </p:childTnLst>
+                                </p:cTn>
+                              </p:par>
+                              <p:par>
+                                <p:cTn id="25" presetID="1" presetClass="entr" presetSubtype="0" fill="hold" grpId="0" nodeType="withEffect">
+                                  <p:stCondLst>
+                                    <p:cond delay="0"/>
+                                  </p:stCondLst>
+                                  <p:childTnLst>
+                                    <p:set>
+                                      <p:cBhvr>
+                                        <p:cTn id="26" dur="1" fill="hold">
+                                          <p:stCondLst>
+                                            <p:cond delay="0"/>
+                                          </p:stCondLst>
+                                        </p:cTn>
+                                        <p:tgtEl>
+                                          <p:spTgt spid="3">
+                                            <p:txEl>
+                                              <p:pRg st="6" end="6"/>
+                                            </p:txEl>
+                                          </p:spTgt>
+                                        </p:tgtEl>
+                                        <p:attrNameLst>
+                                          <p:attrName>style.visibility</p:attrName>
+                                        </p:attrNameLst>
+                                      </p:cBhvr>
+                                      <p:to>
+                                        <p:strVal val="visible"/>
+                                      </p:to>
+                                    </p:set>
+                                  </p:childTnLst>
+                                </p:cTn>
+                              </p:par>
+                              <p:par>
+                                <p:cTn id="27" presetID="1" presetClass="entr" presetSubtype="0" fill="hold" grpId="0" nodeType="withEffect">
+                                  <p:stCondLst>
+                                    <p:cond delay="0"/>
+                                  </p:stCondLst>
+                                  <p:childTnLst>
+                                    <p:set>
+                                      <p:cBhvr>
+                                        <p:cTn id="28" dur="1" fill="hold">
+                                          <p:stCondLst>
+                                            <p:cond delay="0"/>
+                                          </p:stCondLst>
+                                        </p:cTn>
+                                        <p:tgtEl>
+                                          <p:spTgt spid="3">
+                                            <p:txEl>
+                                              <p:pRg st="7" end="7"/>
+                                            </p:txEl>
+                                          </p:spTgt>
+                                        </p:tgtEl>
+                                        <p:attrNameLst>
+                                          <p:attrName>style.visibility</p:attrName>
+                                        </p:attrNameLst>
+                                      </p:cBhvr>
+                                      <p:to>
+                                        <p:strVal val="visible"/>
+                                      </p:to>
+                                    </p:set>
+                                  </p:childTnLst>
+                                </p:cTn>
+                              </p:par>
+                            </p:childTnLst>
+                          </p:cTn>
+                        </p:par>
+                      </p:childTnLst>
+                    </p:cTn>
+                  </p:par>
+                </p:childTnLst>
+              </p:cTn>
+              <p:prevCondLst>
+                <p:cond evt="onPrev" delay="0">
+                  <p:tgtEl>
+                    <p:sldTgt/>
+                  </p:tgtEl>
+                </p:cond>
+              </p:prevCondLst>
+              <p:nextCondLst>
+                <p:cond evt="onNext" delay="0">
+                  <p:tgtEl>
+                    <p:sldTgt/>
+                  </p:tgtEl>
+                </p:cond>
+              </p:nextCondLst>
+            </p:seq>
+          </p:childTnLst>
+        </p:cTn>
       </p:par>
     </p:tnLst>
+    <p:bldLst>
+      <p:bldP spid="3" grpId="0" build="p"/>
+    </p:bldLst>
   </p:timing>
 </p:sld>
 </file>
@@ -5931,7 +11007,7 @@
         <p:spPr>
           <a:xfrm>
             <a:off x="0" y="0"/>
-            <a:ext cx="10515600" cy="1325563"/>
+            <a:ext cx="10515600" cy="893997"/>
           </a:xfrm>
         </p:spPr>
         <p:txBody>
@@ -5963,7 +11039,9 @@
           </a:xfrm>
         </p:spPr>
         <p:txBody>
-          <a:bodyPr/>
+          <a:bodyPr>
+            <a:normAutofit fontScale="92500" lnSpcReduction="10000"/>
+          </a:bodyPr>
           <a:lstStyle/>
           <a:p>
             <a:r>
@@ -5982,7 +11060,7 @@
             </a:r>
             <a:r>
               <a:rPr lang="en-CA" dirty="0" smtClean="0"/>
-              <a:t> and versicolor (2 classes)</a:t>
+              <a:t> and versicolor (2 classes), use only petal length attribute</a:t>
             </a:r>
           </a:p>
           <a:p>
@@ -6014,36 +11092,6 @@
           </a:prstGeom>
         </p:spPr>
       </p:pic>
-      <p:sp>
-        <p:nvSpPr>
-          <p:cNvPr id="5" name="TextBox 4"/>
-          <p:cNvSpPr txBox="1"/>
-          <p:nvPr/>
-        </p:nvSpPr>
-        <p:spPr>
-          <a:xfrm>
-            <a:off x="0" y="6503125"/>
-            <a:ext cx="4718340" cy="369332"/>
-          </a:xfrm>
-          <a:prstGeom prst="rect">
-            <a:avLst/>
-          </a:prstGeom>
-          <a:noFill/>
-        </p:spPr>
-        <p:txBody>
-          <a:bodyPr wrap="square" rtlCol="0">
-            <a:spAutoFit/>
-          </a:bodyPr>
-          <a:lstStyle/>
-          <a:p>
-            <a:r>
-              <a:rPr lang="en-CA" dirty="0" smtClean="0"/>
-              <a:t>multiresponse_iris.py</a:t>
-            </a:r>
-            <a:endParaRPr lang="en-CA" dirty="0"/>
-          </a:p>
-        </p:txBody>
-      </p:sp>
       <p:sp>
         <p:nvSpPr>
           <p:cNvPr id="6" name="TextBox 5"/>
@@ -6476,9 +11524,519 @@
   <p:timing>
     <p:tnLst>
       <p:par>
-        <p:cTn id="1" dur="indefinite" restart="never" nodeType="tmRoot"/>
+        <p:cTn id="1" dur="indefinite" restart="never" nodeType="tmRoot">
+          <p:childTnLst>
+            <p:seq concurrent="1" nextAc="seek">
+              <p:cTn id="2" dur="indefinite" nodeType="mainSeq">
+                <p:childTnLst>
+                  <p:par>
+                    <p:cTn id="3" fill="hold">
+                      <p:stCondLst>
+                        <p:cond delay="indefinite"/>
+                      </p:stCondLst>
+                      <p:childTnLst>
+                        <p:par>
+                          <p:cTn id="4" fill="hold">
+                            <p:stCondLst>
+                              <p:cond delay="0"/>
+                            </p:stCondLst>
+                            <p:childTnLst>
+                              <p:par>
+                                <p:cTn id="5" presetID="1" presetClass="entr" presetSubtype="0" fill="hold" grpId="0" nodeType="clickEffect">
+                                  <p:stCondLst>
+                                    <p:cond delay="0"/>
+                                  </p:stCondLst>
+                                  <p:childTnLst>
+                                    <p:set>
+                                      <p:cBhvr>
+                                        <p:cTn id="6" dur="1" fill="hold">
+                                          <p:stCondLst>
+                                            <p:cond delay="0"/>
+                                          </p:stCondLst>
+                                        </p:cTn>
+                                        <p:tgtEl>
+                                          <p:spTgt spid="3">
+                                            <p:txEl>
+                                              <p:pRg st="0" end="0"/>
+                                            </p:txEl>
+                                          </p:spTgt>
+                                        </p:tgtEl>
+                                        <p:attrNameLst>
+                                          <p:attrName>style.visibility</p:attrName>
+                                        </p:attrNameLst>
+                                      </p:cBhvr>
+                                      <p:to>
+                                        <p:strVal val="visible"/>
+                                      </p:to>
+                                    </p:set>
+                                  </p:childTnLst>
+                                </p:cTn>
+                              </p:par>
+                            </p:childTnLst>
+                          </p:cTn>
+                        </p:par>
+                      </p:childTnLst>
+                    </p:cTn>
+                  </p:par>
+                  <p:par>
+                    <p:cTn id="7" fill="hold">
+                      <p:stCondLst>
+                        <p:cond delay="indefinite"/>
+                      </p:stCondLst>
+                      <p:childTnLst>
+                        <p:par>
+                          <p:cTn id="8" fill="hold">
+                            <p:stCondLst>
+                              <p:cond delay="0"/>
+                            </p:stCondLst>
+                            <p:childTnLst>
+                              <p:par>
+                                <p:cTn id="9" presetID="1" presetClass="entr" presetSubtype="0" fill="hold" grpId="0" nodeType="clickEffect">
+                                  <p:stCondLst>
+                                    <p:cond delay="0"/>
+                                  </p:stCondLst>
+                                  <p:childTnLst>
+                                    <p:set>
+                                      <p:cBhvr>
+                                        <p:cTn id="10" dur="1" fill="hold">
+                                          <p:stCondLst>
+                                            <p:cond delay="0"/>
+                                          </p:stCondLst>
+                                        </p:cTn>
+                                        <p:tgtEl>
+                                          <p:spTgt spid="3">
+                                            <p:txEl>
+                                              <p:pRg st="1" end="1"/>
+                                            </p:txEl>
+                                          </p:spTgt>
+                                        </p:tgtEl>
+                                        <p:attrNameLst>
+                                          <p:attrName>style.visibility</p:attrName>
+                                        </p:attrNameLst>
+                                      </p:cBhvr>
+                                      <p:to>
+                                        <p:strVal val="visible"/>
+                                      </p:to>
+                                    </p:set>
+                                  </p:childTnLst>
+                                </p:cTn>
+                              </p:par>
+                            </p:childTnLst>
+                          </p:cTn>
+                        </p:par>
+                      </p:childTnLst>
+                    </p:cTn>
+                  </p:par>
+                  <p:par>
+                    <p:cTn id="11" fill="hold">
+                      <p:stCondLst>
+                        <p:cond delay="indefinite"/>
+                      </p:stCondLst>
+                      <p:childTnLst>
+                        <p:par>
+                          <p:cTn id="12" fill="hold">
+                            <p:stCondLst>
+                              <p:cond delay="0"/>
+                            </p:stCondLst>
+                            <p:childTnLst>
+                              <p:par>
+                                <p:cTn id="13" presetID="1" presetClass="entr" presetSubtype="0" fill="hold" nodeType="clickEffect">
+                                  <p:stCondLst>
+                                    <p:cond delay="0"/>
+                                  </p:stCondLst>
+                                  <p:childTnLst>
+                                    <p:set>
+                                      <p:cBhvr>
+                                        <p:cTn id="14" dur="1" fill="hold">
+                                          <p:stCondLst>
+                                            <p:cond delay="0"/>
+                                          </p:stCondLst>
+                                        </p:cTn>
+                                        <p:tgtEl>
+                                          <p:spTgt spid="4"/>
+                                        </p:tgtEl>
+                                        <p:attrNameLst>
+                                          <p:attrName>style.visibility</p:attrName>
+                                        </p:attrNameLst>
+                                      </p:cBhvr>
+                                      <p:to>
+                                        <p:strVal val="visible"/>
+                                      </p:to>
+                                    </p:set>
+                                  </p:childTnLst>
+                                </p:cTn>
+                              </p:par>
+                              <p:par>
+                                <p:cTn id="15" presetID="1" presetClass="entr" presetSubtype="0" fill="hold" grpId="0" nodeType="withEffect">
+                                  <p:stCondLst>
+                                    <p:cond delay="0"/>
+                                  </p:stCondLst>
+                                  <p:childTnLst>
+                                    <p:set>
+                                      <p:cBhvr>
+                                        <p:cTn id="16" dur="1" fill="hold">
+                                          <p:stCondLst>
+                                            <p:cond delay="0"/>
+                                          </p:stCondLst>
+                                        </p:cTn>
+                                        <p:tgtEl>
+                                          <p:spTgt spid="6"/>
+                                        </p:tgtEl>
+                                        <p:attrNameLst>
+                                          <p:attrName>style.visibility</p:attrName>
+                                        </p:attrNameLst>
+                                      </p:cBhvr>
+                                      <p:to>
+                                        <p:strVal val="visible"/>
+                                      </p:to>
+                                    </p:set>
+                                  </p:childTnLst>
+                                </p:cTn>
+                              </p:par>
+                              <p:par>
+                                <p:cTn id="17" presetID="1" presetClass="entr" presetSubtype="0" fill="hold" grpId="0" nodeType="withEffect">
+                                  <p:stCondLst>
+                                    <p:cond delay="0"/>
+                                  </p:stCondLst>
+                                  <p:childTnLst>
+                                    <p:set>
+                                      <p:cBhvr>
+                                        <p:cTn id="18" dur="1" fill="hold">
+                                          <p:stCondLst>
+                                            <p:cond delay="0"/>
+                                          </p:stCondLst>
+                                        </p:cTn>
+                                        <p:tgtEl>
+                                          <p:spTgt spid="26"/>
+                                        </p:tgtEl>
+                                        <p:attrNameLst>
+                                          <p:attrName>style.visibility</p:attrName>
+                                        </p:attrNameLst>
+                                      </p:cBhvr>
+                                      <p:to>
+                                        <p:strVal val="visible"/>
+                                      </p:to>
+                                    </p:set>
+                                  </p:childTnLst>
+                                </p:cTn>
+                              </p:par>
+                              <p:par>
+                                <p:cTn id="19" presetID="1" presetClass="entr" presetSubtype="0" fill="hold" grpId="0" nodeType="withEffect">
+                                  <p:stCondLst>
+                                    <p:cond delay="0"/>
+                                  </p:stCondLst>
+                                  <p:childTnLst>
+                                    <p:set>
+                                      <p:cBhvr>
+                                        <p:cTn id="20" dur="1" fill="hold">
+                                          <p:stCondLst>
+                                            <p:cond delay="0"/>
+                                          </p:stCondLst>
+                                        </p:cTn>
+                                        <p:tgtEl>
+                                          <p:spTgt spid="27"/>
+                                        </p:tgtEl>
+                                        <p:attrNameLst>
+                                          <p:attrName>style.visibility</p:attrName>
+                                        </p:attrNameLst>
+                                      </p:cBhvr>
+                                      <p:to>
+                                        <p:strVal val="visible"/>
+                                      </p:to>
+                                    </p:set>
+                                  </p:childTnLst>
+                                </p:cTn>
+                              </p:par>
+                              <p:par>
+                                <p:cTn id="21" presetID="1" presetClass="entr" presetSubtype="0" fill="hold" grpId="0" nodeType="withEffect">
+                                  <p:stCondLst>
+                                    <p:cond delay="0"/>
+                                  </p:stCondLst>
+                                  <p:childTnLst>
+                                    <p:set>
+                                      <p:cBhvr>
+                                        <p:cTn id="22" dur="1" fill="hold">
+                                          <p:stCondLst>
+                                            <p:cond delay="0"/>
+                                          </p:stCondLst>
+                                        </p:cTn>
+                                        <p:tgtEl>
+                                          <p:spTgt spid="28"/>
+                                        </p:tgtEl>
+                                        <p:attrNameLst>
+                                          <p:attrName>style.visibility</p:attrName>
+                                        </p:attrNameLst>
+                                      </p:cBhvr>
+                                      <p:to>
+                                        <p:strVal val="visible"/>
+                                      </p:to>
+                                    </p:set>
+                                  </p:childTnLst>
+                                </p:cTn>
+                              </p:par>
+                            </p:childTnLst>
+                          </p:cTn>
+                        </p:par>
+                      </p:childTnLst>
+                    </p:cTn>
+                  </p:par>
+                  <p:par>
+                    <p:cTn id="23" fill="hold">
+                      <p:stCondLst>
+                        <p:cond delay="indefinite"/>
+                      </p:stCondLst>
+                      <p:childTnLst>
+                        <p:par>
+                          <p:cTn id="24" fill="hold">
+                            <p:stCondLst>
+                              <p:cond delay="0"/>
+                            </p:stCondLst>
+                            <p:childTnLst>
+                              <p:par>
+                                <p:cTn id="25" presetID="1" presetClass="entr" presetSubtype="0" fill="hold" nodeType="clickEffect">
+                                  <p:stCondLst>
+                                    <p:cond delay="0"/>
+                                  </p:stCondLst>
+                                  <p:childTnLst>
+                                    <p:set>
+                                      <p:cBhvr>
+                                        <p:cTn id="26" dur="1" fill="hold">
+                                          <p:stCondLst>
+                                            <p:cond delay="0"/>
+                                          </p:stCondLst>
+                                        </p:cTn>
+                                        <p:tgtEl>
+                                          <p:spTgt spid="7"/>
+                                        </p:tgtEl>
+                                        <p:attrNameLst>
+                                          <p:attrName>style.visibility</p:attrName>
+                                        </p:attrNameLst>
+                                      </p:cBhvr>
+                                      <p:to>
+                                        <p:strVal val="visible"/>
+                                      </p:to>
+                                    </p:set>
+                                  </p:childTnLst>
+                                </p:cTn>
+                              </p:par>
+                              <p:par>
+                                <p:cTn id="27" presetID="1" presetClass="entr" presetSubtype="0" fill="hold" grpId="0" nodeType="withEffect">
+                                  <p:stCondLst>
+                                    <p:cond delay="0"/>
+                                  </p:stCondLst>
+                                  <p:childTnLst>
+                                    <p:set>
+                                      <p:cBhvr>
+                                        <p:cTn id="28" dur="1" fill="hold">
+                                          <p:stCondLst>
+                                            <p:cond delay="0"/>
+                                          </p:stCondLst>
+                                        </p:cTn>
+                                        <p:tgtEl>
+                                          <p:spTgt spid="12"/>
+                                        </p:tgtEl>
+                                        <p:attrNameLst>
+                                          <p:attrName>style.visibility</p:attrName>
+                                        </p:attrNameLst>
+                                      </p:cBhvr>
+                                      <p:to>
+                                        <p:strVal val="visible"/>
+                                      </p:to>
+                                    </p:set>
+                                  </p:childTnLst>
+                                </p:cTn>
+                              </p:par>
+                              <p:par>
+                                <p:cTn id="29" presetID="1" presetClass="entr" presetSubtype="0" fill="hold" grpId="0" nodeType="withEffect">
+                                  <p:stCondLst>
+                                    <p:cond delay="0"/>
+                                  </p:stCondLst>
+                                  <p:childTnLst>
+                                    <p:set>
+                                      <p:cBhvr>
+                                        <p:cTn id="30" dur="1" fill="hold">
+                                          <p:stCondLst>
+                                            <p:cond delay="0"/>
+                                          </p:stCondLst>
+                                        </p:cTn>
+                                        <p:tgtEl>
+                                          <p:spTgt spid="14"/>
+                                        </p:tgtEl>
+                                        <p:attrNameLst>
+                                          <p:attrName>style.visibility</p:attrName>
+                                        </p:attrNameLst>
+                                      </p:cBhvr>
+                                      <p:to>
+                                        <p:strVal val="visible"/>
+                                      </p:to>
+                                    </p:set>
+                                  </p:childTnLst>
+                                </p:cTn>
+                              </p:par>
+                              <p:par>
+                                <p:cTn id="31" presetID="1" presetClass="entr" presetSubtype="0" fill="hold" nodeType="withEffect">
+                                  <p:stCondLst>
+                                    <p:cond delay="0"/>
+                                  </p:stCondLst>
+                                  <p:childTnLst>
+                                    <p:set>
+                                      <p:cBhvr>
+                                        <p:cTn id="32" dur="1" fill="hold">
+                                          <p:stCondLst>
+                                            <p:cond delay="0"/>
+                                          </p:stCondLst>
+                                        </p:cTn>
+                                        <p:tgtEl>
+                                          <p:spTgt spid="17"/>
+                                        </p:tgtEl>
+                                        <p:attrNameLst>
+                                          <p:attrName>style.visibility</p:attrName>
+                                        </p:attrNameLst>
+                                      </p:cBhvr>
+                                      <p:to>
+                                        <p:strVal val="visible"/>
+                                      </p:to>
+                                    </p:set>
+                                  </p:childTnLst>
+                                </p:cTn>
+                              </p:par>
+                              <p:par>
+                                <p:cTn id="33" presetID="1" presetClass="entr" presetSubtype="0" fill="hold" nodeType="withEffect">
+                                  <p:stCondLst>
+                                    <p:cond delay="0"/>
+                                  </p:stCondLst>
+                                  <p:childTnLst>
+                                    <p:set>
+                                      <p:cBhvr>
+                                        <p:cTn id="34" dur="1" fill="hold">
+                                          <p:stCondLst>
+                                            <p:cond delay="0"/>
+                                          </p:stCondLst>
+                                        </p:cTn>
+                                        <p:tgtEl>
+                                          <p:spTgt spid="20"/>
+                                        </p:tgtEl>
+                                        <p:attrNameLst>
+                                          <p:attrName>style.visibility</p:attrName>
+                                        </p:attrNameLst>
+                                      </p:cBhvr>
+                                      <p:to>
+                                        <p:strVal val="visible"/>
+                                      </p:to>
+                                    </p:set>
+                                  </p:childTnLst>
+                                </p:cTn>
+                              </p:par>
+                            </p:childTnLst>
+                          </p:cTn>
+                        </p:par>
+                      </p:childTnLst>
+                    </p:cTn>
+                  </p:par>
+                  <p:par>
+                    <p:cTn id="35" fill="hold">
+                      <p:stCondLst>
+                        <p:cond delay="indefinite"/>
+                      </p:stCondLst>
+                      <p:childTnLst>
+                        <p:par>
+                          <p:cTn id="36" fill="hold">
+                            <p:stCondLst>
+                              <p:cond delay="0"/>
+                            </p:stCondLst>
+                            <p:childTnLst>
+                              <p:par>
+                                <p:cTn id="37" presetID="1" presetClass="entr" presetSubtype="0" fill="hold" grpId="0" nodeType="clickEffect">
+                                  <p:stCondLst>
+                                    <p:cond delay="0"/>
+                                  </p:stCondLst>
+                                  <p:childTnLst>
+                                    <p:set>
+                                      <p:cBhvr>
+                                        <p:cTn id="38" dur="1" fill="hold">
+                                          <p:stCondLst>
+                                            <p:cond delay="0"/>
+                                          </p:stCondLst>
+                                        </p:cTn>
+                                        <p:tgtEl>
+                                          <p:spTgt spid="31"/>
+                                        </p:tgtEl>
+                                        <p:attrNameLst>
+                                          <p:attrName>style.visibility</p:attrName>
+                                        </p:attrNameLst>
+                                      </p:cBhvr>
+                                      <p:to>
+                                        <p:strVal val="visible"/>
+                                      </p:to>
+                                    </p:set>
+                                  </p:childTnLst>
+                                </p:cTn>
+                              </p:par>
+                              <p:par>
+                                <p:cTn id="39" presetID="1" presetClass="entr" presetSubtype="0" fill="hold" grpId="0" nodeType="withEffect">
+                                  <p:stCondLst>
+                                    <p:cond delay="0"/>
+                                  </p:stCondLst>
+                                  <p:childTnLst>
+                                    <p:set>
+                                      <p:cBhvr>
+                                        <p:cTn id="40" dur="1" fill="hold">
+                                          <p:stCondLst>
+                                            <p:cond delay="0"/>
+                                          </p:stCondLst>
+                                        </p:cTn>
+                                        <p:tgtEl>
+                                          <p:spTgt spid="32"/>
+                                        </p:tgtEl>
+                                        <p:attrNameLst>
+                                          <p:attrName>style.visibility</p:attrName>
+                                        </p:attrNameLst>
+                                      </p:cBhvr>
+                                      <p:to>
+                                        <p:strVal val="visible"/>
+                                      </p:to>
+                                    </p:set>
+                                  </p:childTnLst>
+                                </p:cTn>
+                              </p:par>
+                            </p:childTnLst>
+                          </p:cTn>
+                        </p:par>
+                      </p:childTnLst>
+                    </p:cTn>
+                  </p:par>
+                </p:childTnLst>
+              </p:cTn>
+              <p:prevCondLst>
+                <p:cond evt="onPrev" delay="0">
+                  <p:tgtEl>
+                    <p:sldTgt/>
+                  </p:tgtEl>
+                </p:cond>
+              </p:prevCondLst>
+              <p:nextCondLst>
+                <p:cond evt="onNext" delay="0">
+                  <p:tgtEl>
+                    <p:sldTgt/>
+                  </p:tgtEl>
+                </p:cond>
+              </p:nextCondLst>
+            </p:seq>
+          </p:childTnLst>
+        </p:cTn>
       </p:par>
     </p:tnLst>
+    <p:bldLst>
+      <p:bldP spid="3" grpId="0" build="p"/>
+      <p:bldP spid="6" grpId="0"/>
+      <p:bldP spid="12" grpId="0"/>
+      <p:bldP spid="14" grpId="0"/>
+      <p:bldP spid="26" grpId="0"/>
+      <p:bldP spid="27" grpId="0"/>
+      <p:bldP spid="28" grpId="0"/>
+      <p:bldP spid="31" grpId="0"/>
+      <p:bldP spid="32" grpId="0"/>
+    </p:bldLst>
   </p:timing>
 </p:sld>
 </file>
@@ -6546,7 +12104,7 @@
         </p:spPr>
         <p:txBody>
           <a:bodyPr>
-            <a:normAutofit/>
+            <a:normAutofit lnSpcReduction="10000"/>
           </a:bodyPr>
           <a:lstStyle/>
           <a:p>
@@ -6592,7 +12150,25 @@
             <a:pPr lvl="1"/>
             <a:r>
               <a:rPr lang="en-CA" dirty="0" smtClean="0"/>
-              <a:t>Slope=0.156, y-intercept=-0.33</a:t>
+              <a:t>Slope=0.156, intercept=-0.33</a:t>
+            </a:r>
+          </a:p>
+          <a:p>
+            <a:pPr lvl="1"/>
+            <a:r>
+              <a:rPr lang="en-CA" dirty="0" smtClean="0"/>
+              <a:t>The response (</a:t>
+            </a:r>
+            <a:r>
+              <a:rPr lang="en-CA" dirty="0" smtClean="0">
+                <a:latin typeface="Cambria Math" panose="02040503050406030204" pitchFamily="18" charset="0"/>
+                <a:ea typeface="Cambria Math" panose="02040503050406030204" pitchFamily="18" charset="0"/>
+              </a:rPr>
+              <a:t>y</a:t>
+            </a:r>
+            <a:r>
+              <a:rPr lang="en-CA" dirty="0" smtClean="0"/>
+              <a:t>) is not a probability</a:t>
             </a:r>
           </a:p>
           <a:p>
@@ -6616,7 +12192,7 @@
         </p:blipFill>
         <p:spPr>
           <a:xfrm>
-            <a:off x="6438034" y="3979718"/>
+            <a:off x="6423520" y="3961535"/>
             <a:ext cx="5467350" cy="2628900"/>
           </a:xfrm>
           <a:prstGeom prst="rect">
@@ -6640,7 +12216,7 @@
         </p:blipFill>
         <p:spPr>
           <a:xfrm>
-            <a:off x="6659707" y="1144081"/>
+            <a:off x="6761657" y="1301245"/>
             <a:ext cx="4791075" cy="2190750"/>
           </a:xfrm>
           <a:prstGeom prst="rect">
@@ -6648,6 +12224,66 @@
           </a:prstGeom>
         </p:spPr>
       </p:pic>
+      <p:sp>
+        <p:nvSpPr>
+          <p:cNvPr id="4" name="TextBox 3"/>
+          <p:cNvSpPr txBox="1"/>
+          <p:nvPr/>
+        </p:nvSpPr>
+        <p:spPr>
+          <a:xfrm>
+            <a:off x="6172367" y="1201037"/>
+            <a:ext cx="910763" cy="369332"/>
+          </a:xfrm>
+          <a:prstGeom prst="rect">
+            <a:avLst/>
+          </a:prstGeom>
+          <a:noFill/>
+        </p:spPr>
+        <p:txBody>
+          <a:bodyPr wrap="square" rtlCol="0">
+            <a:spAutoFit/>
+          </a:bodyPr>
+          <a:lstStyle/>
+          <a:p>
+            <a:r>
+              <a:rPr lang="en-CA" dirty="0" smtClean="0"/>
+              <a:t>A)</a:t>
+            </a:r>
+            <a:endParaRPr lang="en-CA" dirty="0"/>
+          </a:p>
+        </p:txBody>
+      </p:sp>
+      <p:sp>
+        <p:nvSpPr>
+          <p:cNvPr id="7" name="TextBox 6"/>
+          <p:cNvSpPr txBox="1"/>
+          <p:nvPr/>
+        </p:nvSpPr>
+        <p:spPr>
+          <a:xfrm rot="11007748" flipV="1">
+            <a:off x="6183085" y="3711070"/>
+            <a:ext cx="476621" cy="369332"/>
+          </a:xfrm>
+          <a:prstGeom prst="rect">
+            <a:avLst/>
+          </a:prstGeom>
+          <a:noFill/>
+        </p:spPr>
+        <p:txBody>
+          <a:bodyPr wrap="square" rtlCol="0">
+            <a:spAutoFit/>
+          </a:bodyPr>
+          <a:lstStyle/>
+          <a:p>
+            <a:r>
+              <a:rPr lang="en-CA" dirty="0" smtClean="0"/>
+              <a:t> B)</a:t>
+            </a:r>
+            <a:endParaRPr lang="en-CA" dirty="0"/>
+          </a:p>
+        </p:txBody>
+      </p:sp>
     </p:spTree>
     <p:extLst>
       <p:ext uri="{BB962C8B-B14F-4D97-AF65-F5344CB8AC3E}">
@@ -6661,9 +12297,483 @@
   <p:timing>
     <p:tnLst>
       <p:par>
-        <p:cTn id="1" dur="indefinite" restart="never" nodeType="tmRoot"/>
+        <p:cTn id="1" dur="indefinite" restart="never" nodeType="tmRoot">
+          <p:childTnLst>
+            <p:seq concurrent="1" nextAc="seek">
+              <p:cTn id="2" dur="indefinite" nodeType="mainSeq">
+                <p:childTnLst>
+                  <p:par>
+                    <p:cTn id="3" fill="hold">
+                      <p:stCondLst>
+                        <p:cond delay="indefinite"/>
+                      </p:stCondLst>
+                      <p:childTnLst>
+                        <p:par>
+                          <p:cTn id="4" fill="hold">
+                            <p:stCondLst>
+                              <p:cond delay="0"/>
+                            </p:stCondLst>
+                            <p:childTnLst>
+                              <p:par>
+                                <p:cTn id="5" presetID="1" presetClass="entr" presetSubtype="0" fill="hold" grpId="0" nodeType="clickEffect">
+                                  <p:stCondLst>
+                                    <p:cond delay="0"/>
+                                  </p:stCondLst>
+                                  <p:childTnLst>
+                                    <p:set>
+                                      <p:cBhvr>
+                                        <p:cTn id="6" dur="1" fill="hold">
+                                          <p:stCondLst>
+                                            <p:cond delay="0"/>
+                                          </p:stCondLst>
+                                        </p:cTn>
+                                        <p:tgtEl>
+                                          <p:spTgt spid="3">
+                                            <p:txEl>
+                                              <p:pRg st="0" end="0"/>
+                                            </p:txEl>
+                                          </p:spTgt>
+                                        </p:tgtEl>
+                                        <p:attrNameLst>
+                                          <p:attrName>style.visibility</p:attrName>
+                                        </p:attrNameLst>
+                                      </p:cBhvr>
+                                      <p:to>
+                                        <p:strVal val="visible"/>
+                                      </p:to>
+                                    </p:set>
+                                  </p:childTnLst>
+                                </p:cTn>
+                              </p:par>
+                              <p:par>
+                                <p:cTn id="7" presetID="1" presetClass="entr" presetSubtype="0" fill="hold" grpId="0" nodeType="withEffect">
+                                  <p:stCondLst>
+                                    <p:cond delay="0"/>
+                                  </p:stCondLst>
+                                  <p:childTnLst>
+                                    <p:set>
+                                      <p:cBhvr>
+                                        <p:cTn id="8" dur="1" fill="hold">
+                                          <p:stCondLst>
+                                            <p:cond delay="0"/>
+                                          </p:stCondLst>
+                                        </p:cTn>
+                                        <p:tgtEl>
+                                          <p:spTgt spid="3">
+                                            <p:txEl>
+                                              <p:pRg st="1" end="1"/>
+                                            </p:txEl>
+                                          </p:spTgt>
+                                        </p:tgtEl>
+                                        <p:attrNameLst>
+                                          <p:attrName>style.visibility</p:attrName>
+                                        </p:attrNameLst>
+                                      </p:cBhvr>
+                                      <p:to>
+                                        <p:strVal val="visible"/>
+                                      </p:to>
+                                    </p:set>
+                                  </p:childTnLst>
+                                </p:cTn>
+                              </p:par>
+                              <p:par>
+                                <p:cTn id="9" presetID="1" presetClass="entr" presetSubtype="0" fill="hold" grpId="0" nodeType="withEffect">
+                                  <p:stCondLst>
+                                    <p:cond delay="0"/>
+                                  </p:stCondLst>
+                                  <p:childTnLst>
+                                    <p:set>
+                                      <p:cBhvr>
+                                        <p:cTn id="10" dur="1" fill="hold">
+                                          <p:stCondLst>
+                                            <p:cond delay="0"/>
+                                          </p:stCondLst>
+                                        </p:cTn>
+                                        <p:tgtEl>
+                                          <p:spTgt spid="3">
+                                            <p:txEl>
+                                              <p:pRg st="2" end="2"/>
+                                            </p:txEl>
+                                          </p:spTgt>
+                                        </p:tgtEl>
+                                        <p:attrNameLst>
+                                          <p:attrName>style.visibility</p:attrName>
+                                        </p:attrNameLst>
+                                      </p:cBhvr>
+                                      <p:to>
+                                        <p:strVal val="visible"/>
+                                      </p:to>
+                                    </p:set>
+                                  </p:childTnLst>
+                                </p:cTn>
+                              </p:par>
+                              <p:par>
+                                <p:cTn id="11" presetID="1" presetClass="entr" presetSubtype="0" fill="hold" grpId="0" nodeType="withEffect">
+                                  <p:stCondLst>
+                                    <p:cond delay="0"/>
+                                  </p:stCondLst>
+                                  <p:childTnLst>
+                                    <p:set>
+                                      <p:cBhvr>
+                                        <p:cTn id="12" dur="1" fill="hold">
+                                          <p:stCondLst>
+                                            <p:cond delay="0"/>
+                                          </p:stCondLst>
+                                        </p:cTn>
+                                        <p:tgtEl>
+                                          <p:spTgt spid="3">
+                                            <p:txEl>
+                                              <p:pRg st="3" end="3"/>
+                                            </p:txEl>
+                                          </p:spTgt>
+                                        </p:tgtEl>
+                                        <p:attrNameLst>
+                                          <p:attrName>style.visibility</p:attrName>
+                                        </p:attrNameLst>
+                                      </p:cBhvr>
+                                      <p:to>
+                                        <p:strVal val="visible"/>
+                                      </p:to>
+                                    </p:set>
+                                  </p:childTnLst>
+                                </p:cTn>
+                              </p:par>
+                            </p:childTnLst>
+                          </p:cTn>
+                        </p:par>
+                      </p:childTnLst>
+                    </p:cTn>
+                  </p:par>
+                  <p:par>
+                    <p:cTn id="13" fill="hold">
+                      <p:stCondLst>
+                        <p:cond delay="indefinite"/>
+                      </p:stCondLst>
+                      <p:childTnLst>
+                        <p:par>
+                          <p:cTn id="14" fill="hold">
+                            <p:stCondLst>
+                              <p:cond delay="0"/>
+                            </p:stCondLst>
+                            <p:childTnLst>
+                              <p:par>
+                                <p:cTn id="15" presetID="1" presetClass="entr" presetSubtype="0" fill="hold" grpId="0" nodeType="clickEffect">
+                                  <p:stCondLst>
+                                    <p:cond delay="0"/>
+                                  </p:stCondLst>
+                                  <p:childTnLst>
+                                    <p:set>
+                                      <p:cBhvr>
+                                        <p:cTn id="16" dur="1" fill="hold">
+                                          <p:stCondLst>
+                                            <p:cond delay="0"/>
+                                          </p:stCondLst>
+                                        </p:cTn>
+                                        <p:tgtEl>
+                                          <p:spTgt spid="4"/>
+                                        </p:tgtEl>
+                                        <p:attrNameLst>
+                                          <p:attrName>style.visibility</p:attrName>
+                                        </p:attrNameLst>
+                                      </p:cBhvr>
+                                      <p:to>
+                                        <p:strVal val="visible"/>
+                                      </p:to>
+                                    </p:set>
+                                  </p:childTnLst>
+                                </p:cTn>
+                              </p:par>
+                              <p:par>
+                                <p:cTn id="17" presetID="1" presetClass="entr" presetSubtype="0" fill="hold" nodeType="withEffect">
+                                  <p:stCondLst>
+                                    <p:cond delay="0"/>
+                                  </p:stCondLst>
+                                  <p:childTnLst>
+                                    <p:set>
+                                      <p:cBhvr>
+                                        <p:cTn id="18" dur="1" fill="hold">
+                                          <p:stCondLst>
+                                            <p:cond delay="0"/>
+                                          </p:stCondLst>
+                                        </p:cTn>
+                                        <p:tgtEl>
+                                          <p:spTgt spid="12"/>
+                                        </p:tgtEl>
+                                        <p:attrNameLst>
+                                          <p:attrName>style.visibility</p:attrName>
+                                        </p:attrNameLst>
+                                      </p:cBhvr>
+                                      <p:to>
+                                        <p:strVal val="visible"/>
+                                      </p:to>
+                                    </p:set>
+                                  </p:childTnLst>
+                                </p:cTn>
+                              </p:par>
+                            </p:childTnLst>
+                          </p:cTn>
+                        </p:par>
+                      </p:childTnLst>
+                    </p:cTn>
+                  </p:par>
+                  <p:par>
+                    <p:cTn id="19" fill="hold">
+                      <p:stCondLst>
+                        <p:cond delay="indefinite"/>
+                      </p:stCondLst>
+                      <p:childTnLst>
+                        <p:par>
+                          <p:cTn id="20" fill="hold">
+                            <p:stCondLst>
+                              <p:cond delay="0"/>
+                            </p:stCondLst>
+                            <p:childTnLst>
+                              <p:par>
+                                <p:cTn id="21" presetID="1" presetClass="entr" presetSubtype="0" fill="hold" grpId="0" nodeType="clickEffect">
+                                  <p:stCondLst>
+                                    <p:cond delay="0"/>
+                                  </p:stCondLst>
+                                  <p:childTnLst>
+                                    <p:set>
+                                      <p:cBhvr>
+                                        <p:cTn id="22" dur="1" fill="hold">
+                                          <p:stCondLst>
+                                            <p:cond delay="0"/>
+                                          </p:stCondLst>
+                                        </p:cTn>
+                                        <p:tgtEl>
+                                          <p:spTgt spid="3">
+                                            <p:txEl>
+                                              <p:pRg st="4" end="4"/>
+                                            </p:txEl>
+                                          </p:spTgt>
+                                        </p:tgtEl>
+                                        <p:attrNameLst>
+                                          <p:attrName>style.visibility</p:attrName>
+                                        </p:attrNameLst>
+                                      </p:cBhvr>
+                                      <p:to>
+                                        <p:strVal val="visible"/>
+                                      </p:to>
+                                    </p:set>
+                                  </p:childTnLst>
+                                </p:cTn>
+                              </p:par>
+                            </p:childTnLst>
+                          </p:cTn>
+                        </p:par>
+                      </p:childTnLst>
+                    </p:cTn>
+                  </p:par>
+                  <p:par>
+                    <p:cTn id="23" fill="hold">
+                      <p:stCondLst>
+                        <p:cond delay="indefinite"/>
+                      </p:stCondLst>
+                      <p:childTnLst>
+                        <p:par>
+                          <p:cTn id="24" fill="hold">
+                            <p:stCondLst>
+                              <p:cond delay="0"/>
+                            </p:stCondLst>
+                            <p:childTnLst>
+                              <p:par>
+                                <p:cTn id="25" presetID="1" presetClass="entr" presetSubtype="0" fill="hold" grpId="0" nodeType="clickEffect">
+                                  <p:stCondLst>
+                                    <p:cond delay="0"/>
+                                  </p:stCondLst>
+                                  <p:childTnLst>
+                                    <p:set>
+                                      <p:cBhvr>
+                                        <p:cTn id="26" dur="1" fill="hold">
+                                          <p:stCondLst>
+                                            <p:cond delay="0"/>
+                                          </p:stCondLst>
+                                        </p:cTn>
+                                        <p:tgtEl>
+                                          <p:spTgt spid="7"/>
+                                        </p:tgtEl>
+                                        <p:attrNameLst>
+                                          <p:attrName>style.visibility</p:attrName>
+                                        </p:attrNameLst>
+                                      </p:cBhvr>
+                                      <p:to>
+                                        <p:strVal val="visible"/>
+                                      </p:to>
+                                    </p:set>
+                                  </p:childTnLst>
+                                </p:cTn>
+                              </p:par>
+                              <p:par>
+                                <p:cTn id="27" presetID="1" presetClass="entr" presetSubtype="0" fill="hold" nodeType="withEffect">
+                                  <p:stCondLst>
+                                    <p:cond delay="0"/>
+                                  </p:stCondLst>
+                                  <p:childTnLst>
+                                    <p:set>
+                                      <p:cBhvr>
+                                        <p:cTn id="28" dur="1" fill="hold">
+                                          <p:stCondLst>
+                                            <p:cond delay="0"/>
+                                          </p:stCondLst>
+                                        </p:cTn>
+                                        <p:tgtEl>
+                                          <p:spTgt spid="11"/>
+                                        </p:tgtEl>
+                                        <p:attrNameLst>
+                                          <p:attrName>style.visibility</p:attrName>
+                                        </p:attrNameLst>
+                                      </p:cBhvr>
+                                      <p:to>
+                                        <p:strVal val="visible"/>
+                                      </p:to>
+                                    </p:set>
+                                  </p:childTnLst>
+                                </p:cTn>
+                              </p:par>
+                            </p:childTnLst>
+                          </p:cTn>
+                        </p:par>
+                      </p:childTnLst>
+                    </p:cTn>
+                  </p:par>
+                  <p:par>
+                    <p:cTn id="29" fill="hold">
+                      <p:stCondLst>
+                        <p:cond delay="indefinite"/>
+                      </p:stCondLst>
+                      <p:childTnLst>
+                        <p:par>
+                          <p:cTn id="30" fill="hold">
+                            <p:stCondLst>
+                              <p:cond delay="0"/>
+                            </p:stCondLst>
+                            <p:childTnLst>
+                              <p:par>
+                                <p:cTn id="31" presetID="1" presetClass="entr" presetSubtype="0" fill="hold" grpId="0" nodeType="clickEffect">
+                                  <p:stCondLst>
+                                    <p:cond delay="0"/>
+                                  </p:stCondLst>
+                                  <p:childTnLst>
+                                    <p:set>
+                                      <p:cBhvr>
+                                        <p:cTn id="32" dur="1" fill="hold">
+                                          <p:stCondLst>
+                                            <p:cond delay="0"/>
+                                          </p:stCondLst>
+                                        </p:cTn>
+                                        <p:tgtEl>
+                                          <p:spTgt spid="3">
+                                            <p:txEl>
+                                              <p:pRg st="5" end="5"/>
+                                            </p:txEl>
+                                          </p:spTgt>
+                                        </p:tgtEl>
+                                        <p:attrNameLst>
+                                          <p:attrName>style.visibility</p:attrName>
+                                        </p:attrNameLst>
+                                      </p:cBhvr>
+                                      <p:to>
+                                        <p:strVal val="visible"/>
+                                      </p:to>
+                                    </p:set>
+                                  </p:childTnLst>
+                                </p:cTn>
+                              </p:par>
+                              <p:par>
+                                <p:cTn id="33" presetID="1" presetClass="entr" presetSubtype="0" fill="hold" grpId="0" nodeType="withEffect">
+                                  <p:stCondLst>
+                                    <p:cond delay="0"/>
+                                  </p:stCondLst>
+                                  <p:childTnLst>
+                                    <p:set>
+                                      <p:cBhvr>
+                                        <p:cTn id="34" dur="1" fill="hold">
+                                          <p:stCondLst>
+                                            <p:cond delay="0"/>
+                                          </p:stCondLst>
+                                        </p:cTn>
+                                        <p:tgtEl>
+                                          <p:spTgt spid="3">
+                                            <p:txEl>
+                                              <p:pRg st="6" end="6"/>
+                                            </p:txEl>
+                                          </p:spTgt>
+                                        </p:tgtEl>
+                                        <p:attrNameLst>
+                                          <p:attrName>style.visibility</p:attrName>
+                                        </p:attrNameLst>
+                                      </p:cBhvr>
+                                      <p:to>
+                                        <p:strVal val="visible"/>
+                                      </p:to>
+                                    </p:set>
+                                  </p:childTnLst>
+                                </p:cTn>
+                              </p:par>
+                              <p:par>
+                                <p:cTn id="35" presetID="1" presetClass="entr" presetSubtype="0" fill="hold" grpId="0" nodeType="withEffect">
+                                  <p:stCondLst>
+                                    <p:cond delay="0"/>
+                                  </p:stCondLst>
+                                  <p:childTnLst>
+                                    <p:set>
+                                      <p:cBhvr>
+                                        <p:cTn id="36" dur="1" fill="hold">
+                                          <p:stCondLst>
+                                            <p:cond delay="0"/>
+                                          </p:stCondLst>
+                                        </p:cTn>
+                                        <p:tgtEl>
+                                          <p:spTgt spid="3">
+                                            <p:txEl>
+                                              <p:pRg st="7" end="7"/>
+                                            </p:txEl>
+                                          </p:spTgt>
+                                        </p:tgtEl>
+                                        <p:attrNameLst>
+                                          <p:attrName>style.visibility</p:attrName>
+                                        </p:attrNameLst>
+                                      </p:cBhvr>
+                                      <p:to>
+                                        <p:strVal val="visible"/>
+                                      </p:to>
+                                    </p:set>
+                                  </p:childTnLst>
+                                </p:cTn>
+                              </p:par>
+                            </p:childTnLst>
+                          </p:cTn>
+                        </p:par>
+                      </p:childTnLst>
+                    </p:cTn>
+                  </p:par>
+                </p:childTnLst>
+              </p:cTn>
+              <p:prevCondLst>
+                <p:cond evt="onPrev" delay="0">
+                  <p:tgtEl>
+                    <p:sldTgt/>
+                  </p:tgtEl>
+                </p:cond>
+              </p:prevCondLst>
+              <p:nextCondLst>
+                <p:cond evt="onNext" delay="0">
+                  <p:tgtEl>
+                    <p:sldTgt/>
+                  </p:tgtEl>
+                </p:cond>
+              </p:nextCondLst>
+            </p:seq>
+          </p:childTnLst>
+        </p:cTn>
       </p:par>
     </p:tnLst>
+    <p:bldLst>
+      <p:bldP spid="3" grpId="0" uiExpand="1" build="p"/>
+      <p:bldP spid="4" grpId="0"/>
+      <p:bldP spid="7" grpId="0"/>
+    </p:bldLst>
   </p:timing>
 </p:sld>
 </file>
@@ -6708,140 +12818,6 @@
           </a:p>
         </p:txBody>
       </p:sp>
-      <mc:AlternateContent xmlns:mc="http://schemas.openxmlformats.org/markup-compatibility/2006" xmlns:a14="http://schemas.microsoft.com/office/drawing/2010/main">
-        <mc:Choice Requires="a14">
-          <p:sp>
-            <p:nvSpPr>
-              <p:cNvPr id="3" name="Content Placeholder 2"/>
-              <p:cNvSpPr>
-                <a:spLocks noGrp="1"/>
-              </p:cNvSpPr>
-              <p:nvPr>
-                <p:ph idx="1"/>
-              </p:nvPr>
-            </p:nvSpPr>
-            <p:spPr>
-              <a:xfrm>
-                <a:off x="838200" y="1690688"/>
-                <a:ext cx="3858491" cy="4351338"/>
-              </a:xfrm>
-            </p:spPr>
-            <p:txBody>
-              <a:bodyPr/>
-              <a:lstStyle/>
-              <a:p>
-                <a:r>
-                  <a:rPr lang="en-CA" dirty="0" smtClean="0"/>
-                  <a:t>Clearly, we need a better function than</a:t>
-                </a:r>
-                <a:br>
-                  <a:rPr lang="en-CA" dirty="0" smtClean="0"/>
-                </a:br>
-                <a14:m>
-                  <m:oMath xmlns:m="http://schemas.openxmlformats.org/officeDocument/2006/math">
-                    <m:r>
-                      <a:rPr lang="en-CA" b="0" i="1" smtClean="0">
-                        <a:latin typeface="Cambria Math" panose="02040503050406030204" pitchFamily="18" charset="0"/>
-                      </a:rPr>
-                      <m:t>𝑥</m:t>
-                    </m:r>
-                    <m:r>
-                      <a:rPr lang="en-CA" b="0" i="1" smtClean="0">
-                        <a:latin typeface="Cambria Math" panose="02040503050406030204" pitchFamily="18" charset="0"/>
-                      </a:rPr>
-                      <m:t>=</m:t>
-                    </m:r>
-                    <m:r>
-                      <a:rPr lang="en-CA" b="0" i="1" smtClean="0">
-                        <a:latin typeface="Cambria Math" panose="02040503050406030204" pitchFamily="18" charset="0"/>
-                      </a:rPr>
-                      <m:t>𝑤</m:t>
-                    </m:r>
-                    <m:r>
-                      <a:rPr lang="en-CA" b="0" i="1" baseline="-25000" smtClean="0">
-                        <a:latin typeface="Cambria Math" panose="02040503050406030204" pitchFamily="18" charset="0"/>
-                      </a:rPr>
-                      <m:t>0</m:t>
-                    </m:r>
-                    <m:r>
-                      <a:rPr lang="en-CA" b="0" i="1" smtClean="0">
-                        <a:latin typeface="Cambria Math" panose="02040503050406030204" pitchFamily="18" charset="0"/>
-                      </a:rPr>
-                      <m:t>+</m:t>
-                    </m:r>
-                    <m:r>
-                      <a:rPr lang="en-CA" b="0" i="1" smtClean="0">
-                        <a:latin typeface="Cambria Math" panose="02040503050406030204" pitchFamily="18" charset="0"/>
-                      </a:rPr>
-                      <m:t>𝑤</m:t>
-                    </m:r>
-                    <m:r>
-                      <a:rPr lang="en-CA" b="0" i="1" baseline="-25000" smtClean="0">
-                        <a:latin typeface="Cambria Math" panose="02040503050406030204" pitchFamily="18" charset="0"/>
-                      </a:rPr>
-                      <m:t>1</m:t>
-                    </m:r>
-                    <m:r>
-                      <a:rPr lang="en-CA" b="0" i="1" smtClean="0">
-                        <a:latin typeface="Cambria Math" panose="02040503050406030204" pitchFamily="18" charset="0"/>
-                      </a:rPr>
-                      <m:t>𝑎</m:t>
-                    </m:r>
-                    <m:r>
-                      <a:rPr lang="en-CA" b="0" i="1" baseline="-25000" smtClean="0">
-                        <a:latin typeface="Cambria Math" panose="02040503050406030204" pitchFamily="18" charset="0"/>
-                      </a:rPr>
-                      <m:t>1</m:t>
-                    </m:r>
-                  </m:oMath>
-                </a14:m>
-                <a:r>
-                  <a:rPr lang="en-CA" dirty="0" smtClean="0"/>
-                  <a:t> </a:t>
-                </a:r>
-                <a:endParaRPr lang="en-CA" dirty="0"/>
-              </a:p>
-            </p:txBody>
-          </p:sp>
-        </mc:Choice>
-        <mc:Fallback xmlns="">
-          <p:sp>
-            <p:nvSpPr>
-              <p:cNvPr id="3" name="Content Placeholder 2"/>
-              <p:cNvSpPr>
-                <a:spLocks noGrp="1" noRot="1" noChangeAspect="1" noMove="1" noResize="1" noEditPoints="1" noAdjustHandles="1" noChangeArrowheads="1" noChangeShapeType="1" noTextEdit="1"/>
-              </p:cNvSpPr>
-              <p:nvPr>
-                <p:ph idx="1"/>
-              </p:nvPr>
-            </p:nvSpPr>
-            <p:spPr>
-              <a:xfrm>
-                <a:off x="838200" y="1690688"/>
-                <a:ext cx="3858491" cy="4351338"/>
-              </a:xfrm>
-              <a:blipFill>
-                <a:blip r:embed="rId2"/>
-                <a:stretch>
-                  <a:fillRect l="-2848" t="-2241"/>
-                </a:stretch>
-              </a:blipFill>
-            </p:spPr>
-            <p:txBody>
-              <a:bodyPr/>
-              <a:lstStyle/>
-              <a:p>
-                <a:r>
-                  <a:rPr lang="en-CA">
-                    <a:noFill/>
-                  </a:rPr>
-                  <a:t> </a:t>
-                </a:r>
-              </a:p>
-            </p:txBody>
-          </p:sp>
-        </mc:Fallback>
-      </mc:AlternateContent>
       <p:pic>
         <p:nvPicPr>
           <p:cNvPr id="4" name="Picture 3"/>
@@ -6851,14 +12827,14 @@
           <p:nvPr/>
         </p:nvPicPr>
         <p:blipFill>
-          <a:blip r:embed="rId3"/>
+          <a:blip r:embed="rId2"/>
           <a:stretch>
             <a:fillRect/>
           </a:stretch>
         </p:blipFill>
         <p:spPr>
           <a:xfrm>
-            <a:off x="4959927" y="822325"/>
+            <a:off x="4682836" y="1226250"/>
             <a:ext cx="7062275" cy="5631750"/>
           </a:xfrm>
           <a:prstGeom prst="rect">
@@ -6913,7 +12889,12 @@
             <p:ph type="title"/>
           </p:nvPr>
         </p:nvSpPr>
-        <p:spPr/>
+        <p:spPr>
+          <a:xfrm>
+            <a:off x="0" y="0"/>
+            <a:ext cx="10515600" cy="951057"/>
+          </a:xfrm>
+        </p:spPr>
         <p:txBody>
           <a:bodyPr/>
           <a:lstStyle/>
@@ -6926,8 +12907,8 @@
           </a:p>
         </p:txBody>
       </p:sp>
-      <mc:AlternateContent xmlns:mc="http://schemas.openxmlformats.org/markup-compatibility/2006">
-        <mc:Choice xmlns:a14="http://schemas.microsoft.com/office/drawing/2010/main" Requires="a14">
+      <mc:AlternateContent xmlns:mc="http://schemas.openxmlformats.org/markup-compatibility/2006" xmlns:a14="http://schemas.microsoft.com/office/drawing/2010/main">
+        <mc:Choice Requires="a14">
           <p:sp>
             <p:nvSpPr>
               <p:cNvPr id="3" name="Content Placeholder 2"/>
@@ -6938,7 +12919,12 @@
                 <p:ph idx="1"/>
               </p:nvPr>
             </p:nvSpPr>
-            <p:spPr/>
+            <p:spPr>
+              <a:xfrm>
+                <a:off x="0" y="1468582"/>
+                <a:ext cx="12192000" cy="5237018"/>
+              </a:xfrm>
+            </p:spPr>
             <p:txBody>
               <a:bodyPr/>
               <a:lstStyle/>
@@ -7140,8 +13126,68 @@
               </a:p>
               <a:p>
                 <a:r>
-                  <a:rPr lang="en-CA" b="0" i="0" dirty="0" smtClean="0"/>
-                  <a:t>ok, but as we saw, the linear equation will not always give values [0,1] </a:t>
+                  <a:rPr lang="en-CA" b="0" dirty="0" smtClean="0"/>
+                  <a:t>this linear equation not guaranteed to give values between [0,1] (probabilities)</a:t>
+                </a:r>
+              </a:p>
+              <a:p>
+                <a:r>
+                  <a:rPr lang="en-CA" dirty="0" smtClean="0"/>
+                  <a:t>We can use something called the odds to link probabilities to real numbers</a:t>
+                </a:r>
+              </a:p>
+              <a:p>
+                <a:r>
+                  <a:rPr lang="en-CA" dirty="0" smtClean="0"/>
+                  <a:t>Odds is defined as </a:t>
+                </a:r>
+                <a14:m>
+                  <m:oMath xmlns:m="http://schemas.openxmlformats.org/officeDocument/2006/math">
+                    <m:f>
+                      <m:fPr>
+                        <m:ctrlPr>
+                          <a:rPr lang="en-CA" i="1" smtClean="0">
+                            <a:latin typeface="Cambria Math" panose="02040503050406030204" pitchFamily="18" charset="0"/>
+                          </a:rPr>
+                        </m:ctrlPr>
+                      </m:fPr>
+                      <m:num>
+                        <m:r>
+                          <m:rPr>
+                            <m:sty m:val="p"/>
+                          </m:rPr>
+                          <a:rPr lang="en-CA" b="0" i="0" smtClean="0">
+                            <a:latin typeface="Cambria Math" panose="02040503050406030204" pitchFamily="18" charset="0"/>
+                          </a:rPr>
+                          <m:t>p</m:t>
+                        </m:r>
+                      </m:num>
+                      <m:den>
+                        <m:r>
+                          <a:rPr lang="en-CA" b="0" i="0" smtClean="0">
+                            <a:latin typeface="Cambria Math" panose="02040503050406030204" pitchFamily="18" charset="0"/>
+                          </a:rPr>
+                          <m:t>1−</m:t>
+                        </m:r>
+                        <m:r>
+                          <m:rPr>
+                            <m:sty m:val="p"/>
+                          </m:rPr>
+                          <a:rPr lang="en-CA" b="0" i="0" smtClean="0">
+                            <a:latin typeface="Cambria Math" panose="02040503050406030204" pitchFamily="18" charset="0"/>
+                          </a:rPr>
+                          <m:t>p</m:t>
+                        </m:r>
+                      </m:den>
+                    </m:f>
+                  </m:oMath>
+                </a14:m>
+                <a:endParaRPr lang="en-CA" dirty="0" smtClean="0"/>
+              </a:p>
+              <a:p>
+                <a:r>
+                  <a:rPr lang="en-CA" b="0" dirty="0" smtClean="0"/>
+                  <a:t>Example: 6-sided dice toss, p(!2) = 5/6, odds(!2) = 0.833/(0.167) = 5 or 5:1 odds</a:t>
                 </a:r>
               </a:p>
               <a:p>
@@ -7242,7 +13288,7 @@
                                   <a:rPr lang="en-CA" b="0" i="0" smtClean="0">
                                     <a:latin typeface="Cambria Math" panose="02040503050406030204" pitchFamily="18" charset="0"/>
                                   </a:rPr>
-                                  <m:t>P</m:t>
+                                  <m:t>p</m:t>
                                 </m:r>
                               </m:num>
                               <m:den>
@@ -7259,7 +13305,7 @@
                                   <a:rPr lang="en-CA" b="0" i="0" smtClean="0">
                                     <a:latin typeface="Cambria Math" panose="02040503050406030204" pitchFamily="18" charset="0"/>
                                   </a:rPr>
-                                  <m:t>P</m:t>
+                                  <m:t>p</m:t>
                                 </m:r>
                               </m:den>
                             </m:f>
@@ -7280,11 +13326,11 @@
                   <a:t>, where </a:t>
                 </a:r>
                 <a:r>
-                  <a:rPr lang="en-CA" dirty="0" smtClean="0">
+                  <a:rPr lang="en-CA" dirty="0">
                     <a:latin typeface="Cambria Math" panose="02040503050406030204" pitchFamily="18" charset="0"/>
                     <a:ea typeface="Cambria Math" panose="02040503050406030204" pitchFamily="18" charset="0"/>
                   </a:rPr>
-                  <a:t>P</a:t>
+                  <a:t>p</a:t>
                 </a:r>
                 <a:r>
                   <a:rPr lang="en-CA" dirty="0" smtClean="0"/>
@@ -7349,7 +13395,7 @@
                           <m:rPr>
                             <m:sty m:val="p"/>
                           </m:rPr>
-                          <a:rPr lang="en-CA">
+                          <a:rPr lang="en-CA" i="0">
                             <a:latin typeface="Cambria Math" panose="02040503050406030204" pitchFamily="18" charset="0"/>
                           </a:rPr>
                           <m:t>log</m:t>
@@ -7378,15 +13424,15 @@
                                   <m:rPr>
                                     <m:sty m:val="p"/>
                                   </m:rPr>
-                                  <a:rPr lang="en-CA">
+                                  <a:rPr lang="en-CA" b="0" i="0" smtClean="0">
                                     <a:latin typeface="Cambria Math" panose="02040503050406030204" pitchFamily="18" charset="0"/>
                                   </a:rPr>
-                                  <m:t>P</m:t>
+                                  <m:t>p</m:t>
                                 </m:r>
                               </m:num>
                               <m:den>
                                 <m:r>
-                                  <a:rPr lang="en-CA">
+                                  <a:rPr lang="en-CA" i="0">
                                     <a:latin typeface="Cambria Math" panose="02040503050406030204" pitchFamily="18" charset="0"/>
                                   </a:rPr>
                                   <m:t>1−</m:t>
@@ -7395,10 +13441,10 @@
                                   <m:rPr>
                                     <m:sty m:val="p"/>
                                   </m:rPr>
-                                  <a:rPr lang="en-CA">
+                                  <a:rPr lang="en-CA" b="0" i="0" smtClean="0">
                                     <a:latin typeface="Cambria Math" panose="02040503050406030204" pitchFamily="18" charset="0"/>
                                   </a:rPr>
-                                  <m:t>P</m:t>
+                                  <m:t>p</m:t>
                                 </m:r>
                               </m:den>
                             </m:f>
@@ -7418,19 +13464,19 @@
                       <m:rPr>
                         <m:sty m:val="p"/>
                       </m:rPr>
-                      <a:rPr lang="en-CA">
+                      <a:rPr lang="en-CA" i="0">
                         <a:latin typeface="Cambria Math" panose="02040503050406030204" pitchFamily="18" charset="0"/>
                       </a:rPr>
                       <m:t>w</m:t>
                     </m:r>
                     <m:r>
-                      <a:rPr lang="en-CA" baseline="-25000">
+                      <a:rPr lang="en-CA" i="0" baseline="-25000">
                         <a:latin typeface="Cambria Math" panose="02040503050406030204" pitchFamily="18" charset="0"/>
                       </a:rPr>
                       <m:t>0</m:t>
                     </m:r>
                     <m:r>
-                      <a:rPr lang="en-CA">
+                      <a:rPr lang="en-CA" i="0">
                         <a:latin typeface="Cambria Math" panose="02040503050406030204" pitchFamily="18" charset="0"/>
                       </a:rPr>
                       <m:t>+</m:t>
@@ -7439,13 +13485,13 @@
                       <m:rPr>
                         <m:sty m:val="p"/>
                       </m:rPr>
-                      <a:rPr lang="en-CA">
+                      <a:rPr lang="en-CA" i="0">
                         <a:latin typeface="Cambria Math" panose="02040503050406030204" pitchFamily="18" charset="0"/>
                       </a:rPr>
                       <m:t>w</m:t>
                     </m:r>
                     <m:r>
-                      <a:rPr lang="en-CA" baseline="-25000">
+                      <a:rPr lang="en-CA" i="0" baseline="-25000">
                         <a:latin typeface="Cambria Math" panose="02040503050406030204" pitchFamily="18" charset="0"/>
                       </a:rPr>
                       <m:t>1</m:t>
@@ -7454,19 +13500,19 @@
                       <m:rPr>
                         <m:sty m:val="p"/>
                       </m:rPr>
-                      <a:rPr lang="en-CA">
+                      <a:rPr lang="en-CA" i="0">
                         <a:latin typeface="Cambria Math" panose="02040503050406030204" pitchFamily="18" charset="0"/>
                       </a:rPr>
                       <m:t>a</m:t>
                     </m:r>
                     <m:r>
-                      <a:rPr lang="en-CA" baseline="-25000">
+                      <a:rPr lang="en-CA" i="0" baseline="-25000">
                         <a:latin typeface="Cambria Math" panose="02040503050406030204" pitchFamily="18" charset="0"/>
                       </a:rPr>
                       <m:t>1</m:t>
                     </m:r>
                     <m:r>
-                      <a:rPr lang="en-CA">
+                      <a:rPr lang="en-CA" i="0">
                         <a:latin typeface="Cambria Math" panose="02040503050406030204" pitchFamily="18" charset="0"/>
                       </a:rPr>
                       <m:t>+</m:t>
@@ -7475,13 +13521,13 @@
                       <m:rPr>
                         <m:sty m:val="p"/>
                       </m:rPr>
-                      <a:rPr lang="en-CA">
+                      <a:rPr lang="en-CA" i="0">
                         <a:latin typeface="Cambria Math" panose="02040503050406030204" pitchFamily="18" charset="0"/>
                       </a:rPr>
                       <m:t>w</m:t>
                     </m:r>
                     <m:r>
-                      <a:rPr lang="en-CA" baseline="-25000">
+                      <a:rPr lang="en-CA" i="0" baseline="-25000">
                         <a:latin typeface="Cambria Math" panose="02040503050406030204" pitchFamily="18" charset="0"/>
                       </a:rPr>
                       <m:t>2</m:t>
@@ -7490,19 +13536,19 @@
                       <m:rPr>
                         <m:sty m:val="p"/>
                       </m:rPr>
-                      <a:rPr lang="en-CA">
+                      <a:rPr lang="en-CA" i="0">
                         <a:latin typeface="Cambria Math" panose="02040503050406030204" pitchFamily="18" charset="0"/>
                       </a:rPr>
                       <m:t>a</m:t>
                     </m:r>
                     <m:r>
-                      <a:rPr lang="en-CA" baseline="-25000">
+                      <a:rPr lang="en-CA" i="0" baseline="-25000">
                         <a:latin typeface="Cambria Math" panose="02040503050406030204" pitchFamily="18" charset="0"/>
                       </a:rPr>
                       <m:t>2</m:t>
                     </m:r>
                     <m:r>
-                      <a:rPr lang="en-CA">
+                      <a:rPr lang="en-CA" i="0">
                         <a:latin typeface="Cambria Math" panose="02040503050406030204" pitchFamily="18" charset="0"/>
                       </a:rPr>
                       <m:t>+…+</m:t>
@@ -7520,7 +13566,7 @@
                           <m:rPr>
                             <m:sty m:val="p"/>
                           </m:rPr>
-                          <a:rPr lang="en-CA">
+                          <a:rPr lang="en-CA" i="0">
                             <a:latin typeface="Cambria Math" panose="02040503050406030204" pitchFamily="18" charset="0"/>
                           </a:rPr>
                           <m:t>w</m:t>
@@ -7531,7 +13577,7 @@
                           <m:rPr>
                             <m:sty m:val="p"/>
                           </m:rPr>
-                          <a:rPr lang="en-CA">
+                          <a:rPr lang="en-CA" i="0">
                             <a:latin typeface="Cambria Math" panose="02040503050406030204" pitchFamily="18" charset="0"/>
                           </a:rPr>
                           <m:t>k</m:t>
@@ -7551,7 +13597,7 @@
                           <m:rPr>
                             <m:sty m:val="p"/>
                           </m:rPr>
-                          <a:rPr lang="en-CA">
+                          <a:rPr lang="en-CA" i="0">
                             <a:latin typeface="Cambria Math" panose="02040503050406030204" pitchFamily="18" charset="0"/>
                           </a:rPr>
                           <m:t>a</m:t>
@@ -7562,7 +13608,7 @@
                           <m:rPr>
                             <m:sty m:val="p"/>
                           </m:rPr>
-                          <a:rPr lang="en-CA">
+                          <a:rPr lang="en-CA" i="0">
                             <a:latin typeface="Cambria Math" panose="02040503050406030204" pitchFamily="18" charset="0"/>
                           </a:rPr>
                           <m:t>k</m:t>
@@ -7570,13 +13616,13 @@
                       </m:sub>
                     </m:sSub>
                     <m:r>
-                      <a:rPr lang="en-CA">
+                      <a:rPr lang="en-CA" i="0">
                         <a:latin typeface="Cambria Math" panose="02040503050406030204" pitchFamily="18" charset="0"/>
                       </a:rPr>
                       <m:t>. </m:t>
                     </m:r>
                     <m:r>
-                      <a:rPr lang="en-CA">
+                      <a:rPr lang="en-CA" i="0">
                         <a:solidFill>
                           <a:schemeClr val="bg1"/>
                         </a:solidFill>
@@ -7598,7 +13644,7 @@
             </p:txBody>
           </p:sp>
         </mc:Choice>
-        <mc:Fallback>
+        <mc:Fallback xmlns="">
           <p:sp>
             <p:nvSpPr>
               <p:cNvPr id="3" name="Content Placeholder 2"/>
@@ -7610,10 +13656,14 @@
               </p:nvPr>
             </p:nvSpPr>
             <p:spPr>
+              <a:xfrm>
+                <a:off x="0" y="1468582"/>
+                <a:ext cx="12192000" cy="5237018"/>
+              </a:xfrm>
               <a:blipFill>
                 <a:blip r:embed="rId2"/>
                 <a:stretch>
-                  <a:fillRect l="-1043" r="-1739"/>
+                  <a:fillRect l="-900"/>
                 </a:stretch>
               </a:blipFill>
             </p:spPr>
@@ -7645,9 +13695,427 @@
   <p:timing>
     <p:tnLst>
       <p:par>
-        <p:cTn id="1" dur="indefinite" restart="never" nodeType="tmRoot"/>
+        <p:cTn id="1" dur="indefinite" restart="never" nodeType="tmRoot">
+          <p:childTnLst>
+            <p:seq concurrent="1" nextAc="seek">
+              <p:cTn id="2" dur="indefinite" nodeType="mainSeq">
+                <p:childTnLst>
+                  <p:par>
+                    <p:cTn id="3" fill="hold">
+                      <p:stCondLst>
+                        <p:cond delay="indefinite"/>
+                      </p:stCondLst>
+                      <p:childTnLst>
+                        <p:par>
+                          <p:cTn id="4" fill="hold">
+                            <p:stCondLst>
+                              <p:cond delay="0"/>
+                            </p:stCondLst>
+                            <p:childTnLst>
+                              <p:par>
+                                <p:cTn id="5" presetID="1" presetClass="entr" presetSubtype="0" fill="hold" grpId="0" nodeType="clickEffect">
+                                  <p:stCondLst>
+                                    <p:cond delay="0"/>
+                                  </p:stCondLst>
+                                  <p:childTnLst>
+                                    <p:set>
+                                      <p:cBhvr>
+                                        <p:cTn id="6" dur="1" fill="hold">
+                                          <p:stCondLst>
+                                            <p:cond delay="0"/>
+                                          </p:stCondLst>
+                                        </p:cTn>
+                                        <p:tgtEl>
+                                          <p:spTgt spid="3">
+                                            <p:txEl>
+                                              <p:pRg st="0" end="0"/>
+                                            </p:txEl>
+                                          </p:spTgt>
+                                        </p:tgtEl>
+                                        <p:attrNameLst>
+                                          <p:attrName>style.visibility</p:attrName>
+                                        </p:attrNameLst>
+                                      </p:cBhvr>
+                                      <p:to>
+                                        <p:strVal val="visible"/>
+                                      </p:to>
+                                    </p:set>
+                                  </p:childTnLst>
+                                </p:cTn>
+                              </p:par>
+                            </p:childTnLst>
+                          </p:cTn>
+                        </p:par>
+                      </p:childTnLst>
+                    </p:cTn>
+                  </p:par>
+                  <p:par>
+                    <p:cTn id="7" fill="hold">
+                      <p:stCondLst>
+                        <p:cond delay="indefinite"/>
+                      </p:stCondLst>
+                      <p:childTnLst>
+                        <p:par>
+                          <p:cTn id="8" fill="hold">
+                            <p:stCondLst>
+                              <p:cond delay="0"/>
+                            </p:stCondLst>
+                            <p:childTnLst>
+                              <p:par>
+                                <p:cTn id="9" presetID="1" presetClass="entr" presetSubtype="0" fill="hold" grpId="0" nodeType="clickEffect">
+                                  <p:stCondLst>
+                                    <p:cond delay="0"/>
+                                  </p:stCondLst>
+                                  <p:childTnLst>
+                                    <p:set>
+                                      <p:cBhvr>
+                                        <p:cTn id="10" dur="1" fill="hold">
+                                          <p:stCondLst>
+                                            <p:cond delay="0"/>
+                                          </p:stCondLst>
+                                        </p:cTn>
+                                        <p:tgtEl>
+                                          <p:spTgt spid="3">
+                                            <p:txEl>
+                                              <p:pRg st="1" end="1"/>
+                                            </p:txEl>
+                                          </p:spTgt>
+                                        </p:tgtEl>
+                                        <p:attrNameLst>
+                                          <p:attrName>style.visibility</p:attrName>
+                                        </p:attrNameLst>
+                                      </p:cBhvr>
+                                      <p:to>
+                                        <p:strVal val="visible"/>
+                                      </p:to>
+                                    </p:set>
+                                  </p:childTnLst>
+                                </p:cTn>
+                              </p:par>
+                            </p:childTnLst>
+                          </p:cTn>
+                        </p:par>
+                      </p:childTnLst>
+                    </p:cTn>
+                  </p:par>
+                  <p:par>
+                    <p:cTn id="11" fill="hold">
+                      <p:stCondLst>
+                        <p:cond delay="indefinite"/>
+                      </p:stCondLst>
+                      <p:childTnLst>
+                        <p:par>
+                          <p:cTn id="12" fill="hold">
+                            <p:stCondLst>
+                              <p:cond delay="0"/>
+                            </p:stCondLst>
+                            <p:childTnLst>
+                              <p:par>
+                                <p:cTn id="13" presetID="1" presetClass="entr" presetSubtype="0" fill="hold" grpId="0" nodeType="clickEffect">
+                                  <p:stCondLst>
+                                    <p:cond delay="0"/>
+                                  </p:stCondLst>
+                                  <p:childTnLst>
+                                    <p:set>
+                                      <p:cBhvr>
+                                        <p:cTn id="14" dur="1" fill="hold">
+                                          <p:stCondLst>
+                                            <p:cond delay="0"/>
+                                          </p:stCondLst>
+                                        </p:cTn>
+                                        <p:tgtEl>
+                                          <p:spTgt spid="3">
+                                            <p:txEl>
+                                              <p:pRg st="2" end="2"/>
+                                            </p:txEl>
+                                          </p:spTgt>
+                                        </p:tgtEl>
+                                        <p:attrNameLst>
+                                          <p:attrName>style.visibility</p:attrName>
+                                        </p:attrNameLst>
+                                      </p:cBhvr>
+                                      <p:to>
+                                        <p:strVal val="visible"/>
+                                      </p:to>
+                                    </p:set>
+                                  </p:childTnLst>
+                                </p:cTn>
+                              </p:par>
+                            </p:childTnLst>
+                          </p:cTn>
+                        </p:par>
+                      </p:childTnLst>
+                    </p:cTn>
+                  </p:par>
+                  <p:par>
+                    <p:cTn id="15" fill="hold">
+                      <p:stCondLst>
+                        <p:cond delay="indefinite"/>
+                      </p:stCondLst>
+                      <p:childTnLst>
+                        <p:par>
+                          <p:cTn id="16" fill="hold">
+                            <p:stCondLst>
+                              <p:cond delay="0"/>
+                            </p:stCondLst>
+                            <p:childTnLst>
+                              <p:par>
+                                <p:cTn id="17" presetID="1" presetClass="entr" presetSubtype="0" fill="hold" grpId="0" nodeType="clickEffect">
+                                  <p:stCondLst>
+                                    <p:cond delay="0"/>
+                                  </p:stCondLst>
+                                  <p:childTnLst>
+                                    <p:set>
+                                      <p:cBhvr>
+                                        <p:cTn id="18" dur="1" fill="hold">
+                                          <p:stCondLst>
+                                            <p:cond delay="0"/>
+                                          </p:stCondLst>
+                                        </p:cTn>
+                                        <p:tgtEl>
+                                          <p:spTgt spid="3">
+                                            <p:txEl>
+                                              <p:pRg st="3" end="3"/>
+                                            </p:txEl>
+                                          </p:spTgt>
+                                        </p:tgtEl>
+                                        <p:attrNameLst>
+                                          <p:attrName>style.visibility</p:attrName>
+                                        </p:attrNameLst>
+                                      </p:cBhvr>
+                                      <p:to>
+                                        <p:strVal val="visible"/>
+                                      </p:to>
+                                    </p:set>
+                                  </p:childTnLst>
+                                </p:cTn>
+                              </p:par>
+                            </p:childTnLst>
+                          </p:cTn>
+                        </p:par>
+                      </p:childTnLst>
+                    </p:cTn>
+                  </p:par>
+                  <p:par>
+                    <p:cTn id="19" fill="hold">
+                      <p:stCondLst>
+                        <p:cond delay="indefinite"/>
+                      </p:stCondLst>
+                      <p:childTnLst>
+                        <p:par>
+                          <p:cTn id="20" fill="hold">
+                            <p:stCondLst>
+                              <p:cond delay="0"/>
+                            </p:stCondLst>
+                            <p:childTnLst>
+                              <p:par>
+                                <p:cTn id="21" presetID="1" presetClass="entr" presetSubtype="0" fill="hold" grpId="0" nodeType="clickEffect">
+                                  <p:stCondLst>
+                                    <p:cond delay="0"/>
+                                  </p:stCondLst>
+                                  <p:childTnLst>
+                                    <p:set>
+                                      <p:cBhvr>
+                                        <p:cTn id="22" dur="1" fill="hold">
+                                          <p:stCondLst>
+                                            <p:cond delay="0"/>
+                                          </p:stCondLst>
+                                        </p:cTn>
+                                        <p:tgtEl>
+                                          <p:spTgt spid="3">
+                                            <p:txEl>
+                                              <p:pRg st="4" end="4"/>
+                                            </p:txEl>
+                                          </p:spTgt>
+                                        </p:tgtEl>
+                                        <p:attrNameLst>
+                                          <p:attrName>style.visibility</p:attrName>
+                                        </p:attrNameLst>
+                                      </p:cBhvr>
+                                      <p:to>
+                                        <p:strVal val="visible"/>
+                                      </p:to>
+                                    </p:set>
+                                  </p:childTnLst>
+                                </p:cTn>
+                              </p:par>
+                            </p:childTnLst>
+                          </p:cTn>
+                        </p:par>
+                      </p:childTnLst>
+                    </p:cTn>
+                  </p:par>
+                  <p:par>
+                    <p:cTn id="23" fill="hold">
+                      <p:stCondLst>
+                        <p:cond delay="indefinite"/>
+                      </p:stCondLst>
+                      <p:childTnLst>
+                        <p:par>
+                          <p:cTn id="24" fill="hold">
+                            <p:stCondLst>
+                              <p:cond delay="0"/>
+                            </p:stCondLst>
+                            <p:childTnLst>
+                              <p:par>
+                                <p:cTn id="25" presetID="1" presetClass="entr" presetSubtype="0" fill="hold" grpId="0" nodeType="clickEffect">
+                                  <p:stCondLst>
+                                    <p:cond delay="0"/>
+                                  </p:stCondLst>
+                                  <p:childTnLst>
+                                    <p:set>
+                                      <p:cBhvr>
+                                        <p:cTn id="26" dur="1" fill="hold">
+                                          <p:stCondLst>
+                                            <p:cond delay="0"/>
+                                          </p:stCondLst>
+                                        </p:cTn>
+                                        <p:tgtEl>
+                                          <p:spTgt spid="3">
+                                            <p:txEl>
+                                              <p:pRg st="5" end="5"/>
+                                            </p:txEl>
+                                          </p:spTgt>
+                                        </p:tgtEl>
+                                        <p:attrNameLst>
+                                          <p:attrName>style.visibility</p:attrName>
+                                        </p:attrNameLst>
+                                      </p:cBhvr>
+                                      <p:to>
+                                        <p:strVal val="visible"/>
+                                      </p:to>
+                                    </p:set>
+                                  </p:childTnLst>
+                                </p:cTn>
+                              </p:par>
+                            </p:childTnLst>
+                          </p:cTn>
+                        </p:par>
+                      </p:childTnLst>
+                    </p:cTn>
+                  </p:par>
+                  <p:par>
+                    <p:cTn id="27" fill="hold">
+                      <p:stCondLst>
+                        <p:cond delay="indefinite"/>
+                      </p:stCondLst>
+                      <p:childTnLst>
+                        <p:par>
+                          <p:cTn id="28" fill="hold">
+                            <p:stCondLst>
+                              <p:cond delay="0"/>
+                            </p:stCondLst>
+                            <p:childTnLst>
+                              <p:par>
+                                <p:cTn id="29" presetID="1" presetClass="entr" presetSubtype="0" fill="hold" grpId="0" nodeType="clickEffect">
+                                  <p:stCondLst>
+                                    <p:cond delay="0"/>
+                                  </p:stCondLst>
+                                  <p:childTnLst>
+                                    <p:set>
+                                      <p:cBhvr>
+                                        <p:cTn id="30" dur="1" fill="hold">
+                                          <p:stCondLst>
+                                            <p:cond delay="0"/>
+                                          </p:stCondLst>
+                                        </p:cTn>
+                                        <p:tgtEl>
+                                          <p:spTgt spid="3">
+                                            <p:txEl>
+                                              <p:pRg st="6" end="6"/>
+                                            </p:txEl>
+                                          </p:spTgt>
+                                        </p:tgtEl>
+                                        <p:attrNameLst>
+                                          <p:attrName>style.visibility</p:attrName>
+                                        </p:attrNameLst>
+                                      </p:cBhvr>
+                                      <p:to>
+                                        <p:strVal val="visible"/>
+                                      </p:to>
+                                    </p:set>
+                                  </p:childTnLst>
+                                </p:cTn>
+                              </p:par>
+                            </p:childTnLst>
+                          </p:cTn>
+                        </p:par>
+                      </p:childTnLst>
+                    </p:cTn>
+                  </p:par>
+                  <p:par>
+                    <p:cTn id="31" fill="hold">
+                      <p:stCondLst>
+                        <p:cond delay="indefinite"/>
+                      </p:stCondLst>
+                      <p:childTnLst>
+                        <p:par>
+                          <p:cTn id="32" fill="hold">
+                            <p:stCondLst>
+                              <p:cond delay="0"/>
+                            </p:stCondLst>
+                            <p:childTnLst>
+                              <p:par>
+                                <p:cTn id="33" presetID="1" presetClass="entr" presetSubtype="0" fill="hold" grpId="0" nodeType="clickEffect">
+                                  <p:stCondLst>
+                                    <p:cond delay="0"/>
+                                  </p:stCondLst>
+                                  <p:childTnLst>
+                                    <p:set>
+                                      <p:cBhvr>
+                                        <p:cTn id="34" dur="1" fill="hold">
+                                          <p:stCondLst>
+                                            <p:cond delay="0"/>
+                                          </p:stCondLst>
+                                        </p:cTn>
+                                        <p:tgtEl>
+                                          <p:spTgt spid="3">
+                                            <p:txEl>
+                                              <p:pRg st="7" end="7"/>
+                                            </p:txEl>
+                                          </p:spTgt>
+                                        </p:tgtEl>
+                                        <p:attrNameLst>
+                                          <p:attrName>style.visibility</p:attrName>
+                                        </p:attrNameLst>
+                                      </p:cBhvr>
+                                      <p:to>
+                                        <p:strVal val="visible"/>
+                                      </p:to>
+                                    </p:set>
+                                  </p:childTnLst>
+                                </p:cTn>
+                              </p:par>
+                            </p:childTnLst>
+                          </p:cTn>
+                        </p:par>
+                      </p:childTnLst>
+                    </p:cTn>
+                  </p:par>
+                </p:childTnLst>
+              </p:cTn>
+              <p:prevCondLst>
+                <p:cond evt="onPrev" delay="0">
+                  <p:tgtEl>
+                    <p:sldTgt/>
+                  </p:tgtEl>
+                </p:cond>
+              </p:prevCondLst>
+              <p:nextCondLst>
+                <p:cond evt="onNext" delay="0">
+                  <p:tgtEl>
+                    <p:sldTgt/>
+                  </p:tgtEl>
+                </p:cond>
+              </p:nextCondLst>
+            </p:seq>
+          </p:childTnLst>
+        </p:cTn>
       </p:par>
     </p:tnLst>
+    <p:bldLst>
+      <p:bldP spid="3" grpId="0" build="p"/>
+    </p:bldLst>
   </p:timing>
 </p:sld>
 </file>
@@ -7679,898 +14147,68 @@
             <p:ph type="title"/>
           </p:nvPr>
         </p:nvSpPr>
-        <p:spPr>
-          <a:xfrm>
-            <a:off x="0" y="0"/>
-            <a:ext cx="11998036" cy="554182"/>
-          </a:xfrm>
-        </p:spPr>
+        <p:spPr/>
         <p:txBody>
-          <a:bodyPr>
-            <a:normAutofit fontScale="90000"/>
-          </a:bodyPr>
+          <a:bodyPr/>
           <a:lstStyle/>
           <a:p>
             <a:r>
               <a:rPr lang="en-CA" dirty="0" smtClean="0"/>
-              <a:t>Logistic Regression and the Logit transformation</a:t>
+              <a:t>Logistic regression</a:t>
             </a:r>
             <a:endParaRPr lang="en-CA" dirty="0"/>
           </a:p>
         </p:txBody>
       </p:sp>
-      <mc:AlternateContent xmlns:mc="http://schemas.openxmlformats.org/markup-compatibility/2006" xmlns:a14="http://schemas.microsoft.com/office/drawing/2010/main">
-        <mc:Choice Requires="a14">
-          <p:sp>
-            <p:nvSpPr>
-              <p:cNvPr id="3" name="Content Placeholder 2"/>
-              <p:cNvSpPr>
-                <a:spLocks noGrp="1"/>
-              </p:cNvSpPr>
-              <p:nvPr>
-                <p:ph idx="1"/>
-              </p:nvPr>
-            </p:nvSpPr>
-            <p:spPr>
-              <a:xfrm>
-                <a:off x="1" y="554181"/>
-                <a:ext cx="12192000" cy="3975597"/>
-              </a:xfrm>
-            </p:spPr>
-            <p:txBody>
-              <a:bodyPr>
-                <a:normAutofit fontScale="85000" lnSpcReduction="20000"/>
-              </a:bodyPr>
-              <a:lstStyle/>
-              <a:p>
-                <a:r>
-                  <a:rPr lang="en-CA" dirty="0" smtClean="0"/>
-                  <a:t>Instead of approximating 0 and 1 values directly (thereby risking illegitimate probability values), </a:t>
-                </a:r>
-                <a:r>
-                  <a:rPr lang="en-CA" b="1" dirty="0" smtClean="0"/>
-                  <a:t>logistic regression builds a linear model based on a transformed target variable</a:t>
-                </a:r>
-              </a:p>
-              <a:p>
-                <a:r>
-                  <a:rPr lang="en-CA" dirty="0"/>
-                  <a:t>Suppose there are only 2 classes, logistic regression replaces the original target variable: </a:t>
-                </a:r>
-                <a:br>
-                  <a:rPr lang="en-CA" dirty="0"/>
-                </a:br>
-                <a:r>
-                  <a:rPr lang="en-CA" dirty="0"/>
-                  <a:t>	</a:t>
-                </a:r>
-                <a14:m>
-                  <m:oMath xmlns:m="http://schemas.openxmlformats.org/officeDocument/2006/math">
-                    <m:r>
-                      <m:rPr>
-                        <m:sty m:val="p"/>
-                      </m:rPr>
-                      <a:rPr lang="en-CA" b="0" i="0" smtClean="0">
-                        <a:latin typeface="Cambria Math" panose="02040503050406030204" pitchFamily="18" charset="0"/>
-                      </a:rPr>
-                      <m:t>p</m:t>
-                    </m:r>
-                    <m:r>
-                      <a:rPr lang="en-CA" i="1">
-                        <a:latin typeface="Cambria Math" panose="02040503050406030204" pitchFamily="18" charset="0"/>
-                      </a:rPr>
-                      <m:t>(1|</m:t>
-                    </m:r>
-                    <m:r>
-                      <a:rPr lang="en-CA" i="1">
-                        <a:latin typeface="Cambria Math" panose="02040503050406030204" pitchFamily="18" charset="0"/>
-                      </a:rPr>
-                      <m:t>𝑎</m:t>
-                    </m:r>
-                    <m:r>
-                      <a:rPr lang="en-CA" i="1" baseline="-25000">
-                        <a:latin typeface="Cambria Math" panose="02040503050406030204" pitchFamily="18" charset="0"/>
-                      </a:rPr>
-                      <m:t>1</m:t>
-                    </m:r>
-                    <m:r>
-                      <a:rPr lang="en-CA" i="1">
-                        <a:latin typeface="Cambria Math" panose="02040503050406030204" pitchFamily="18" charset="0"/>
-                      </a:rPr>
-                      <m:t>,</m:t>
-                    </m:r>
-                    <m:r>
-                      <a:rPr lang="en-CA" i="1">
-                        <a:latin typeface="Cambria Math" panose="02040503050406030204" pitchFamily="18" charset="0"/>
-                      </a:rPr>
-                      <m:t>𝑎</m:t>
-                    </m:r>
-                    <m:r>
-                      <a:rPr lang="en-CA" i="1" baseline="-25000">
-                        <a:latin typeface="Cambria Math" panose="02040503050406030204" pitchFamily="18" charset="0"/>
-                      </a:rPr>
-                      <m:t>2</m:t>
-                    </m:r>
-                    <m:r>
-                      <a:rPr lang="en-CA" i="1">
-                        <a:latin typeface="Cambria Math" panose="02040503050406030204" pitchFamily="18" charset="0"/>
-                      </a:rPr>
-                      <m:t>,…</m:t>
-                    </m:r>
-                    <m:r>
-                      <a:rPr lang="en-CA" i="1">
-                        <a:latin typeface="Cambria Math" panose="02040503050406030204" pitchFamily="18" charset="0"/>
-                      </a:rPr>
-                      <m:t>𝑎𝑘</m:t>
-                    </m:r>
-                    <m:r>
-                      <a:rPr lang="en-CA" i="1">
-                        <a:latin typeface="Cambria Math" panose="02040503050406030204" pitchFamily="18" charset="0"/>
-                      </a:rPr>
-                      <m:t>)</m:t>
-                    </m:r>
-                  </m:oMath>
-                </a14:m>
-                <a:r>
-                  <a:rPr lang="en-CA" dirty="0"/>
-                  <a:t> </a:t>
-                </a:r>
-                <a:r>
-                  <a:rPr lang="en-CA" sz="2400" dirty="0" smtClean="0"/>
-                  <a:t>(cannot be approximated accurately using a linear function)</a:t>
-                </a:r>
-                <a:r>
-                  <a:rPr lang="en-CA" dirty="0" smtClean="0"/>
-                  <a:t/>
-                </a:r>
-                <a:br>
-                  <a:rPr lang="en-CA" dirty="0" smtClean="0"/>
-                </a:br>
-                <a:r>
-                  <a:rPr lang="en-CA" dirty="0" smtClean="0"/>
-                  <a:t>	by:</a:t>
-                </a:r>
-                <a:br>
-                  <a:rPr lang="en-CA" dirty="0" smtClean="0"/>
-                </a:br>
-                <a:r>
-                  <a:rPr lang="en-CA" dirty="0"/>
-                  <a:t>	</a:t>
-                </a:r>
-                <a:r>
-                  <a:rPr lang="en-CA" dirty="0" smtClean="0"/>
-                  <a:t>	 </a:t>
-                </a:r>
-                <a14:m>
-                  <m:oMath xmlns:m="http://schemas.openxmlformats.org/officeDocument/2006/math">
-                    <m:r>
-                      <m:rPr>
-                        <m:sty m:val="p"/>
-                      </m:rPr>
-                      <a:rPr lang="en-CA">
-                        <a:latin typeface="Cambria Math" panose="02040503050406030204" pitchFamily="18" charset="0"/>
-                      </a:rPr>
-                      <m:t>log</m:t>
-                    </m:r>
-                    <m:r>
-                      <a:rPr lang="en-CA" i="1">
-                        <a:latin typeface="Cambria Math" panose="02040503050406030204" pitchFamily="18" charset="0"/>
-                      </a:rPr>
-                      <m:t>⁡(</m:t>
-                    </m:r>
-                    <m:f>
-                      <m:fPr>
-                        <m:ctrlPr>
-                          <a:rPr lang="en-CA" i="1">
-                            <a:latin typeface="Cambria Math" panose="02040503050406030204" pitchFamily="18" charset="0"/>
-                          </a:rPr>
-                        </m:ctrlPr>
-                      </m:fPr>
-                      <m:num>
-                        <m:r>
-                          <a:rPr lang="en-CA" b="0" i="1" smtClean="0">
-                            <a:latin typeface="Cambria Math" panose="02040503050406030204" pitchFamily="18" charset="0"/>
-                          </a:rPr>
-                          <m:t>𝑝</m:t>
-                        </m:r>
-                        <m:d>
-                          <m:dPr>
-                            <m:ctrlPr>
-                              <a:rPr lang="en-CA" i="1">
-                                <a:latin typeface="Cambria Math" panose="02040503050406030204" pitchFamily="18" charset="0"/>
-                              </a:rPr>
-                            </m:ctrlPr>
-                          </m:dPr>
-                          <m:e>
-                            <m:r>
-                              <a:rPr lang="en-CA" i="1">
-                                <a:latin typeface="Cambria Math" panose="02040503050406030204" pitchFamily="18" charset="0"/>
-                              </a:rPr>
-                              <m:t>1</m:t>
-                            </m:r>
-                          </m:e>
-                          <m:e>
-                            <m:r>
-                              <a:rPr lang="en-CA" i="1">
-                                <a:latin typeface="Cambria Math" panose="02040503050406030204" pitchFamily="18" charset="0"/>
-                              </a:rPr>
-                              <m:t>𝑎</m:t>
-                            </m:r>
-                            <m:r>
-                              <a:rPr lang="en-CA" i="1" baseline="-25000">
-                                <a:latin typeface="Cambria Math" panose="02040503050406030204" pitchFamily="18" charset="0"/>
-                              </a:rPr>
-                              <m:t>1</m:t>
-                            </m:r>
-                            <m:r>
-                              <a:rPr lang="en-CA" i="1">
-                                <a:latin typeface="Cambria Math" panose="02040503050406030204" pitchFamily="18" charset="0"/>
-                              </a:rPr>
-                              <m:t>,</m:t>
-                            </m:r>
-                            <m:r>
-                              <a:rPr lang="en-CA" i="1">
-                                <a:latin typeface="Cambria Math" panose="02040503050406030204" pitchFamily="18" charset="0"/>
-                              </a:rPr>
-                              <m:t>𝑎</m:t>
-                            </m:r>
-                            <m:r>
-                              <a:rPr lang="en-CA" i="1" baseline="-25000">
-                                <a:latin typeface="Cambria Math" panose="02040503050406030204" pitchFamily="18" charset="0"/>
-                              </a:rPr>
-                              <m:t>2</m:t>
-                            </m:r>
-                            <m:r>
-                              <a:rPr lang="en-CA" i="1">
-                                <a:latin typeface="Cambria Math" panose="02040503050406030204" pitchFamily="18" charset="0"/>
-                              </a:rPr>
-                              <m:t>,…</m:t>
-                            </m:r>
-                            <m:r>
-                              <a:rPr lang="en-CA" i="1">
-                                <a:latin typeface="Cambria Math" panose="02040503050406030204" pitchFamily="18" charset="0"/>
-                              </a:rPr>
-                              <m:t>𝑎𝑘</m:t>
-                            </m:r>
-                          </m:e>
-                        </m:d>
-                      </m:num>
-                      <m:den>
-                        <m:r>
-                          <a:rPr lang="en-CA" i="1">
-                            <a:latin typeface="Cambria Math" panose="02040503050406030204" pitchFamily="18" charset="0"/>
-                          </a:rPr>
-                          <m:t>1−</m:t>
-                        </m:r>
-                        <m:r>
-                          <a:rPr lang="en-CA" b="0" i="1" smtClean="0">
-                            <a:latin typeface="Cambria Math" panose="02040503050406030204" pitchFamily="18" charset="0"/>
-                          </a:rPr>
-                          <m:t>𝑝</m:t>
-                        </m:r>
-                        <m:d>
-                          <m:dPr>
-                            <m:ctrlPr>
-                              <a:rPr lang="en-CA" i="1">
-                                <a:latin typeface="Cambria Math" panose="02040503050406030204" pitchFamily="18" charset="0"/>
-                              </a:rPr>
-                            </m:ctrlPr>
-                          </m:dPr>
-                          <m:e>
-                            <m:r>
-                              <a:rPr lang="en-CA" i="1">
-                                <a:latin typeface="Cambria Math" panose="02040503050406030204" pitchFamily="18" charset="0"/>
-                              </a:rPr>
-                              <m:t>1</m:t>
-                            </m:r>
-                          </m:e>
-                          <m:e>
-                            <m:r>
-                              <a:rPr lang="en-CA" i="1">
-                                <a:latin typeface="Cambria Math" panose="02040503050406030204" pitchFamily="18" charset="0"/>
-                              </a:rPr>
-                              <m:t>𝑎</m:t>
-                            </m:r>
-                            <m:r>
-                              <a:rPr lang="en-CA" i="1" baseline="-25000">
-                                <a:latin typeface="Cambria Math" panose="02040503050406030204" pitchFamily="18" charset="0"/>
-                              </a:rPr>
-                              <m:t>1</m:t>
-                            </m:r>
-                            <m:r>
-                              <a:rPr lang="en-CA" i="1">
-                                <a:latin typeface="Cambria Math" panose="02040503050406030204" pitchFamily="18" charset="0"/>
-                              </a:rPr>
-                              <m:t>,</m:t>
-                            </m:r>
-                            <m:r>
-                              <a:rPr lang="en-CA" i="1">
-                                <a:latin typeface="Cambria Math" panose="02040503050406030204" pitchFamily="18" charset="0"/>
-                              </a:rPr>
-                              <m:t>𝑎</m:t>
-                            </m:r>
-                            <m:r>
-                              <a:rPr lang="en-CA" i="1" baseline="-25000">
-                                <a:latin typeface="Cambria Math" panose="02040503050406030204" pitchFamily="18" charset="0"/>
-                              </a:rPr>
-                              <m:t>2</m:t>
-                            </m:r>
-                            <m:r>
-                              <a:rPr lang="en-CA" i="1">
-                                <a:latin typeface="Cambria Math" panose="02040503050406030204" pitchFamily="18" charset="0"/>
-                              </a:rPr>
-                              <m:t>,…</m:t>
-                            </m:r>
-                            <m:r>
-                              <a:rPr lang="en-CA" i="1">
-                                <a:latin typeface="Cambria Math" panose="02040503050406030204" pitchFamily="18" charset="0"/>
-                              </a:rPr>
-                              <m:t>𝑎𝑘</m:t>
-                            </m:r>
-                          </m:e>
-                        </m:d>
-                      </m:den>
-                    </m:f>
-                    <m:r>
-                      <a:rPr lang="en-CA" i="1">
-                        <a:latin typeface="Cambria Math" panose="02040503050406030204" pitchFamily="18" charset="0"/>
-                      </a:rPr>
-                      <m:t>)</m:t>
-                    </m:r>
-                  </m:oMath>
-                </a14:m>
-                <a:r>
-                  <a:rPr lang="en-CA" dirty="0" smtClean="0"/>
-                  <a:t> (logit function)</a:t>
-                </a:r>
-                <a:endParaRPr lang="en-CA" dirty="0"/>
-              </a:p>
-              <a:p>
-                <a:r>
-                  <a:rPr lang="en-CA" dirty="0" smtClean="0"/>
-                  <a:t>Resulting values no longer constrained to interval </a:t>
-                </a:r>
-                <a:r>
-                  <a:rPr lang="en-CA" dirty="0" smtClean="0">
-                    <a:latin typeface="Cambria Math" panose="02040503050406030204" pitchFamily="18" charset="0"/>
-                    <a:ea typeface="Cambria Math" panose="02040503050406030204" pitchFamily="18" charset="0"/>
-                  </a:rPr>
-                  <a:t>[0,1], </a:t>
-                </a:r>
-                <a:r>
-                  <a:rPr lang="en-CA" dirty="0" smtClean="0"/>
-                  <a:t>can instead lie from </a:t>
-                </a:r>
-                <a14:m>
-                  <m:oMath xmlns:m="http://schemas.openxmlformats.org/officeDocument/2006/math">
-                    <m:r>
-                      <a:rPr lang="en-CA" b="0" i="0" smtClean="0">
-                        <a:latin typeface="Cambria Math" panose="02040503050406030204" pitchFamily="18" charset="0"/>
-                        <a:ea typeface="Cambria Math" panose="02040503050406030204" pitchFamily="18" charset="0"/>
-                      </a:rPr>
-                      <m:t>[−</m:t>
-                    </m:r>
-                    <m:r>
-                      <a:rPr lang="en-CA" i="1" smtClean="0">
-                        <a:latin typeface="Cambria Math" panose="02040503050406030204" pitchFamily="18" charset="0"/>
-                        <a:ea typeface="Cambria Math" panose="02040503050406030204" pitchFamily="18" charset="0"/>
-                      </a:rPr>
-                      <m:t>∞</m:t>
-                    </m:r>
-                    <m:r>
-                      <a:rPr lang="en-CA" b="0" i="1" smtClean="0">
-                        <a:latin typeface="Cambria Math" panose="02040503050406030204" pitchFamily="18" charset="0"/>
-                        <a:ea typeface="Cambria Math" panose="02040503050406030204" pitchFamily="18" charset="0"/>
-                      </a:rPr>
-                      <m:t>,∞]</m:t>
-                    </m:r>
-                  </m:oMath>
-                </a14:m>
-                <a:endParaRPr lang="en-CA" dirty="0" smtClean="0"/>
-              </a:p>
-              <a:p>
-                <a:r>
-                  <a:rPr lang="en-CA" dirty="0" smtClean="0"/>
-                  <a:t>The transformed variable is approximated using a linear function just like the ones generated by linear regression</a:t>
-                </a:r>
-              </a:p>
-              <a:p>
-                <a:r>
-                  <a:rPr lang="en-CA" dirty="0" smtClean="0"/>
-                  <a:t>The resulting model is:</a:t>
-                </a:r>
-                <a:br>
-                  <a:rPr lang="en-CA" dirty="0" smtClean="0"/>
-                </a:br>
-                <a:r>
-                  <a:rPr lang="en-CA" dirty="0" smtClean="0"/>
-                  <a:t>		</a:t>
-                </a:r>
-                <a14:m>
-                  <m:oMath xmlns:m="http://schemas.openxmlformats.org/officeDocument/2006/math">
-                    <m:r>
-                      <m:rPr>
-                        <m:sty m:val="p"/>
-                      </m:rPr>
-                      <a:rPr lang="en-CA" b="0" i="0" smtClean="0">
-                        <a:latin typeface="Cambria Math" panose="02040503050406030204" pitchFamily="18" charset="0"/>
-                      </a:rPr>
-                      <m:t>p</m:t>
-                    </m:r>
-                    <m:d>
-                      <m:dPr>
-                        <m:ctrlPr>
-                          <a:rPr lang="en-CA" b="0" i="1" smtClean="0">
-                            <a:latin typeface="Cambria Math" panose="02040503050406030204" pitchFamily="18" charset="0"/>
-                          </a:rPr>
-                        </m:ctrlPr>
-                      </m:dPr>
-                      <m:e>
-                        <m:r>
-                          <a:rPr lang="en-CA" b="0" i="1" smtClean="0">
-                            <a:latin typeface="Cambria Math" panose="02040503050406030204" pitchFamily="18" charset="0"/>
-                          </a:rPr>
-                          <m:t>1</m:t>
-                        </m:r>
-                      </m:e>
-                      <m:e>
-                        <m:r>
-                          <a:rPr lang="en-CA" b="0" i="1" smtClean="0">
-                            <a:latin typeface="Cambria Math" panose="02040503050406030204" pitchFamily="18" charset="0"/>
-                          </a:rPr>
-                          <m:t>𝑎</m:t>
-                        </m:r>
-                        <m:r>
-                          <a:rPr lang="en-CA" b="0" i="1" baseline="-25000" smtClean="0">
-                            <a:latin typeface="Cambria Math" panose="02040503050406030204" pitchFamily="18" charset="0"/>
-                          </a:rPr>
-                          <m:t>1</m:t>
-                        </m:r>
-                        <m:r>
-                          <a:rPr lang="en-CA" b="0" i="1" smtClean="0">
-                            <a:latin typeface="Cambria Math" panose="02040503050406030204" pitchFamily="18" charset="0"/>
-                          </a:rPr>
-                          <m:t>,</m:t>
-                        </m:r>
-                        <m:r>
-                          <a:rPr lang="en-CA" b="0" i="1" smtClean="0">
-                            <a:latin typeface="Cambria Math" panose="02040503050406030204" pitchFamily="18" charset="0"/>
-                          </a:rPr>
-                          <m:t>𝑎</m:t>
-                        </m:r>
-                        <m:r>
-                          <a:rPr lang="en-CA" b="0" i="1" baseline="-25000" smtClean="0">
-                            <a:latin typeface="Cambria Math" panose="02040503050406030204" pitchFamily="18" charset="0"/>
-                          </a:rPr>
-                          <m:t>2</m:t>
-                        </m:r>
-                        <m:r>
-                          <a:rPr lang="en-CA" b="0" i="1" smtClean="0">
-                            <a:latin typeface="Cambria Math" panose="02040503050406030204" pitchFamily="18" charset="0"/>
-                          </a:rPr>
-                          <m:t>,…</m:t>
-                        </m:r>
-                        <m:r>
-                          <a:rPr lang="en-CA" b="0" i="1" smtClean="0">
-                            <a:latin typeface="Cambria Math" panose="02040503050406030204" pitchFamily="18" charset="0"/>
-                          </a:rPr>
-                          <m:t>𝑎𝑘</m:t>
-                        </m:r>
-                      </m:e>
-                    </m:d>
-                    <m:r>
-                      <a:rPr lang="en-CA" b="0" i="1" smtClean="0">
-                        <a:latin typeface="Cambria Math" panose="02040503050406030204" pitchFamily="18" charset="0"/>
-                      </a:rPr>
-                      <m:t>= </m:t>
-                    </m:r>
-                    <m:f>
-                      <m:fPr>
-                        <m:type m:val="lin"/>
-                        <m:ctrlPr>
-                          <a:rPr lang="en-CA" b="0" i="1" smtClean="0">
-                            <a:latin typeface="Cambria Math" panose="02040503050406030204" pitchFamily="18" charset="0"/>
-                          </a:rPr>
-                        </m:ctrlPr>
-                      </m:fPr>
-                      <m:num>
-                        <m:r>
-                          <a:rPr lang="en-CA" b="0" i="1" smtClean="0">
-                            <a:latin typeface="Cambria Math" panose="02040503050406030204" pitchFamily="18" charset="0"/>
-                          </a:rPr>
-                          <m:t>1</m:t>
-                        </m:r>
-                      </m:num>
-                      <m:den>
-                        <m:r>
-                          <a:rPr lang="en-CA" b="0" i="1" smtClean="0">
-                            <a:latin typeface="Cambria Math" panose="02040503050406030204" pitchFamily="18" charset="0"/>
-                          </a:rPr>
-                          <m:t>(1+</m:t>
-                        </m:r>
-                        <m:func>
-                          <m:funcPr>
-                            <m:ctrlPr>
-                              <a:rPr lang="en-CA" b="0" i="1" smtClean="0">
-                                <a:latin typeface="Cambria Math" panose="02040503050406030204" pitchFamily="18" charset="0"/>
-                              </a:rPr>
-                            </m:ctrlPr>
-                          </m:funcPr>
-                          <m:fName>
-                            <m:r>
-                              <m:rPr>
-                                <m:sty m:val="p"/>
-                              </m:rPr>
-                              <a:rPr lang="en-CA" b="0" i="0" smtClean="0">
-                                <a:latin typeface="Cambria Math" panose="02040503050406030204" pitchFamily="18" charset="0"/>
-                              </a:rPr>
-                              <m:t>exp</m:t>
-                            </m:r>
-                          </m:fName>
-                          <m:e>
-                            <m:d>
-                              <m:dPr>
-                                <m:ctrlPr>
-                                  <a:rPr lang="en-CA" b="0" i="1" smtClean="0">
-                                    <a:latin typeface="Cambria Math" panose="02040503050406030204" pitchFamily="18" charset="0"/>
-                                  </a:rPr>
-                                </m:ctrlPr>
-                              </m:dPr>
-                              <m:e>
-                                <m:r>
-                                  <a:rPr lang="en-CA" b="0" i="1" smtClean="0">
-                                    <a:latin typeface="Cambria Math" panose="02040503050406030204" pitchFamily="18" charset="0"/>
-                                  </a:rPr>
-                                  <m:t>−</m:t>
-                                </m:r>
-                                <m:r>
-                                  <a:rPr lang="en-CA" b="0" i="1" smtClean="0">
-                                    <a:latin typeface="Cambria Math" panose="02040503050406030204" pitchFamily="18" charset="0"/>
-                                  </a:rPr>
-                                  <m:t>𝑤</m:t>
-                                </m:r>
-                                <m:r>
-                                  <a:rPr lang="en-CA" b="0" i="1" baseline="-25000" smtClean="0">
-                                    <a:latin typeface="Cambria Math" panose="02040503050406030204" pitchFamily="18" charset="0"/>
-                                  </a:rPr>
-                                  <m:t>0</m:t>
-                                </m:r>
-                                <m:r>
-                                  <a:rPr lang="en-CA" b="0" i="1" smtClean="0">
-                                    <a:latin typeface="Cambria Math" panose="02040503050406030204" pitchFamily="18" charset="0"/>
-                                  </a:rPr>
-                                  <m:t>−</m:t>
-                                </m:r>
-                                <m:r>
-                                  <a:rPr lang="en-CA" b="0" i="1" smtClean="0">
-                                    <a:latin typeface="Cambria Math" panose="02040503050406030204" pitchFamily="18" charset="0"/>
-                                  </a:rPr>
-                                  <m:t>𝑤</m:t>
-                                </m:r>
-                                <m:r>
-                                  <a:rPr lang="en-CA" b="0" i="1" baseline="-25000" smtClean="0">
-                                    <a:latin typeface="Cambria Math" panose="02040503050406030204" pitchFamily="18" charset="0"/>
-                                  </a:rPr>
-                                  <m:t>1</m:t>
-                                </m:r>
-                                <m:r>
-                                  <a:rPr lang="en-CA" b="0" i="1" smtClean="0">
-                                    <a:latin typeface="Cambria Math" panose="02040503050406030204" pitchFamily="18" charset="0"/>
-                                  </a:rPr>
-                                  <m:t>𝑎</m:t>
-                                </m:r>
-                                <m:r>
-                                  <a:rPr lang="en-CA" b="0" i="1" baseline="-25000" smtClean="0">
-                                    <a:latin typeface="Cambria Math" panose="02040503050406030204" pitchFamily="18" charset="0"/>
-                                  </a:rPr>
-                                  <m:t>1</m:t>
-                                </m:r>
-                                <m:r>
-                                  <a:rPr lang="en-CA" b="0" i="1" smtClean="0">
-                                    <a:latin typeface="Cambria Math" panose="02040503050406030204" pitchFamily="18" charset="0"/>
-                                  </a:rPr>
-                                  <m:t>…−</m:t>
-                                </m:r>
-                                <m:r>
-                                  <a:rPr lang="en-CA" b="0" i="1" smtClean="0">
-                                    <a:latin typeface="Cambria Math" panose="02040503050406030204" pitchFamily="18" charset="0"/>
-                                  </a:rPr>
-                                  <m:t>𝑤𝑘𝑎𝑘</m:t>
-                                </m:r>
-                              </m:e>
-                            </m:d>
-                          </m:e>
-                        </m:func>
-                        <m:r>
-                          <a:rPr lang="en-CA" b="0" i="1" smtClean="0">
-                            <a:latin typeface="Cambria Math" panose="02040503050406030204" pitchFamily="18" charset="0"/>
-                          </a:rPr>
-                          <m:t>)</m:t>
-                        </m:r>
-                      </m:den>
-                    </m:f>
-                  </m:oMath>
-                </a14:m>
-                <a:endParaRPr lang="en-CA" dirty="0"/>
-              </a:p>
-            </p:txBody>
-          </p:sp>
-        </mc:Choice>
-        <mc:Fallback xmlns="">
-          <p:sp>
-            <p:nvSpPr>
-              <p:cNvPr id="3" name="Content Placeholder 2"/>
-              <p:cNvSpPr>
-                <a:spLocks noGrp="1" noRot="1" noChangeAspect="1" noMove="1" noResize="1" noEditPoints="1" noAdjustHandles="1" noChangeArrowheads="1" noChangeShapeType="1" noTextEdit="1"/>
-              </p:cNvSpPr>
-              <p:nvPr>
-                <p:ph idx="1"/>
-              </p:nvPr>
-            </p:nvSpPr>
-            <p:spPr>
-              <a:xfrm>
-                <a:off x="1" y="554181"/>
-                <a:ext cx="12192000" cy="3975597"/>
-              </a:xfrm>
-              <a:blipFill>
-                <a:blip r:embed="rId2"/>
-                <a:stretch>
-                  <a:fillRect l="-650" t="-3528" b="-14110"/>
-                </a:stretch>
-              </a:blipFill>
-            </p:spPr>
-            <p:txBody>
-              <a:bodyPr/>
-              <a:lstStyle/>
-              <a:p>
-                <a:r>
-                  <a:rPr lang="en-CA">
-                    <a:noFill/>
-                  </a:rPr>
-                  <a:t> </a:t>
-                </a:r>
-              </a:p>
-            </p:txBody>
-          </p:sp>
-        </mc:Fallback>
-      </mc:AlternateContent>
-      <p:pic>
-        <p:nvPicPr>
-          <p:cNvPr id="5" name="Picture 4"/>
-          <p:cNvPicPr>
-            <a:picLocks noChangeAspect="1"/>
-          </p:cNvPicPr>
-          <p:nvPr/>
-        </p:nvPicPr>
-        <p:blipFill>
-          <a:blip r:embed="rId3"/>
-          <a:stretch>
-            <a:fillRect/>
-          </a:stretch>
-        </p:blipFill>
-        <p:spPr>
-          <a:xfrm>
-            <a:off x="609600" y="4176786"/>
-            <a:ext cx="6567055" cy="2614350"/>
-          </a:xfrm>
-          <a:prstGeom prst="rect">
-            <a:avLst/>
-          </a:prstGeom>
-        </p:spPr>
-      </p:pic>
-      <mc:AlternateContent xmlns:mc="http://schemas.openxmlformats.org/markup-compatibility/2006" xmlns:a14="http://schemas.microsoft.com/office/drawing/2010/main">
-        <mc:Choice Requires="a14">
-          <p:sp>
-            <p:nvSpPr>
-              <p:cNvPr id="7" name="TextBox 6"/>
-              <p:cNvSpPr txBox="1"/>
-              <p:nvPr/>
-            </p:nvSpPr>
-            <p:spPr>
-              <a:xfrm>
-                <a:off x="7363690" y="4783293"/>
-                <a:ext cx="4301837" cy="1788246"/>
-              </a:xfrm>
-              <a:prstGeom prst="rect">
-                <a:avLst/>
-              </a:prstGeom>
-              <a:noFill/>
-            </p:spPr>
-            <p:txBody>
-              <a:bodyPr wrap="square" rtlCol="0">
-                <a:spAutoFit/>
-              </a:bodyPr>
-              <a:lstStyle/>
-              <a:p>
-                <a:pPr marL="342900" indent="-342900">
-                  <a:buAutoNum type="alphaUcParenR"/>
-                </a:pPr>
-                <a:r>
-                  <a:rPr lang="en-CA" dirty="0" smtClean="0"/>
-                  <a:t>Transformation function, often called the logit transform or logit function. </a:t>
-                </a:r>
-                <a14:m>
-                  <m:oMath xmlns:m="http://schemas.openxmlformats.org/officeDocument/2006/math">
-                    <m:r>
-                      <m:rPr>
-                        <m:sty m:val="p"/>
-                      </m:rPr>
-                      <a:rPr lang="en-CA" b="0" i="0" smtClean="0">
-                        <a:latin typeface="Cambria Math" panose="02040503050406030204" pitchFamily="18" charset="0"/>
-                      </a:rPr>
-                      <m:t>logit</m:t>
-                    </m:r>
-                    <m:d>
-                      <m:dPr>
-                        <m:ctrlPr>
-                          <a:rPr lang="en-CA" b="0" i="1" smtClean="0">
-                            <a:latin typeface="Cambria Math" panose="02040503050406030204" pitchFamily="18" charset="0"/>
-                          </a:rPr>
-                        </m:ctrlPr>
-                      </m:dPr>
-                      <m:e>
-                        <m:r>
-                          <m:rPr>
-                            <m:sty m:val="p"/>
-                          </m:rPr>
-                          <a:rPr lang="en-CA" b="0" i="0" smtClean="0">
-                            <a:latin typeface="Cambria Math" panose="02040503050406030204" pitchFamily="18" charset="0"/>
-                          </a:rPr>
-                          <m:t>x</m:t>
-                        </m:r>
-                      </m:e>
-                    </m:d>
-                    <m:r>
-                      <a:rPr lang="en-CA" b="0" i="0" smtClean="0">
-                        <a:latin typeface="Cambria Math" panose="02040503050406030204" pitchFamily="18" charset="0"/>
-                      </a:rPr>
-                      <m:t>= </m:t>
-                    </m:r>
-                    <m:f>
-                      <m:fPr>
-                        <m:type m:val="skw"/>
-                        <m:ctrlPr>
-                          <a:rPr lang="en-CA" b="0" i="1" smtClean="0">
-                            <a:latin typeface="Cambria Math" panose="02040503050406030204" pitchFamily="18" charset="0"/>
-                          </a:rPr>
-                        </m:ctrlPr>
-                      </m:fPr>
-                      <m:num>
-                        <m:r>
-                          <a:rPr lang="en-CA" b="0" i="1" smtClean="0">
-                            <a:latin typeface="Cambria Math" panose="02040503050406030204" pitchFamily="18" charset="0"/>
-                          </a:rPr>
-                          <m:t>𝑥</m:t>
-                        </m:r>
-                      </m:num>
-                      <m:den>
-                        <m:r>
-                          <a:rPr lang="en-CA" b="0" i="1" smtClean="0">
-                            <a:latin typeface="Cambria Math" panose="02040503050406030204" pitchFamily="18" charset="0"/>
-                          </a:rPr>
-                          <m:t>(1−</m:t>
-                        </m:r>
-                        <m:r>
-                          <a:rPr lang="en-CA" b="0" i="1" smtClean="0">
-                            <a:latin typeface="Cambria Math" panose="02040503050406030204" pitchFamily="18" charset="0"/>
-                          </a:rPr>
-                          <m:t>𝑥</m:t>
-                        </m:r>
-                        <m:r>
-                          <a:rPr lang="en-CA" b="0" i="1" smtClean="0">
-                            <a:latin typeface="Cambria Math" panose="02040503050406030204" pitchFamily="18" charset="0"/>
-                          </a:rPr>
-                          <m:t>)</m:t>
-                        </m:r>
-                      </m:den>
-                    </m:f>
-                  </m:oMath>
-                </a14:m>
-                <a:endParaRPr lang="en-CA" dirty="0" smtClean="0"/>
-              </a:p>
-              <a:p>
-                <a:pPr marL="342900" indent="-342900">
-                  <a:buAutoNum type="alphaUcParenR"/>
-                </a:pPr>
-                <a:r>
-                  <a:rPr lang="en-CA" dirty="0" smtClean="0"/>
-                  <a:t>One-dimensional logistic regression function, inverse of logit function</a:t>
-                </a:r>
-              </a:p>
-              <a:p>
-                <a:r>
-                  <a:rPr lang="en-CA" dirty="0">
-                    <a:latin typeface="Cambria Math" panose="02040503050406030204" pitchFamily="18" charset="0"/>
-                    <a:ea typeface="Cambria Math" panose="02040503050406030204" pitchFamily="18" charset="0"/>
-                  </a:rPr>
-                  <a:t>	</a:t>
-                </a:r>
-                <a:r>
-                  <a:rPr lang="en-CA" dirty="0" smtClean="0">
-                    <a:latin typeface="Cambria Math" panose="02040503050406030204" pitchFamily="18" charset="0"/>
-                    <a:ea typeface="Cambria Math" panose="02040503050406030204" pitchFamily="18" charset="0"/>
-                  </a:rPr>
-                  <a:t>w</a:t>
-                </a:r>
-                <a:r>
-                  <a:rPr lang="en-CA" baseline="-25000" dirty="0" smtClean="0">
-                    <a:latin typeface="Cambria Math" panose="02040503050406030204" pitchFamily="18" charset="0"/>
-                    <a:ea typeface="Cambria Math" panose="02040503050406030204" pitchFamily="18" charset="0"/>
-                  </a:rPr>
-                  <a:t>0</a:t>
-                </a:r>
-                <a:r>
-                  <a:rPr lang="en-CA" dirty="0" smtClean="0">
-                    <a:latin typeface="Cambria Math" panose="02040503050406030204" pitchFamily="18" charset="0"/>
-                    <a:ea typeface="Cambria Math" panose="02040503050406030204" pitchFamily="18" charset="0"/>
-                  </a:rPr>
-                  <a:t>=-1.25, w</a:t>
-                </a:r>
-                <a:r>
-                  <a:rPr lang="en-CA" baseline="-25000" dirty="0" smtClean="0">
-                    <a:latin typeface="Cambria Math" panose="02040503050406030204" pitchFamily="18" charset="0"/>
-                    <a:ea typeface="Cambria Math" panose="02040503050406030204" pitchFamily="18" charset="0"/>
-                  </a:rPr>
-                  <a:t>1</a:t>
-                </a:r>
-                <a:r>
-                  <a:rPr lang="en-CA" dirty="0" smtClean="0">
-                    <a:latin typeface="Cambria Math" panose="02040503050406030204" pitchFamily="18" charset="0"/>
-                    <a:ea typeface="Cambria Math" panose="02040503050406030204" pitchFamily="18" charset="0"/>
-                  </a:rPr>
-                  <a:t>=0.5</a:t>
-                </a:r>
-                <a:endParaRPr lang="en-CA" dirty="0">
-                  <a:latin typeface="Cambria Math" panose="02040503050406030204" pitchFamily="18" charset="0"/>
-                  <a:ea typeface="Cambria Math" panose="02040503050406030204" pitchFamily="18" charset="0"/>
-                </a:endParaRPr>
-              </a:p>
-            </p:txBody>
-          </p:sp>
-        </mc:Choice>
-        <mc:Fallback xmlns="">
-          <p:sp>
-            <p:nvSpPr>
-              <p:cNvPr id="7" name="TextBox 6"/>
-              <p:cNvSpPr txBox="1">
-                <a:spLocks noRot="1" noChangeAspect="1" noMove="1" noResize="1" noEditPoints="1" noAdjustHandles="1" noChangeArrowheads="1" noChangeShapeType="1" noTextEdit="1"/>
-              </p:cNvSpPr>
-              <p:nvPr/>
-            </p:nvSpPr>
-            <p:spPr>
-              <a:xfrm>
-                <a:off x="7363690" y="4783293"/>
-                <a:ext cx="4301837" cy="1788246"/>
-              </a:xfrm>
-              <a:prstGeom prst="rect">
-                <a:avLst/>
-              </a:prstGeom>
-              <a:blipFill>
-                <a:blip r:embed="rId4"/>
-                <a:stretch>
-                  <a:fillRect l="-1275" t="-2048" b="-4778"/>
-                </a:stretch>
-              </a:blipFill>
-            </p:spPr>
-            <p:txBody>
-              <a:bodyPr/>
-              <a:lstStyle/>
-              <a:p>
-                <a:r>
-                  <a:rPr lang="en-CA">
-                    <a:noFill/>
-                  </a:rPr>
-                  <a:t> </a:t>
-                </a:r>
-              </a:p>
-            </p:txBody>
-          </p:sp>
-        </mc:Fallback>
-      </mc:AlternateContent>
+      <p:sp>
+        <p:nvSpPr>
+          <p:cNvPr id="3" name="Content Placeholder 2"/>
+          <p:cNvSpPr>
+            <a:spLocks noGrp="1"/>
+          </p:cNvSpPr>
+          <p:nvPr>
+            <p:ph idx="1"/>
+          </p:nvPr>
+        </p:nvSpPr>
+        <p:spPr/>
+        <p:txBody>
+          <a:bodyPr/>
+          <a:lstStyle/>
+          <a:p>
+            <a:r>
+              <a:rPr lang="en-CA" dirty="0" smtClean="0"/>
+              <a:t>In logistic regression we are estimating an unknown p for any given linear combination of the independent variables</a:t>
+            </a:r>
+          </a:p>
+          <a:p>
+            <a:r>
+              <a:rPr lang="en-CA" dirty="0" smtClean="0"/>
+              <a:t>The log of the odds ratio (the Logit Link function or Logit) maps the linear combination of variables that could result in any value onto the Bernoulli probability distribution with a domain from 0 to 1</a:t>
+            </a:r>
+          </a:p>
+          <a:p>
+            <a:r>
+              <a:rPr lang="en-CA" dirty="0" smtClean="0"/>
+              <a:t>Logistic regression performs classification, not regression</a:t>
+            </a:r>
+          </a:p>
+          <a:p>
+            <a:r>
+              <a:rPr lang="en-CA" dirty="0" smtClean="0"/>
+              <a:t>In probability theory and statistics, the Bernoulli distribution is the discrete probability distribution of a random variable which takes the value 1 with probability p and the value 0 </a:t>
+            </a:r>
+            <a:r>
+              <a:rPr lang="en-CA" smtClean="0"/>
+              <a:t>with probability 1-p</a:t>
+            </a:r>
+            <a:endParaRPr lang="en-CA" dirty="0"/>
+          </a:p>
+        </p:txBody>
+      </p:sp>
     </p:spTree>
     <p:extLst>
       <p:ext uri="{BB962C8B-B14F-4D97-AF65-F5344CB8AC3E}">
-        <p14:creationId xmlns:p14="http://schemas.microsoft.com/office/powerpoint/2010/main" val="313559509"/>
+        <p14:creationId xmlns:p14="http://schemas.microsoft.com/office/powerpoint/2010/main" val="2091199900"/>
       </p:ext>
     </p:extLst>
   </p:cSld>
@@ -8580,9 +14218,231 @@
   <p:timing>
     <p:tnLst>
       <p:par>
-        <p:cTn id="1" dur="indefinite" restart="never" nodeType="tmRoot"/>
+        <p:cTn id="1" dur="indefinite" restart="never" nodeType="tmRoot">
+          <p:childTnLst>
+            <p:seq concurrent="1" nextAc="seek">
+              <p:cTn id="2" dur="indefinite" nodeType="mainSeq">
+                <p:childTnLst>
+                  <p:par>
+                    <p:cTn id="3" fill="hold">
+                      <p:stCondLst>
+                        <p:cond delay="indefinite"/>
+                      </p:stCondLst>
+                      <p:childTnLst>
+                        <p:par>
+                          <p:cTn id="4" fill="hold">
+                            <p:stCondLst>
+                              <p:cond delay="0"/>
+                            </p:stCondLst>
+                            <p:childTnLst>
+                              <p:par>
+                                <p:cTn id="5" presetID="1" presetClass="entr" presetSubtype="0" fill="hold" grpId="0" nodeType="clickEffect">
+                                  <p:stCondLst>
+                                    <p:cond delay="0"/>
+                                  </p:stCondLst>
+                                  <p:childTnLst>
+                                    <p:set>
+                                      <p:cBhvr>
+                                        <p:cTn id="6" dur="1" fill="hold">
+                                          <p:stCondLst>
+                                            <p:cond delay="0"/>
+                                          </p:stCondLst>
+                                        </p:cTn>
+                                        <p:tgtEl>
+                                          <p:spTgt spid="3">
+                                            <p:txEl>
+                                              <p:pRg st="0" end="0"/>
+                                            </p:txEl>
+                                          </p:spTgt>
+                                        </p:tgtEl>
+                                        <p:attrNameLst>
+                                          <p:attrName>style.visibility</p:attrName>
+                                        </p:attrNameLst>
+                                      </p:cBhvr>
+                                      <p:to>
+                                        <p:strVal val="visible"/>
+                                      </p:to>
+                                    </p:set>
+                                  </p:childTnLst>
+                                </p:cTn>
+                              </p:par>
+                            </p:childTnLst>
+                          </p:cTn>
+                        </p:par>
+                      </p:childTnLst>
+                    </p:cTn>
+                  </p:par>
+                  <p:par>
+                    <p:cTn id="7" fill="hold">
+                      <p:stCondLst>
+                        <p:cond delay="indefinite"/>
+                      </p:stCondLst>
+                      <p:childTnLst>
+                        <p:par>
+                          <p:cTn id="8" fill="hold">
+                            <p:stCondLst>
+                              <p:cond delay="0"/>
+                            </p:stCondLst>
+                            <p:childTnLst>
+                              <p:par>
+                                <p:cTn id="9" presetID="1" presetClass="entr" presetSubtype="0" fill="hold" grpId="0" nodeType="clickEffect">
+                                  <p:stCondLst>
+                                    <p:cond delay="0"/>
+                                  </p:stCondLst>
+                                  <p:childTnLst>
+                                    <p:set>
+                                      <p:cBhvr>
+                                        <p:cTn id="10" dur="1" fill="hold">
+                                          <p:stCondLst>
+                                            <p:cond delay="0"/>
+                                          </p:stCondLst>
+                                        </p:cTn>
+                                        <p:tgtEl>
+                                          <p:spTgt spid="3">
+                                            <p:txEl>
+                                              <p:pRg st="1" end="1"/>
+                                            </p:txEl>
+                                          </p:spTgt>
+                                        </p:tgtEl>
+                                        <p:attrNameLst>
+                                          <p:attrName>style.visibility</p:attrName>
+                                        </p:attrNameLst>
+                                      </p:cBhvr>
+                                      <p:to>
+                                        <p:strVal val="visible"/>
+                                      </p:to>
+                                    </p:set>
+                                  </p:childTnLst>
+                                </p:cTn>
+                              </p:par>
+                            </p:childTnLst>
+                          </p:cTn>
+                        </p:par>
+                      </p:childTnLst>
+                    </p:cTn>
+                  </p:par>
+                  <p:par>
+                    <p:cTn id="11" fill="hold">
+                      <p:stCondLst>
+                        <p:cond delay="indefinite"/>
+                      </p:stCondLst>
+                      <p:childTnLst>
+                        <p:par>
+                          <p:cTn id="12" fill="hold">
+                            <p:stCondLst>
+                              <p:cond delay="0"/>
+                            </p:stCondLst>
+                            <p:childTnLst>
+                              <p:par>
+                                <p:cTn id="13" presetID="1" presetClass="entr" presetSubtype="0" fill="hold" grpId="0" nodeType="clickEffect">
+                                  <p:stCondLst>
+                                    <p:cond delay="0"/>
+                                  </p:stCondLst>
+                                  <p:childTnLst>
+                                    <p:set>
+                                      <p:cBhvr>
+                                        <p:cTn id="14" dur="1" fill="hold">
+                                          <p:stCondLst>
+                                            <p:cond delay="0"/>
+                                          </p:stCondLst>
+                                        </p:cTn>
+                                        <p:tgtEl>
+                                          <p:spTgt spid="3">
+                                            <p:txEl>
+                                              <p:pRg st="2" end="2"/>
+                                            </p:txEl>
+                                          </p:spTgt>
+                                        </p:tgtEl>
+                                        <p:attrNameLst>
+                                          <p:attrName>style.visibility</p:attrName>
+                                        </p:attrNameLst>
+                                      </p:cBhvr>
+                                      <p:to>
+                                        <p:strVal val="visible"/>
+                                      </p:to>
+                                    </p:set>
+                                  </p:childTnLst>
+                                </p:cTn>
+                              </p:par>
+                            </p:childTnLst>
+                          </p:cTn>
+                        </p:par>
+                      </p:childTnLst>
+                    </p:cTn>
+                  </p:par>
+                  <p:par>
+                    <p:cTn id="15" fill="hold">
+                      <p:stCondLst>
+                        <p:cond delay="indefinite"/>
+                      </p:stCondLst>
+                      <p:childTnLst>
+                        <p:par>
+                          <p:cTn id="16" fill="hold">
+                            <p:stCondLst>
+                              <p:cond delay="0"/>
+                            </p:stCondLst>
+                            <p:childTnLst>
+                              <p:par>
+                                <p:cTn id="17" presetID="1" presetClass="entr" presetSubtype="0" fill="hold" grpId="0" nodeType="clickEffect">
+                                  <p:stCondLst>
+                                    <p:cond delay="0"/>
+                                  </p:stCondLst>
+                                  <p:childTnLst>
+                                    <p:set>
+                                      <p:cBhvr>
+                                        <p:cTn id="18" dur="1" fill="hold">
+                                          <p:stCondLst>
+                                            <p:cond delay="0"/>
+                                          </p:stCondLst>
+                                        </p:cTn>
+                                        <p:tgtEl>
+                                          <p:spTgt spid="3">
+                                            <p:txEl>
+                                              <p:pRg st="3" end="3"/>
+                                            </p:txEl>
+                                          </p:spTgt>
+                                        </p:tgtEl>
+                                        <p:attrNameLst>
+                                          <p:attrName>style.visibility</p:attrName>
+                                        </p:attrNameLst>
+                                      </p:cBhvr>
+                                      <p:to>
+                                        <p:strVal val="visible"/>
+                                      </p:to>
+                                    </p:set>
+                                  </p:childTnLst>
+                                </p:cTn>
+                              </p:par>
+                            </p:childTnLst>
+                          </p:cTn>
+                        </p:par>
+                      </p:childTnLst>
+                    </p:cTn>
+                  </p:par>
+                </p:childTnLst>
+              </p:cTn>
+              <p:prevCondLst>
+                <p:cond evt="onPrev" delay="0">
+                  <p:tgtEl>
+                    <p:sldTgt/>
+                  </p:tgtEl>
+                </p:cond>
+              </p:prevCondLst>
+              <p:nextCondLst>
+                <p:cond evt="onNext" delay="0">
+                  <p:tgtEl>
+                    <p:sldTgt/>
+                  </p:tgtEl>
+                </p:cond>
+              </p:nextCondLst>
+            </p:seq>
+          </p:childTnLst>
+        </p:cTn>
       </p:par>
     </p:tnLst>
+    <p:bldLst>
+      <p:bldP spid="3" grpId="0" build="p"/>
+    </p:bldLst>
   </p:timing>
 </p:sld>
 </file>

--- a/Lecture_08.pptx
+++ b/Lecture_08.pptx
@@ -258,7 +258,7 @@
           <a:p>
             <a:fld id="{B7545E61-968A-408A-8F46-894281D3BC8F}" type="datetimeFigureOut">
               <a:rPr lang="en-CA" smtClean="0"/>
-              <a:t>2019-09-20</a:t>
+              <a:t>2019-09-21</a:t>
             </a:fld>
             <a:endParaRPr lang="en-CA"/>
           </a:p>
@@ -428,7 +428,7 @@
           <a:p>
             <a:fld id="{B7545E61-968A-408A-8F46-894281D3BC8F}" type="datetimeFigureOut">
               <a:rPr lang="en-CA" smtClean="0"/>
-              <a:t>2019-09-20</a:t>
+              <a:t>2019-09-21</a:t>
             </a:fld>
             <a:endParaRPr lang="en-CA"/>
           </a:p>
@@ -608,7 +608,7 @@
           <a:p>
             <a:fld id="{B7545E61-968A-408A-8F46-894281D3BC8F}" type="datetimeFigureOut">
               <a:rPr lang="en-CA" smtClean="0"/>
-              <a:t>2019-09-20</a:t>
+              <a:t>2019-09-21</a:t>
             </a:fld>
             <a:endParaRPr lang="en-CA"/>
           </a:p>
@@ -778,7 +778,7 @@
           <a:p>
             <a:fld id="{B7545E61-968A-408A-8F46-894281D3BC8F}" type="datetimeFigureOut">
               <a:rPr lang="en-CA" smtClean="0"/>
-              <a:t>2019-09-20</a:t>
+              <a:t>2019-09-21</a:t>
             </a:fld>
             <a:endParaRPr lang="en-CA"/>
           </a:p>
@@ -1024,7 +1024,7 @@
           <a:p>
             <a:fld id="{B7545E61-968A-408A-8F46-894281D3BC8F}" type="datetimeFigureOut">
               <a:rPr lang="en-CA" smtClean="0"/>
-              <a:t>2019-09-20</a:t>
+              <a:t>2019-09-21</a:t>
             </a:fld>
             <a:endParaRPr lang="en-CA"/>
           </a:p>
@@ -1256,7 +1256,7 @@
           <a:p>
             <a:fld id="{B7545E61-968A-408A-8F46-894281D3BC8F}" type="datetimeFigureOut">
               <a:rPr lang="en-CA" smtClean="0"/>
-              <a:t>2019-09-20</a:t>
+              <a:t>2019-09-21</a:t>
             </a:fld>
             <a:endParaRPr lang="en-CA"/>
           </a:p>
@@ -1623,7 +1623,7 @@
           <a:p>
             <a:fld id="{B7545E61-968A-408A-8F46-894281D3BC8F}" type="datetimeFigureOut">
               <a:rPr lang="en-CA" smtClean="0"/>
-              <a:t>2019-09-20</a:t>
+              <a:t>2019-09-21</a:t>
             </a:fld>
             <a:endParaRPr lang="en-CA"/>
           </a:p>
@@ -1741,7 +1741,7 @@
           <a:p>
             <a:fld id="{B7545E61-968A-408A-8F46-894281D3BC8F}" type="datetimeFigureOut">
               <a:rPr lang="en-CA" smtClean="0"/>
-              <a:t>2019-09-20</a:t>
+              <a:t>2019-09-21</a:t>
             </a:fld>
             <a:endParaRPr lang="en-CA"/>
           </a:p>
@@ -1836,7 +1836,7 @@
           <a:p>
             <a:fld id="{B7545E61-968A-408A-8F46-894281D3BC8F}" type="datetimeFigureOut">
               <a:rPr lang="en-CA" smtClean="0"/>
-              <a:t>2019-09-20</a:t>
+              <a:t>2019-09-21</a:t>
             </a:fld>
             <a:endParaRPr lang="en-CA"/>
           </a:p>
@@ -2113,7 +2113,7 @@
           <a:p>
             <a:fld id="{B7545E61-968A-408A-8F46-894281D3BC8F}" type="datetimeFigureOut">
               <a:rPr lang="en-CA" smtClean="0"/>
-              <a:t>2019-09-20</a:t>
+              <a:t>2019-09-21</a:t>
             </a:fld>
             <a:endParaRPr lang="en-CA"/>
           </a:p>
@@ -2366,7 +2366,7 @@
           <a:p>
             <a:fld id="{B7545E61-968A-408A-8F46-894281D3BC8F}" type="datetimeFigureOut">
               <a:rPr lang="en-CA" smtClean="0"/>
-              <a:t>2019-09-20</a:t>
+              <a:t>2019-09-21</a:t>
             </a:fld>
             <a:endParaRPr lang="en-CA"/>
           </a:p>
@@ -2579,7 +2579,7 @@
           <a:p>
             <a:fld id="{B7545E61-968A-408A-8F46-894281D3BC8F}" type="datetimeFigureOut">
               <a:rPr lang="en-CA" smtClean="0"/>
-              <a:t>2019-09-20</a:t>
+              <a:t>2019-09-21</a:t>
             </a:fld>
             <a:endParaRPr lang="en-CA"/>
           </a:p>
@@ -4660,15 +4660,7 @@
               <a:p>
                 <a:r>
                   <a:rPr lang="en-CA" dirty="0" smtClean="0"/>
-                  <a:t>Can recover odds by </a:t>
-                </a:r>
-                <a:r>
-                  <a:rPr lang="en-CA" dirty="0" err="1" smtClean="0"/>
-                  <a:t>exponentiating</a:t>
-                </a:r>
-                <a:r>
-                  <a:rPr lang="en-CA" dirty="0" smtClean="0"/>
-                  <a:t> log-odds: </a:t>
+                  <a:t>Can recover odds by exponentiating log-odds: </a:t>
                 </a:r>
                 <a14:m>
                   <m:oMath xmlns:m="http://schemas.openxmlformats.org/officeDocument/2006/math">
@@ -8134,11 +8126,7 @@
           <a:p>
             <a:r>
               <a:rPr lang="en-CA" dirty="0" smtClean="0"/>
-              <a:t>Next class: </a:t>
-            </a:r>
-            <a:r>
-              <a:rPr lang="en-CA" dirty="0" smtClean="0"/>
-              <a:t>perceptron</a:t>
+              <a:t>Next class: perceptron</a:t>
             </a:r>
             <a:endParaRPr lang="en-CA" dirty="0"/>
           </a:p>
